--- a/slides/03_ML_MLprojectExample.pptx
+++ b/slides/03_ML_MLprojectExample.pptx
@@ -5,22 +5,23 @@
     <p:sldMasterId id="2147483673" r:id="rId1"/>
   </p:sldMasterIdLst>
   <p:notesMasterIdLst>
-    <p:notesMasterId r:id="rId12"/>
+    <p:notesMasterId r:id="rId13"/>
   </p:notesMasterIdLst>
   <p:handoutMasterIdLst>
-    <p:handoutMasterId r:id="rId13"/>
+    <p:handoutMasterId r:id="rId14"/>
   </p:handoutMasterIdLst>
   <p:sldIdLst>
     <p:sldId id="365" r:id="rId2"/>
-    <p:sldId id="416" r:id="rId3"/>
-    <p:sldId id="430" r:id="rId4"/>
-    <p:sldId id="420" r:id="rId5"/>
-    <p:sldId id="419" r:id="rId6"/>
-    <p:sldId id="421" r:id="rId7"/>
-    <p:sldId id="422" r:id="rId8"/>
-    <p:sldId id="423" r:id="rId9"/>
-    <p:sldId id="428" r:id="rId10"/>
-    <p:sldId id="429" r:id="rId11"/>
+    <p:sldId id="431" r:id="rId3"/>
+    <p:sldId id="416" r:id="rId4"/>
+    <p:sldId id="430" r:id="rId5"/>
+    <p:sldId id="420" r:id="rId6"/>
+    <p:sldId id="419" r:id="rId7"/>
+    <p:sldId id="421" r:id="rId8"/>
+    <p:sldId id="422" r:id="rId9"/>
+    <p:sldId id="423" r:id="rId10"/>
+    <p:sldId id="428" r:id="rId11"/>
+    <p:sldId id="429" r:id="rId12"/>
   </p:sldIdLst>
   <p:sldSz cx="12192000" cy="6858000"/>
   <p:notesSz cx="9144000" cy="6858000"/>
@@ -221,7 +222,7 @@
           <a:p>
             <a:fld id="{83A43D8E-262F-43F1-B0CF-97ED6AAA9912}" type="datetimeFigureOut">
               <a:rPr lang="en-US" smtClean="0"/>
-              <a:t>3/10/2020</a:t>
+              <a:t>3/12/2020</a:t>
             </a:fld>
             <a:endParaRPr lang="en-US"/>
           </a:p>
@@ -398,7 +399,7 @@
           <a:p>
             <a:fld id="{03B42920-386F-4187-8314-27C56E157030}" type="datetimeFigureOut">
               <a:rPr lang="en-US" smtClean="0"/>
-              <a:t>3/10/2020</a:t>
+              <a:t>3/12/2020</a:t>
             </a:fld>
             <a:endParaRPr lang="en-US"/>
           </a:p>
@@ -710,12 +711,40 @@
           <a:lstStyle/>
           <a:p>
             <a:r>
+              <a:rPr lang="en-US" dirty="0"/>
+              <a:t>Task 1: </a:t>
+            </a:r>
+            <a:r>
               <a:rPr lang="en-US" dirty="0" err="1"/>
-              <a:t>ToDo</a:t>
+              <a:t>Implemente</a:t>
             </a:r>
             <a:r>
               <a:rPr lang="en-US" dirty="0"/>
-              <a:t>: What happens with NA’s</a:t>
+              <a:t> </a:t>
+            </a:r>
+            <a:r>
+              <a:rPr lang="en-US" dirty="0" err="1"/>
+              <a:t>Scikit</a:t>
+            </a:r>
+            <a:r>
+              <a:rPr lang="en-US" dirty="0"/>
+              <a:t>-learn </a:t>
+            </a:r>
+            <a:r>
+              <a:rPr lang="en-US" dirty="0" err="1"/>
+              <a:t>OrdinalEncoder</a:t>
+            </a:r>
+            <a:r>
+              <a:rPr lang="en-US" dirty="0"/>
+              <a:t>() using </a:t>
+            </a:r>
+            <a:r>
+              <a:rPr lang="en-US" dirty="0" err="1"/>
+              <a:t>Pandas.Series</a:t>
+            </a:r>
+            <a:r>
+              <a:rPr lang="en-US" dirty="0"/>
+              <a:t>()</a:t>
             </a:r>
           </a:p>
         </p:txBody>
@@ -746,7 +775,7 @@
     </p:spTree>
     <p:extLst>
       <p:ext uri="{BB962C8B-B14F-4D97-AF65-F5344CB8AC3E}">
-        <p14:creationId xmlns:p14="http://schemas.microsoft.com/office/powerpoint/2010/main" val="1730882943"/>
+        <p14:creationId xmlns:p14="http://schemas.microsoft.com/office/powerpoint/2010/main" val="955058820"/>
       </p:ext>
     </p:extLst>
   </p:cSld>
@@ -801,34 +830,39 @@
           <a:lstStyle/>
           <a:p>
             <a:r>
-              <a:rPr lang="en-US" dirty="0">
-                <a:hlinkClick r:id="rId3"/>
-              </a:rPr>
-              <a:t>https://www.datasciencecentral.com/profiles/blogs/automated-machine-learning-hyperparameter-tuning-in-python-a</a:t>
-            </a:r>
-            <a:endParaRPr lang="en-US" dirty="0"/>
-          </a:p>
-          <a:p>
+              <a:rPr lang="en-US" dirty="0"/>
+              <a:t>Task 1: Implement One-hot encoding using </a:t>
+            </a:r>
             <a:r>
               <a:rPr lang="en-US" dirty="0" err="1"/>
-              <a:t>HyperOpt</a:t>
-            </a:r>
-            <a:endParaRPr lang="en-US" dirty="0"/>
-          </a:p>
-          <a:p>
-            <a:r>
-              <a:rPr lang="en-US" dirty="0">
-                <a:hlinkClick r:id="rId4"/>
-              </a:rPr>
-              <a:t>https://ray.readthedocs.io/en/latest/tune</a:t>
-            </a:r>
-            <a:r>
-              <a:rPr lang="en-US">
-                <a:hlinkClick r:id="rId4"/>
-              </a:rPr>
-              <a:t>.html</a:t>
-            </a:r>
-            <a:endParaRPr lang="en-US" dirty="0"/>
+              <a:t>pandas.DataFrame</a:t>
+            </a:r>
+            <a:r>
+              <a:rPr lang="en-US" dirty="0"/>
+              <a:t>()</a:t>
+            </a:r>
+          </a:p>
+          <a:p>
+            <a:r>
+              <a:rPr lang="en-US" dirty="0"/>
+              <a:t>Task 2: What happens with NA’s? Run </a:t>
+            </a:r>
+            <a:r>
+              <a:rPr lang="en-US" dirty="0" err="1"/>
+              <a:t>Scikit</a:t>
+            </a:r>
+            <a:r>
+              <a:rPr lang="en-US" dirty="0"/>
+              <a:t>-learn </a:t>
+            </a:r>
+            <a:r>
+              <a:rPr lang="en-US" dirty="0" err="1"/>
+              <a:t>OneHotEncoder</a:t>
+            </a:r>
+            <a:r>
+              <a:rPr lang="en-US" dirty="0"/>
+              <a:t>()</a:t>
+            </a:r>
           </a:p>
         </p:txBody>
       </p:sp>
@@ -849,7 +883,219 @@
           <a:p>
             <a:fld id="{4C9AD59C-94C8-4AAB-AEDF-FDE77349626C}" type="slidenum">
               <a:rPr lang="en-US" smtClean="0"/>
-              <a:t>10</a:t>
+              <a:t>3</a:t>
+            </a:fld>
+            <a:endParaRPr lang="en-US"/>
+          </a:p>
+        </p:txBody>
+      </p:sp>
+    </p:spTree>
+    <p:extLst>
+      <p:ext uri="{BB962C8B-B14F-4D97-AF65-F5344CB8AC3E}">
+        <p14:creationId xmlns:p14="http://schemas.microsoft.com/office/powerpoint/2010/main" val="1730882943"/>
+      </p:ext>
+    </p:extLst>
+  </p:cSld>
+  <p:clrMapOvr>
+    <a:masterClrMapping/>
+  </p:clrMapOvr>
+</p:notes>
+</file>
+
+<file path=ppt/notesSlides/notesSlide3.xml><?xml version="1.0" encoding="utf-8"?>
+<p:notes xmlns:a="http://schemas.openxmlformats.org/drawingml/2006/main" xmlns:r="http://schemas.openxmlformats.org/officeDocument/2006/relationships" xmlns:p="http://schemas.openxmlformats.org/presentationml/2006/main">
+  <p:cSld>
+    <p:spTree>
+      <p:nvGrpSpPr>
+        <p:cNvPr id="1" name=""/>
+        <p:cNvGrpSpPr/>
+        <p:nvPr/>
+      </p:nvGrpSpPr>
+      <p:grpSpPr>
+        <a:xfrm>
+          <a:off x="0" y="0"/>
+          <a:ext cx="0" cy="0"/>
+          <a:chOff x="0" y="0"/>
+          <a:chExt cx="0" cy="0"/>
+        </a:xfrm>
+      </p:grpSpPr>
+      <p:sp>
+        <p:nvSpPr>
+          <p:cNvPr id="2" name="Slide Image Placeholder 1"/>
+          <p:cNvSpPr>
+            <a:spLocks noGrp="1" noRot="1" noChangeAspect="1"/>
+          </p:cNvSpPr>
+          <p:nvPr>
+            <p:ph type="sldImg"/>
+          </p:nvPr>
+        </p:nvSpPr>
+        <p:spPr/>
+      </p:sp>
+      <p:sp>
+        <p:nvSpPr>
+          <p:cNvPr id="3" name="Notes Placeholder 2"/>
+          <p:cNvSpPr>
+            <a:spLocks noGrp="1"/>
+          </p:cNvSpPr>
+          <p:nvPr>
+            <p:ph type="body" idx="1"/>
+          </p:nvPr>
+        </p:nvSpPr>
+        <p:spPr/>
+        <p:txBody>
+          <a:bodyPr/>
+          <a:lstStyle/>
+          <a:p>
+            <a:r>
+              <a:rPr lang="en-US" dirty="0"/>
+              <a:t>Fit </a:t>
+            </a:r>
+            <a:r>
+              <a:rPr lang="en-US" dirty="0" err="1"/>
+              <a:t>LinearRegressor</a:t>
+            </a:r>
+            <a:r>
+              <a:rPr lang="en-US" dirty="0"/>
+              <a:t>() for the dataset </a:t>
+            </a:r>
+            <a:r>
+              <a:rPr lang="en-US"/>
+              <a:t>in presentation 02_ML_Linear_modelsA.pptx</a:t>
+            </a:r>
+            <a:endParaRPr lang="en-US" dirty="0"/>
+          </a:p>
+        </p:txBody>
+      </p:sp>
+      <p:sp>
+        <p:nvSpPr>
+          <p:cNvPr id="4" name="Slide Number Placeholder 3"/>
+          <p:cNvSpPr>
+            <a:spLocks noGrp="1"/>
+          </p:cNvSpPr>
+          <p:nvPr>
+            <p:ph type="sldNum" sz="quarter" idx="5"/>
+          </p:nvPr>
+        </p:nvSpPr>
+        <p:spPr/>
+        <p:txBody>
+          <a:bodyPr/>
+          <a:lstStyle/>
+          <a:p>
+            <a:fld id="{4C9AD59C-94C8-4AAB-AEDF-FDE77349626C}" type="slidenum">
+              <a:rPr lang="en-US" smtClean="0"/>
+              <a:t>4</a:t>
+            </a:fld>
+            <a:endParaRPr lang="en-US"/>
+          </a:p>
+        </p:txBody>
+      </p:sp>
+    </p:spTree>
+    <p:extLst>
+      <p:ext uri="{BB962C8B-B14F-4D97-AF65-F5344CB8AC3E}">
+        <p14:creationId xmlns:p14="http://schemas.microsoft.com/office/powerpoint/2010/main" val="2645525576"/>
+      </p:ext>
+    </p:extLst>
+  </p:cSld>
+  <p:clrMapOvr>
+    <a:masterClrMapping/>
+  </p:clrMapOvr>
+</p:notes>
+</file>
+
+<file path=ppt/notesSlides/notesSlide4.xml><?xml version="1.0" encoding="utf-8"?>
+<p:notes xmlns:a="http://schemas.openxmlformats.org/drawingml/2006/main" xmlns:r="http://schemas.openxmlformats.org/officeDocument/2006/relationships" xmlns:p="http://schemas.openxmlformats.org/presentationml/2006/main">
+  <p:cSld>
+    <p:spTree>
+      <p:nvGrpSpPr>
+        <p:cNvPr id="1" name=""/>
+        <p:cNvGrpSpPr/>
+        <p:nvPr/>
+      </p:nvGrpSpPr>
+      <p:grpSpPr>
+        <a:xfrm>
+          <a:off x="0" y="0"/>
+          <a:ext cx="0" cy="0"/>
+          <a:chOff x="0" y="0"/>
+          <a:chExt cx="0" cy="0"/>
+        </a:xfrm>
+      </p:grpSpPr>
+      <p:sp>
+        <p:nvSpPr>
+          <p:cNvPr id="2" name="Slide Image Placeholder 1"/>
+          <p:cNvSpPr>
+            <a:spLocks noGrp="1" noRot="1" noChangeAspect="1"/>
+          </p:cNvSpPr>
+          <p:nvPr>
+            <p:ph type="sldImg"/>
+          </p:nvPr>
+        </p:nvSpPr>
+        <p:spPr/>
+      </p:sp>
+      <p:sp>
+        <p:nvSpPr>
+          <p:cNvPr id="3" name="Notes Placeholder 2"/>
+          <p:cNvSpPr>
+            <a:spLocks noGrp="1"/>
+          </p:cNvSpPr>
+          <p:nvPr>
+            <p:ph type="body" idx="1"/>
+          </p:nvPr>
+        </p:nvSpPr>
+        <p:spPr/>
+        <p:txBody>
+          <a:bodyPr/>
+          <a:lstStyle/>
+          <a:p>
+            <a:r>
+              <a:rPr lang="en-US" dirty="0">
+                <a:hlinkClick r:id="rId3"/>
+              </a:rPr>
+              <a:t>https://www.datasciencecentral.com/profiles/blogs/automated-machine-learning-hyperparameter-tuning-in-python-a</a:t>
+            </a:r>
+            <a:endParaRPr lang="en-US" dirty="0"/>
+          </a:p>
+          <a:p>
+            <a:r>
+              <a:rPr lang="en-US" dirty="0" err="1"/>
+              <a:t>HyperOpt</a:t>
+            </a:r>
+            <a:endParaRPr lang="en-US" dirty="0"/>
+          </a:p>
+          <a:p>
+            <a:r>
+              <a:rPr lang="en-US" dirty="0">
+                <a:hlinkClick r:id="rId4"/>
+              </a:rPr>
+              <a:t>https://ray.readthedocs.io/en/latest/tune</a:t>
+            </a:r>
+            <a:r>
+              <a:rPr lang="en-US">
+                <a:hlinkClick r:id="rId4"/>
+              </a:rPr>
+              <a:t>.html</a:t>
+            </a:r>
+            <a:endParaRPr lang="en-US" dirty="0"/>
+          </a:p>
+        </p:txBody>
+      </p:sp>
+      <p:sp>
+        <p:nvSpPr>
+          <p:cNvPr id="4" name="Slide Number Placeholder 3"/>
+          <p:cNvSpPr>
+            <a:spLocks noGrp="1"/>
+          </p:cNvSpPr>
+          <p:nvPr>
+            <p:ph type="sldNum" sz="quarter" idx="5"/>
+          </p:nvPr>
+        </p:nvSpPr>
+        <p:spPr/>
+        <p:txBody>
+          <a:bodyPr/>
+          <a:lstStyle/>
+          <a:p>
+            <a:fld id="{4C9AD59C-94C8-4AAB-AEDF-FDE77349626C}" type="slidenum">
+              <a:rPr lang="en-US" smtClean="0"/>
+              <a:t>11</a:t>
             </a:fld>
             <a:endParaRPr lang="en-US"/>
           </a:p>
@@ -999,7 +1245,7 @@
           <a:p>
             <a:fld id="{FE070745-F5EF-4AE3-92EF-0934EDED1862}" type="datetimeFigureOut">
               <a:rPr lang="en-US" smtClean="0"/>
-              <a:t>3/10/2020</a:t>
+              <a:t>3/12/2020</a:t>
             </a:fld>
             <a:endParaRPr lang="en-US"/>
           </a:p>
@@ -1169,7 +1415,7 @@
           <a:p>
             <a:fld id="{FE070745-F5EF-4AE3-92EF-0934EDED1862}" type="datetimeFigureOut">
               <a:rPr lang="en-US" smtClean="0"/>
-              <a:t>3/10/2020</a:t>
+              <a:t>3/12/2020</a:t>
             </a:fld>
             <a:endParaRPr lang="en-US"/>
           </a:p>
@@ -1349,7 +1595,7 @@
           <a:p>
             <a:fld id="{FE070745-F5EF-4AE3-92EF-0934EDED1862}" type="datetimeFigureOut">
               <a:rPr lang="en-US" smtClean="0"/>
-              <a:t>3/10/2020</a:t>
+              <a:t>3/12/2020</a:t>
             </a:fld>
             <a:endParaRPr lang="en-US"/>
           </a:p>
@@ -1519,7 +1765,7 @@
           <a:p>
             <a:fld id="{FE070745-F5EF-4AE3-92EF-0934EDED1862}" type="datetimeFigureOut">
               <a:rPr lang="en-US" smtClean="0"/>
-              <a:t>3/10/2020</a:t>
+              <a:t>3/12/2020</a:t>
             </a:fld>
             <a:endParaRPr lang="en-US"/>
           </a:p>
@@ -1765,7 +2011,7 @@
           <a:p>
             <a:fld id="{FE070745-F5EF-4AE3-92EF-0934EDED1862}" type="datetimeFigureOut">
               <a:rPr lang="en-US" smtClean="0"/>
-              <a:t>3/10/2020</a:t>
+              <a:t>3/12/2020</a:t>
             </a:fld>
             <a:endParaRPr lang="en-US"/>
           </a:p>
@@ -1997,7 +2243,7 @@
           <a:p>
             <a:fld id="{FE070745-F5EF-4AE3-92EF-0934EDED1862}" type="datetimeFigureOut">
               <a:rPr lang="en-US" smtClean="0"/>
-              <a:t>3/10/2020</a:t>
+              <a:t>3/12/2020</a:t>
             </a:fld>
             <a:endParaRPr lang="en-US"/>
           </a:p>
@@ -2364,7 +2610,7 @@
           <a:p>
             <a:fld id="{FE070745-F5EF-4AE3-92EF-0934EDED1862}" type="datetimeFigureOut">
               <a:rPr lang="en-US" smtClean="0"/>
-              <a:t>3/10/2020</a:t>
+              <a:t>3/12/2020</a:t>
             </a:fld>
             <a:endParaRPr lang="en-US"/>
           </a:p>
@@ -2482,7 +2728,7 @@
           <a:p>
             <a:fld id="{FE070745-F5EF-4AE3-92EF-0934EDED1862}" type="datetimeFigureOut">
               <a:rPr lang="en-US" smtClean="0"/>
-              <a:t>3/10/2020</a:t>
+              <a:t>3/12/2020</a:t>
             </a:fld>
             <a:endParaRPr lang="en-US"/>
           </a:p>
@@ -2577,7 +2823,7 @@
           <a:p>
             <a:fld id="{FE070745-F5EF-4AE3-92EF-0934EDED1862}" type="datetimeFigureOut">
               <a:rPr lang="en-US" smtClean="0"/>
-              <a:t>3/10/2020</a:t>
+              <a:t>3/12/2020</a:t>
             </a:fld>
             <a:endParaRPr lang="en-US"/>
           </a:p>
@@ -2854,7 +3100,7 @@
           <a:p>
             <a:fld id="{FE070745-F5EF-4AE3-92EF-0934EDED1862}" type="datetimeFigureOut">
               <a:rPr lang="en-US" smtClean="0"/>
-              <a:t>3/10/2020</a:t>
+              <a:t>3/12/2020</a:t>
             </a:fld>
             <a:endParaRPr lang="en-US"/>
           </a:p>
@@ -3111,7 +3357,7 @@
           <a:p>
             <a:fld id="{FE070745-F5EF-4AE3-92EF-0934EDED1862}" type="datetimeFigureOut">
               <a:rPr lang="en-US" smtClean="0"/>
-              <a:t>3/10/2020</a:t>
+              <a:t>3/12/2020</a:t>
             </a:fld>
             <a:endParaRPr lang="en-US"/>
           </a:p>
@@ -3324,7 +3570,7 @@
           <a:p>
             <a:fld id="{FE070745-F5EF-4AE3-92EF-0934EDED1862}" type="datetimeFigureOut">
               <a:rPr lang="en-US" smtClean="0"/>
-              <a:t>3/10/2020</a:t>
+              <a:t>3/12/2020</a:t>
             </a:fld>
             <a:endParaRPr lang="en-US"/>
           </a:p>
@@ -3812,6 +4058,511 @@
           <a:chExt cx="0" cy="0"/>
         </a:xfrm>
       </p:grpSpPr>
+      <mc:AlternateContent xmlns:mc="http://schemas.openxmlformats.org/markup-compatibility/2006" xmlns:a14="http://schemas.microsoft.com/office/drawing/2010/main">
+        <mc:Choice Requires="a14">
+          <p:sp>
+            <p:nvSpPr>
+              <p:cNvPr id="2" name="Title 1">
+                <a:extLst>
+                  <a:ext uri="{FF2B5EF4-FFF2-40B4-BE49-F238E27FC236}">
+                    <a16:creationId xmlns:a16="http://schemas.microsoft.com/office/drawing/2014/main" id="{990329C2-5249-4701-BDFC-8C73EC78B4FD}"/>
+                  </a:ext>
+                </a:extLst>
+              </p:cNvPr>
+              <p:cNvSpPr>
+                <a:spLocks noGrp="1"/>
+              </p:cNvSpPr>
+              <p:nvPr>
+                <p:ph type="title"/>
+              </p:nvPr>
+            </p:nvSpPr>
+            <p:spPr/>
+            <p:txBody>
+              <a:bodyPr/>
+              <a:lstStyle/>
+              <a:p>
+                <a14:m>
+                  <m:oMath xmlns:m="http://schemas.openxmlformats.org/officeDocument/2006/math">
+                    <m:r>
+                      <a:rPr lang="en-US" b="0" i="1" smtClean="0">
+                        <a:latin typeface="Cambria Math" panose="02040503050406030204" pitchFamily="18" charset="0"/>
+                      </a:rPr>
+                      <m:t>𝐾</m:t>
+                    </m:r>
+                  </m:oMath>
+                </a14:m>
+                <a:r>
+                  <a:rPr lang="en-US" dirty="0"/>
+                  <a:t>-fold cross-validation</a:t>
+                </a:r>
+              </a:p>
+            </p:txBody>
+          </p:sp>
+        </mc:Choice>
+        <mc:Fallback xmlns="">
+          <p:sp>
+            <p:nvSpPr>
+              <p:cNvPr id="2" name="Title 1">
+                <a:extLst>
+                  <a:ext uri="{FF2B5EF4-FFF2-40B4-BE49-F238E27FC236}">
+                    <a16:creationId xmlns:a16="http://schemas.microsoft.com/office/drawing/2014/main" id="{990329C2-5249-4701-BDFC-8C73EC78B4FD}"/>
+                  </a:ext>
+                </a:extLst>
+              </p:cNvPr>
+              <p:cNvSpPr>
+                <a:spLocks noGrp="1" noRot="1" noChangeAspect="1" noMove="1" noResize="1" noEditPoints="1" noAdjustHandles="1" noChangeArrowheads="1" noChangeShapeType="1" noTextEdit="1"/>
+              </p:cNvSpPr>
+              <p:nvPr>
+                <p:ph type="title"/>
+              </p:nvPr>
+            </p:nvSpPr>
+            <p:spPr>
+              <a:blipFill>
+                <a:blip r:embed="rId2"/>
+                <a:stretch>
+                  <a:fillRect/>
+                </a:stretch>
+              </a:blipFill>
+            </p:spPr>
+            <p:txBody>
+              <a:bodyPr/>
+              <a:lstStyle/>
+              <a:p>
+                <a:r>
+                  <a:rPr lang="en-US">
+                    <a:noFill/>
+                  </a:rPr>
+                  <a:t> </a:t>
+                </a:r>
+              </a:p>
+            </p:txBody>
+          </p:sp>
+        </mc:Fallback>
+      </mc:AlternateContent>
+      <p:sp>
+        <p:nvSpPr>
+          <p:cNvPr id="4" name="Rectangle 3">
+            <a:extLst>
+              <a:ext uri="{FF2B5EF4-FFF2-40B4-BE49-F238E27FC236}">
+                <a16:creationId xmlns:a16="http://schemas.microsoft.com/office/drawing/2014/main" id="{0DC906FA-0250-41D5-A8C8-51025A70C2BF}"/>
+              </a:ext>
+            </a:extLst>
+          </p:cNvPr>
+          <p:cNvSpPr/>
+          <p:nvPr/>
+        </p:nvSpPr>
+        <p:spPr>
+          <a:xfrm>
+            <a:off x="2159876" y="4524702"/>
+            <a:ext cx="2096814" cy="804041"/>
+          </a:xfrm>
+          <a:prstGeom prst="rect">
+            <a:avLst/>
+          </a:prstGeom>
+          <a:solidFill>
+            <a:srgbClr val="00B050"/>
+          </a:solidFill>
+          <a:ln w="38100">
+            <a:solidFill>
+              <a:schemeClr val="accent1">
+                <a:lumMod val="50000"/>
+              </a:schemeClr>
+            </a:solidFill>
+          </a:ln>
+        </p:spPr>
+        <p:style>
+          <a:lnRef idx="2">
+            <a:schemeClr val="accent1">
+              <a:shade val="50000"/>
+            </a:schemeClr>
+          </a:lnRef>
+          <a:fillRef idx="1">
+            <a:schemeClr val="accent1"/>
+          </a:fillRef>
+          <a:effectRef idx="0">
+            <a:schemeClr val="accent1"/>
+          </a:effectRef>
+          <a:fontRef idx="minor">
+            <a:schemeClr val="lt1"/>
+          </a:fontRef>
+        </p:style>
+        <p:txBody>
+          <a:bodyPr rtlCol="0" anchor="ctr"/>
+          <a:lstStyle/>
+          <a:p>
+            <a:pPr algn="ctr"/>
+            <a:r>
+              <a:rPr lang="en-US" sz="2400" b="1" dirty="0"/>
+              <a:t>Validation Set</a:t>
+            </a:r>
+          </a:p>
+        </p:txBody>
+      </p:sp>
+      <p:sp>
+        <p:nvSpPr>
+          <p:cNvPr id="9" name="Rectangle 8">
+            <a:extLst>
+              <a:ext uri="{FF2B5EF4-FFF2-40B4-BE49-F238E27FC236}">
+                <a16:creationId xmlns:a16="http://schemas.microsoft.com/office/drawing/2014/main" id="{D9E07790-140A-481D-81A4-AFD0ED127989}"/>
+              </a:ext>
+            </a:extLst>
+          </p:cNvPr>
+          <p:cNvSpPr/>
+          <p:nvPr/>
+        </p:nvSpPr>
+        <p:spPr>
+          <a:xfrm>
+            <a:off x="2159876" y="2112581"/>
+            <a:ext cx="2096814" cy="804041"/>
+          </a:xfrm>
+          <a:prstGeom prst="rect">
+            <a:avLst/>
+          </a:prstGeom>
+          <a:ln w="38100">
+            <a:solidFill>
+              <a:schemeClr val="accent1">
+                <a:lumMod val="50000"/>
+              </a:schemeClr>
+            </a:solidFill>
+          </a:ln>
+        </p:spPr>
+        <p:style>
+          <a:lnRef idx="2">
+            <a:schemeClr val="accent1">
+              <a:shade val="50000"/>
+            </a:schemeClr>
+          </a:lnRef>
+          <a:fillRef idx="1">
+            <a:schemeClr val="accent1"/>
+          </a:fillRef>
+          <a:effectRef idx="0">
+            <a:schemeClr val="accent1"/>
+          </a:effectRef>
+          <a:fontRef idx="minor">
+            <a:schemeClr val="lt1"/>
+          </a:fontRef>
+        </p:style>
+        <p:txBody>
+          <a:bodyPr rtlCol="0" anchor="ctr"/>
+          <a:lstStyle/>
+          <a:p>
+            <a:pPr algn="ctr"/>
+            <a:r>
+              <a:rPr lang="en-US" sz="2400" b="1" dirty="0"/>
+              <a:t>Training Set</a:t>
+            </a:r>
+          </a:p>
+        </p:txBody>
+      </p:sp>
+      <p:sp>
+        <p:nvSpPr>
+          <p:cNvPr id="10" name="Rectangle 9">
+            <a:extLst>
+              <a:ext uri="{FF2B5EF4-FFF2-40B4-BE49-F238E27FC236}">
+                <a16:creationId xmlns:a16="http://schemas.microsoft.com/office/drawing/2014/main" id="{D4702EF9-7A49-4785-9CA9-49BD241B3DB1}"/>
+              </a:ext>
+            </a:extLst>
+          </p:cNvPr>
+          <p:cNvSpPr/>
+          <p:nvPr/>
+        </p:nvSpPr>
+        <p:spPr>
+          <a:xfrm>
+            <a:off x="2159876" y="2916621"/>
+            <a:ext cx="2096814" cy="804041"/>
+          </a:xfrm>
+          <a:prstGeom prst="rect">
+            <a:avLst/>
+          </a:prstGeom>
+          <a:ln w="38100">
+            <a:solidFill>
+              <a:schemeClr val="accent1">
+                <a:lumMod val="50000"/>
+              </a:schemeClr>
+            </a:solidFill>
+          </a:ln>
+        </p:spPr>
+        <p:style>
+          <a:lnRef idx="2">
+            <a:schemeClr val="accent1">
+              <a:shade val="50000"/>
+            </a:schemeClr>
+          </a:lnRef>
+          <a:fillRef idx="1">
+            <a:schemeClr val="accent1"/>
+          </a:fillRef>
+          <a:effectRef idx="0">
+            <a:schemeClr val="accent1"/>
+          </a:effectRef>
+          <a:fontRef idx="minor">
+            <a:schemeClr val="lt1"/>
+          </a:fontRef>
+        </p:style>
+        <p:txBody>
+          <a:bodyPr rtlCol="0" anchor="ctr"/>
+          <a:lstStyle/>
+          <a:p>
+            <a:pPr algn="ctr"/>
+            <a:r>
+              <a:rPr lang="en-US" sz="2400" b="1" dirty="0"/>
+              <a:t>Training Set</a:t>
+            </a:r>
+          </a:p>
+        </p:txBody>
+      </p:sp>
+      <p:sp>
+        <p:nvSpPr>
+          <p:cNvPr id="11" name="Rectangle 10">
+            <a:extLst>
+              <a:ext uri="{FF2B5EF4-FFF2-40B4-BE49-F238E27FC236}">
+                <a16:creationId xmlns:a16="http://schemas.microsoft.com/office/drawing/2014/main" id="{299CED0C-CFD6-4C0A-A597-3119782DD8C0}"/>
+              </a:ext>
+            </a:extLst>
+          </p:cNvPr>
+          <p:cNvSpPr/>
+          <p:nvPr/>
+        </p:nvSpPr>
+        <p:spPr>
+          <a:xfrm>
+            <a:off x="2159876" y="3720662"/>
+            <a:ext cx="2096814" cy="804041"/>
+          </a:xfrm>
+          <a:prstGeom prst="rect">
+            <a:avLst/>
+          </a:prstGeom>
+          <a:ln w="38100">
+            <a:solidFill>
+              <a:schemeClr val="accent1">
+                <a:lumMod val="50000"/>
+              </a:schemeClr>
+            </a:solidFill>
+          </a:ln>
+        </p:spPr>
+        <p:style>
+          <a:lnRef idx="2">
+            <a:schemeClr val="accent1">
+              <a:shade val="50000"/>
+            </a:schemeClr>
+          </a:lnRef>
+          <a:fillRef idx="1">
+            <a:schemeClr val="accent1"/>
+          </a:fillRef>
+          <a:effectRef idx="0">
+            <a:schemeClr val="accent1"/>
+          </a:effectRef>
+          <a:fontRef idx="minor">
+            <a:schemeClr val="lt1"/>
+          </a:fontRef>
+        </p:style>
+        <p:txBody>
+          <a:bodyPr rtlCol="0" anchor="ctr"/>
+          <a:lstStyle/>
+          <a:p>
+            <a:pPr algn="ctr"/>
+            <a:r>
+              <a:rPr lang="en-US" sz="2400" b="1" dirty="0"/>
+              <a:t>Training Set</a:t>
+            </a:r>
+          </a:p>
+        </p:txBody>
+      </p:sp>
+      <p:sp>
+        <p:nvSpPr>
+          <p:cNvPr id="7" name="TextBox 6">
+            <a:extLst>
+              <a:ext uri="{FF2B5EF4-FFF2-40B4-BE49-F238E27FC236}">
+                <a16:creationId xmlns:a16="http://schemas.microsoft.com/office/drawing/2014/main" id="{8A7D4A9F-ACE2-46D2-BAA2-90F86D7C9A72}"/>
+              </a:ext>
+            </a:extLst>
+          </p:cNvPr>
+          <p:cNvSpPr txBox="1"/>
+          <p:nvPr/>
+        </p:nvSpPr>
+        <p:spPr>
+          <a:xfrm>
+            <a:off x="5407572" y="2052935"/>
+            <a:ext cx="3200400" cy="461665"/>
+          </a:xfrm>
+          <a:prstGeom prst="rect">
+            <a:avLst/>
+          </a:prstGeom>
+          <a:noFill/>
+        </p:spPr>
+        <p:txBody>
+          <a:bodyPr wrap="square" rtlCol="0">
+            <a:spAutoFit/>
+          </a:bodyPr>
+          <a:lstStyle/>
+          <a:p>
+            <a:r>
+              <a:rPr lang="en-US" sz="2400" dirty="0"/>
+              <a:t>4-fold cross-validation</a:t>
+            </a:r>
+          </a:p>
+        </p:txBody>
+      </p:sp>
+      <p:sp>
+        <p:nvSpPr>
+          <p:cNvPr id="8" name="TextBox 7">
+            <a:extLst>
+              <a:ext uri="{FF2B5EF4-FFF2-40B4-BE49-F238E27FC236}">
+                <a16:creationId xmlns:a16="http://schemas.microsoft.com/office/drawing/2014/main" id="{B99D12F3-4319-45DA-8EA6-61B02F0F9032}"/>
+              </a:ext>
+            </a:extLst>
+          </p:cNvPr>
+          <p:cNvSpPr txBox="1"/>
+          <p:nvPr/>
+        </p:nvSpPr>
+        <p:spPr>
+          <a:xfrm>
+            <a:off x="2159876" y="1481959"/>
+            <a:ext cx="2096814" cy="461665"/>
+          </a:xfrm>
+          <a:prstGeom prst="rect">
+            <a:avLst/>
+          </a:prstGeom>
+          <a:noFill/>
+        </p:spPr>
+        <p:txBody>
+          <a:bodyPr wrap="square" rtlCol="0">
+            <a:spAutoFit/>
+          </a:bodyPr>
+          <a:lstStyle/>
+          <a:p>
+            <a:pPr algn="ctr"/>
+            <a:r>
+              <a:rPr lang="en-US" sz="2400" dirty="0"/>
+              <a:t>Dataset</a:t>
+            </a:r>
+          </a:p>
+        </p:txBody>
+      </p:sp>
+      <p:sp>
+        <p:nvSpPr>
+          <p:cNvPr id="12" name="Rectangle 11">
+            <a:extLst>
+              <a:ext uri="{FF2B5EF4-FFF2-40B4-BE49-F238E27FC236}">
+                <a16:creationId xmlns:a16="http://schemas.microsoft.com/office/drawing/2014/main" id="{4DEB9C47-6926-4752-B792-14B6294D795D}"/>
+              </a:ext>
+            </a:extLst>
+          </p:cNvPr>
+          <p:cNvSpPr/>
+          <p:nvPr/>
+        </p:nvSpPr>
+        <p:spPr>
+          <a:xfrm>
+            <a:off x="3048511" y="6262042"/>
+            <a:ext cx="8912772" cy="461665"/>
+          </a:xfrm>
+          <a:prstGeom prst="rect">
+            <a:avLst/>
+          </a:prstGeom>
+          <a:solidFill>
+            <a:srgbClr val="1E1E1E"/>
+          </a:solidFill>
+        </p:spPr>
+        <p:txBody>
+          <a:bodyPr wrap="square">
+            <a:spAutoFit/>
+          </a:bodyPr>
+          <a:lstStyle/>
+          <a:p>
+            <a:r>
+              <a:rPr lang="en-US" sz="2400" dirty="0">
+                <a:solidFill>
+                  <a:srgbClr val="00669A"/>
+                </a:solidFill>
+                <a:latin typeface="Consolas" panose="020B0609020204030204" pitchFamily="49" charset="0"/>
+              </a:rPr>
+              <a:t>from </a:t>
+            </a:r>
+            <a:r>
+              <a:rPr lang="en-US" sz="2400" dirty="0" err="1">
+                <a:solidFill>
+                  <a:srgbClr val="00CDFF"/>
+                </a:solidFill>
+                <a:latin typeface="Consolas" panose="020B0609020204030204" pitchFamily="49" charset="0"/>
+              </a:rPr>
+              <a:t>sklearn.model_selection</a:t>
+            </a:r>
+            <a:r>
+              <a:rPr lang="en-US" sz="2400" dirty="0">
+                <a:solidFill>
+                  <a:srgbClr val="00CDFF"/>
+                </a:solidFill>
+                <a:latin typeface="Consolas" panose="020B0609020204030204" pitchFamily="49" charset="0"/>
+              </a:rPr>
+              <a:t> </a:t>
+            </a:r>
+            <a:r>
+              <a:rPr lang="en-US" sz="2400" dirty="0">
+                <a:solidFill>
+                  <a:srgbClr val="00669A"/>
+                </a:solidFill>
+                <a:latin typeface="Consolas" panose="020B0609020204030204" pitchFamily="49" charset="0"/>
+              </a:rPr>
+              <a:t>import </a:t>
+            </a:r>
+            <a:r>
+              <a:rPr lang="en-US" sz="2400" dirty="0" err="1">
+                <a:solidFill>
+                  <a:srgbClr val="00B0F0"/>
+                </a:solidFill>
+                <a:latin typeface="Consolas" panose="020B0609020204030204" pitchFamily="49" charset="0"/>
+              </a:rPr>
+              <a:t>cross_val_score</a:t>
+            </a:r>
+            <a:endParaRPr lang="en-US" sz="2400" dirty="0">
+              <a:solidFill>
+                <a:srgbClr val="00B0F0"/>
+              </a:solidFill>
+              <a:latin typeface="Consolas" panose="020B0609020204030204" pitchFamily="49" charset="0"/>
+            </a:endParaRPr>
+          </a:p>
+        </p:txBody>
+      </p:sp>
+    </p:spTree>
+    <p:extLst>
+      <p:ext uri="{BB962C8B-B14F-4D97-AF65-F5344CB8AC3E}">
+        <p14:creationId xmlns:p14="http://schemas.microsoft.com/office/powerpoint/2010/main" val="354036776"/>
+      </p:ext>
+    </p:extLst>
+  </p:cSld>
+  <p:clrMapOvr>
+    <a:masterClrMapping/>
+  </p:clrMapOvr>
+  <mc:AlternateContent xmlns:mc="http://schemas.openxmlformats.org/markup-compatibility/2006" xmlns:p159="http://schemas.microsoft.com/office/powerpoint/2015/09/main">
+    <mc:Choice Requires="p159">
+      <p:transition xmlns:p14="http://schemas.microsoft.com/office/powerpoint/2010/main" spd="slow" p14:dur="2000">
+        <p159:morph option="byObject"/>
+      </p:transition>
+    </mc:Choice>
+    <mc:Fallback xmlns="">
+      <p:transition spd="slow">
+        <p:fade/>
+      </p:transition>
+    </mc:Fallback>
+  </mc:AlternateContent>
+</p:sld>
+</file>
+
+<file path=ppt/slides/slide11.xml><?xml version="1.0" encoding="utf-8"?>
+<p:sld xmlns:a="http://schemas.openxmlformats.org/drawingml/2006/main" xmlns:r="http://schemas.openxmlformats.org/officeDocument/2006/relationships" xmlns:p="http://schemas.openxmlformats.org/presentationml/2006/main">
+  <p:cSld>
+    <p:spTree>
+      <p:nvGrpSpPr>
+        <p:cNvPr id="1" name=""/>
+        <p:cNvGrpSpPr/>
+        <p:nvPr/>
+      </p:nvGrpSpPr>
+      <p:grpSpPr>
+        <a:xfrm>
+          <a:off x="0" y="0"/>
+          <a:ext cx="0" cy="0"/>
+          <a:chOff x="0" y="0"/>
+          <a:chExt cx="0" cy="0"/>
+        </a:xfrm>
+      </p:grpSpPr>
       <p:sp>
         <p:nvSpPr>
           <p:cNvPr id="2" name="Title 1">
@@ -4172,6 +4923,86 @@
 </file>
 
 <file path=ppt/slides/slide2.xml><?xml version="1.0" encoding="utf-8"?>
+<p:sld xmlns:a="http://schemas.openxmlformats.org/drawingml/2006/main" xmlns:r="http://schemas.openxmlformats.org/officeDocument/2006/relationships" xmlns:p="http://schemas.openxmlformats.org/presentationml/2006/main">
+  <p:cSld>
+    <p:spTree>
+      <p:nvGrpSpPr>
+        <p:cNvPr id="1" name=""/>
+        <p:cNvGrpSpPr/>
+        <p:nvPr/>
+      </p:nvGrpSpPr>
+      <p:grpSpPr>
+        <a:xfrm>
+          <a:off x="0" y="0"/>
+          <a:ext cx="0" cy="0"/>
+          <a:chOff x="0" y="0"/>
+          <a:chExt cx="0" cy="0"/>
+        </a:xfrm>
+      </p:grpSpPr>
+      <p:sp>
+        <p:nvSpPr>
+          <p:cNvPr id="2" name="Title 1">
+            <a:extLst>
+              <a:ext uri="{FF2B5EF4-FFF2-40B4-BE49-F238E27FC236}">
+                <a16:creationId xmlns:a16="http://schemas.microsoft.com/office/drawing/2014/main" id="{281AE948-2A49-46DE-8A74-7417DDF4D29B}"/>
+              </a:ext>
+            </a:extLst>
+          </p:cNvPr>
+          <p:cNvSpPr>
+            <a:spLocks noGrp="1"/>
+          </p:cNvSpPr>
+          <p:nvPr>
+            <p:ph type="title"/>
+          </p:nvPr>
+        </p:nvSpPr>
+        <p:spPr/>
+        <p:txBody>
+          <a:bodyPr/>
+          <a:lstStyle/>
+          <a:p>
+            <a:endParaRPr lang="en-US"/>
+          </a:p>
+        </p:txBody>
+      </p:sp>
+      <p:sp>
+        <p:nvSpPr>
+          <p:cNvPr id="3" name="Content Placeholder 2">
+            <a:extLst>
+              <a:ext uri="{FF2B5EF4-FFF2-40B4-BE49-F238E27FC236}">
+                <a16:creationId xmlns:a16="http://schemas.microsoft.com/office/drawing/2014/main" id="{ACA65EFC-8820-4EA9-A2AE-929B1F796410}"/>
+              </a:ext>
+            </a:extLst>
+          </p:cNvPr>
+          <p:cNvSpPr>
+            <a:spLocks noGrp="1"/>
+          </p:cNvSpPr>
+          <p:nvPr>
+            <p:ph idx="1"/>
+          </p:nvPr>
+        </p:nvSpPr>
+        <p:spPr/>
+        <p:txBody>
+          <a:bodyPr/>
+          <a:lstStyle/>
+          <a:p>
+            <a:endParaRPr lang="en-US"/>
+          </a:p>
+        </p:txBody>
+      </p:sp>
+    </p:spTree>
+    <p:extLst>
+      <p:ext uri="{BB962C8B-B14F-4D97-AF65-F5344CB8AC3E}">
+        <p14:creationId xmlns:p14="http://schemas.microsoft.com/office/powerpoint/2010/main" val="1000174021"/>
+      </p:ext>
+    </p:extLst>
+  </p:cSld>
+  <p:clrMapOvr>
+    <a:masterClrMapping/>
+  </p:clrMapOvr>
+</p:sld>
+</file>
+
+<file path=ppt/slides/slide3.xml><?xml version="1.0" encoding="utf-8"?>
 <p:sld xmlns:a="http://schemas.openxmlformats.org/drawingml/2006/main" xmlns:r="http://schemas.openxmlformats.org/officeDocument/2006/relationships" xmlns:p="http://schemas.openxmlformats.org/presentationml/2006/main">
   <p:cSld>
     <p:spTree>
@@ -4587,7 +5418,7 @@
           <a:p>
             <a:r>
               <a:rPr lang="en-US" dirty="0"/>
-              <a:t>One Hot Encoding</a:t>
+              <a:t>One-Hot Encoding</a:t>
             </a:r>
           </a:p>
         </p:txBody>
@@ -5845,7 +6676,7 @@
 </p:sld>
 </file>
 
-<file path=ppt/slides/slide3.xml><?xml version="1.0" encoding="utf-8"?>
+<file path=ppt/slides/slide4.xml><?xml version="1.0" encoding="utf-8"?>
 <p:sld xmlns:a="http://schemas.openxmlformats.org/drawingml/2006/main" xmlns:r="http://schemas.openxmlformats.org/officeDocument/2006/relationships" xmlns:p="http://schemas.openxmlformats.org/presentationml/2006/main">
   <p:cSld>
     <p:spTree>
@@ -6216,7 +7047,7 @@
         <p:spPr>
           <a:xfrm>
             <a:off x="78141" y="5440045"/>
-            <a:ext cx="12035718" cy="1200329"/>
+            <a:ext cx="12035718" cy="1569660"/>
           </a:xfrm>
           <a:prstGeom prst="rect">
             <a:avLst/>
@@ -6230,6 +7061,77 @@
             <a:spAutoFit/>
           </a:bodyPr>
           <a:lstStyle/>
+          <a:p>
+            <a:r>
+              <a:rPr lang="en-US" sz="2400" dirty="0">
+                <a:solidFill>
+                  <a:srgbClr val="C586C0"/>
+                </a:solidFill>
+                <a:latin typeface="Consolas" panose="020B0609020204030204" pitchFamily="49" charset="0"/>
+              </a:rPr>
+              <a:t>from</a:t>
+            </a:r>
+            <a:r>
+              <a:rPr lang="en-US" sz="2400" dirty="0">
+                <a:solidFill>
+                  <a:srgbClr val="D4D4D4"/>
+                </a:solidFill>
+                <a:latin typeface="Consolas" panose="020B0609020204030204" pitchFamily="49" charset="0"/>
+              </a:rPr>
+              <a:t> </a:t>
+            </a:r>
+            <a:r>
+              <a:rPr lang="en-US" sz="2400" dirty="0" err="1">
+                <a:solidFill>
+                  <a:srgbClr val="D4D4D4"/>
+                </a:solidFill>
+                <a:latin typeface="Consolas" panose="020B0609020204030204" pitchFamily="49" charset="0"/>
+              </a:rPr>
+              <a:t>sklearn.metrics</a:t>
+            </a:r>
+            <a:r>
+              <a:rPr lang="en-US" sz="2400" dirty="0">
+                <a:solidFill>
+                  <a:srgbClr val="D4D4D4"/>
+                </a:solidFill>
+                <a:latin typeface="Consolas" panose="020B0609020204030204" pitchFamily="49" charset="0"/>
+              </a:rPr>
+              <a:t> </a:t>
+            </a:r>
+            <a:r>
+              <a:rPr lang="en-US" sz="2400" dirty="0">
+                <a:solidFill>
+                  <a:srgbClr val="C586C0"/>
+                </a:solidFill>
+                <a:latin typeface="Consolas" panose="020B0609020204030204" pitchFamily="49" charset="0"/>
+              </a:rPr>
+              <a:t>import</a:t>
+            </a:r>
+            <a:r>
+              <a:rPr lang="en-US" sz="2400" dirty="0">
+                <a:solidFill>
+                  <a:srgbClr val="D4D4D4"/>
+                </a:solidFill>
+                <a:latin typeface="Consolas" panose="020B0609020204030204" pitchFamily="49" charset="0"/>
+              </a:rPr>
+              <a:t> </a:t>
+            </a:r>
+            <a:r>
+              <a:rPr lang="en-US" sz="2400" dirty="0" err="1">
+                <a:solidFill>
+                  <a:srgbClr val="D4D4D4"/>
+                </a:solidFill>
+                <a:latin typeface="Consolas" panose="020B0609020204030204" pitchFamily="49" charset="0"/>
+              </a:rPr>
+              <a:t>mean_squared_error</a:t>
+            </a:r>
+            <a:endParaRPr lang="en-US" sz="2400" dirty="0">
+              <a:solidFill>
+                <a:srgbClr val="D4D4D4"/>
+              </a:solidFill>
+              <a:latin typeface="Consolas" panose="020B0609020204030204" pitchFamily="49" charset="0"/>
+            </a:endParaRPr>
+          </a:p>
           <a:p>
             <a:r>
               <a:rPr lang="en-US" sz="2400" dirty="0" err="1">
@@ -6570,412 +7472,6 @@
   <p:clrMapOvr>
     <a:masterClrMapping/>
   </p:clrMapOvr>
-</p:sld>
-</file>
-
-<file path=ppt/slides/slide4.xml><?xml version="1.0" encoding="utf-8"?>
-<p:sld xmlns:a="http://schemas.openxmlformats.org/drawingml/2006/main" xmlns:r="http://schemas.openxmlformats.org/officeDocument/2006/relationships" xmlns:p="http://schemas.openxmlformats.org/presentationml/2006/main">
-  <p:cSld>
-    <p:spTree>
-      <p:nvGrpSpPr>
-        <p:cNvPr id="1" name=""/>
-        <p:cNvGrpSpPr/>
-        <p:nvPr/>
-      </p:nvGrpSpPr>
-      <p:grpSpPr>
-        <a:xfrm>
-          <a:off x="0" y="0"/>
-          <a:ext cx="0" cy="0"/>
-          <a:chOff x="0" y="0"/>
-          <a:chExt cx="0" cy="0"/>
-        </a:xfrm>
-      </p:grpSpPr>
-      <mc:AlternateContent xmlns:mc="http://schemas.openxmlformats.org/markup-compatibility/2006" xmlns:a14="http://schemas.microsoft.com/office/drawing/2010/main">
-        <mc:Choice Requires="a14">
-          <p:sp>
-            <p:nvSpPr>
-              <p:cNvPr id="2" name="Title 1">
-                <a:extLst>
-                  <a:ext uri="{FF2B5EF4-FFF2-40B4-BE49-F238E27FC236}">
-                    <a16:creationId xmlns:a16="http://schemas.microsoft.com/office/drawing/2014/main" id="{990329C2-5249-4701-BDFC-8C73EC78B4FD}"/>
-                  </a:ext>
-                </a:extLst>
-              </p:cNvPr>
-              <p:cNvSpPr>
-                <a:spLocks noGrp="1"/>
-              </p:cNvSpPr>
-              <p:nvPr>
-                <p:ph type="title"/>
-              </p:nvPr>
-            </p:nvSpPr>
-            <p:spPr/>
-            <p:txBody>
-              <a:bodyPr/>
-              <a:lstStyle/>
-              <a:p>
-                <a14:m>
-                  <m:oMath xmlns:m="http://schemas.openxmlformats.org/officeDocument/2006/math">
-                    <m:r>
-                      <a:rPr lang="en-US" b="0" i="1" smtClean="0">
-                        <a:latin typeface="Cambria Math" panose="02040503050406030204" pitchFamily="18" charset="0"/>
-                      </a:rPr>
-                      <m:t>𝐾</m:t>
-                    </m:r>
-                  </m:oMath>
-                </a14:m>
-                <a:r>
-                  <a:rPr lang="en-US" dirty="0"/>
-                  <a:t>-fold cross-validation</a:t>
-                </a:r>
-              </a:p>
-            </p:txBody>
-          </p:sp>
-        </mc:Choice>
-        <mc:Fallback xmlns="">
-          <p:sp>
-            <p:nvSpPr>
-              <p:cNvPr id="2" name="Title 1">
-                <a:extLst>
-                  <a:ext uri="{FF2B5EF4-FFF2-40B4-BE49-F238E27FC236}">
-                    <a16:creationId xmlns:a16="http://schemas.microsoft.com/office/drawing/2014/main" id="{990329C2-5249-4701-BDFC-8C73EC78B4FD}"/>
-                  </a:ext>
-                </a:extLst>
-              </p:cNvPr>
-              <p:cNvSpPr>
-                <a:spLocks noGrp="1" noRot="1" noChangeAspect="1" noMove="1" noResize="1" noEditPoints="1" noAdjustHandles="1" noChangeArrowheads="1" noChangeShapeType="1" noTextEdit="1"/>
-              </p:cNvSpPr>
-              <p:nvPr>
-                <p:ph type="title"/>
-              </p:nvPr>
-            </p:nvSpPr>
-            <p:spPr>
-              <a:blipFill>
-                <a:blip r:embed="rId2"/>
-                <a:stretch>
-                  <a:fillRect/>
-                </a:stretch>
-              </a:blipFill>
-            </p:spPr>
-            <p:txBody>
-              <a:bodyPr/>
-              <a:lstStyle/>
-              <a:p>
-                <a:r>
-                  <a:rPr lang="en-US">
-                    <a:noFill/>
-                  </a:rPr>
-                  <a:t> </a:t>
-                </a:r>
-              </a:p>
-            </p:txBody>
-          </p:sp>
-        </mc:Fallback>
-      </mc:AlternateContent>
-      <p:sp>
-        <p:nvSpPr>
-          <p:cNvPr id="4" name="Rectangle 3">
-            <a:extLst>
-              <a:ext uri="{FF2B5EF4-FFF2-40B4-BE49-F238E27FC236}">
-                <a16:creationId xmlns:a16="http://schemas.microsoft.com/office/drawing/2014/main" id="{0DC906FA-0250-41D5-A8C8-51025A70C2BF}"/>
-              </a:ext>
-            </a:extLst>
-          </p:cNvPr>
-          <p:cNvSpPr/>
-          <p:nvPr/>
-        </p:nvSpPr>
-        <p:spPr>
-          <a:xfrm>
-            <a:off x="2159876" y="2112580"/>
-            <a:ext cx="2096814" cy="804041"/>
-          </a:xfrm>
-          <a:prstGeom prst="rect">
-            <a:avLst/>
-          </a:prstGeom>
-          <a:ln w="38100">
-            <a:solidFill>
-              <a:schemeClr val="accent1">
-                <a:lumMod val="50000"/>
-              </a:schemeClr>
-            </a:solidFill>
-          </a:ln>
-        </p:spPr>
-        <p:style>
-          <a:lnRef idx="2">
-            <a:schemeClr val="accent1">
-              <a:shade val="50000"/>
-            </a:schemeClr>
-          </a:lnRef>
-          <a:fillRef idx="1">
-            <a:schemeClr val="accent1"/>
-          </a:fillRef>
-          <a:effectRef idx="0">
-            <a:schemeClr val="accent1"/>
-          </a:effectRef>
-          <a:fontRef idx="minor">
-            <a:schemeClr val="lt1"/>
-          </a:fontRef>
-        </p:style>
-        <p:txBody>
-          <a:bodyPr rtlCol="0" anchor="ctr"/>
-          <a:lstStyle/>
-          <a:p>
-            <a:pPr algn="ctr"/>
-            <a:endParaRPr lang="en-US" sz="2400" dirty="0"/>
-          </a:p>
-        </p:txBody>
-      </p:sp>
-      <p:sp>
-        <p:nvSpPr>
-          <p:cNvPr id="9" name="Rectangle 8">
-            <a:extLst>
-              <a:ext uri="{FF2B5EF4-FFF2-40B4-BE49-F238E27FC236}">
-                <a16:creationId xmlns:a16="http://schemas.microsoft.com/office/drawing/2014/main" id="{D9E07790-140A-481D-81A4-AFD0ED127989}"/>
-              </a:ext>
-            </a:extLst>
-          </p:cNvPr>
-          <p:cNvSpPr/>
-          <p:nvPr/>
-        </p:nvSpPr>
-        <p:spPr>
-          <a:xfrm>
-            <a:off x="2159876" y="2916621"/>
-            <a:ext cx="2096814" cy="804041"/>
-          </a:xfrm>
-          <a:prstGeom prst="rect">
-            <a:avLst/>
-          </a:prstGeom>
-          <a:ln w="38100">
-            <a:solidFill>
-              <a:schemeClr val="accent1">
-                <a:lumMod val="50000"/>
-              </a:schemeClr>
-            </a:solidFill>
-          </a:ln>
-        </p:spPr>
-        <p:style>
-          <a:lnRef idx="2">
-            <a:schemeClr val="accent1">
-              <a:shade val="50000"/>
-            </a:schemeClr>
-          </a:lnRef>
-          <a:fillRef idx="1">
-            <a:schemeClr val="accent1"/>
-          </a:fillRef>
-          <a:effectRef idx="0">
-            <a:schemeClr val="accent1"/>
-          </a:effectRef>
-          <a:fontRef idx="minor">
-            <a:schemeClr val="lt1"/>
-          </a:fontRef>
-        </p:style>
-        <p:txBody>
-          <a:bodyPr rtlCol="0" anchor="ctr"/>
-          <a:lstStyle/>
-          <a:p>
-            <a:pPr algn="ctr"/>
-            <a:endParaRPr lang="en-US" sz="2400" dirty="0"/>
-          </a:p>
-        </p:txBody>
-      </p:sp>
-      <p:sp>
-        <p:nvSpPr>
-          <p:cNvPr id="10" name="Rectangle 9">
-            <a:extLst>
-              <a:ext uri="{FF2B5EF4-FFF2-40B4-BE49-F238E27FC236}">
-                <a16:creationId xmlns:a16="http://schemas.microsoft.com/office/drawing/2014/main" id="{D4702EF9-7A49-4785-9CA9-49BD241B3DB1}"/>
-              </a:ext>
-            </a:extLst>
-          </p:cNvPr>
-          <p:cNvSpPr/>
-          <p:nvPr/>
-        </p:nvSpPr>
-        <p:spPr>
-          <a:xfrm>
-            <a:off x="2159876" y="3720662"/>
-            <a:ext cx="2096814" cy="804041"/>
-          </a:xfrm>
-          <a:prstGeom prst="rect">
-            <a:avLst/>
-          </a:prstGeom>
-          <a:ln w="38100">
-            <a:solidFill>
-              <a:schemeClr val="accent1">
-                <a:lumMod val="50000"/>
-              </a:schemeClr>
-            </a:solidFill>
-          </a:ln>
-        </p:spPr>
-        <p:style>
-          <a:lnRef idx="2">
-            <a:schemeClr val="accent1">
-              <a:shade val="50000"/>
-            </a:schemeClr>
-          </a:lnRef>
-          <a:fillRef idx="1">
-            <a:schemeClr val="accent1"/>
-          </a:fillRef>
-          <a:effectRef idx="0">
-            <a:schemeClr val="accent1"/>
-          </a:effectRef>
-          <a:fontRef idx="minor">
-            <a:schemeClr val="lt1"/>
-          </a:fontRef>
-        </p:style>
-        <p:txBody>
-          <a:bodyPr rtlCol="0" anchor="ctr"/>
-          <a:lstStyle/>
-          <a:p>
-            <a:pPr algn="ctr"/>
-            <a:endParaRPr lang="en-US" sz="2400" dirty="0"/>
-          </a:p>
-        </p:txBody>
-      </p:sp>
-      <p:sp>
-        <p:nvSpPr>
-          <p:cNvPr id="11" name="Rectangle 10">
-            <a:extLst>
-              <a:ext uri="{FF2B5EF4-FFF2-40B4-BE49-F238E27FC236}">
-                <a16:creationId xmlns:a16="http://schemas.microsoft.com/office/drawing/2014/main" id="{299CED0C-CFD6-4C0A-A597-3119782DD8C0}"/>
-              </a:ext>
-            </a:extLst>
-          </p:cNvPr>
-          <p:cNvSpPr/>
-          <p:nvPr/>
-        </p:nvSpPr>
-        <p:spPr>
-          <a:xfrm>
-            <a:off x="2159876" y="4524703"/>
-            <a:ext cx="2096814" cy="804041"/>
-          </a:xfrm>
-          <a:prstGeom prst="rect">
-            <a:avLst/>
-          </a:prstGeom>
-          <a:ln w="38100">
-            <a:solidFill>
-              <a:schemeClr val="accent1">
-                <a:lumMod val="50000"/>
-              </a:schemeClr>
-            </a:solidFill>
-          </a:ln>
-        </p:spPr>
-        <p:style>
-          <a:lnRef idx="2">
-            <a:schemeClr val="accent1">
-              <a:shade val="50000"/>
-            </a:schemeClr>
-          </a:lnRef>
-          <a:fillRef idx="1">
-            <a:schemeClr val="accent1"/>
-          </a:fillRef>
-          <a:effectRef idx="0">
-            <a:schemeClr val="accent1"/>
-          </a:effectRef>
-          <a:fontRef idx="minor">
-            <a:schemeClr val="lt1"/>
-          </a:fontRef>
-        </p:style>
-        <p:txBody>
-          <a:bodyPr rtlCol="0" anchor="ctr"/>
-          <a:lstStyle/>
-          <a:p>
-            <a:pPr algn="ctr"/>
-            <a:endParaRPr lang="en-US" sz="2400" dirty="0"/>
-          </a:p>
-        </p:txBody>
-      </p:sp>
-      <p:sp>
-        <p:nvSpPr>
-          <p:cNvPr id="7" name="TextBox 6">
-            <a:extLst>
-              <a:ext uri="{FF2B5EF4-FFF2-40B4-BE49-F238E27FC236}">
-                <a16:creationId xmlns:a16="http://schemas.microsoft.com/office/drawing/2014/main" id="{B21F0BD9-89D7-4287-8C37-3A17B65A5509}"/>
-              </a:ext>
-            </a:extLst>
-          </p:cNvPr>
-          <p:cNvSpPr txBox="1"/>
-          <p:nvPr/>
-        </p:nvSpPr>
-        <p:spPr>
-          <a:xfrm>
-            <a:off x="5407572" y="2052935"/>
-            <a:ext cx="3200400" cy="461665"/>
-          </a:xfrm>
-          <a:prstGeom prst="rect">
-            <a:avLst/>
-          </a:prstGeom>
-          <a:noFill/>
-        </p:spPr>
-        <p:txBody>
-          <a:bodyPr wrap="square" rtlCol="0">
-            <a:spAutoFit/>
-          </a:bodyPr>
-          <a:lstStyle/>
-          <a:p>
-            <a:r>
-              <a:rPr lang="en-US" sz="2400" dirty="0"/>
-              <a:t>4-fold cross-validation</a:t>
-            </a:r>
-          </a:p>
-        </p:txBody>
-      </p:sp>
-      <p:sp>
-        <p:nvSpPr>
-          <p:cNvPr id="8" name="TextBox 7">
-            <a:extLst>
-              <a:ext uri="{FF2B5EF4-FFF2-40B4-BE49-F238E27FC236}">
-                <a16:creationId xmlns:a16="http://schemas.microsoft.com/office/drawing/2014/main" id="{4146F0E0-5099-41FD-8774-3FB98A90224C}"/>
-              </a:ext>
-            </a:extLst>
-          </p:cNvPr>
-          <p:cNvSpPr txBox="1"/>
-          <p:nvPr/>
-        </p:nvSpPr>
-        <p:spPr>
-          <a:xfrm>
-            <a:off x="2159876" y="1481959"/>
-            <a:ext cx="2096814" cy="461665"/>
-          </a:xfrm>
-          <a:prstGeom prst="rect">
-            <a:avLst/>
-          </a:prstGeom>
-          <a:noFill/>
-        </p:spPr>
-        <p:txBody>
-          <a:bodyPr wrap="square" rtlCol="0">
-            <a:spAutoFit/>
-          </a:bodyPr>
-          <a:lstStyle/>
-          <a:p>
-            <a:pPr algn="ctr"/>
-            <a:r>
-              <a:rPr lang="en-US" sz="2400" dirty="0"/>
-              <a:t>Dataset</a:t>
-            </a:r>
-          </a:p>
-        </p:txBody>
-      </p:sp>
-    </p:spTree>
-    <p:extLst>
-      <p:ext uri="{BB962C8B-B14F-4D97-AF65-F5344CB8AC3E}">
-        <p14:creationId xmlns:p14="http://schemas.microsoft.com/office/powerpoint/2010/main" val="2018273231"/>
-      </p:ext>
-    </p:extLst>
-  </p:cSld>
-  <p:clrMapOvr>
-    <a:masterClrMapping/>
-  </p:clrMapOvr>
-  <mc:AlternateContent xmlns:mc="http://schemas.openxmlformats.org/markup-compatibility/2006" xmlns:p159="http://schemas.microsoft.com/office/powerpoint/2015/09/main">
-    <mc:Choice Requires="p159">
-      <p:transition xmlns:p14="http://schemas.microsoft.com/office/powerpoint/2010/main" spd="slow" p14:dur="2000">
-        <p159:morph option="byObject"/>
-      </p:transition>
-    </mc:Choice>
-    <mc:Fallback xmlns="">
-      <p:transition spd="slow">
-        <p:fade/>
-      </p:transition>
-    </mc:Fallback>
-  </mc:AlternateContent>
 </p:sld>
 </file>
 
@@ -7097,9 +7593,6 @@
           <a:prstGeom prst="rect">
             <a:avLst/>
           </a:prstGeom>
-          <a:solidFill>
-            <a:srgbClr val="00B050"/>
-          </a:solidFill>
           <a:ln w="38100">
             <a:solidFill>
               <a:schemeClr val="accent1">
@@ -7129,10 +7622,7 @@
           <a:lstStyle/>
           <a:p>
             <a:pPr algn="ctr"/>
-            <a:r>
-              <a:rPr lang="en-US" sz="2400" b="1" dirty="0"/>
-              <a:t>Validation Set</a:t>
-            </a:r>
+            <a:endParaRPr lang="en-US" sz="2400" dirty="0"/>
           </a:p>
         </p:txBody>
       </p:sp>
@@ -7185,10 +7675,7 @@
           <a:lstStyle/>
           <a:p>
             <a:pPr algn="ctr"/>
-            <a:r>
-              <a:rPr lang="en-US" sz="2400" b="1" dirty="0"/>
-              <a:t>Training Set</a:t>
-            </a:r>
+            <a:endParaRPr lang="en-US" sz="2400" dirty="0"/>
           </a:p>
         </p:txBody>
       </p:sp>
@@ -7241,10 +7728,7 @@
           <a:lstStyle/>
           <a:p>
             <a:pPr algn="ctr"/>
-            <a:r>
-              <a:rPr lang="en-US" sz="2400" b="1" dirty="0"/>
-              <a:t>Training Set</a:t>
-            </a:r>
+            <a:endParaRPr lang="en-US" sz="2400" dirty="0"/>
           </a:p>
         </p:txBody>
       </p:sp>
@@ -7297,19 +7781,16 @@
           <a:lstStyle/>
           <a:p>
             <a:pPr algn="ctr"/>
-            <a:r>
-              <a:rPr lang="en-US" sz="2400" b="1" dirty="0"/>
-              <a:t>Training Set</a:t>
-            </a:r>
-          </a:p>
-        </p:txBody>
-      </p:sp>
-      <p:sp>
-        <p:nvSpPr>
-          <p:cNvPr id="3" name="TextBox 2">
+            <a:endParaRPr lang="en-US" sz="2400" dirty="0"/>
+          </a:p>
+        </p:txBody>
+      </p:sp>
+      <p:sp>
+        <p:nvSpPr>
+          <p:cNvPr id="7" name="TextBox 6">
             <a:extLst>
               <a:ext uri="{FF2B5EF4-FFF2-40B4-BE49-F238E27FC236}">
-                <a16:creationId xmlns:a16="http://schemas.microsoft.com/office/drawing/2014/main" id="{DB45464E-4E39-459B-89D2-A58428FB5109}"/>
+                <a16:creationId xmlns:a16="http://schemas.microsoft.com/office/drawing/2014/main" id="{B21F0BD9-89D7-4287-8C37-3A17B65A5509}"/>
               </a:ext>
             </a:extLst>
           </p:cNvPr>
@@ -7344,7 +7825,7 @@
           <p:cNvPr id="8" name="TextBox 7">
             <a:extLst>
               <a:ext uri="{FF2B5EF4-FFF2-40B4-BE49-F238E27FC236}">
-                <a16:creationId xmlns:a16="http://schemas.microsoft.com/office/drawing/2014/main" id="{4CD477A3-9250-43BC-B350-B6A9E980806B}"/>
+                <a16:creationId xmlns:a16="http://schemas.microsoft.com/office/drawing/2014/main" id="{4146F0E0-5099-41FD-8774-3FB98A90224C}"/>
               </a:ext>
             </a:extLst>
           </p:cNvPr>
@@ -7378,7 +7859,7 @@
     </p:spTree>
     <p:extLst>
       <p:ext uri="{BB962C8B-B14F-4D97-AF65-F5344CB8AC3E}">
-        <p14:creationId xmlns:p14="http://schemas.microsoft.com/office/powerpoint/2010/main" val="3211052421"/>
+        <p14:creationId xmlns:p14="http://schemas.microsoft.com/office/powerpoint/2010/main" val="2018273231"/>
       </p:ext>
     </p:extLst>
   </p:cSld>
@@ -7512,7 +7993,7 @@
         </p:nvSpPr>
         <p:spPr>
           <a:xfrm>
-            <a:off x="2159876" y="2916621"/>
+            <a:off x="2159876" y="2112580"/>
             <a:ext cx="2096814" cy="804041"/>
           </a:xfrm>
           <a:prstGeom prst="rect">
@@ -7571,7 +8052,7 @@
         </p:nvSpPr>
         <p:spPr>
           <a:xfrm>
-            <a:off x="2159876" y="2112581"/>
+            <a:off x="2159876" y="2916621"/>
             <a:ext cx="2096814" cy="804041"/>
           </a:xfrm>
           <a:prstGeom prst="rect">
@@ -7727,10 +8208,10 @@
       </p:sp>
       <p:sp>
         <p:nvSpPr>
-          <p:cNvPr id="7" name="TextBox 6">
+          <p:cNvPr id="3" name="TextBox 2">
             <a:extLst>
               <a:ext uri="{FF2B5EF4-FFF2-40B4-BE49-F238E27FC236}">
-                <a16:creationId xmlns:a16="http://schemas.microsoft.com/office/drawing/2014/main" id="{06D67243-6B2B-435B-8AD6-7F6FFD3C7D35}"/>
+                <a16:creationId xmlns:a16="http://schemas.microsoft.com/office/drawing/2014/main" id="{DB45464E-4E39-459B-89D2-A58428FB5109}"/>
               </a:ext>
             </a:extLst>
           </p:cNvPr>
@@ -7765,7 +8246,7 @@
           <p:cNvPr id="8" name="TextBox 7">
             <a:extLst>
               <a:ext uri="{FF2B5EF4-FFF2-40B4-BE49-F238E27FC236}">
-                <a16:creationId xmlns:a16="http://schemas.microsoft.com/office/drawing/2014/main" id="{970822F7-0177-4E74-A810-E5888E7EAE82}"/>
+                <a16:creationId xmlns:a16="http://schemas.microsoft.com/office/drawing/2014/main" id="{4CD477A3-9250-43BC-B350-B6A9E980806B}"/>
               </a:ext>
             </a:extLst>
           </p:cNvPr>
@@ -7799,7 +8280,7 @@
     </p:spTree>
     <p:extLst>
       <p:ext uri="{BB962C8B-B14F-4D97-AF65-F5344CB8AC3E}">
-        <p14:creationId xmlns:p14="http://schemas.microsoft.com/office/powerpoint/2010/main" val="2959716217"/>
+        <p14:creationId xmlns:p14="http://schemas.microsoft.com/office/powerpoint/2010/main" val="3211052421"/>
       </p:ext>
     </p:extLst>
   </p:cSld>
@@ -7933,7 +8414,7 @@
         </p:nvSpPr>
         <p:spPr>
           <a:xfrm>
-            <a:off x="2159876" y="3720662"/>
+            <a:off x="2159876" y="2916621"/>
             <a:ext cx="2096814" cy="804041"/>
           </a:xfrm>
           <a:prstGeom prst="rect">
@@ -8048,7 +8529,7 @@
         </p:nvSpPr>
         <p:spPr>
           <a:xfrm>
-            <a:off x="2159876" y="2916621"/>
+            <a:off x="2159876" y="3720662"/>
             <a:ext cx="2096814" cy="804041"/>
           </a:xfrm>
           <a:prstGeom prst="rect">
@@ -8151,7 +8632,7 @@
           <p:cNvPr id="7" name="TextBox 6">
             <a:extLst>
               <a:ext uri="{FF2B5EF4-FFF2-40B4-BE49-F238E27FC236}">
-                <a16:creationId xmlns:a16="http://schemas.microsoft.com/office/drawing/2014/main" id="{2E1AA687-6C08-46FD-8C57-DD64DE92F74C}"/>
+                <a16:creationId xmlns:a16="http://schemas.microsoft.com/office/drawing/2014/main" id="{06D67243-6B2B-435B-8AD6-7F6FFD3C7D35}"/>
               </a:ext>
             </a:extLst>
           </p:cNvPr>
@@ -8186,7 +8667,7 @@
           <p:cNvPr id="8" name="TextBox 7">
             <a:extLst>
               <a:ext uri="{FF2B5EF4-FFF2-40B4-BE49-F238E27FC236}">
-                <a16:creationId xmlns:a16="http://schemas.microsoft.com/office/drawing/2014/main" id="{5F201219-9371-4294-A2E4-9CAEA829A07C}"/>
+                <a16:creationId xmlns:a16="http://schemas.microsoft.com/office/drawing/2014/main" id="{970822F7-0177-4E74-A810-E5888E7EAE82}"/>
               </a:ext>
             </a:extLst>
           </p:cNvPr>
@@ -8220,7 +8701,7 @@
     </p:spTree>
     <p:extLst>
       <p:ext uri="{BB962C8B-B14F-4D97-AF65-F5344CB8AC3E}">
-        <p14:creationId xmlns:p14="http://schemas.microsoft.com/office/powerpoint/2010/main" val="3575046600"/>
+        <p14:creationId xmlns:p14="http://schemas.microsoft.com/office/powerpoint/2010/main" val="2959716217"/>
       </p:ext>
     </p:extLst>
   </p:cSld>
@@ -8354,7 +8835,7 @@
         </p:nvSpPr>
         <p:spPr>
           <a:xfrm>
-            <a:off x="2159876" y="4524702"/>
+            <a:off x="2159876" y="3720662"/>
             <a:ext cx="2096814" cy="804041"/>
           </a:xfrm>
           <a:prstGeom prst="rect">
@@ -8525,7 +9006,7 @@
         </p:nvSpPr>
         <p:spPr>
           <a:xfrm>
-            <a:off x="2159876" y="3720662"/>
+            <a:off x="2159876" y="4524703"/>
             <a:ext cx="2096814" cy="804041"/>
           </a:xfrm>
           <a:prstGeom prst="rect">
@@ -8572,7 +9053,7 @@
           <p:cNvPr id="7" name="TextBox 6">
             <a:extLst>
               <a:ext uri="{FF2B5EF4-FFF2-40B4-BE49-F238E27FC236}">
-                <a16:creationId xmlns:a16="http://schemas.microsoft.com/office/drawing/2014/main" id="{8A7D4A9F-ACE2-46D2-BAA2-90F86D7C9A72}"/>
+                <a16:creationId xmlns:a16="http://schemas.microsoft.com/office/drawing/2014/main" id="{2E1AA687-6C08-46FD-8C57-DD64DE92F74C}"/>
               </a:ext>
             </a:extLst>
           </p:cNvPr>
@@ -8607,7 +9088,7 @@
           <p:cNvPr id="8" name="TextBox 7">
             <a:extLst>
               <a:ext uri="{FF2B5EF4-FFF2-40B4-BE49-F238E27FC236}">
-                <a16:creationId xmlns:a16="http://schemas.microsoft.com/office/drawing/2014/main" id="{B99D12F3-4319-45DA-8EA6-61B02F0F9032}"/>
+                <a16:creationId xmlns:a16="http://schemas.microsoft.com/office/drawing/2014/main" id="{5F201219-9371-4294-A2E4-9CAEA829A07C}"/>
               </a:ext>
             </a:extLst>
           </p:cNvPr>
@@ -8641,7 +9122,7 @@
     </p:spTree>
     <p:extLst>
       <p:ext uri="{BB962C8B-B14F-4D97-AF65-F5344CB8AC3E}">
-        <p14:creationId xmlns:p14="http://schemas.microsoft.com/office/powerpoint/2010/main" val="548275083"/>
+        <p14:creationId xmlns:p14="http://schemas.microsoft.com/office/powerpoint/2010/main" val="3575046600"/>
       </p:ext>
     </p:extLst>
   </p:cSld>
@@ -9059,94 +9540,10 @@
           </a:p>
         </p:txBody>
       </p:sp>
-      <p:sp>
-        <p:nvSpPr>
-          <p:cNvPr id="12" name="Rectangle 11">
-            <a:extLst>
-              <a:ext uri="{FF2B5EF4-FFF2-40B4-BE49-F238E27FC236}">
-                <a16:creationId xmlns:a16="http://schemas.microsoft.com/office/drawing/2014/main" id="{4DEB9C47-6926-4752-B792-14B6294D795D}"/>
-              </a:ext>
-            </a:extLst>
-          </p:cNvPr>
-          <p:cNvSpPr/>
-          <p:nvPr/>
-        </p:nvSpPr>
-        <p:spPr>
-          <a:xfrm>
-            <a:off x="3048511" y="6262042"/>
-            <a:ext cx="8912772" cy="461665"/>
-          </a:xfrm>
-          <a:prstGeom prst="rect">
-            <a:avLst/>
-          </a:prstGeom>
-          <a:solidFill>
-            <a:srgbClr val="1E1E1E"/>
-          </a:solidFill>
-        </p:spPr>
-        <p:txBody>
-          <a:bodyPr wrap="square">
-            <a:spAutoFit/>
-          </a:bodyPr>
-          <a:lstStyle/>
-          <a:p>
-            <a:r>
-              <a:rPr lang="en-US" sz="2400" dirty="0">
-                <a:solidFill>
-                  <a:srgbClr val="00669A"/>
-                </a:solidFill>
-                <a:latin typeface="Consolas" panose="020B0609020204030204" pitchFamily="49" charset="0"/>
-              </a:rPr>
-              <a:t>from </a:t>
-            </a:r>
-            <a:r>
-              <a:rPr lang="en-US" sz="2400" dirty="0" err="1">
-                <a:solidFill>
-                  <a:srgbClr val="00CDFF"/>
-                </a:solidFill>
-                <a:latin typeface="Consolas" panose="020B0609020204030204" pitchFamily="49" charset="0"/>
-              </a:rPr>
-              <a:t>sklearn.model_selection</a:t>
-            </a:r>
-            <a:r>
-              <a:rPr lang="en-US" sz="2400" dirty="0">
-                <a:solidFill>
-                  <a:srgbClr val="00CDFF"/>
-                </a:solidFill>
-                <a:latin typeface="Consolas" panose="020B0609020204030204" pitchFamily="49" charset="0"/>
-              </a:rPr>
-              <a:t> </a:t>
-            </a:r>
-            <a:r>
-              <a:rPr lang="en-US" sz="2400" dirty="0">
-                <a:solidFill>
-                  <a:srgbClr val="00669A"/>
-                </a:solidFill>
-                <a:latin typeface="Consolas" panose="020B0609020204030204" pitchFamily="49" charset="0"/>
-              </a:rPr>
-              <a:t>import </a:t>
-            </a:r>
-            <a:r>
-              <a:rPr lang="en-US" sz="2400" dirty="0" err="1">
-                <a:solidFill>
-                  <a:srgbClr val="00B0F0"/>
-                </a:solidFill>
-                <a:latin typeface="Consolas" panose="020B0609020204030204" pitchFamily="49" charset="0"/>
-              </a:rPr>
-              <a:t>cross_val_score</a:t>
-            </a:r>
-            <a:endParaRPr lang="en-US" sz="2400" dirty="0">
-              <a:solidFill>
-                <a:srgbClr val="00B0F0"/>
-              </a:solidFill>
-              <a:latin typeface="Consolas" panose="020B0609020204030204" pitchFamily="49" charset="0"/>
-            </a:endParaRPr>
-          </a:p>
-        </p:txBody>
-      </p:sp>
     </p:spTree>
     <p:extLst>
       <p:ext uri="{BB962C8B-B14F-4D97-AF65-F5344CB8AC3E}">
-        <p14:creationId xmlns:p14="http://schemas.microsoft.com/office/powerpoint/2010/main" val="354036776"/>
+        <p14:creationId xmlns:p14="http://schemas.microsoft.com/office/powerpoint/2010/main" val="548275083"/>
       </p:ext>
     </p:extLst>
   </p:cSld>

--- a/slides/03_ML_MLprojectExample.pptx
+++ b/slides/03_ML_MLprojectExample.pptx
@@ -5,23 +5,24 @@
     <p:sldMasterId id="2147483673" r:id="rId1"/>
   </p:sldMasterIdLst>
   <p:notesMasterIdLst>
-    <p:notesMasterId r:id="rId13"/>
+    <p:notesMasterId r:id="rId14"/>
   </p:notesMasterIdLst>
   <p:handoutMasterIdLst>
-    <p:handoutMasterId r:id="rId14"/>
+    <p:handoutMasterId r:id="rId15"/>
   </p:handoutMasterIdLst>
   <p:sldIdLst>
     <p:sldId id="365" r:id="rId2"/>
-    <p:sldId id="431" r:id="rId3"/>
-    <p:sldId id="416" r:id="rId4"/>
-    <p:sldId id="430" r:id="rId5"/>
-    <p:sldId id="420" r:id="rId6"/>
-    <p:sldId id="419" r:id="rId7"/>
-    <p:sldId id="421" r:id="rId8"/>
-    <p:sldId id="422" r:id="rId9"/>
-    <p:sldId id="423" r:id="rId10"/>
-    <p:sldId id="428" r:id="rId11"/>
-    <p:sldId id="429" r:id="rId12"/>
+    <p:sldId id="432" r:id="rId3"/>
+    <p:sldId id="431" r:id="rId4"/>
+    <p:sldId id="416" r:id="rId5"/>
+    <p:sldId id="430" r:id="rId6"/>
+    <p:sldId id="420" r:id="rId7"/>
+    <p:sldId id="419" r:id="rId8"/>
+    <p:sldId id="421" r:id="rId9"/>
+    <p:sldId id="422" r:id="rId10"/>
+    <p:sldId id="423" r:id="rId11"/>
+    <p:sldId id="428" r:id="rId12"/>
+    <p:sldId id="429" r:id="rId13"/>
   </p:sldIdLst>
   <p:sldSz cx="12192000" cy="6858000"/>
   <p:notesSz cx="9144000" cy="6858000"/>
@@ -222,7 +223,7 @@
           <a:p>
             <a:fld id="{83A43D8E-262F-43F1-B0CF-97ED6AAA9912}" type="datetimeFigureOut">
               <a:rPr lang="en-US" smtClean="0"/>
-              <a:t>3/12/2020</a:t>
+              <a:t>3/19/2020</a:t>
             </a:fld>
             <a:endParaRPr lang="en-US"/>
           </a:p>
@@ -399,7 +400,7 @@
           <a:p>
             <a:fld id="{03B42920-386F-4187-8314-27C56E157030}" type="datetimeFigureOut">
               <a:rPr lang="en-US" smtClean="0"/>
-              <a:t>3/12/2020</a:t>
+              <a:t>3/19/2020</a:t>
             </a:fld>
             <a:endParaRPr lang="en-US"/>
           </a:p>
@@ -766,7 +767,7 @@
           <a:p>
             <a:fld id="{4C9AD59C-94C8-4AAB-AEDF-FDE77349626C}" type="slidenum">
               <a:rPr lang="en-US" smtClean="0"/>
-              <a:t>2</a:t>
+              <a:t>3</a:t>
             </a:fld>
             <a:endParaRPr lang="en-US"/>
           </a:p>
@@ -883,7 +884,7 @@
           <a:p>
             <a:fld id="{4C9AD59C-94C8-4AAB-AEDF-FDE77349626C}" type="slidenum">
               <a:rPr lang="en-US" smtClean="0"/>
-              <a:t>3</a:t>
+              <a:t>4</a:t>
             </a:fld>
             <a:endParaRPr lang="en-US"/>
           </a:p>
@@ -983,7 +984,7 @@
           <a:p>
             <a:fld id="{4C9AD59C-94C8-4AAB-AEDF-FDE77349626C}" type="slidenum">
               <a:rPr lang="en-US" smtClean="0"/>
-              <a:t>4</a:t>
+              <a:t>5</a:t>
             </a:fld>
             <a:endParaRPr lang="en-US"/>
           </a:p>
@@ -1095,7 +1096,7 @@
           <a:p>
             <a:fld id="{4C9AD59C-94C8-4AAB-AEDF-FDE77349626C}" type="slidenum">
               <a:rPr lang="en-US" smtClean="0"/>
-              <a:t>11</a:t>
+              <a:t>12</a:t>
             </a:fld>
             <a:endParaRPr lang="en-US"/>
           </a:p>
@@ -1245,7 +1246,7 @@
           <a:p>
             <a:fld id="{FE070745-F5EF-4AE3-92EF-0934EDED1862}" type="datetimeFigureOut">
               <a:rPr lang="en-US" smtClean="0"/>
-              <a:t>3/12/2020</a:t>
+              <a:t>3/19/2020</a:t>
             </a:fld>
             <a:endParaRPr lang="en-US"/>
           </a:p>
@@ -1415,7 +1416,7 @@
           <a:p>
             <a:fld id="{FE070745-F5EF-4AE3-92EF-0934EDED1862}" type="datetimeFigureOut">
               <a:rPr lang="en-US" smtClean="0"/>
-              <a:t>3/12/2020</a:t>
+              <a:t>3/19/2020</a:t>
             </a:fld>
             <a:endParaRPr lang="en-US"/>
           </a:p>
@@ -1595,7 +1596,7 @@
           <a:p>
             <a:fld id="{FE070745-F5EF-4AE3-92EF-0934EDED1862}" type="datetimeFigureOut">
               <a:rPr lang="en-US" smtClean="0"/>
-              <a:t>3/12/2020</a:t>
+              <a:t>3/19/2020</a:t>
             </a:fld>
             <a:endParaRPr lang="en-US"/>
           </a:p>
@@ -1765,7 +1766,7 @@
           <a:p>
             <a:fld id="{FE070745-F5EF-4AE3-92EF-0934EDED1862}" type="datetimeFigureOut">
               <a:rPr lang="en-US" smtClean="0"/>
-              <a:t>3/12/2020</a:t>
+              <a:t>3/19/2020</a:t>
             </a:fld>
             <a:endParaRPr lang="en-US"/>
           </a:p>
@@ -2011,7 +2012,7 @@
           <a:p>
             <a:fld id="{FE070745-F5EF-4AE3-92EF-0934EDED1862}" type="datetimeFigureOut">
               <a:rPr lang="en-US" smtClean="0"/>
-              <a:t>3/12/2020</a:t>
+              <a:t>3/19/2020</a:t>
             </a:fld>
             <a:endParaRPr lang="en-US"/>
           </a:p>
@@ -2243,7 +2244,7 @@
           <a:p>
             <a:fld id="{FE070745-F5EF-4AE3-92EF-0934EDED1862}" type="datetimeFigureOut">
               <a:rPr lang="en-US" smtClean="0"/>
-              <a:t>3/12/2020</a:t>
+              <a:t>3/19/2020</a:t>
             </a:fld>
             <a:endParaRPr lang="en-US"/>
           </a:p>
@@ -2610,7 +2611,7 @@
           <a:p>
             <a:fld id="{FE070745-F5EF-4AE3-92EF-0934EDED1862}" type="datetimeFigureOut">
               <a:rPr lang="en-US" smtClean="0"/>
-              <a:t>3/12/2020</a:t>
+              <a:t>3/19/2020</a:t>
             </a:fld>
             <a:endParaRPr lang="en-US"/>
           </a:p>
@@ -2728,7 +2729,7 @@
           <a:p>
             <a:fld id="{FE070745-F5EF-4AE3-92EF-0934EDED1862}" type="datetimeFigureOut">
               <a:rPr lang="en-US" smtClean="0"/>
-              <a:t>3/12/2020</a:t>
+              <a:t>3/19/2020</a:t>
             </a:fld>
             <a:endParaRPr lang="en-US"/>
           </a:p>
@@ -2823,7 +2824,7 @@
           <a:p>
             <a:fld id="{FE070745-F5EF-4AE3-92EF-0934EDED1862}" type="datetimeFigureOut">
               <a:rPr lang="en-US" smtClean="0"/>
-              <a:t>3/12/2020</a:t>
+              <a:t>3/19/2020</a:t>
             </a:fld>
             <a:endParaRPr lang="en-US"/>
           </a:p>
@@ -3100,7 +3101,7 @@
           <a:p>
             <a:fld id="{FE070745-F5EF-4AE3-92EF-0934EDED1862}" type="datetimeFigureOut">
               <a:rPr lang="en-US" smtClean="0"/>
-              <a:t>3/12/2020</a:t>
+              <a:t>3/19/2020</a:t>
             </a:fld>
             <a:endParaRPr lang="en-US"/>
           </a:p>
@@ -3357,7 +3358,7 @@
           <a:p>
             <a:fld id="{FE070745-F5EF-4AE3-92EF-0934EDED1862}" type="datetimeFigureOut">
               <a:rPr lang="en-US" smtClean="0"/>
-              <a:t>3/12/2020</a:t>
+              <a:t>3/19/2020</a:t>
             </a:fld>
             <a:endParaRPr lang="en-US"/>
           </a:p>
@@ -3570,7 +3571,7 @@
           <a:p>
             <a:fld id="{FE070745-F5EF-4AE3-92EF-0934EDED1862}" type="datetimeFigureOut">
               <a:rPr lang="en-US" smtClean="0"/>
-              <a:t>3/12/2020</a:t>
+              <a:t>3/19/2020</a:t>
             </a:fld>
             <a:endParaRPr lang="en-US"/>
           </a:p>
@@ -4437,6 +4438,427 @@
           </a:p>
         </p:txBody>
       </p:sp>
+    </p:spTree>
+    <p:extLst>
+      <p:ext uri="{BB962C8B-B14F-4D97-AF65-F5344CB8AC3E}">
+        <p14:creationId xmlns:p14="http://schemas.microsoft.com/office/powerpoint/2010/main" val="548275083"/>
+      </p:ext>
+    </p:extLst>
+  </p:cSld>
+  <p:clrMapOvr>
+    <a:masterClrMapping/>
+  </p:clrMapOvr>
+  <mc:AlternateContent xmlns:mc="http://schemas.openxmlformats.org/markup-compatibility/2006" xmlns:p159="http://schemas.microsoft.com/office/powerpoint/2015/09/main">
+    <mc:Choice Requires="p159">
+      <p:transition xmlns:p14="http://schemas.microsoft.com/office/powerpoint/2010/main" spd="slow" p14:dur="2000">
+        <p159:morph option="byObject"/>
+      </p:transition>
+    </mc:Choice>
+    <mc:Fallback xmlns="">
+      <p:transition spd="slow">
+        <p:fade/>
+      </p:transition>
+    </mc:Fallback>
+  </mc:AlternateContent>
+</p:sld>
+</file>
+
+<file path=ppt/slides/slide11.xml><?xml version="1.0" encoding="utf-8"?>
+<p:sld xmlns:a="http://schemas.openxmlformats.org/drawingml/2006/main" xmlns:r="http://schemas.openxmlformats.org/officeDocument/2006/relationships" xmlns:p="http://schemas.openxmlformats.org/presentationml/2006/main">
+  <p:cSld>
+    <p:spTree>
+      <p:nvGrpSpPr>
+        <p:cNvPr id="1" name=""/>
+        <p:cNvGrpSpPr/>
+        <p:nvPr/>
+      </p:nvGrpSpPr>
+      <p:grpSpPr>
+        <a:xfrm>
+          <a:off x="0" y="0"/>
+          <a:ext cx="0" cy="0"/>
+          <a:chOff x="0" y="0"/>
+          <a:chExt cx="0" cy="0"/>
+        </a:xfrm>
+      </p:grpSpPr>
+      <mc:AlternateContent xmlns:mc="http://schemas.openxmlformats.org/markup-compatibility/2006" xmlns:a14="http://schemas.microsoft.com/office/drawing/2010/main">
+        <mc:Choice Requires="a14">
+          <p:sp>
+            <p:nvSpPr>
+              <p:cNvPr id="2" name="Title 1">
+                <a:extLst>
+                  <a:ext uri="{FF2B5EF4-FFF2-40B4-BE49-F238E27FC236}">
+                    <a16:creationId xmlns:a16="http://schemas.microsoft.com/office/drawing/2014/main" id="{990329C2-5249-4701-BDFC-8C73EC78B4FD}"/>
+                  </a:ext>
+                </a:extLst>
+              </p:cNvPr>
+              <p:cNvSpPr>
+                <a:spLocks noGrp="1"/>
+              </p:cNvSpPr>
+              <p:nvPr>
+                <p:ph type="title"/>
+              </p:nvPr>
+            </p:nvSpPr>
+            <p:spPr/>
+            <p:txBody>
+              <a:bodyPr/>
+              <a:lstStyle/>
+              <a:p>
+                <a14:m>
+                  <m:oMath xmlns:m="http://schemas.openxmlformats.org/officeDocument/2006/math">
+                    <m:r>
+                      <a:rPr lang="en-US" b="0" i="1" smtClean="0">
+                        <a:latin typeface="Cambria Math" panose="02040503050406030204" pitchFamily="18" charset="0"/>
+                      </a:rPr>
+                      <m:t>𝐾</m:t>
+                    </m:r>
+                  </m:oMath>
+                </a14:m>
+                <a:r>
+                  <a:rPr lang="en-US" dirty="0"/>
+                  <a:t>-fold cross-validation</a:t>
+                </a:r>
+              </a:p>
+            </p:txBody>
+          </p:sp>
+        </mc:Choice>
+        <mc:Fallback xmlns="">
+          <p:sp>
+            <p:nvSpPr>
+              <p:cNvPr id="2" name="Title 1">
+                <a:extLst>
+                  <a:ext uri="{FF2B5EF4-FFF2-40B4-BE49-F238E27FC236}">
+                    <a16:creationId xmlns:a16="http://schemas.microsoft.com/office/drawing/2014/main" id="{990329C2-5249-4701-BDFC-8C73EC78B4FD}"/>
+                  </a:ext>
+                </a:extLst>
+              </p:cNvPr>
+              <p:cNvSpPr>
+                <a:spLocks noGrp="1" noRot="1" noChangeAspect="1" noMove="1" noResize="1" noEditPoints="1" noAdjustHandles="1" noChangeArrowheads="1" noChangeShapeType="1" noTextEdit="1"/>
+              </p:cNvSpPr>
+              <p:nvPr>
+                <p:ph type="title"/>
+              </p:nvPr>
+            </p:nvSpPr>
+            <p:spPr>
+              <a:blipFill>
+                <a:blip r:embed="rId2"/>
+                <a:stretch>
+                  <a:fillRect/>
+                </a:stretch>
+              </a:blipFill>
+            </p:spPr>
+            <p:txBody>
+              <a:bodyPr/>
+              <a:lstStyle/>
+              <a:p>
+                <a:r>
+                  <a:rPr lang="en-US">
+                    <a:noFill/>
+                  </a:rPr>
+                  <a:t> </a:t>
+                </a:r>
+              </a:p>
+            </p:txBody>
+          </p:sp>
+        </mc:Fallback>
+      </mc:AlternateContent>
+      <p:sp>
+        <p:nvSpPr>
+          <p:cNvPr id="4" name="Rectangle 3">
+            <a:extLst>
+              <a:ext uri="{FF2B5EF4-FFF2-40B4-BE49-F238E27FC236}">
+                <a16:creationId xmlns:a16="http://schemas.microsoft.com/office/drawing/2014/main" id="{0DC906FA-0250-41D5-A8C8-51025A70C2BF}"/>
+              </a:ext>
+            </a:extLst>
+          </p:cNvPr>
+          <p:cNvSpPr/>
+          <p:nvPr/>
+        </p:nvSpPr>
+        <p:spPr>
+          <a:xfrm>
+            <a:off x="2159876" y="4524702"/>
+            <a:ext cx="2096814" cy="804041"/>
+          </a:xfrm>
+          <a:prstGeom prst="rect">
+            <a:avLst/>
+          </a:prstGeom>
+          <a:solidFill>
+            <a:srgbClr val="00B050"/>
+          </a:solidFill>
+          <a:ln w="38100">
+            <a:solidFill>
+              <a:schemeClr val="accent1">
+                <a:lumMod val="50000"/>
+              </a:schemeClr>
+            </a:solidFill>
+          </a:ln>
+        </p:spPr>
+        <p:style>
+          <a:lnRef idx="2">
+            <a:schemeClr val="accent1">
+              <a:shade val="50000"/>
+            </a:schemeClr>
+          </a:lnRef>
+          <a:fillRef idx="1">
+            <a:schemeClr val="accent1"/>
+          </a:fillRef>
+          <a:effectRef idx="0">
+            <a:schemeClr val="accent1"/>
+          </a:effectRef>
+          <a:fontRef idx="minor">
+            <a:schemeClr val="lt1"/>
+          </a:fontRef>
+        </p:style>
+        <p:txBody>
+          <a:bodyPr rtlCol="0" anchor="ctr"/>
+          <a:lstStyle/>
+          <a:p>
+            <a:pPr algn="ctr"/>
+            <a:r>
+              <a:rPr lang="en-US" sz="2400" b="1" dirty="0"/>
+              <a:t>Validation Set</a:t>
+            </a:r>
+          </a:p>
+        </p:txBody>
+      </p:sp>
+      <p:sp>
+        <p:nvSpPr>
+          <p:cNvPr id="9" name="Rectangle 8">
+            <a:extLst>
+              <a:ext uri="{FF2B5EF4-FFF2-40B4-BE49-F238E27FC236}">
+                <a16:creationId xmlns:a16="http://schemas.microsoft.com/office/drawing/2014/main" id="{D9E07790-140A-481D-81A4-AFD0ED127989}"/>
+              </a:ext>
+            </a:extLst>
+          </p:cNvPr>
+          <p:cNvSpPr/>
+          <p:nvPr/>
+        </p:nvSpPr>
+        <p:spPr>
+          <a:xfrm>
+            <a:off x="2159876" y="2112581"/>
+            <a:ext cx="2096814" cy="804041"/>
+          </a:xfrm>
+          <a:prstGeom prst="rect">
+            <a:avLst/>
+          </a:prstGeom>
+          <a:ln w="38100">
+            <a:solidFill>
+              <a:schemeClr val="accent1">
+                <a:lumMod val="50000"/>
+              </a:schemeClr>
+            </a:solidFill>
+          </a:ln>
+        </p:spPr>
+        <p:style>
+          <a:lnRef idx="2">
+            <a:schemeClr val="accent1">
+              <a:shade val="50000"/>
+            </a:schemeClr>
+          </a:lnRef>
+          <a:fillRef idx="1">
+            <a:schemeClr val="accent1"/>
+          </a:fillRef>
+          <a:effectRef idx="0">
+            <a:schemeClr val="accent1"/>
+          </a:effectRef>
+          <a:fontRef idx="minor">
+            <a:schemeClr val="lt1"/>
+          </a:fontRef>
+        </p:style>
+        <p:txBody>
+          <a:bodyPr rtlCol="0" anchor="ctr"/>
+          <a:lstStyle/>
+          <a:p>
+            <a:pPr algn="ctr"/>
+            <a:r>
+              <a:rPr lang="en-US" sz="2400" b="1" dirty="0"/>
+              <a:t>Training Set</a:t>
+            </a:r>
+          </a:p>
+        </p:txBody>
+      </p:sp>
+      <p:sp>
+        <p:nvSpPr>
+          <p:cNvPr id="10" name="Rectangle 9">
+            <a:extLst>
+              <a:ext uri="{FF2B5EF4-FFF2-40B4-BE49-F238E27FC236}">
+                <a16:creationId xmlns:a16="http://schemas.microsoft.com/office/drawing/2014/main" id="{D4702EF9-7A49-4785-9CA9-49BD241B3DB1}"/>
+              </a:ext>
+            </a:extLst>
+          </p:cNvPr>
+          <p:cNvSpPr/>
+          <p:nvPr/>
+        </p:nvSpPr>
+        <p:spPr>
+          <a:xfrm>
+            <a:off x="2159876" y="2916621"/>
+            <a:ext cx="2096814" cy="804041"/>
+          </a:xfrm>
+          <a:prstGeom prst="rect">
+            <a:avLst/>
+          </a:prstGeom>
+          <a:ln w="38100">
+            <a:solidFill>
+              <a:schemeClr val="accent1">
+                <a:lumMod val="50000"/>
+              </a:schemeClr>
+            </a:solidFill>
+          </a:ln>
+        </p:spPr>
+        <p:style>
+          <a:lnRef idx="2">
+            <a:schemeClr val="accent1">
+              <a:shade val="50000"/>
+            </a:schemeClr>
+          </a:lnRef>
+          <a:fillRef idx="1">
+            <a:schemeClr val="accent1"/>
+          </a:fillRef>
+          <a:effectRef idx="0">
+            <a:schemeClr val="accent1"/>
+          </a:effectRef>
+          <a:fontRef idx="minor">
+            <a:schemeClr val="lt1"/>
+          </a:fontRef>
+        </p:style>
+        <p:txBody>
+          <a:bodyPr rtlCol="0" anchor="ctr"/>
+          <a:lstStyle/>
+          <a:p>
+            <a:pPr algn="ctr"/>
+            <a:r>
+              <a:rPr lang="en-US" sz="2400" b="1" dirty="0"/>
+              <a:t>Training Set</a:t>
+            </a:r>
+          </a:p>
+        </p:txBody>
+      </p:sp>
+      <p:sp>
+        <p:nvSpPr>
+          <p:cNvPr id="11" name="Rectangle 10">
+            <a:extLst>
+              <a:ext uri="{FF2B5EF4-FFF2-40B4-BE49-F238E27FC236}">
+                <a16:creationId xmlns:a16="http://schemas.microsoft.com/office/drawing/2014/main" id="{299CED0C-CFD6-4C0A-A597-3119782DD8C0}"/>
+              </a:ext>
+            </a:extLst>
+          </p:cNvPr>
+          <p:cNvSpPr/>
+          <p:nvPr/>
+        </p:nvSpPr>
+        <p:spPr>
+          <a:xfrm>
+            <a:off x="2159876" y="3720662"/>
+            <a:ext cx="2096814" cy="804041"/>
+          </a:xfrm>
+          <a:prstGeom prst="rect">
+            <a:avLst/>
+          </a:prstGeom>
+          <a:ln w="38100">
+            <a:solidFill>
+              <a:schemeClr val="accent1">
+                <a:lumMod val="50000"/>
+              </a:schemeClr>
+            </a:solidFill>
+          </a:ln>
+        </p:spPr>
+        <p:style>
+          <a:lnRef idx="2">
+            <a:schemeClr val="accent1">
+              <a:shade val="50000"/>
+            </a:schemeClr>
+          </a:lnRef>
+          <a:fillRef idx="1">
+            <a:schemeClr val="accent1"/>
+          </a:fillRef>
+          <a:effectRef idx="0">
+            <a:schemeClr val="accent1"/>
+          </a:effectRef>
+          <a:fontRef idx="minor">
+            <a:schemeClr val="lt1"/>
+          </a:fontRef>
+        </p:style>
+        <p:txBody>
+          <a:bodyPr rtlCol="0" anchor="ctr"/>
+          <a:lstStyle/>
+          <a:p>
+            <a:pPr algn="ctr"/>
+            <a:r>
+              <a:rPr lang="en-US" sz="2400" b="1" dirty="0"/>
+              <a:t>Training Set</a:t>
+            </a:r>
+          </a:p>
+        </p:txBody>
+      </p:sp>
+      <p:sp>
+        <p:nvSpPr>
+          <p:cNvPr id="7" name="TextBox 6">
+            <a:extLst>
+              <a:ext uri="{FF2B5EF4-FFF2-40B4-BE49-F238E27FC236}">
+                <a16:creationId xmlns:a16="http://schemas.microsoft.com/office/drawing/2014/main" id="{8A7D4A9F-ACE2-46D2-BAA2-90F86D7C9A72}"/>
+              </a:ext>
+            </a:extLst>
+          </p:cNvPr>
+          <p:cNvSpPr txBox="1"/>
+          <p:nvPr/>
+        </p:nvSpPr>
+        <p:spPr>
+          <a:xfrm>
+            <a:off x="5407572" y="2052935"/>
+            <a:ext cx="3200400" cy="461665"/>
+          </a:xfrm>
+          <a:prstGeom prst="rect">
+            <a:avLst/>
+          </a:prstGeom>
+          <a:noFill/>
+        </p:spPr>
+        <p:txBody>
+          <a:bodyPr wrap="square" rtlCol="0">
+            <a:spAutoFit/>
+          </a:bodyPr>
+          <a:lstStyle/>
+          <a:p>
+            <a:r>
+              <a:rPr lang="en-US" sz="2400" dirty="0"/>
+              <a:t>4-fold cross-validation</a:t>
+            </a:r>
+          </a:p>
+        </p:txBody>
+      </p:sp>
+      <p:sp>
+        <p:nvSpPr>
+          <p:cNvPr id="8" name="TextBox 7">
+            <a:extLst>
+              <a:ext uri="{FF2B5EF4-FFF2-40B4-BE49-F238E27FC236}">
+                <a16:creationId xmlns:a16="http://schemas.microsoft.com/office/drawing/2014/main" id="{B99D12F3-4319-45DA-8EA6-61B02F0F9032}"/>
+              </a:ext>
+            </a:extLst>
+          </p:cNvPr>
+          <p:cNvSpPr txBox="1"/>
+          <p:nvPr/>
+        </p:nvSpPr>
+        <p:spPr>
+          <a:xfrm>
+            <a:off x="2159876" y="1481959"/>
+            <a:ext cx="2096814" cy="461665"/>
+          </a:xfrm>
+          <a:prstGeom prst="rect">
+            <a:avLst/>
+          </a:prstGeom>
+          <a:noFill/>
+        </p:spPr>
+        <p:txBody>
+          <a:bodyPr wrap="square" rtlCol="0">
+            <a:spAutoFit/>
+          </a:bodyPr>
+          <a:lstStyle/>
+          <a:p>
+            <a:pPr algn="ctr"/>
+            <a:r>
+              <a:rPr lang="en-US" sz="2400" dirty="0"/>
+              <a:t>Dataset</a:t>
+            </a:r>
+          </a:p>
+        </p:txBody>
+      </p:sp>
       <p:sp>
         <p:nvSpPr>
           <p:cNvPr id="12" name="Rectangle 11">
@@ -4546,7 +4968,7 @@
 </p:sld>
 </file>
 
-<file path=ppt/slides/slide11.xml><?xml version="1.0" encoding="utf-8"?>
+<file path=ppt/slides/slide12.xml><?xml version="1.0" encoding="utf-8"?>
 <p:sld xmlns:a="http://schemas.openxmlformats.org/drawingml/2006/main" xmlns:r="http://schemas.openxmlformats.org/officeDocument/2006/relationships" xmlns:p="http://schemas.openxmlformats.org/presentationml/2006/main">
   <p:cSld>
     <p:spTree>
@@ -4944,6 +5366,165 @@
           <p:cNvPr id="2" name="Title 1">
             <a:extLst>
               <a:ext uri="{FF2B5EF4-FFF2-40B4-BE49-F238E27FC236}">
+                <a16:creationId xmlns:a16="http://schemas.microsoft.com/office/drawing/2014/main" id="{C839823A-07F6-4300-9179-BD65FA3B370A}"/>
+              </a:ext>
+            </a:extLst>
+          </p:cNvPr>
+          <p:cNvSpPr>
+            <a:spLocks noGrp="1"/>
+          </p:cNvSpPr>
+          <p:nvPr>
+            <p:ph type="title"/>
+          </p:nvPr>
+        </p:nvSpPr>
+        <p:spPr/>
+        <p:txBody>
+          <a:bodyPr/>
+          <a:lstStyle/>
+          <a:p>
+            <a:r>
+              <a:rPr lang="en-US" dirty="0"/>
+              <a:t>Train test split</a:t>
+            </a:r>
+          </a:p>
+        </p:txBody>
+      </p:sp>
+      <p:pic>
+        <p:nvPicPr>
+          <p:cNvPr id="1026" name="Picture 2">
+            <a:extLst>
+              <a:ext uri="{FF2B5EF4-FFF2-40B4-BE49-F238E27FC236}">
+                <a16:creationId xmlns:a16="http://schemas.microsoft.com/office/drawing/2014/main" id="{E5A2150D-B362-4229-9179-187583A2CE7D}"/>
+              </a:ext>
+            </a:extLst>
+          </p:cNvPr>
+          <p:cNvPicPr>
+            <a:picLocks noChangeAspect="1" noChangeArrowheads="1"/>
+          </p:cNvPicPr>
+          <p:nvPr/>
+        </p:nvPicPr>
+        <p:blipFill>
+          <a:blip r:embed="rId2">
+            <a:extLst>
+              <a:ext uri="{28A0092B-C50C-407E-A947-70E740481C1C}">
+                <a14:useLocalDpi xmlns:a14="http://schemas.microsoft.com/office/drawing/2010/main" val="0"/>
+              </a:ext>
+            </a:extLst>
+          </a:blip>
+          <a:srcRect/>
+          <a:stretch>
+            <a:fillRect/>
+          </a:stretch>
+        </p:blipFill>
+        <p:spPr bwMode="auto">
+          <a:xfrm>
+            <a:off x="1739462" y="2301790"/>
+            <a:ext cx="8713076" cy="3399008"/>
+          </a:xfrm>
+          <a:prstGeom prst="rect">
+            <a:avLst/>
+          </a:prstGeom>
+          <a:noFill/>
+          <a:extLst>
+            <a:ext uri="{909E8E84-426E-40DD-AFC4-6F175D3DCCD1}">
+              <a14:hiddenFill xmlns:a14="http://schemas.microsoft.com/office/drawing/2010/main">
+                <a:solidFill>
+                  <a:srgbClr val="FFFFFF"/>
+                </a:solidFill>
+              </a14:hiddenFill>
+            </a:ext>
+          </a:extLst>
+        </p:spPr>
+      </p:pic>
+      <p:sp>
+        <p:nvSpPr>
+          <p:cNvPr id="5" name="Rectangle 4">
+            <a:extLst>
+              <a:ext uri="{FF2B5EF4-FFF2-40B4-BE49-F238E27FC236}">
+                <a16:creationId xmlns:a16="http://schemas.microsoft.com/office/drawing/2014/main" id="{04231189-9291-4473-9D12-DB58B1725C9F}"/>
+              </a:ext>
+            </a:extLst>
+          </p:cNvPr>
+          <p:cNvSpPr/>
+          <p:nvPr/>
+        </p:nvSpPr>
+        <p:spPr>
+          <a:xfrm>
+            <a:off x="1849820" y="6379369"/>
+            <a:ext cx="8728841" cy="369332"/>
+          </a:xfrm>
+          <a:prstGeom prst="rect">
+            <a:avLst/>
+          </a:prstGeom>
+        </p:spPr>
+        <p:txBody>
+          <a:bodyPr wrap="square">
+            <a:spAutoFit/>
+          </a:bodyPr>
+          <a:lstStyle/>
+          <a:p>
+            <a:r>
+              <a:rPr lang="en-US" dirty="0">
+                <a:solidFill>
+                  <a:schemeClr val="bg1">
+                    <a:lumMod val="75000"/>
+                  </a:schemeClr>
+                </a:solidFill>
+                <a:hlinkClick r:id="rId3">
+                  <a:extLst>
+                    <a:ext uri="{A12FA001-AC4F-418D-AE19-62706E023703}">
+                      <ahyp:hlinkClr xmlns:ahyp="http://schemas.microsoft.com/office/drawing/2018/hyperlinkcolor" val="tx"/>
+                    </a:ext>
+                  </a:extLst>
+                </a:hlinkClick>
+              </a:rPr>
+              <a:t>https://medium.com/@hi.martinez/train-test-split-cross-validation-you-b87f662445e1</a:t>
+            </a:r>
+            <a:endParaRPr lang="en-US" dirty="0">
+              <a:solidFill>
+                <a:schemeClr val="bg1">
+                  <a:lumMod val="75000"/>
+                </a:schemeClr>
+              </a:solidFill>
+            </a:endParaRPr>
+          </a:p>
+        </p:txBody>
+      </p:sp>
+    </p:spTree>
+    <p:extLst>
+      <p:ext uri="{BB962C8B-B14F-4D97-AF65-F5344CB8AC3E}">
+        <p14:creationId xmlns:p14="http://schemas.microsoft.com/office/powerpoint/2010/main" val="2224609496"/>
+      </p:ext>
+    </p:extLst>
+  </p:cSld>
+  <p:clrMapOvr>
+    <a:masterClrMapping/>
+  </p:clrMapOvr>
+</p:sld>
+</file>
+
+<file path=ppt/slides/slide3.xml><?xml version="1.0" encoding="utf-8"?>
+<p:sld xmlns:a="http://schemas.openxmlformats.org/drawingml/2006/main" xmlns:r="http://schemas.openxmlformats.org/officeDocument/2006/relationships" xmlns:p="http://schemas.openxmlformats.org/presentationml/2006/main">
+  <p:cSld>
+    <p:spTree>
+      <p:nvGrpSpPr>
+        <p:cNvPr id="1" name=""/>
+        <p:cNvGrpSpPr/>
+        <p:nvPr/>
+      </p:nvGrpSpPr>
+      <p:grpSpPr>
+        <a:xfrm>
+          <a:off x="0" y="0"/>
+          <a:ext cx="0" cy="0"/>
+          <a:chOff x="0" y="0"/>
+          <a:chExt cx="0" cy="0"/>
+        </a:xfrm>
+      </p:grpSpPr>
+      <p:sp>
+        <p:nvSpPr>
+          <p:cNvPr id="2" name="Title 1">
+            <a:extLst>
+              <a:ext uri="{FF2B5EF4-FFF2-40B4-BE49-F238E27FC236}">
                 <a16:creationId xmlns:a16="http://schemas.microsoft.com/office/drawing/2014/main" id="{281AE948-2A49-46DE-8A74-7417DDF4D29B}"/>
               </a:ext>
             </a:extLst>
@@ -4960,7 +5541,10 @@
           <a:bodyPr/>
           <a:lstStyle/>
           <a:p>
-            <a:endParaRPr lang="en-US"/>
+            <a:r>
+              <a:rPr lang="en-US" dirty="0"/>
+              <a:t>Ordinal encoding</a:t>
+            </a:r>
           </a:p>
         </p:txBody>
       </p:sp>
@@ -5002,7 +5586,7 @@
 </p:sld>
 </file>
 
-<file path=ppt/slides/slide3.xml><?xml version="1.0" encoding="utf-8"?>
+<file path=ppt/slides/slide4.xml><?xml version="1.0" encoding="utf-8"?>
 <p:sld xmlns:a="http://schemas.openxmlformats.org/drawingml/2006/main" xmlns:r="http://schemas.openxmlformats.org/officeDocument/2006/relationships" xmlns:p="http://schemas.openxmlformats.org/presentationml/2006/main">
   <p:cSld>
     <p:spTree>
@@ -5078,7 +5662,7 @@
                     <a:bodyPr/>
                     <a:lstStyle/>
                     <a:p>
-                      <a:endParaRPr lang="en-US"/>
+                      <a:endParaRPr lang="en-US" dirty="0"/>
                     </a:p>
                   </a:txBody>
                   <a:tcPr>
@@ -6676,7 +7260,7 @@
 </p:sld>
 </file>
 
-<file path=ppt/slides/slide4.xml><?xml version="1.0" encoding="utf-8"?>
+<file path=ppt/slides/slide5.xml><?xml version="1.0" encoding="utf-8"?>
 <p:sld xmlns:a="http://schemas.openxmlformats.org/drawingml/2006/main" xmlns:r="http://schemas.openxmlformats.org/officeDocument/2006/relationships" xmlns:p="http://schemas.openxmlformats.org/presentationml/2006/main">
   <p:cSld>
     <p:spTree>
@@ -6935,43 +7519,7 @@
                 </a:solidFill>
                 <a:latin typeface="Consolas" panose="020B0609020204030204" pitchFamily="49" charset="0"/>
               </a:rPr>
-              <a:t>(</a:t>
-            </a:r>
-            <a:r>
-              <a:rPr lang="en-US" sz="2400" dirty="0" err="1">
-                <a:solidFill>
-                  <a:srgbClr val="9CDCFE"/>
-                </a:solidFill>
-                <a:latin typeface="Consolas" panose="020B0609020204030204" pitchFamily="49" charset="0"/>
-              </a:rPr>
-              <a:t>random_state</a:t>
-            </a:r>
-            <a:r>
-              <a:rPr lang="en-US" sz="2400" dirty="0">
-                <a:solidFill>
-                  <a:srgbClr val="D4D4D4"/>
-                </a:solidFill>
-                <a:latin typeface="Consolas" panose="020B0609020204030204" pitchFamily="49" charset="0"/>
-              </a:rPr>
-              <a:t>=</a:t>
-            </a:r>
-            <a:r>
-              <a:rPr lang="en-US" sz="2400" dirty="0">
-                <a:solidFill>
-                  <a:srgbClr val="B5CEA8"/>
-                </a:solidFill>
-                <a:latin typeface="Consolas" panose="020B0609020204030204" pitchFamily="49" charset="0"/>
-              </a:rPr>
-              <a:t>42</a:t>
-            </a:r>
-            <a:r>
-              <a:rPr lang="en-US" sz="2400" dirty="0">
-                <a:solidFill>
-                  <a:srgbClr val="D4D4D4"/>
-                </a:solidFill>
-                <a:latin typeface="Consolas" panose="020B0609020204030204" pitchFamily="49" charset="0"/>
-              </a:rPr>
-              <a:t>)</a:t>
+              <a:t>()</a:t>
             </a:r>
           </a:p>
           <a:p>
@@ -7472,412 +8020,6 @@
   <p:clrMapOvr>
     <a:masterClrMapping/>
   </p:clrMapOvr>
-</p:sld>
-</file>
-
-<file path=ppt/slides/slide5.xml><?xml version="1.0" encoding="utf-8"?>
-<p:sld xmlns:a="http://schemas.openxmlformats.org/drawingml/2006/main" xmlns:r="http://schemas.openxmlformats.org/officeDocument/2006/relationships" xmlns:p="http://schemas.openxmlformats.org/presentationml/2006/main">
-  <p:cSld>
-    <p:spTree>
-      <p:nvGrpSpPr>
-        <p:cNvPr id="1" name=""/>
-        <p:cNvGrpSpPr/>
-        <p:nvPr/>
-      </p:nvGrpSpPr>
-      <p:grpSpPr>
-        <a:xfrm>
-          <a:off x="0" y="0"/>
-          <a:ext cx="0" cy="0"/>
-          <a:chOff x="0" y="0"/>
-          <a:chExt cx="0" cy="0"/>
-        </a:xfrm>
-      </p:grpSpPr>
-      <mc:AlternateContent xmlns:mc="http://schemas.openxmlformats.org/markup-compatibility/2006" xmlns:a14="http://schemas.microsoft.com/office/drawing/2010/main">
-        <mc:Choice Requires="a14">
-          <p:sp>
-            <p:nvSpPr>
-              <p:cNvPr id="2" name="Title 1">
-                <a:extLst>
-                  <a:ext uri="{FF2B5EF4-FFF2-40B4-BE49-F238E27FC236}">
-                    <a16:creationId xmlns:a16="http://schemas.microsoft.com/office/drawing/2014/main" id="{990329C2-5249-4701-BDFC-8C73EC78B4FD}"/>
-                  </a:ext>
-                </a:extLst>
-              </p:cNvPr>
-              <p:cNvSpPr>
-                <a:spLocks noGrp="1"/>
-              </p:cNvSpPr>
-              <p:nvPr>
-                <p:ph type="title"/>
-              </p:nvPr>
-            </p:nvSpPr>
-            <p:spPr/>
-            <p:txBody>
-              <a:bodyPr/>
-              <a:lstStyle/>
-              <a:p>
-                <a14:m>
-                  <m:oMath xmlns:m="http://schemas.openxmlformats.org/officeDocument/2006/math">
-                    <m:r>
-                      <a:rPr lang="en-US" b="0" i="1" smtClean="0">
-                        <a:latin typeface="Cambria Math" panose="02040503050406030204" pitchFamily="18" charset="0"/>
-                      </a:rPr>
-                      <m:t>𝐾</m:t>
-                    </m:r>
-                  </m:oMath>
-                </a14:m>
-                <a:r>
-                  <a:rPr lang="en-US" dirty="0"/>
-                  <a:t>-fold cross-validation</a:t>
-                </a:r>
-              </a:p>
-            </p:txBody>
-          </p:sp>
-        </mc:Choice>
-        <mc:Fallback xmlns="">
-          <p:sp>
-            <p:nvSpPr>
-              <p:cNvPr id="2" name="Title 1">
-                <a:extLst>
-                  <a:ext uri="{FF2B5EF4-FFF2-40B4-BE49-F238E27FC236}">
-                    <a16:creationId xmlns:a16="http://schemas.microsoft.com/office/drawing/2014/main" id="{990329C2-5249-4701-BDFC-8C73EC78B4FD}"/>
-                  </a:ext>
-                </a:extLst>
-              </p:cNvPr>
-              <p:cNvSpPr>
-                <a:spLocks noGrp="1" noRot="1" noChangeAspect="1" noMove="1" noResize="1" noEditPoints="1" noAdjustHandles="1" noChangeArrowheads="1" noChangeShapeType="1" noTextEdit="1"/>
-              </p:cNvSpPr>
-              <p:nvPr>
-                <p:ph type="title"/>
-              </p:nvPr>
-            </p:nvSpPr>
-            <p:spPr>
-              <a:blipFill>
-                <a:blip r:embed="rId2"/>
-                <a:stretch>
-                  <a:fillRect/>
-                </a:stretch>
-              </a:blipFill>
-            </p:spPr>
-            <p:txBody>
-              <a:bodyPr/>
-              <a:lstStyle/>
-              <a:p>
-                <a:r>
-                  <a:rPr lang="en-US">
-                    <a:noFill/>
-                  </a:rPr>
-                  <a:t> </a:t>
-                </a:r>
-              </a:p>
-            </p:txBody>
-          </p:sp>
-        </mc:Fallback>
-      </mc:AlternateContent>
-      <p:sp>
-        <p:nvSpPr>
-          <p:cNvPr id="4" name="Rectangle 3">
-            <a:extLst>
-              <a:ext uri="{FF2B5EF4-FFF2-40B4-BE49-F238E27FC236}">
-                <a16:creationId xmlns:a16="http://schemas.microsoft.com/office/drawing/2014/main" id="{0DC906FA-0250-41D5-A8C8-51025A70C2BF}"/>
-              </a:ext>
-            </a:extLst>
-          </p:cNvPr>
-          <p:cNvSpPr/>
-          <p:nvPr/>
-        </p:nvSpPr>
-        <p:spPr>
-          <a:xfrm>
-            <a:off x="2159876" y="2112580"/>
-            <a:ext cx="2096814" cy="804041"/>
-          </a:xfrm>
-          <a:prstGeom prst="rect">
-            <a:avLst/>
-          </a:prstGeom>
-          <a:ln w="38100">
-            <a:solidFill>
-              <a:schemeClr val="accent1">
-                <a:lumMod val="50000"/>
-              </a:schemeClr>
-            </a:solidFill>
-          </a:ln>
-        </p:spPr>
-        <p:style>
-          <a:lnRef idx="2">
-            <a:schemeClr val="accent1">
-              <a:shade val="50000"/>
-            </a:schemeClr>
-          </a:lnRef>
-          <a:fillRef idx="1">
-            <a:schemeClr val="accent1"/>
-          </a:fillRef>
-          <a:effectRef idx="0">
-            <a:schemeClr val="accent1"/>
-          </a:effectRef>
-          <a:fontRef idx="minor">
-            <a:schemeClr val="lt1"/>
-          </a:fontRef>
-        </p:style>
-        <p:txBody>
-          <a:bodyPr rtlCol="0" anchor="ctr"/>
-          <a:lstStyle/>
-          <a:p>
-            <a:pPr algn="ctr"/>
-            <a:endParaRPr lang="en-US" sz="2400" dirty="0"/>
-          </a:p>
-        </p:txBody>
-      </p:sp>
-      <p:sp>
-        <p:nvSpPr>
-          <p:cNvPr id="9" name="Rectangle 8">
-            <a:extLst>
-              <a:ext uri="{FF2B5EF4-FFF2-40B4-BE49-F238E27FC236}">
-                <a16:creationId xmlns:a16="http://schemas.microsoft.com/office/drawing/2014/main" id="{D9E07790-140A-481D-81A4-AFD0ED127989}"/>
-              </a:ext>
-            </a:extLst>
-          </p:cNvPr>
-          <p:cNvSpPr/>
-          <p:nvPr/>
-        </p:nvSpPr>
-        <p:spPr>
-          <a:xfrm>
-            <a:off x="2159876" y="2916621"/>
-            <a:ext cx="2096814" cy="804041"/>
-          </a:xfrm>
-          <a:prstGeom prst="rect">
-            <a:avLst/>
-          </a:prstGeom>
-          <a:ln w="38100">
-            <a:solidFill>
-              <a:schemeClr val="accent1">
-                <a:lumMod val="50000"/>
-              </a:schemeClr>
-            </a:solidFill>
-          </a:ln>
-        </p:spPr>
-        <p:style>
-          <a:lnRef idx="2">
-            <a:schemeClr val="accent1">
-              <a:shade val="50000"/>
-            </a:schemeClr>
-          </a:lnRef>
-          <a:fillRef idx="1">
-            <a:schemeClr val="accent1"/>
-          </a:fillRef>
-          <a:effectRef idx="0">
-            <a:schemeClr val="accent1"/>
-          </a:effectRef>
-          <a:fontRef idx="minor">
-            <a:schemeClr val="lt1"/>
-          </a:fontRef>
-        </p:style>
-        <p:txBody>
-          <a:bodyPr rtlCol="0" anchor="ctr"/>
-          <a:lstStyle/>
-          <a:p>
-            <a:pPr algn="ctr"/>
-            <a:endParaRPr lang="en-US" sz="2400" dirty="0"/>
-          </a:p>
-        </p:txBody>
-      </p:sp>
-      <p:sp>
-        <p:nvSpPr>
-          <p:cNvPr id="10" name="Rectangle 9">
-            <a:extLst>
-              <a:ext uri="{FF2B5EF4-FFF2-40B4-BE49-F238E27FC236}">
-                <a16:creationId xmlns:a16="http://schemas.microsoft.com/office/drawing/2014/main" id="{D4702EF9-7A49-4785-9CA9-49BD241B3DB1}"/>
-              </a:ext>
-            </a:extLst>
-          </p:cNvPr>
-          <p:cNvSpPr/>
-          <p:nvPr/>
-        </p:nvSpPr>
-        <p:spPr>
-          <a:xfrm>
-            <a:off x="2159876" y="3720662"/>
-            <a:ext cx="2096814" cy="804041"/>
-          </a:xfrm>
-          <a:prstGeom prst="rect">
-            <a:avLst/>
-          </a:prstGeom>
-          <a:ln w="38100">
-            <a:solidFill>
-              <a:schemeClr val="accent1">
-                <a:lumMod val="50000"/>
-              </a:schemeClr>
-            </a:solidFill>
-          </a:ln>
-        </p:spPr>
-        <p:style>
-          <a:lnRef idx="2">
-            <a:schemeClr val="accent1">
-              <a:shade val="50000"/>
-            </a:schemeClr>
-          </a:lnRef>
-          <a:fillRef idx="1">
-            <a:schemeClr val="accent1"/>
-          </a:fillRef>
-          <a:effectRef idx="0">
-            <a:schemeClr val="accent1"/>
-          </a:effectRef>
-          <a:fontRef idx="minor">
-            <a:schemeClr val="lt1"/>
-          </a:fontRef>
-        </p:style>
-        <p:txBody>
-          <a:bodyPr rtlCol="0" anchor="ctr"/>
-          <a:lstStyle/>
-          <a:p>
-            <a:pPr algn="ctr"/>
-            <a:endParaRPr lang="en-US" sz="2400" dirty="0"/>
-          </a:p>
-        </p:txBody>
-      </p:sp>
-      <p:sp>
-        <p:nvSpPr>
-          <p:cNvPr id="11" name="Rectangle 10">
-            <a:extLst>
-              <a:ext uri="{FF2B5EF4-FFF2-40B4-BE49-F238E27FC236}">
-                <a16:creationId xmlns:a16="http://schemas.microsoft.com/office/drawing/2014/main" id="{299CED0C-CFD6-4C0A-A597-3119782DD8C0}"/>
-              </a:ext>
-            </a:extLst>
-          </p:cNvPr>
-          <p:cNvSpPr/>
-          <p:nvPr/>
-        </p:nvSpPr>
-        <p:spPr>
-          <a:xfrm>
-            <a:off x="2159876" y="4524703"/>
-            <a:ext cx="2096814" cy="804041"/>
-          </a:xfrm>
-          <a:prstGeom prst="rect">
-            <a:avLst/>
-          </a:prstGeom>
-          <a:ln w="38100">
-            <a:solidFill>
-              <a:schemeClr val="accent1">
-                <a:lumMod val="50000"/>
-              </a:schemeClr>
-            </a:solidFill>
-          </a:ln>
-        </p:spPr>
-        <p:style>
-          <a:lnRef idx="2">
-            <a:schemeClr val="accent1">
-              <a:shade val="50000"/>
-            </a:schemeClr>
-          </a:lnRef>
-          <a:fillRef idx="1">
-            <a:schemeClr val="accent1"/>
-          </a:fillRef>
-          <a:effectRef idx="0">
-            <a:schemeClr val="accent1"/>
-          </a:effectRef>
-          <a:fontRef idx="minor">
-            <a:schemeClr val="lt1"/>
-          </a:fontRef>
-        </p:style>
-        <p:txBody>
-          <a:bodyPr rtlCol="0" anchor="ctr"/>
-          <a:lstStyle/>
-          <a:p>
-            <a:pPr algn="ctr"/>
-            <a:endParaRPr lang="en-US" sz="2400" dirty="0"/>
-          </a:p>
-        </p:txBody>
-      </p:sp>
-      <p:sp>
-        <p:nvSpPr>
-          <p:cNvPr id="7" name="TextBox 6">
-            <a:extLst>
-              <a:ext uri="{FF2B5EF4-FFF2-40B4-BE49-F238E27FC236}">
-                <a16:creationId xmlns:a16="http://schemas.microsoft.com/office/drawing/2014/main" id="{B21F0BD9-89D7-4287-8C37-3A17B65A5509}"/>
-              </a:ext>
-            </a:extLst>
-          </p:cNvPr>
-          <p:cNvSpPr txBox="1"/>
-          <p:nvPr/>
-        </p:nvSpPr>
-        <p:spPr>
-          <a:xfrm>
-            <a:off x="5407572" y="2052935"/>
-            <a:ext cx="3200400" cy="461665"/>
-          </a:xfrm>
-          <a:prstGeom prst="rect">
-            <a:avLst/>
-          </a:prstGeom>
-          <a:noFill/>
-        </p:spPr>
-        <p:txBody>
-          <a:bodyPr wrap="square" rtlCol="0">
-            <a:spAutoFit/>
-          </a:bodyPr>
-          <a:lstStyle/>
-          <a:p>
-            <a:r>
-              <a:rPr lang="en-US" sz="2400" dirty="0"/>
-              <a:t>4-fold cross-validation</a:t>
-            </a:r>
-          </a:p>
-        </p:txBody>
-      </p:sp>
-      <p:sp>
-        <p:nvSpPr>
-          <p:cNvPr id="8" name="TextBox 7">
-            <a:extLst>
-              <a:ext uri="{FF2B5EF4-FFF2-40B4-BE49-F238E27FC236}">
-                <a16:creationId xmlns:a16="http://schemas.microsoft.com/office/drawing/2014/main" id="{4146F0E0-5099-41FD-8774-3FB98A90224C}"/>
-              </a:ext>
-            </a:extLst>
-          </p:cNvPr>
-          <p:cNvSpPr txBox="1"/>
-          <p:nvPr/>
-        </p:nvSpPr>
-        <p:spPr>
-          <a:xfrm>
-            <a:off x="2159876" y="1481959"/>
-            <a:ext cx="2096814" cy="461665"/>
-          </a:xfrm>
-          <a:prstGeom prst="rect">
-            <a:avLst/>
-          </a:prstGeom>
-          <a:noFill/>
-        </p:spPr>
-        <p:txBody>
-          <a:bodyPr wrap="square" rtlCol="0">
-            <a:spAutoFit/>
-          </a:bodyPr>
-          <a:lstStyle/>
-          <a:p>
-            <a:pPr algn="ctr"/>
-            <a:r>
-              <a:rPr lang="en-US" sz="2400" dirty="0"/>
-              <a:t>Dataset</a:t>
-            </a:r>
-          </a:p>
-        </p:txBody>
-      </p:sp>
-    </p:spTree>
-    <p:extLst>
-      <p:ext uri="{BB962C8B-B14F-4D97-AF65-F5344CB8AC3E}">
-        <p14:creationId xmlns:p14="http://schemas.microsoft.com/office/powerpoint/2010/main" val="2018273231"/>
-      </p:ext>
-    </p:extLst>
-  </p:cSld>
-  <p:clrMapOvr>
-    <a:masterClrMapping/>
-  </p:clrMapOvr>
-  <mc:AlternateContent xmlns:mc="http://schemas.openxmlformats.org/markup-compatibility/2006" xmlns:p159="http://schemas.microsoft.com/office/powerpoint/2015/09/main">
-    <mc:Choice Requires="p159">
-      <p:transition xmlns:p14="http://schemas.microsoft.com/office/powerpoint/2010/main" spd="slow" p14:dur="2000">
-        <p159:morph option="byObject"/>
-      </p:transition>
-    </mc:Choice>
-    <mc:Fallback xmlns="">
-      <p:transition spd="slow">
-        <p:fade/>
-      </p:transition>
-    </mc:Fallback>
-  </mc:AlternateContent>
 </p:sld>
 </file>
 
@@ -7999,9 +8141,6 @@
           <a:prstGeom prst="rect">
             <a:avLst/>
           </a:prstGeom>
-          <a:solidFill>
-            <a:srgbClr val="00B050"/>
-          </a:solidFill>
           <a:ln w="38100">
             <a:solidFill>
               <a:schemeClr val="accent1">
@@ -8031,10 +8170,7 @@
           <a:lstStyle/>
           <a:p>
             <a:pPr algn="ctr"/>
-            <a:r>
-              <a:rPr lang="en-US" sz="2400" b="1" dirty="0"/>
-              <a:t>Validation Set</a:t>
-            </a:r>
+            <a:endParaRPr lang="en-US" sz="2400" dirty="0"/>
           </a:p>
         </p:txBody>
       </p:sp>
@@ -8087,10 +8223,7 @@
           <a:lstStyle/>
           <a:p>
             <a:pPr algn="ctr"/>
-            <a:r>
-              <a:rPr lang="en-US" sz="2400" b="1" dirty="0"/>
-              <a:t>Training Set</a:t>
-            </a:r>
+            <a:endParaRPr lang="en-US" sz="2400" dirty="0"/>
           </a:p>
         </p:txBody>
       </p:sp>
@@ -8143,10 +8276,7 @@
           <a:lstStyle/>
           <a:p>
             <a:pPr algn="ctr"/>
-            <a:r>
-              <a:rPr lang="en-US" sz="2400" b="1" dirty="0"/>
-              <a:t>Training Set</a:t>
-            </a:r>
+            <a:endParaRPr lang="en-US" sz="2400" dirty="0"/>
           </a:p>
         </p:txBody>
       </p:sp>
@@ -8199,19 +8329,16 @@
           <a:lstStyle/>
           <a:p>
             <a:pPr algn="ctr"/>
-            <a:r>
-              <a:rPr lang="en-US" sz="2400" b="1" dirty="0"/>
-              <a:t>Training Set</a:t>
-            </a:r>
-          </a:p>
-        </p:txBody>
-      </p:sp>
-      <p:sp>
-        <p:nvSpPr>
-          <p:cNvPr id="3" name="TextBox 2">
+            <a:endParaRPr lang="en-US" sz="2400" dirty="0"/>
+          </a:p>
+        </p:txBody>
+      </p:sp>
+      <p:sp>
+        <p:nvSpPr>
+          <p:cNvPr id="7" name="TextBox 6">
             <a:extLst>
               <a:ext uri="{FF2B5EF4-FFF2-40B4-BE49-F238E27FC236}">
-                <a16:creationId xmlns:a16="http://schemas.microsoft.com/office/drawing/2014/main" id="{DB45464E-4E39-459B-89D2-A58428FB5109}"/>
+                <a16:creationId xmlns:a16="http://schemas.microsoft.com/office/drawing/2014/main" id="{B21F0BD9-89D7-4287-8C37-3A17B65A5509}"/>
               </a:ext>
             </a:extLst>
           </p:cNvPr>
@@ -8246,7 +8373,7 @@
           <p:cNvPr id="8" name="TextBox 7">
             <a:extLst>
               <a:ext uri="{FF2B5EF4-FFF2-40B4-BE49-F238E27FC236}">
-                <a16:creationId xmlns:a16="http://schemas.microsoft.com/office/drawing/2014/main" id="{4CD477A3-9250-43BC-B350-B6A9E980806B}"/>
+                <a16:creationId xmlns:a16="http://schemas.microsoft.com/office/drawing/2014/main" id="{4146F0E0-5099-41FD-8774-3FB98A90224C}"/>
               </a:ext>
             </a:extLst>
           </p:cNvPr>
@@ -8277,10 +8404,71 @@
           </a:p>
         </p:txBody>
       </p:sp>
+      <p:sp>
+        <p:nvSpPr>
+          <p:cNvPr id="12" name="Rectangle 11">
+            <a:extLst>
+              <a:ext uri="{FF2B5EF4-FFF2-40B4-BE49-F238E27FC236}">
+                <a16:creationId xmlns:a16="http://schemas.microsoft.com/office/drawing/2014/main" id="{E2924B15-8CC6-4B72-95A5-C9E208894237}"/>
+              </a:ext>
+            </a:extLst>
+          </p:cNvPr>
+          <p:cNvSpPr/>
+          <p:nvPr/>
+        </p:nvSpPr>
+        <p:spPr>
+          <a:xfrm>
+            <a:off x="2159876" y="5328744"/>
+            <a:ext cx="2096814" cy="1355835"/>
+          </a:xfrm>
+          <a:prstGeom prst="rect">
+            <a:avLst/>
+          </a:prstGeom>
+          <a:solidFill>
+            <a:schemeClr val="accent4">
+              <a:lumMod val="75000"/>
+            </a:schemeClr>
+          </a:solidFill>
+          <a:ln w="38100">
+            <a:solidFill>
+              <a:schemeClr val="accent1">
+                <a:lumMod val="50000"/>
+              </a:schemeClr>
+            </a:solidFill>
+          </a:ln>
+        </p:spPr>
+        <p:style>
+          <a:lnRef idx="2">
+            <a:schemeClr val="accent1">
+              <a:shade val="50000"/>
+            </a:schemeClr>
+          </a:lnRef>
+          <a:fillRef idx="1">
+            <a:schemeClr val="accent1"/>
+          </a:fillRef>
+          <a:effectRef idx="0">
+            <a:schemeClr val="accent1"/>
+          </a:effectRef>
+          <a:fontRef idx="minor">
+            <a:schemeClr val="lt1"/>
+          </a:fontRef>
+        </p:style>
+        <p:txBody>
+          <a:bodyPr rtlCol="0" anchor="ctr"/>
+          <a:lstStyle/>
+          <a:p>
+            <a:pPr algn="ctr"/>
+            <a:r>
+              <a:rPr lang="en-US" sz="2400" dirty="0"/>
+              <a:t>Test Set</a:t>
+            </a:r>
+          </a:p>
+        </p:txBody>
+      </p:sp>
     </p:spTree>
     <p:extLst>
       <p:ext uri="{BB962C8B-B14F-4D97-AF65-F5344CB8AC3E}">
-        <p14:creationId xmlns:p14="http://schemas.microsoft.com/office/powerpoint/2010/main" val="3211052421"/>
+        <p14:creationId xmlns:p14="http://schemas.microsoft.com/office/powerpoint/2010/main" val="2018273231"/>
       </p:ext>
     </p:extLst>
   </p:cSld>
@@ -8414,7 +8602,7 @@
         </p:nvSpPr>
         <p:spPr>
           <a:xfrm>
-            <a:off x="2159876" y="2916621"/>
+            <a:off x="2159876" y="2112580"/>
             <a:ext cx="2096814" cy="804041"/>
           </a:xfrm>
           <a:prstGeom prst="rect">
@@ -8473,7 +8661,7 @@
         </p:nvSpPr>
         <p:spPr>
           <a:xfrm>
-            <a:off x="2159876" y="2112581"/>
+            <a:off x="2159876" y="2916621"/>
             <a:ext cx="2096814" cy="804041"/>
           </a:xfrm>
           <a:prstGeom prst="rect">
@@ -8629,10 +8817,10 @@
       </p:sp>
       <p:sp>
         <p:nvSpPr>
-          <p:cNvPr id="7" name="TextBox 6">
+          <p:cNvPr id="3" name="TextBox 2">
             <a:extLst>
               <a:ext uri="{FF2B5EF4-FFF2-40B4-BE49-F238E27FC236}">
-                <a16:creationId xmlns:a16="http://schemas.microsoft.com/office/drawing/2014/main" id="{06D67243-6B2B-435B-8AD6-7F6FFD3C7D35}"/>
+                <a16:creationId xmlns:a16="http://schemas.microsoft.com/office/drawing/2014/main" id="{DB45464E-4E39-459B-89D2-A58428FB5109}"/>
               </a:ext>
             </a:extLst>
           </p:cNvPr>
@@ -8667,7 +8855,7 @@
           <p:cNvPr id="8" name="TextBox 7">
             <a:extLst>
               <a:ext uri="{FF2B5EF4-FFF2-40B4-BE49-F238E27FC236}">
-                <a16:creationId xmlns:a16="http://schemas.microsoft.com/office/drawing/2014/main" id="{970822F7-0177-4E74-A810-E5888E7EAE82}"/>
+                <a16:creationId xmlns:a16="http://schemas.microsoft.com/office/drawing/2014/main" id="{4CD477A3-9250-43BC-B350-B6A9E980806B}"/>
               </a:ext>
             </a:extLst>
           </p:cNvPr>
@@ -8701,7 +8889,7 @@
     </p:spTree>
     <p:extLst>
       <p:ext uri="{BB962C8B-B14F-4D97-AF65-F5344CB8AC3E}">
-        <p14:creationId xmlns:p14="http://schemas.microsoft.com/office/powerpoint/2010/main" val="2959716217"/>
+        <p14:creationId xmlns:p14="http://schemas.microsoft.com/office/powerpoint/2010/main" val="3211052421"/>
       </p:ext>
     </p:extLst>
   </p:cSld>
@@ -8835,7 +9023,7 @@
         </p:nvSpPr>
         <p:spPr>
           <a:xfrm>
-            <a:off x="2159876" y="3720662"/>
+            <a:off x="2159876" y="2916621"/>
             <a:ext cx="2096814" cy="804041"/>
           </a:xfrm>
           <a:prstGeom prst="rect">
@@ -8950,7 +9138,7 @@
         </p:nvSpPr>
         <p:spPr>
           <a:xfrm>
-            <a:off x="2159876" y="2916621"/>
+            <a:off x="2159876" y="3720662"/>
             <a:ext cx="2096814" cy="804041"/>
           </a:xfrm>
           <a:prstGeom prst="rect">
@@ -9053,7 +9241,7 @@
           <p:cNvPr id="7" name="TextBox 6">
             <a:extLst>
               <a:ext uri="{FF2B5EF4-FFF2-40B4-BE49-F238E27FC236}">
-                <a16:creationId xmlns:a16="http://schemas.microsoft.com/office/drawing/2014/main" id="{2E1AA687-6C08-46FD-8C57-DD64DE92F74C}"/>
+                <a16:creationId xmlns:a16="http://schemas.microsoft.com/office/drawing/2014/main" id="{06D67243-6B2B-435B-8AD6-7F6FFD3C7D35}"/>
               </a:ext>
             </a:extLst>
           </p:cNvPr>
@@ -9088,7 +9276,7 @@
           <p:cNvPr id="8" name="TextBox 7">
             <a:extLst>
               <a:ext uri="{FF2B5EF4-FFF2-40B4-BE49-F238E27FC236}">
-                <a16:creationId xmlns:a16="http://schemas.microsoft.com/office/drawing/2014/main" id="{5F201219-9371-4294-A2E4-9CAEA829A07C}"/>
+                <a16:creationId xmlns:a16="http://schemas.microsoft.com/office/drawing/2014/main" id="{970822F7-0177-4E74-A810-E5888E7EAE82}"/>
               </a:ext>
             </a:extLst>
           </p:cNvPr>
@@ -9122,7 +9310,7 @@
     </p:spTree>
     <p:extLst>
       <p:ext uri="{BB962C8B-B14F-4D97-AF65-F5344CB8AC3E}">
-        <p14:creationId xmlns:p14="http://schemas.microsoft.com/office/powerpoint/2010/main" val="3575046600"/>
+        <p14:creationId xmlns:p14="http://schemas.microsoft.com/office/powerpoint/2010/main" val="2959716217"/>
       </p:ext>
     </p:extLst>
   </p:cSld>
@@ -9256,7 +9444,7 @@
         </p:nvSpPr>
         <p:spPr>
           <a:xfrm>
-            <a:off x="2159876" y="4524702"/>
+            <a:off x="2159876" y="3720662"/>
             <a:ext cx="2096814" cy="804041"/>
           </a:xfrm>
           <a:prstGeom prst="rect">
@@ -9427,7 +9615,7 @@
         </p:nvSpPr>
         <p:spPr>
           <a:xfrm>
-            <a:off x="2159876" y="3720662"/>
+            <a:off x="2159876" y="4524703"/>
             <a:ext cx="2096814" cy="804041"/>
           </a:xfrm>
           <a:prstGeom prst="rect">
@@ -9474,7 +9662,7 @@
           <p:cNvPr id="7" name="TextBox 6">
             <a:extLst>
               <a:ext uri="{FF2B5EF4-FFF2-40B4-BE49-F238E27FC236}">
-                <a16:creationId xmlns:a16="http://schemas.microsoft.com/office/drawing/2014/main" id="{8A7D4A9F-ACE2-46D2-BAA2-90F86D7C9A72}"/>
+                <a16:creationId xmlns:a16="http://schemas.microsoft.com/office/drawing/2014/main" id="{2E1AA687-6C08-46FD-8C57-DD64DE92F74C}"/>
               </a:ext>
             </a:extLst>
           </p:cNvPr>
@@ -9509,7 +9697,7 @@
           <p:cNvPr id="8" name="TextBox 7">
             <a:extLst>
               <a:ext uri="{FF2B5EF4-FFF2-40B4-BE49-F238E27FC236}">
-                <a16:creationId xmlns:a16="http://schemas.microsoft.com/office/drawing/2014/main" id="{B99D12F3-4319-45DA-8EA6-61B02F0F9032}"/>
+                <a16:creationId xmlns:a16="http://schemas.microsoft.com/office/drawing/2014/main" id="{5F201219-9371-4294-A2E4-9CAEA829A07C}"/>
               </a:ext>
             </a:extLst>
           </p:cNvPr>
@@ -9543,7 +9731,7 @@
     </p:spTree>
     <p:extLst>
       <p:ext uri="{BB962C8B-B14F-4D97-AF65-F5344CB8AC3E}">
-        <p14:creationId xmlns:p14="http://schemas.microsoft.com/office/powerpoint/2010/main" val="548275083"/>
+        <p14:creationId xmlns:p14="http://schemas.microsoft.com/office/powerpoint/2010/main" val="3575046600"/>
       </p:ext>
     </p:extLst>
   </p:cSld>

--- a/slides/03_ML_MLprojectExample.pptx
+++ b/slides/03_ML_MLprojectExample.pptx
@@ -5,24 +5,27 @@
     <p:sldMasterId id="2147483673" r:id="rId1"/>
   </p:sldMasterIdLst>
   <p:notesMasterIdLst>
-    <p:notesMasterId r:id="rId14"/>
+    <p:notesMasterId r:id="rId17"/>
   </p:notesMasterIdLst>
   <p:handoutMasterIdLst>
-    <p:handoutMasterId r:id="rId15"/>
+    <p:handoutMasterId r:id="rId18"/>
   </p:handoutMasterIdLst>
   <p:sldIdLst>
     <p:sldId id="365" r:id="rId2"/>
-    <p:sldId id="432" r:id="rId3"/>
-    <p:sldId id="431" r:id="rId4"/>
-    <p:sldId id="416" r:id="rId5"/>
-    <p:sldId id="430" r:id="rId6"/>
-    <p:sldId id="420" r:id="rId7"/>
-    <p:sldId id="419" r:id="rId8"/>
-    <p:sldId id="421" r:id="rId9"/>
-    <p:sldId id="422" r:id="rId10"/>
-    <p:sldId id="423" r:id="rId11"/>
-    <p:sldId id="428" r:id="rId12"/>
-    <p:sldId id="429" r:id="rId13"/>
+    <p:sldId id="435" r:id="rId3"/>
+    <p:sldId id="434" r:id="rId4"/>
+    <p:sldId id="432" r:id="rId5"/>
+    <p:sldId id="431" r:id="rId6"/>
+    <p:sldId id="416" r:id="rId7"/>
+    <p:sldId id="433" r:id="rId8"/>
+    <p:sldId id="430" r:id="rId9"/>
+    <p:sldId id="420" r:id="rId10"/>
+    <p:sldId id="419" r:id="rId11"/>
+    <p:sldId id="421" r:id="rId12"/>
+    <p:sldId id="422" r:id="rId13"/>
+    <p:sldId id="423" r:id="rId14"/>
+    <p:sldId id="428" r:id="rId15"/>
+    <p:sldId id="429" r:id="rId16"/>
   </p:sldIdLst>
   <p:sldSz cx="12192000" cy="6858000"/>
   <p:notesSz cx="9144000" cy="6858000"/>
@@ -223,7 +226,7 @@
           <a:p>
             <a:fld id="{83A43D8E-262F-43F1-B0CF-97ED6AAA9912}" type="datetimeFigureOut">
               <a:rPr lang="en-US" smtClean="0"/>
-              <a:t>3/19/2020</a:t>
+              <a:t>4/12/2020</a:t>
             </a:fld>
             <a:endParaRPr lang="en-US"/>
           </a:p>
@@ -400,7 +403,7 @@
           <a:p>
             <a:fld id="{03B42920-386F-4187-8314-27C56E157030}" type="datetimeFigureOut">
               <a:rPr lang="en-US" smtClean="0"/>
-              <a:t>3/19/2020</a:t>
+              <a:t>4/12/2020</a:t>
             </a:fld>
             <a:endParaRPr lang="en-US"/>
           </a:p>
@@ -767,7 +770,7 @@
           <a:p>
             <a:fld id="{4C9AD59C-94C8-4AAB-AEDF-FDE77349626C}" type="slidenum">
               <a:rPr lang="en-US" smtClean="0"/>
-              <a:t>3</a:t>
+              <a:t>5</a:t>
             </a:fld>
             <a:endParaRPr lang="en-US"/>
           </a:p>
@@ -884,7 +887,7 @@
           <a:p>
             <a:fld id="{4C9AD59C-94C8-4AAB-AEDF-FDE77349626C}" type="slidenum">
               <a:rPr lang="en-US" smtClean="0"/>
-              <a:t>4</a:t>
+              <a:t>6</a:t>
             </a:fld>
             <a:endParaRPr lang="en-US"/>
           </a:p>
@@ -949,21 +952,38 @@
           <a:p>
             <a:r>
               <a:rPr lang="en-US" dirty="0"/>
-              <a:t>Fit </a:t>
+              <a:t>Task 1: Implement One-hot encoding using </a:t>
             </a:r>
             <a:r>
               <a:rPr lang="en-US" dirty="0" err="1"/>
-              <a:t>LinearRegressor</a:t>
+              <a:t>pandas.DataFrame</a:t>
             </a:r>
             <a:r>
               <a:rPr lang="en-US" dirty="0"/>
-              <a:t>() for the dataset </a:t>
-            </a:r>
-            <a:r>
-              <a:rPr lang="en-US"/>
-              <a:t>in presentation 02_ML_Linear_modelsA.pptx</a:t>
-            </a:r>
-            <a:endParaRPr lang="en-US" dirty="0"/>
+              <a:t>()</a:t>
+            </a:r>
+          </a:p>
+          <a:p>
+            <a:r>
+              <a:rPr lang="en-US" dirty="0"/>
+              <a:t>Task 2: What happens with NA’s? Run </a:t>
+            </a:r>
+            <a:r>
+              <a:rPr lang="en-US" dirty="0" err="1"/>
+              <a:t>Scikit</a:t>
+            </a:r>
+            <a:r>
+              <a:rPr lang="en-US" dirty="0"/>
+              <a:t>-learn </a:t>
+            </a:r>
+            <a:r>
+              <a:rPr lang="en-US" dirty="0" err="1"/>
+              <a:t>OneHotEncoder</a:t>
+            </a:r>
+            <a:r>
+              <a:rPr lang="en-US" dirty="0"/>
+              <a:t>()</a:t>
+            </a:r>
           </a:p>
         </p:txBody>
       </p:sp>
@@ -984,7 +1004,7 @@
           <a:p>
             <a:fld id="{4C9AD59C-94C8-4AAB-AEDF-FDE77349626C}" type="slidenum">
               <a:rPr lang="en-US" smtClean="0"/>
-              <a:t>5</a:t>
+              <a:t>7</a:t>
             </a:fld>
             <a:endParaRPr lang="en-US"/>
           </a:p>
@@ -993,7 +1013,7 @@
     </p:spTree>
     <p:extLst>
       <p:ext uri="{BB962C8B-B14F-4D97-AF65-F5344CB8AC3E}">
-        <p14:creationId xmlns:p14="http://schemas.microsoft.com/office/powerpoint/2010/main" val="2645525576"/>
+        <p14:creationId xmlns:p14="http://schemas.microsoft.com/office/powerpoint/2010/main" val="1311089170"/>
       </p:ext>
     </p:extLst>
   </p:cSld>
@@ -1048,32 +1068,20 @@
           <a:lstStyle/>
           <a:p>
             <a:r>
-              <a:rPr lang="en-US" dirty="0">
-                <a:hlinkClick r:id="rId3"/>
-              </a:rPr>
-              <a:t>https://www.datasciencecentral.com/profiles/blogs/automated-machine-learning-hyperparameter-tuning-in-python-a</a:t>
-            </a:r>
-            <a:endParaRPr lang="en-US" dirty="0"/>
-          </a:p>
-          <a:p>
+              <a:rPr lang="en-US" dirty="0"/>
+              <a:t>Fit </a:t>
+            </a:r>
             <a:r>
               <a:rPr lang="en-US" dirty="0" err="1"/>
-              <a:t>HyperOpt</a:t>
-            </a:r>
-            <a:endParaRPr lang="en-US" dirty="0"/>
-          </a:p>
-          <a:p>
-            <a:r>
-              <a:rPr lang="en-US" dirty="0">
-                <a:hlinkClick r:id="rId4"/>
-              </a:rPr>
-              <a:t>https://ray.readthedocs.io/en/latest/tune</a:t>
-            </a:r>
-            <a:r>
-              <a:rPr lang="en-US">
-                <a:hlinkClick r:id="rId4"/>
-              </a:rPr>
-              <a:t>.html</a:t>
+              <a:t>LinearRegressor</a:t>
+            </a:r>
+            <a:r>
+              <a:rPr lang="en-US" dirty="0"/>
+              <a:t>() for the dataset </a:t>
+            </a:r>
+            <a:r>
+              <a:rPr lang="en-US"/>
+              <a:t>in presentation 02_ML_Linear_modelsA.pptx</a:t>
             </a:r>
             <a:endParaRPr lang="en-US" dirty="0"/>
           </a:p>
@@ -1096,7 +1104,119 @@
           <a:p>
             <a:fld id="{4C9AD59C-94C8-4AAB-AEDF-FDE77349626C}" type="slidenum">
               <a:rPr lang="en-US" smtClean="0"/>
-              <a:t>12</a:t>
+              <a:t>8</a:t>
+            </a:fld>
+            <a:endParaRPr lang="en-US"/>
+          </a:p>
+        </p:txBody>
+      </p:sp>
+    </p:spTree>
+    <p:extLst>
+      <p:ext uri="{BB962C8B-B14F-4D97-AF65-F5344CB8AC3E}">
+        <p14:creationId xmlns:p14="http://schemas.microsoft.com/office/powerpoint/2010/main" val="2645525576"/>
+      </p:ext>
+    </p:extLst>
+  </p:cSld>
+  <p:clrMapOvr>
+    <a:masterClrMapping/>
+  </p:clrMapOvr>
+</p:notes>
+</file>
+
+<file path=ppt/notesSlides/notesSlide5.xml><?xml version="1.0" encoding="utf-8"?>
+<p:notes xmlns:a="http://schemas.openxmlformats.org/drawingml/2006/main" xmlns:r="http://schemas.openxmlformats.org/officeDocument/2006/relationships" xmlns:p="http://schemas.openxmlformats.org/presentationml/2006/main">
+  <p:cSld>
+    <p:spTree>
+      <p:nvGrpSpPr>
+        <p:cNvPr id="1" name=""/>
+        <p:cNvGrpSpPr/>
+        <p:nvPr/>
+      </p:nvGrpSpPr>
+      <p:grpSpPr>
+        <a:xfrm>
+          <a:off x="0" y="0"/>
+          <a:ext cx="0" cy="0"/>
+          <a:chOff x="0" y="0"/>
+          <a:chExt cx="0" cy="0"/>
+        </a:xfrm>
+      </p:grpSpPr>
+      <p:sp>
+        <p:nvSpPr>
+          <p:cNvPr id="2" name="Slide Image Placeholder 1"/>
+          <p:cNvSpPr>
+            <a:spLocks noGrp="1" noRot="1" noChangeAspect="1"/>
+          </p:cNvSpPr>
+          <p:nvPr>
+            <p:ph type="sldImg"/>
+          </p:nvPr>
+        </p:nvSpPr>
+        <p:spPr/>
+      </p:sp>
+      <p:sp>
+        <p:nvSpPr>
+          <p:cNvPr id="3" name="Notes Placeholder 2"/>
+          <p:cNvSpPr>
+            <a:spLocks noGrp="1"/>
+          </p:cNvSpPr>
+          <p:nvPr>
+            <p:ph type="body" idx="1"/>
+          </p:nvPr>
+        </p:nvSpPr>
+        <p:spPr/>
+        <p:txBody>
+          <a:bodyPr/>
+          <a:lstStyle/>
+          <a:p>
+            <a:r>
+              <a:rPr lang="en-US" dirty="0">
+                <a:hlinkClick r:id="rId3"/>
+              </a:rPr>
+              <a:t>https://www.datasciencecentral.com/profiles/blogs/automated-machine-learning-hyperparameter-tuning-in-python-a</a:t>
+            </a:r>
+            <a:endParaRPr lang="en-US" dirty="0"/>
+          </a:p>
+          <a:p>
+            <a:r>
+              <a:rPr lang="en-US" dirty="0" err="1"/>
+              <a:t>HyperOpt</a:t>
+            </a:r>
+            <a:endParaRPr lang="en-US" dirty="0"/>
+          </a:p>
+          <a:p>
+            <a:r>
+              <a:rPr lang="en-US" dirty="0">
+                <a:hlinkClick r:id="rId4"/>
+              </a:rPr>
+              <a:t>https://ray.readthedocs.io/en/latest/tune</a:t>
+            </a:r>
+            <a:r>
+              <a:rPr lang="en-US">
+                <a:hlinkClick r:id="rId4"/>
+              </a:rPr>
+              <a:t>.html</a:t>
+            </a:r>
+            <a:endParaRPr lang="en-US" dirty="0"/>
+          </a:p>
+        </p:txBody>
+      </p:sp>
+      <p:sp>
+        <p:nvSpPr>
+          <p:cNvPr id="4" name="Slide Number Placeholder 3"/>
+          <p:cNvSpPr>
+            <a:spLocks noGrp="1"/>
+          </p:cNvSpPr>
+          <p:nvPr>
+            <p:ph type="sldNum" sz="quarter" idx="5"/>
+          </p:nvPr>
+        </p:nvSpPr>
+        <p:spPr/>
+        <p:txBody>
+          <a:bodyPr/>
+          <a:lstStyle/>
+          <a:p>
+            <a:fld id="{4C9AD59C-94C8-4AAB-AEDF-FDE77349626C}" type="slidenum">
+              <a:rPr lang="en-US" smtClean="0"/>
+              <a:t>15</a:t>
             </a:fld>
             <a:endParaRPr lang="en-US"/>
           </a:p>
@@ -1246,7 +1366,7 @@
           <a:p>
             <a:fld id="{FE070745-F5EF-4AE3-92EF-0934EDED1862}" type="datetimeFigureOut">
               <a:rPr lang="en-US" smtClean="0"/>
-              <a:t>3/19/2020</a:t>
+              <a:t>4/12/2020</a:t>
             </a:fld>
             <a:endParaRPr lang="en-US"/>
           </a:p>
@@ -1416,7 +1536,7 @@
           <a:p>
             <a:fld id="{FE070745-F5EF-4AE3-92EF-0934EDED1862}" type="datetimeFigureOut">
               <a:rPr lang="en-US" smtClean="0"/>
-              <a:t>3/19/2020</a:t>
+              <a:t>4/12/2020</a:t>
             </a:fld>
             <a:endParaRPr lang="en-US"/>
           </a:p>
@@ -1596,7 +1716,7 @@
           <a:p>
             <a:fld id="{FE070745-F5EF-4AE3-92EF-0934EDED1862}" type="datetimeFigureOut">
               <a:rPr lang="en-US" smtClean="0"/>
-              <a:t>3/19/2020</a:t>
+              <a:t>4/12/2020</a:t>
             </a:fld>
             <a:endParaRPr lang="en-US"/>
           </a:p>
@@ -1766,7 +1886,7 @@
           <a:p>
             <a:fld id="{FE070745-F5EF-4AE3-92EF-0934EDED1862}" type="datetimeFigureOut">
               <a:rPr lang="en-US" smtClean="0"/>
-              <a:t>3/19/2020</a:t>
+              <a:t>4/12/2020</a:t>
             </a:fld>
             <a:endParaRPr lang="en-US"/>
           </a:p>
@@ -2012,7 +2132,7 @@
           <a:p>
             <a:fld id="{FE070745-F5EF-4AE3-92EF-0934EDED1862}" type="datetimeFigureOut">
               <a:rPr lang="en-US" smtClean="0"/>
-              <a:t>3/19/2020</a:t>
+              <a:t>4/12/2020</a:t>
             </a:fld>
             <a:endParaRPr lang="en-US"/>
           </a:p>
@@ -2244,7 +2364,7 @@
           <a:p>
             <a:fld id="{FE070745-F5EF-4AE3-92EF-0934EDED1862}" type="datetimeFigureOut">
               <a:rPr lang="en-US" smtClean="0"/>
-              <a:t>3/19/2020</a:t>
+              <a:t>4/12/2020</a:t>
             </a:fld>
             <a:endParaRPr lang="en-US"/>
           </a:p>
@@ -2611,7 +2731,7 @@
           <a:p>
             <a:fld id="{FE070745-F5EF-4AE3-92EF-0934EDED1862}" type="datetimeFigureOut">
               <a:rPr lang="en-US" smtClean="0"/>
-              <a:t>3/19/2020</a:t>
+              <a:t>4/12/2020</a:t>
             </a:fld>
             <a:endParaRPr lang="en-US"/>
           </a:p>
@@ -2729,7 +2849,7 @@
           <a:p>
             <a:fld id="{FE070745-F5EF-4AE3-92EF-0934EDED1862}" type="datetimeFigureOut">
               <a:rPr lang="en-US" smtClean="0"/>
-              <a:t>3/19/2020</a:t>
+              <a:t>4/12/2020</a:t>
             </a:fld>
             <a:endParaRPr lang="en-US"/>
           </a:p>
@@ -2824,7 +2944,7 @@
           <a:p>
             <a:fld id="{FE070745-F5EF-4AE3-92EF-0934EDED1862}" type="datetimeFigureOut">
               <a:rPr lang="en-US" smtClean="0"/>
-              <a:t>3/19/2020</a:t>
+              <a:t>4/12/2020</a:t>
             </a:fld>
             <a:endParaRPr lang="en-US"/>
           </a:p>
@@ -3101,7 +3221,7 @@
           <a:p>
             <a:fld id="{FE070745-F5EF-4AE3-92EF-0934EDED1862}" type="datetimeFigureOut">
               <a:rPr lang="en-US" smtClean="0"/>
-              <a:t>3/19/2020</a:t>
+              <a:t>4/12/2020</a:t>
             </a:fld>
             <a:endParaRPr lang="en-US"/>
           </a:p>
@@ -3358,7 +3478,7 @@
           <a:p>
             <a:fld id="{FE070745-F5EF-4AE3-92EF-0934EDED1862}" type="datetimeFigureOut">
               <a:rPr lang="en-US" smtClean="0"/>
-              <a:t>3/19/2020</a:t>
+              <a:t>4/12/2020</a:t>
             </a:fld>
             <a:endParaRPr lang="en-US"/>
           </a:p>
@@ -3571,7 +3691,7 @@
           <a:p>
             <a:fld id="{FE070745-F5EF-4AE3-92EF-0934EDED1862}" type="datetimeFigureOut">
               <a:rPr lang="en-US" smtClean="0"/>
-              <a:t>3/19/2020</a:t>
+              <a:t>4/12/2020</a:t>
             </a:fld>
             <a:endParaRPr lang="en-US"/>
           </a:p>
@@ -4154,7 +4274,7 @@
         </p:nvSpPr>
         <p:spPr>
           <a:xfrm>
-            <a:off x="2159876" y="4524702"/>
+            <a:off x="2159876" y="2112580"/>
             <a:ext cx="2096814" cy="804041"/>
           </a:xfrm>
           <a:prstGeom prst="rect">
@@ -4213,62 +4333,6 @@
         </p:nvSpPr>
         <p:spPr>
           <a:xfrm>
-            <a:off x="2159876" y="2112581"/>
-            <a:ext cx="2096814" cy="804041"/>
-          </a:xfrm>
-          <a:prstGeom prst="rect">
-            <a:avLst/>
-          </a:prstGeom>
-          <a:ln w="38100">
-            <a:solidFill>
-              <a:schemeClr val="accent1">
-                <a:lumMod val="50000"/>
-              </a:schemeClr>
-            </a:solidFill>
-          </a:ln>
-        </p:spPr>
-        <p:style>
-          <a:lnRef idx="2">
-            <a:schemeClr val="accent1">
-              <a:shade val="50000"/>
-            </a:schemeClr>
-          </a:lnRef>
-          <a:fillRef idx="1">
-            <a:schemeClr val="accent1"/>
-          </a:fillRef>
-          <a:effectRef idx="0">
-            <a:schemeClr val="accent1"/>
-          </a:effectRef>
-          <a:fontRef idx="minor">
-            <a:schemeClr val="lt1"/>
-          </a:fontRef>
-        </p:style>
-        <p:txBody>
-          <a:bodyPr rtlCol="0" anchor="ctr"/>
-          <a:lstStyle/>
-          <a:p>
-            <a:pPr algn="ctr"/>
-            <a:r>
-              <a:rPr lang="en-US" sz="2400" b="1" dirty="0"/>
-              <a:t>Training Set</a:t>
-            </a:r>
-          </a:p>
-        </p:txBody>
-      </p:sp>
-      <p:sp>
-        <p:nvSpPr>
-          <p:cNvPr id="10" name="Rectangle 9">
-            <a:extLst>
-              <a:ext uri="{FF2B5EF4-FFF2-40B4-BE49-F238E27FC236}">
-                <a16:creationId xmlns:a16="http://schemas.microsoft.com/office/drawing/2014/main" id="{D4702EF9-7A49-4785-9CA9-49BD241B3DB1}"/>
-              </a:ext>
-            </a:extLst>
-          </p:cNvPr>
-          <p:cNvSpPr/>
-          <p:nvPr/>
-        </p:nvSpPr>
-        <p:spPr>
-          <a:xfrm>
             <a:off x="2159876" y="2916621"/>
             <a:ext cx="2096814" cy="804041"/>
           </a:xfrm>
@@ -4313,10 +4377,10 @@
       </p:sp>
       <p:sp>
         <p:nvSpPr>
-          <p:cNvPr id="11" name="Rectangle 10">
+          <p:cNvPr id="10" name="Rectangle 9">
             <a:extLst>
               <a:ext uri="{FF2B5EF4-FFF2-40B4-BE49-F238E27FC236}">
-                <a16:creationId xmlns:a16="http://schemas.microsoft.com/office/drawing/2014/main" id="{299CED0C-CFD6-4C0A-A597-3119782DD8C0}"/>
+                <a16:creationId xmlns:a16="http://schemas.microsoft.com/office/drawing/2014/main" id="{D4702EF9-7A49-4785-9CA9-49BD241B3DB1}"/>
               </a:ext>
             </a:extLst>
           </p:cNvPr>
@@ -4369,10 +4433,66 @@
       </p:sp>
       <p:sp>
         <p:nvSpPr>
-          <p:cNvPr id="7" name="TextBox 6">
+          <p:cNvPr id="11" name="Rectangle 10">
             <a:extLst>
               <a:ext uri="{FF2B5EF4-FFF2-40B4-BE49-F238E27FC236}">
-                <a16:creationId xmlns:a16="http://schemas.microsoft.com/office/drawing/2014/main" id="{8A7D4A9F-ACE2-46D2-BAA2-90F86D7C9A72}"/>
+                <a16:creationId xmlns:a16="http://schemas.microsoft.com/office/drawing/2014/main" id="{299CED0C-CFD6-4C0A-A597-3119782DD8C0}"/>
+              </a:ext>
+            </a:extLst>
+          </p:cNvPr>
+          <p:cNvSpPr/>
+          <p:nvPr/>
+        </p:nvSpPr>
+        <p:spPr>
+          <a:xfrm>
+            <a:off x="2159876" y="4524703"/>
+            <a:ext cx="2096814" cy="804041"/>
+          </a:xfrm>
+          <a:prstGeom prst="rect">
+            <a:avLst/>
+          </a:prstGeom>
+          <a:ln w="38100">
+            <a:solidFill>
+              <a:schemeClr val="accent1">
+                <a:lumMod val="50000"/>
+              </a:schemeClr>
+            </a:solidFill>
+          </a:ln>
+        </p:spPr>
+        <p:style>
+          <a:lnRef idx="2">
+            <a:schemeClr val="accent1">
+              <a:shade val="50000"/>
+            </a:schemeClr>
+          </a:lnRef>
+          <a:fillRef idx="1">
+            <a:schemeClr val="accent1"/>
+          </a:fillRef>
+          <a:effectRef idx="0">
+            <a:schemeClr val="accent1"/>
+          </a:effectRef>
+          <a:fontRef idx="minor">
+            <a:schemeClr val="lt1"/>
+          </a:fontRef>
+        </p:style>
+        <p:txBody>
+          <a:bodyPr rtlCol="0" anchor="ctr"/>
+          <a:lstStyle/>
+          <a:p>
+            <a:pPr algn="ctr"/>
+            <a:r>
+              <a:rPr lang="en-US" sz="2400" b="1" dirty="0"/>
+              <a:t>Training Set</a:t>
+            </a:r>
+          </a:p>
+        </p:txBody>
+      </p:sp>
+      <p:sp>
+        <p:nvSpPr>
+          <p:cNvPr id="3" name="TextBox 2">
+            <a:extLst>
+              <a:ext uri="{FF2B5EF4-FFF2-40B4-BE49-F238E27FC236}">
+                <a16:creationId xmlns:a16="http://schemas.microsoft.com/office/drawing/2014/main" id="{DB45464E-4E39-459B-89D2-A58428FB5109}"/>
               </a:ext>
             </a:extLst>
           </p:cNvPr>
@@ -4407,7 +4527,7 @@
           <p:cNvPr id="8" name="TextBox 7">
             <a:extLst>
               <a:ext uri="{FF2B5EF4-FFF2-40B4-BE49-F238E27FC236}">
-                <a16:creationId xmlns:a16="http://schemas.microsoft.com/office/drawing/2014/main" id="{B99D12F3-4319-45DA-8EA6-61B02F0F9032}"/>
+                <a16:creationId xmlns:a16="http://schemas.microsoft.com/office/drawing/2014/main" id="{4CD477A3-9250-43BC-B350-B6A9E980806B}"/>
               </a:ext>
             </a:extLst>
           </p:cNvPr>
@@ -4441,7 +4561,7 @@
     </p:spTree>
     <p:extLst>
       <p:ext uri="{BB962C8B-B14F-4D97-AF65-F5344CB8AC3E}">
-        <p14:creationId xmlns:p14="http://schemas.microsoft.com/office/powerpoint/2010/main" val="548275083"/>
+        <p14:creationId xmlns:p14="http://schemas.microsoft.com/office/powerpoint/2010/main" val="3211052421"/>
       </p:ext>
     </p:extLst>
   </p:cSld>
@@ -4575,6 +4695,848 @@
         </p:nvSpPr>
         <p:spPr>
           <a:xfrm>
+            <a:off x="2159876" y="2916621"/>
+            <a:ext cx="2096814" cy="804041"/>
+          </a:xfrm>
+          <a:prstGeom prst="rect">
+            <a:avLst/>
+          </a:prstGeom>
+          <a:solidFill>
+            <a:srgbClr val="00B050"/>
+          </a:solidFill>
+          <a:ln w="38100">
+            <a:solidFill>
+              <a:schemeClr val="accent1">
+                <a:lumMod val="50000"/>
+              </a:schemeClr>
+            </a:solidFill>
+          </a:ln>
+        </p:spPr>
+        <p:style>
+          <a:lnRef idx="2">
+            <a:schemeClr val="accent1">
+              <a:shade val="50000"/>
+            </a:schemeClr>
+          </a:lnRef>
+          <a:fillRef idx="1">
+            <a:schemeClr val="accent1"/>
+          </a:fillRef>
+          <a:effectRef idx="0">
+            <a:schemeClr val="accent1"/>
+          </a:effectRef>
+          <a:fontRef idx="minor">
+            <a:schemeClr val="lt1"/>
+          </a:fontRef>
+        </p:style>
+        <p:txBody>
+          <a:bodyPr rtlCol="0" anchor="ctr"/>
+          <a:lstStyle/>
+          <a:p>
+            <a:pPr algn="ctr"/>
+            <a:r>
+              <a:rPr lang="en-US" sz="2400" b="1" dirty="0"/>
+              <a:t>Validation Set</a:t>
+            </a:r>
+          </a:p>
+        </p:txBody>
+      </p:sp>
+      <p:sp>
+        <p:nvSpPr>
+          <p:cNvPr id="9" name="Rectangle 8">
+            <a:extLst>
+              <a:ext uri="{FF2B5EF4-FFF2-40B4-BE49-F238E27FC236}">
+                <a16:creationId xmlns:a16="http://schemas.microsoft.com/office/drawing/2014/main" id="{D9E07790-140A-481D-81A4-AFD0ED127989}"/>
+              </a:ext>
+            </a:extLst>
+          </p:cNvPr>
+          <p:cNvSpPr/>
+          <p:nvPr/>
+        </p:nvSpPr>
+        <p:spPr>
+          <a:xfrm>
+            <a:off x="2159876" y="2112581"/>
+            <a:ext cx="2096814" cy="804041"/>
+          </a:xfrm>
+          <a:prstGeom prst="rect">
+            <a:avLst/>
+          </a:prstGeom>
+          <a:ln w="38100">
+            <a:solidFill>
+              <a:schemeClr val="accent1">
+                <a:lumMod val="50000"/>
+              </a:schemeClr>
+            </a:solidFill>
+          </a:ln>
+        </p:spPr>
+        <p:style>
+          <a:lnRef idx="2">
+            <a:schemeClr val="accent1">
+              <a:shade val="50000"/>
+            </a:schemeClr>
+          </a:lnRef>
+          <a:fillRef idx="1">
+            <a:schemeClr val="accent1"/>
+          </a:fillRef>
+          <a:effectRef idx="0">
+            <a:schemeClr val="accent1"/>
+          </a:effectRef>
+          <a:fontRef idx="minor">
+            <a:schemeClr val="lt1"/>
+          </a:fontRef>
+        </p:style>
+        <p:txBody>
+          <a:bodyPr rtlCol="0" anchor="ctr"/>
+          <a:lstStyle/>
+          <a:p>
+            <a:pPr algn="ctr"/>
+            <a:r>
+              <a:rPr lang="en-US" sz="2400" b="1" dirty="0"/>
+              <a:t>Training Set</a:t>
+            </a:r>
+          </a:p>
+        </p:txBody>
+      </p:sp>
+      <p:sp>
+        <p:nvSpPr>
+          <p:cNvPr id="10" name="Rectangle 9">
+            <a:extLst>
+              <a:ext uri="{FF2B5EF4-FFF2-40B4-BE49-F238E27FC236}">
+                <a16:creationId xmlns:a16="http://schemas.microsoft.com/office/drawing/2014/main" id="{D4702EF9-7A49-4785-9CA9-49BD241B3DB1}"/>
+              </a:ext>
+            </a:extLst>
+          </p:cNvPr>
+          <p:cNvSpPr/>
+          <p:nvPr/>
+        </p:nvSpPr>
+        <p:spPr>
+          <a:xfrm>
+            <a:off x="2159876" y="3720662"/>
+            <a:ext cx="2096814" cy="804041"/>
+          </a:xfrm>
+          <a:prstGeom prst="rect">
+            <a:avLst/>
+          </a:prstGeom>
+          <a:ln w="38100">
+            <a:solidFill>
+              <a:schemeClr val="accent1">
+                <a:lumMod val="50000"/>
+              </a:schemeClr>
+            </a:solidFill>
+          </a:ln>
+        </p:spPr>
+        <p:style>
+          <a:lnRef idx="2">
+            <a:schemeClr val="accent1">
+              <a:shade val="50000"/>
+            </a:schemeClr>
+          </a:lnRef>
+          <a:fillRef idx="1">
+            <a:schemeClr val="accent1"/>
+          </a:fillRef>
+          <a:effectRef idx="0">
+            <a:schemeClr val="accent1"/>
+          </a:effectRef>
+          <a:fontRef idx="minor">
+            <a:schemeClr val="lt1"/>
+          </a:fontRef>
+        </p:style>
+        <p:txBody>
+          <a:bodyPr rtlCol="0" anchor="ctr"/>
+          <a:lstStyle/>
+          <a:p>
+            <a:pPr algn="ctr"/>
+            <a:r>
+              <a:rPr lang="en-US" sz="2400" b="1" dirty="0"/>
+              <a:t>Training Set</a:t>
+            </a:r>
+          </a:p>
+        </p:txBody>
+      </p:sp>
+      <p:sp>
+        <p:nvSpPr>
+          <p:cNvPr id="11" name="Rectangle 10">
+            <a:extLst>
+              <a:ext uri="{FF2B5EF4-FFF2-40B4-BE49-F238E27FC236}">
+                <a16:creationId xmlns:a16="http://schemas.microsoft.com/office/drawing/2014/main" id="{299CED0C-CFD6-4C0A-A597-3119782DD8C0}"/>
+              </a:ext>
+            </a:extLst>
+          </p:cNvPr>
+          <p:cNvSpPr/>
+          <p:nvPr/>
+        </p:nvSpPr>
+        <p:spPr>
+          <a:xfrm>
+            <a:off x="2159876" y="4524703"/>
+            <a:ext cx="2096814" cy="804041"/>
+          </a:xfrm>
+          <a:prstGeom prst="rect">
+            <a:avLst/>
+          </a:prstGeom>
+          <a:ln w="38100">
+            <a:solidFill>
+              <a:schemeClr val="accent1">
+                <a:lumMod val="50000"/>
+              </a:schemeClr>
+            </a:solidFill>
+          </a:ln>
+        </p:spPr>
+        <p:style>
+          <a:lnRef idx="2">
+            <a:schemeClr val="accent1">
+              <a:shade val="50000"/>
+            </a:schemeClr>
+          </a:lnRef>
+          <a:fillRef idx="1">
+            <a:schemeClr val="accent1"/>
+          </a:fillRef>
+          <a:effectRef idx="0">
+            <a:schemeClr val="accent1"/>
+          </a:effectRef>
+          <a:fontRef idx="minor">
+            <a:schemeClr val="lt1"/>
+          </a:fontRef>
+        </p:style>
+        <p:txBody>
+          <a:bodyPr rtlCol="0" anchor="ctr"/>
+          <a:lstStyle/>
+          <a:p>
+            <a:pPr algn="ctr"/>
+            <a:r>
+              <a:rPr lang="en-US" sz="2400" b="1" dirty="0"/>
+              <a:t>Training Set</a:t>
+            </a:r>
+          </a:p>
+        </p:txBody>
+      </p:sp>
+      <p:sp>
+        <p:nvSpPr>
+          <p:cNvPr id="7" name="TextBox 6">
+            <a:extLst>
+              <a:ext uri="{FF2B5EF4-FFF2-40B4-BE49-F238E27FC236}">
+                <a16:creationId xmlns:a16="http://schemas.microsoft.com/office/drawing/2014/main" id="{06D67243-6B2B-435B-8AD6-7F6FFD3C7D35}"/>
+              </a:ext>
+            </a:extLst>
+          </p:cNvPr>
+          <p:cNvSpPr txBox="1"/>
+          <p:nvPr/>
+        </p:nvSpPr>
+        <p:spPr>
+          <a:xfrm>
+            <a:off x="5407572" y="2052935"/>
+            <a:ext cx="3200400" cy="461665"/>
+          </a:xfrm>
+          <a:prstGeom prst="rect">
+            <a:avLst/>
+          </a:prstGeom>
+          <a:noFill/>
+        </p:spPr>
+        <p:txBody>
+          <a:bodyPr wrap="square" rtlCol="0">
+            <a:spAutoFit/>
+          </a:bodyPr>
+          <a:lstStyle/>
+          <a:p>
+            <a:r>
+              <a:rPr lang="en-US" sz="2400" dirty="0"/>
+              <a:t>4-fold cross-validation</a:t>
+            </a:r>
+          </a:p>
+        </p:txBody>
+      </p:sp>
+      <p:sp>
+        <p:nvSpPr>
+          <p:cNvPr id="8" name="TextBox 7">
+            <a:extLst>
+              <a:ext uri="{FF2B5EF4-FFF2-40B4-BE49-F238E27FC236}">
+                <a16:creationId xmlns:a16="http://schemas.microsoft.com/office/drawing/2014/main" id="{970822F7-0177-4E74-A810-E5888E7EAE82}"/>
+              </a:ext>
+            </a:extLst>
+          </p:cNvPr>
+          <p:cNvSpPr txBox="1"/>
+          <p:nvPr/>
+        </p:nvSpPr>
+        <p:spPr>
+          <a:xfrm>
+            <a:off x="2159876" y="1481959"/>
+            <a:ext cx="2096814" cy="461665"/>
+          </a:xfrm>
+          <a:prstGeom prst="rect">
+            <a:avLst/>
+          </a:prstGeom>
+          <a:noFill/>
+        </p:spPr>
+        <p:txBody>
+          <a:bodyPr wrap="square" rtlCol="0">
+            <a:spAutoFit/>
+          </a:bodyPr>
+          <a:lstStyle/>
+          <a:p>
+            <a:pPr algn="ctr"/>
+            <a:r>
+              <a:rPr lang="en-US" sz="2400" dirty="0"/>
+              <a:t>Dataset</a:t>
+            </a:r>
+          </a:p>
+        </p:txBody>
+      </p:sp>
+    </p:spTree>
+    <p:extLst>
+      <p:ext uri="{BB962C8B-B14F-4D97-AF65-F5344CB8AC3E}">
+        <p14:creationId xmlns:p14="http://schemas.microsoft.com/office/powerpoint/2010/main" val="2959716217"/>
+      </p:ext>
+    </p:extLst>
+  </p:cSld>
+  <p:clrMapOvr>
+    <a:masterClrMapping/>
+  </p:clrMapOvr>
+  <mc:AlternateContent xmlns:mc="http://schemas.openxmlformats.org/markup-compatibility/2006" xmlns:p159="http://schemas.microsoft.com/office/powerpoint/2015/09/main">
+    <mc:Choice Requires="p159">
+      <p:transition xmlns:p14="http://schemas.microsoft.com/office/powerpoint/2010/main" spd="slow" p14:dur="2000">
+        <p159:morph option="byObject"/>
+      </p:transition>
+    </mc:Choice>
+    <mc:Fallback xmlns="">
+      <p:transition spd="slow">
+        <p:fade/>
+      </p:transition>
+    </mc:Fallback>
+  </mc:AlternateContent>
+</p:sld>
+</file>
+
+<file path=ppt/slides/slide12.xml><?xml version="1.0" encoding="utf-8"?>
+<p:sld xmlns:a="http://schemas.openxmlformats.org/drawingml/2006/main" xmlns:r="http://schemas.openxmlformats.org/officeDocument/2006/relationships" xmlns:p="http://schemas.openxmlformats.org/presentationml/2006/main">
+  <p:cSld>
+    <p:spTree>
+      <p:nvGrpSpPr>
+        <p:cNvPr id="1" name=""/>
+        <p:cNvGrpSpPr/>
+        <p:nvPr/>
+      </p:nvGrpSpPr>
+      <p:grpSpPr>
+        <a:xfrm>
+          <a:off x="0" y="0"/>
+          <a:ext cx="0" cy="0"/>
+          <a:chOff x="0" y="0"/>
+          <a:chExt cx="0" cy="0"/>
+        </a:xfrm>
+      </p:grpSpPr>
+      <mc:AlternateContent xmlns:mc="http://schemas.openxmlformats.org/markup-compatibility/2006" xmlns:a14="http://schemas.microsoft.com/office/drawing/2010/main">
+        <mc:Choice Requires="a14">
+          <p:sp>
+            <p:nvSpPr>
+              <p:cNvPr id="2" name="Title 1">
+                <a:extLst>
+                  <a:ext uri="{FF2B5EF4-FFF2-40B4-BE49-F238E27FC236}">
+                    <a16:creationId xmlns:a16="http://schemas.microsoft.com/office/drawing/2014/main" id="{990329C2-5249-4701-BDFC-8C73EC78B4FD}"/>
+                  </a:ext>
+                </a:extLst>
+              </p:cNvPr>
+              <p:cNvSpPr>
+                <a:spLocks noGrp="1"/>
+              </p:cNvSpPr>
+              <p:nvPr>
+                <p:ph type="title"/>
+              </p:nvPr>
+            </p:nvSpPr>
+            <p:spPr/>
+            <p:txBody>
+              <a:bodyPr/>
+              <a:lstStyle/>
+              <a:p>
+                <a14:m>
+                  <m:oMath xmlns:m="http://schemas.openxmlformats.org/officeDocument/2006/math">
+                    <m:r>
+                      <a:rPr lang="en-US" b="0" i="1" smtClean="0">
+                        <a:latin typeface="Cambria Math" panose="02040503050406030204" pitchFamily="18" charset="0"/>
+                      </a:rPr>
+                      <m:t>𝐾</m:t>
+                    </m:r>
+                  </m:oMath>
+                </a14:m>
+                <a:r>
+                  <a:rPr lang="en-US" dirty="0"/>
+                  <a:t>-fold cross-validation</a:t>
+                </a:r>
+              </a:p>
+            </p:txBody>
+          </p:sp>
+        </mc:Choice>
+        <mc:Fallback xmlns="">
+          <p:sp>
+            <p:nvSpPr>
+              <p:cNvPr id="2" name="Title 1">
+                <a:extLst>
+                  <a:ext uri="{FF2B5EF4-FFF2-40B4-BE49-F238E27FC236}">
+                    <a16:creationId xmlns:a16="http://schemas.microsoft.com/office/drawing/2014/main" id="{990329C2-5249-4701-BDFC-8C73EC78B4FD}"/>
+                  </a:ext>
+                </a:extLst>
+              </p:cNvPr>
+              <p:cNvSpPr>
+                <a:spLocks noGrp="1" noRot="1" noChangeAspect="1" noMove="1" noResize="1" noEditPoints="1" noAdjustHandles="1" noChangeArrowheads="1" noChangeShapeType="1" noTextEdit="1"/>
+              </p:cNvSpPr>
+              <p:nvPr>
+                <p:ph type="title"/>
+              </p:nvPr>
+            </p:nvSpPr>
+            <p:spPr>
+              <a:blipFill>
+                <a:blip r:embed="rId2"/>
+                <a:stretch>
+                  <a:fillRect/>
+                </a:stretch>
+              </a:blipFill>
+            </p:spPr>
+            <p:txBody>
+              <a:bodyPr/>
+              <a:lstStyle/>
+              <a:p>
+                <a:r>
+                  <a:rPr lang="en-US">
+                    <a:noFill/>
+                  </a:rPr>
+                  <a:t> </a:t>
+                </a:r>
+              </a:p>
+            </p:txBody>
+          </p:sp>
+        </mc:Fallback>
+      </mc:AlternateContent>
+      <p:sp>
+        <p:nvSpPr>
+          <p:cNvPr id="4" name="Rectangle 3">
+            <a:extLst>
+              <a:ext uri="{FF2B5EF4-FFF2-40B4-BE49-F238E27FC236}">
+                <a16:creationId xmlns:a16="http://schemas.microsoft.com/office/drawing/2014/main" id="{0DC906FA-0250-41D5-A8C8-51025A70C2BF}"/>
+              </a:ext>
+            </a:extLst>
+          </p:cNvPr>
+          <p:cNvSpPr/>
+          <p:nvPr/>
+        </p:nvSpPr>
+        <p:spPr>
+          <a:xfrm>
+            <a:off x="2159876" y="3720662"/>
+            <a:ext cx="2096814" cy="804041"/>
+          </a:xfrm>
+          <a:prstGeom prst="rect">
+            <a:avLst/>
+          </a:prstGeom>
+          <a:solidFill>
+            <a:srgbClr val="00B050"/>
+          </a:solidFill>
+          <a:ln w="38100">
+            <a:solidFill>
+              <a:schemeClr val="accent1">
+                <a:lumMod val="50000"/>
+              </a:schemeClr>
+            </a:solidFill>
+          </a:ln>
+        </p:spPr>
+        <p:style>
+          <a:lnRef idx="2">
+            <a:schemeClr val="accent1">
+              <a:shade val="50000"/>
+            </a:schemeClr>
+          </a:lnRef>
+          <a:fillRef idx="1">
+            <a:schemeClr val="accent1"/>
+          </a:fillRef>
+          <a:effectRef idx="0">
+            <a:schemeClr val="accent1"/>
+          </a:effectRef>
+          <a:fontRef idx="minor">
+            <a:schemeClr val="lt1"/>
+          </a:fontRef>
+        </p:style>
+        <p:txBody>
+          <a:bodyPr rtlCol="0" anchor="ctr"/>
+          <a:lstStyle/>
+          <a:p>
+            <a:pPr algn="ctr"/>
+            <a:r>
+              <a:rPr lang="en-US" sz="2400" b="1" dirty="0"/>
+              <a:t>Validation Set</a:t>
+            </a:r>
+          </a:p>
+        </p:txBody>
+      </p:sp>
+      <p:sp>
+        <p:nvSpPr>
+          <p:cNvPr id="9" name="Rectangle 8">
+            <a:extLst>
+              <a:ext uri="{FF2B5EF4-FFF2-40B4-BE49-F238E27FC236}">
+                <a16:creationId xmlns:a16="http://schemas.microsoft.com/office/drawing/2014/main" id="{D9E07790-140A-481D-81A4-AFD0ED127989}"/>
+              </a:ext>
+            </a:extLst>
+          </p:cNvPr>
+          <p:cNvSpPr/>
+          <p:nvPr/>
+        </p:nvSpPr>
+        <p:spPr>
+          <a:xfrm>
+            <a:off x="2159876" y="2112581"/>
+            <a:ext cx="2096814" cy="804041"/>
+          </a:xfrm>
+          <a:prstGeom prst="rect">
+            <a:avLst/>
+          </a:prstGeom>
+          <a:ln w="38100">
+            <a:solidFill>
+              <a:schemeClr val="accent1">
+                <a:lumMod val="50000"/>
+              </a:schemeClr>
+            </a:solidFill>
+          </a:ln>
+        </p:spPr>
+        <p:style>
+          <a:lnRef idx="2">
+            <a:schemeClr val="accent1">
+              <a:shade val="50000"/>
+            </a:schemeClr>
+          </a:lnRef>
+          <a:fillRef idx="1">
+            <a:schemeClr val="accent1"/>
+          </a:fillRef>
+          <a:effectRef idx="0">
+            <a:schemeClr val="accent1"/>
+          </a:effectRef>
+          <a:fontRef idx="minor">
+            <a:schemeClr val="lt1"/>
+          </a:fontRef>
+        </p:style>
+        <p:txBody>
+          <a:bodyPr rtlCol="0" anchor="ctr"/>
+          <a:lstStyle/>
+          <a:p>
+            <a:pPr algn="ctr"/>
+            <a:r>
+              <a:rPr lang="en-US" sz="2400" b="1" dirty="0"/>
+              <a:t>Training Set</a:t>
+            </a:r>
+          </a:p>
+        </p:txBody>
+      </p:sp>
+      <p:sp>
+        <p:nvSpPr>
+          <p:cNvPr id="10" name="Rectangle 9">
+            <a:extLst>
+              <a:ext uri="{FF2B5EF4-FFF2-40B4-BE49-F238E27FC236}">
+                <a16:creationId xmlns:a16="http://schemas.microsoft.com/office/drawing/2014/main" id="{D4702EF9-7A49-4785-9CA9-49BD241B3DB1}"/>
+              </a:ext>
+            </a:extLst>
+          </p:cNvPr>
+          <p:cNvSpPr/>
+          <p:nvPr/>
+        </p:nvSpPr>
+        <p:spPr>
+          <a:xfrm>
+            <a:off x="2159876" y="2916621"/>
+            <a:ext cx="2096814" cy="804041"/>
+          </a:xfrm>
+          <a:prstGeom prst="rect">
+            <a:avLst/>
+          </a:prstGeom>
+          <a:ln w="38100">
+            <a:solidFill>
+              <a:schemeClr val="accent1">
+                <a:lumMod val="50000"/>
+              </a:schemeClr>
+            </a:solidFill>
+          </a:ln>
+        </p:spPr>
+        <p:style>
+          <a:lnRef idx="2">
+            <a:schemeClr val="accent1">
+              <a:shade val="50000"/>
+            </a:schemeClr>
+          </a:lnRef>
+          <a:fillRef idx="1">
+            <a:schemeClr val="accent1"/>
+          </a:fillRef>
+          <a:effectRef idx="0">
+            <a:schemeClr val="accent1"/>
+          </a:effectRef>
+          <a:fontRef idx="minor">
+            <a:schemeClr val="lt1"/>
+          </a:fontRef>
+        </p:style>
+        <p:txBody>
+          <a:bodyPr rtlCol="0" anchor="ctr"/>
+          <a:lstStyle/>
+          <a:p>
+            <a:pPr algn="ctr"/>
+            <a:r>
+              <a:rPr lang="en-US" sz="2400" b="1" dirty="0"/>
+              <a:t>Training Set</a:t>
+            </a:r>
+          </a:p>
+        </p:txBody>
+      </p:sp>
+      <p:sp>
+        <p:nvSpPr>
+          <p:cNvPr id="11" name="Rectangle 10">
+            <a:extLst>
+              <a:ext uri="{FF2B5EF4-FFF2-40B4-BE49-F238E27FC236}">
+                <a16:creationId xmlns:a16="http://schemas.microsoft.com/office/drawing/2014/main" id="{299CED0C-CFD6-4C0A-A597-3119782DD8C0}"/>
+              </a:ext>
+            </a:extLst>
+          </p:cNvPr>
+          <p:cNvSpPr/>
+          <p:nvPr/>
+        </p:nvSpPr>
+        <p:spPr>
+          <a:xfrm>
+            <a:off x="2159876" y="4524703"/>
+            <a:ext cx="2096814" cy="804041"/>
+          </a:xfrm>
+          <a:prstGeom prst="rect">
+            <a:avLst/>
+          </a:prstGeom>
+          <a:ln w="38100">
+            <a:solidFill>
+              <a:schemeClr val="accent1">
+                <a:lumMod val="50000"/>
+              </a:schemeClr>
+            </a:solidFill>
+          </a:ln>
+        </p:spPr>
+        <p:style>
+          <a:lnRef idx="2">
+            <a:schemeClr val="accent1">
+              <a:shade val="50000"/>
+            </a:schemeClr>
+          </a:lnRef>
+          <a:fillRef idx="1">
+            <a:schemeClr val="accent1"/>
+          </a:fillRef>
+          <a:effectRef idx="0">
+            <a:schemeClr val="accent1"/>
+          </a:effectRef>
+          <a:fontRef idx="minor">
+            <a:schemeClr val="lt1"/>
+          </a:fontRef>
+        </p:style>
+        <p:txBody>
+          <a:bodyPr rtlCol="0" anchor="ctr"/>
+          <a:lstStyle/>
+          <a:p>
+            <a:pPr algn="ctr"/>
+            <a:r>
+              <a:rPr lang="en-US" sz="2400" b="1" dirty="0"/>
+              <a:t>Training Set</a:t>
+            </a:r>
+          </a:p>
+        </p:txBody>
+      </p:sp>
+      <p:sp>
+        <p:nvSpPr>
+          <p:cNvPr id="7" name="TextBox 6">
+            <a:extLst>
+              <a:ext uri="{FF2B5EF4-FFF2-40B4-BE49-F238E27FC236}">
+                <a16:creationId xmlns:a16="http://schemas.microsoft.com/office/drawing/2014/main" id="{2E1AA687-6C08-46FD-8C57-DD64DE92F74C}"/>
+              </a:ext>
+            </a:extLst>
+          </p:cNvPr>
+          <p:cNvSpPr txBox="1"/>
+          <p:nvPr/>
+        </p:nvSpPr>
+        <p:spPr>
+          <a:xfrm>
+            <a:off x="5407572" y="2052935"/>
+            <a:ext cx="3200400" cy="461665"/>
+          </a:xfrm>
+          <a:prstGeom prst="rect">
+            <a:avLst/>
+          </a:prstGeom>
+          <a:noFill/>
+        </p:spPr>
+        <p:txBody>
+          <a:bodyPr wrap="square" rtlCol="0">
+            <a:spAutoFit/>
+          </a:bodyPr>
+          <a:lstStyle/>
+          <a:p>
+            <a:r>
+              <a:rPr lang="en-US" sz="2400" dirty="0"/>
+              <a:t>4-fold cross-validation</a:t>
+            </a:r>
+          </a:p>
+        </p:txBody>
+      </p:sp>
+      <p:sp>
+        <p:nvSpPr>
+          <p:cNvPr id="8" name="TextBox 7">
+            <a:extLst>
+              <a:ext uri="{FF2B5EF4-FFF2-40B4-BE49-F238E27FC236}">
+                <a16:creationId xmlns:a16="http://schemas.microsoft.com/office/drawing/2014/main" id="{5F201219-9371-4294-A2E4-9CAEA829A07C}"/>
+              </a:ext>
+            </a:extLst>
+          </p:cNvPr>
+          <p:cNvSpPr txBox="1"/>
+          <p:nvPr/>
+        </p:nvSpPr>
+        <p:spPr>
+          <a:xfrm>
+            <a:off x="2159876" y="1481959"/>
+            <a:ext cx="2096814" cy="461665"/>
+          </a:xfrm>
+          <a:prstGeom prst="rect">
+            <a:avLst/>
+          </a:prstGeom>
+          <a:noFill/>
+        </p:spPr>
+        <p:txBody>
+          <a:bodyPr wrap="square" rtlCol="0">
+            <a:spAutoFit/>
+          </a:bodyPr>
+          <a:lstStyle/>
+          <a:p>
+            <a:pPr algn="ctr"/>
+            <a:r>
+              <a:rPr lang="en-US" sz="2400" dirty="0"/>
+              <a:t>Dataset</a:t>
+            </a:r>
+          </a:p>
+        </p:txBody>
+      </p:sp>
+    </p:spTree>
+    <p:extLst>
+      <p:ext uri="{BB962C8B-B14F-4D97-AF65-F5344CB8AC3E}">
+        <p14:creationId xmlns:p14="http://schemas.microsoft.com/office/powerpoint/2010/main" val="3575046600"/>
+      </p:ext>
+    </p:extLst>
+  </p:cSld>
+  <p:clrMapOvr>
+    <a:masterClrMapping/>
+  </p:clrMapOvr>
+  <mc:AlternateContent xmlns:mc="http://schemas.openxmlformats.org/markup-compatibility/2006" xmlns:p159="http://schemas.microsoft.com/office/powerpoint/2015/09/main">
+    <mc:Choice Requires="p159">
+      <p:transition xmlns:p14="http://schemas.microsoft.com/office/powerpoint/2010/main" spd="slow" p14:dur="2000">
+        <p159:morph option="byObject"/>
+      </p:transition>
+    </mc:Choice>
+    <mc:Fallback xmlns="">
+      <p:transition spd="slow">
+        <p:fade/>
+      </p:transition>
+    </mc:Fallback>
+  </mc:AlternateContent>
+</p:sld>
+</file>
+
+<file path=ppt/slides/slide13.xml><?xml version="1.0" encoding="utf-8"?>
+<p:sld xmlns:a="http://schemas.openxmlformats.org/drawingml/2006/main" xmlns:r="http://schemas.openxmlformats.org/officeDocument/2006/relationships" xmlns:p="http://schemas.openxmlformats.org/presentationml/2006/main">
+  <p:cSld>
+    <p:spTree>
+      <p:nvGrpSpPr>
+        <p:cNvPr id="1" name=""/>
+        <p:cNvGrpSpPr/>
+        <p:nvPr/>
+      </p:nvGrpSpPr>
+      <p:grpSpPr>
+        <a:xfrm>
+          <a:off x="0" y="0"/>
+          <a:ext cx="0" cy="0"/>
+          <a:chOff x="0" y="0"/>
+          <a:chExt cx="0" cy="0"/>
+        </a:xfrm>
+      </p:grpSpPr>
+      <mc:AlternateContent xmlns:mc="http://schemas.openxmlformats.org/markup-compatibility/2006" xmlns:a14="http://schemas.microsoft.com/office/drawing/2010/main">
+        <mc:Choice Requires="a14">
+          <p:sp>
+            <p:nvSpPr>
+              <p:cNvPr id="2" name="Title 1">
+                <a:extLst>
+                  <a:ext uri="{FF2B5EF4-FFF2-40B4-BE49-F238E27FC236}">
+                    <a16:creationId xmlns:a16="http://schemas.microsoft.com/office/drawing/2014/main" id="{990329C2-5249-4701-BDFC-8C73EC78B4FD}"/>
+                  </a:ext>
+                </a:extLst>
+              </p:cNvPr>
+              <p:cNvSpPr>
+                <a:spLocks noGrp="1"/>
+              </p:cNvSpPr>
+              <p:nvPr>
+                <p:ph type="title"/>
+              </p:nvPr>
+            </p:nvSpPr>
+            <p:spPr/>
+            <p:txBody>
+              <a:bodyPr/>
+              <a:lstStyle/>
+              <a:p>
+                <a14:m>
+                  <m:oMath xmlns:m="http://schemas.openxmlformats.org/officeDocument/2006/math">
+                    <m:r>
+                      <a:rPr lang="en-US" b="0" i="1" smtClean="0">
+                        <a:latin typeface="Cambria Math" panose="02040503050406030204" pitchFamily="18" charset="0"/>
+                      </a:rPr>
+                      <m:t>𝐾</m:t>
+                    </m:r>
+                  </m:oMath>
+                </a14:m>
+                <a:r>
+                  <a:rPr lang="en-US" dirty="0"/>
+                  <a:t>-fold cross-validation</a:t>
+                </a:r>
+              </a:p>
+            </p:txBody>
+          </p:sp>
+        </mc:Choice>
+        <mc:Fallback xmlns="">
+          <p:sp>
+            <p:nvSpPr>
+              <p:cNvPr id="2" name="Title 1">
+                <a:extLst>
+                  <a:ext uri="{FF2B5EF4-FFF2-40B4-BE49-F238E27FC236}">
+                    <a16:creationId xmlns:a16="http://schemas.microsoft.com/office/drawing/2014/main" id="{990329C2-5249-4701-BDFC-8C73EC78B4FD}"/>
+                  </a:ext>
+                </a:extLst>
+              </p:cNvPr>
+              <p:cNvSpPr>
+                <a:spLocks noGrp="1" noRot="1" noChangeAspect="1" noMove="1" noResize="1" noEditPoints="1" noAdjustHandles="1" noChangeArrowheads="1" noChangeShapeType="1" noTextEdit="1"/>
+              </p:cNvSpPr>
+              <p:nvPr>
+                <p:ph type="title"/>
+              </p:nvPr>
+            </p:nvSpPr>
+            <p:spPr>
+              <a:blipFill>
+                <a:blip r:embed="rId2"/>
+                <a:stretch>
+                  <a:fillRect/>
+                </a:stretch>
+              </a:blipFill>
+            </p:spPr>
+            <p:txBody>
+              <a:bodyPr/>
+              <a:lstStyle/>
+              <a:p>
+                <a:r>
+                  <a:rPr lang="en-US">
+                    <a:noFill/>
+                  </a:rPr>
+                  <a:t> </a:t>
+                </a:r>
+              </a:p>
+            </p:txBody>
+          </p:sp>
+        </mc:Fallback>
+      </mc:AlternateContent>
+      <p:sp>
+        <p:nvSpPr>
+          <p:cNvPr id="4" name="Rectangle 3">
+            <a:extLst>
+              <a:ext uri="{FF2B5EF4-FFF2-40B4-BE49-F238E27FC236}">
+                <a16:creationId xmlns:a16="http://schemas.microsoft.com/office/drawing/2014/main" id="{0DC906FA-0250-41D5-A8C8-51025A70C2BF}"/>
+              </a:ext>
+            </a:extLst>
+          </p:cNvPr>
+          <p:cNvSpPr/>
+          <p:nvPr/>
+        </p:nvSpPr>
+        <p:spPr>
+          <a:xfrm>
             <a:off x="2159876" y="4524702"/>
             <a:ext cx="2096814" cy="804041"/>
           </a:xfrm>
@@ -4859,6 +5821,427 @@
           </a:p>
         </p:txBody>
       </p:sp>
+    </p:spTree>
+    <p:extLst>
+      <p:ext uri="{BB962C8B-B14F-4D97-AF65-F5344CB8AC3E}">
+        <p14:creationId xmlns:p14="http://schemas.microsoft.com/office/powerpoint/2010/main" val="548275083"/>
+      </p:ext>
+    </p:extLst>
+  </p:cSld>
+  <p:clrMapOvr>
+    <a:masterClrMapping/>
+  </p:clrMapOvr>
+  <mc:AlternateContent xmlns:mc="http://schemas.openxmlformats.org/markup-compatibility/2006" xmlns:p159="http://schemas.microsoft.com/office/powerpoint/2015/09/main">
+    <mc:Choice Requires="p159">
+      <p:transition xmlns:p14="http://schemas.microsoft.com/office/powerpoint/2010/main" spd="slow" p14:dur="2000">
+        <p159:morph option="byObject"/>
+      </p:transition>
+    </mc:Choice>
+    <mc:Fallback xmlns="">
+      <p:transition spd="slow">
+        <p:fade/>
+      </p:transition>
+    </mc:Fallback>
+  </mc:AlternateContent>
+</p:sld>
+</file>
+
+<file path=ppt/slides/slide14.xml><?xml version="1.0" encoding="utf-8"?>
+<p:sld xmlns:a="http://schemas.openxmlformats.org/drawingml/2006/main" xmlns:r="http://schemas.openxmlformats.org/officeDocument/2006/relationships" xmlns:p="http://schemas.openxmlformats.org/presentationml/2006/main">
+  <p:cSld>
+    <p:spTree>
+      <p:nvGrpSpPr>
+        <p:cNvPr id="1" name=""/>
+        <p:cNvGrpSpPr/>
+        <p:nvPr/>
+      </p:nvGrpSpPr>
+      <p:grpSpPr>
+        <a:xfrm>
+          <a:off x="0" y="0"/>
+          <a:ext cx="0" cy="0"/>
+          <a:chOff x="0" y="0"/>
+          <a:chExt cx="0" cy="0"/>
+        </a:xfrm>
+      </p:grpSpPr>
+      <mc:AlternateContent xmlns:mc="http://schemas.openxmlformats.org/markup-compatibility/2006" xmlns:a14="http://schemas.microsoft.com/office/drawing/2010/main">
+        <mc:Choice Requires="a14">
+          <p:sp>
+            <p:nvSpPr>
+              <p:cNvPr id="2" name="Title 1">
+                <a:extLst>
+                  <a:ext uri="{FF2B5EF4-FFF2-40B4-BE49-F238E27FC236}">
+                    <a16:creationId xmlns:a16="http://schemas.microsoft.com/office/drawing/2014/main" id="{990329C2-5249-4701-BDFC-8C73EC78B4FD}"/>
+                  </a:ext>
+                </a:extLst>
+              </p:cNvPr>
+              <p:cNvSpPr>
+                <a:spLocks noGrp="1"/>
+              </p:cNvSpPr>
+              <p:nvPr>
+                <p:ph type="title"/>
+              </p:nvPr>
+            </p:nvSpPr>
+            <p:spPr/>
+            <p:txBody>
+              <a:bodyPr/>
+              <a:lstStyle/>
+              <a:p>
+                <a14:m>
+                  <m:oMath xmlns:m="http://schemas.openxmlformats.org/officeDocument/2006/math">
+                    <m:r>
+                      <a:rPr lang="en-US" b="0" i="1" smtClean="0">
+                        <a:latin typeface="Cambria Math" panose="02040503050406030204" pitchFamily="18" charset="0"/>
+                      </a:rPr>
+                      <m:t>𝐾</m:t>
+                    </m:r>
+                  </m:oMath>
+                </a14:m>
+                <a:r>
+                  <a:rPr lang="en-US" dirty="0"/>
+                  <a:t>-fold cross-validation</a:t>
+                </a:r>
+              </a:p>
+            </p:txBody>
+          </p:sp>
+        </mc:Choice>
+        <mc:Fallback xmlns="">
+          <p:sp>
+            <p:nvSpPr>
+              <p:cNvPr id="2" name="Title 1">
+                <a:extLst>
+                  <a:ext uri="{FF2B5EF4-FFF2-40B4-BE49-F238E27FC236}">
+                    <a16:creationId xmlns:a16="http://schemas.microsoft.com/office/drawing/2014/main" id="{990329C2-5249-4701-BDFC-8C73EC78B4FD}"/>
+                  </a:ext>
+                </a:extLst>
+              </p:cNvPr>
+              <p:cNvSpPr>
+                <a:spLocks noGrp="1" noRot="1" noChangeAspect="1" noMove="1" noResize="1" noEditPoints="1" noAdjustHandles="1" noChangeArrowheads="1" noChangeShapeType="1" noTextEdit="1"/>
+              </p:cNvSpPr>
+              <p:nvPr>
+                <p:ph type="title"/>
+              </p:nvPr>
+            </p:nvSpPr>
+            <p:spPr>
+              <a:blipFill>
+                <a:blip r:embed="rId2"/>
+                <a:stretch>
+                  <a:fillRect/>
+                </a:stretch>
+              </a:blipFill>
+            </p:spPr>
+            <p:txBody>
+              <a:bodyPr/>
+              <a:lstStyle/>
+              <a:p>
+                <a:r>
+                  <a:rPr lang="en-US">
+                    <a:noFill/>
+                  </a:rPr>
+                  <a:t> </a:t>
+                </a:r>
+              </a:p>
+            </p:txBody>
+          </p:sp>
+        </mc:Fallback>
+      </mc:AlternateContent>
+      <p:sp>
+        <p:nvSpPr>
+          <p:cNvPr id="4" name="Rectangle 3">
+            <a:extLst>
+              <a:ext uri="{FF2B5EF4-FFF2-40B4-BE49-F238E27FC236}">
+                <a16:creationId xmlns:a16="http://schemas.microsoft.com/office/drawing/2014/main" id="{0DC906FA-0250-41D5-A8C8-51025A70C2BF}"/>
+              </a:ext>
+            </a:extLst>
+          </p:cNvPr>
+          <p:cNvSpPr/>
+          <p:nvPr/>
+        </p:nvSpPr>
+        <p:spPr>
+          <a:xfrm>
+            <a:off x="2159876" y="4524702"/>
+            <a:ext cx="2096814" cy="804041"/>
+          </a:xfrm>
+          <a:prstGeom prst="rect">
+            <a:avLst/>
+          </a:prstGeom>
+          <a:solidFill>
+            <a:srgbClr val="00B050"/>
+          </a:solidFill>
+          <a:ln w="38100">
+            <a:solidFill>
+              <a:schemeClr val="accent1">
+                <a:lumMod val="50000"/>
+              </a:schemeClr>
+            </a:solidFill>
+          </a:ln>
+        </p:spPr>
+        <p:style>
+          <a:lnRef idx="2">
+            <a:schemeClr val="accent1">
+              <a:shade val="50000"/>
+            </a:schemeClr>
+          </a:lnRef>
+          <a:fillRef idx="1">
+            <a:schemeClr val="accent1"/>
+          </a:fillRef>
+          <a:effectRef idx="0">
+            <a:schemeClr val="accent1"/>
+          </a:effectRef>
+          <a:fontRef idx="minor">
+            <a:schemeClr val="lt1"/>
+          </a:fontRef>
+        </p:style>
+        <p:txBody>
+          <a:bodyPr rtlCol="0" anchor="ctr"/>
+          <a:lstStyle/>
+          <a:p>
+            <a:pPr algn="ctr"/>
+            <a:r>
+              <a:rPr lang="en-US" sz="2400" b="1" dirty="0"/>
+              <a:t>Validation Set</a:t>
+            </a:r>
+          </a:p>
+        </p:txBody>
+      </p:sp>
+      <p:sp>
+        <p:nvSpPr>
+          <p:cNvPr id="9" name="Rectangle 8">
+            <a:extLst>
+              <a:ext uri="{FF2B5EF4-FFF2-40B4-BE49-F238E27FC236}">
+                <a16:creationId xmlns:a16="http://schemas.microsoft.com/office/drawing/2014/main" id="{D9E07790-140A-481D-81A4-AFD0ED127989}"/>
+              </a:ext>
+            </a:extLst>
+          </p:cNvPr>
+          <p:cNvSpPr/>
+          <p:nvPr/>
+        </p:nvSpPr>
+        <p:spPr>
+          <a:xfrm>
+            <a:off x="2159876" y="2112581"/>
+            <a:ext cx="2096814" cy="804041"/>
+          </a:xfrm>
+          <a:prstGeom prst="rect">
+            <a:avLst/>
+          </a:prstGeom>
+          <a:ln w="38100">
+            <a:solidFill>
+              <a:schemeClr val="accent1">
+                <a:lumMod val="50000"/>
+              </a:schemeClr>
+            </a:solidFill>
+          </a:ln>
+        </p:spPr>
+        <p:style>
+          <a:lnRef idx="2">
+            <a:schemeClr val="accent1">
+              <a:shade val="50000"/>
+            </a:schemeClr>
+          </a:lnRef>
+          <a:fillRef idx="1">
+            <a:schemeClr val="accent1"/>
+          </a:fillRef>
+          <a:effectRef idx="0">
+            <a:schemeClr val="accent1"/>
+          </a:effectRef>
+          <a:fontRef idx="minor">
+            <a:schemeClr val="lt1"/>
+          </a:fontRef>
+        </p:style>
+        <p:txBody>
+          <a:bodyPr rtlCol="0" anchor="ctr"/>
+          <a:lstStyle/>
+          <a:p>
+            <a:pPr algn="ctr"/>
+            <a:r>
+              <a:rPr lang="en-US" sz="2400" b="1" dirty="0"/>
+              <a:t>Training Set</a:t>
+            </a:r>
+          </a:p>
+        </p:txBody>
+      </p:sp>
+      <p:sp>
+        <p:nvSpPr>
+          <p:cNvPr id="10" name="Rectangle 9">
+            <a:extLst>
+              <a:ext uri="{FF2B5EF4-FFF2-40B4-BE49-F238E27FC236}">
+                <a16:creationId xmlns:a16="http://schemas.microsoft.com/office/drawing/2014/main" id="{D4702EF9-7A49-4785-9CA9-49BD241B3DB1}"/>
+              </a:ext>
+            </a:extLst>
+          </p:cNvPr>
+          <p:cNvSpPr/>
+          <p:nvPr/>
+        </p:nvSpPr>
+        <p:spPr>
+          <a:xfrm>
+            <a:off x="2159876" y="2916621"/>
+            <a:ext cx="2096814" cy="804041"/>
+          </a:xfrm>
+          <a:prstGeom prst="rect">
+            <a:avLst/>
+          </a:prstGeom>
+          <a:ln w="38100">
+            <a:solidFill>
+              <a:schemeClr val="accent1">
+                <a:lumMod val="50000"/>
+              </a:schemeClr>
+            </a:solidFill>
+          </a:ln>
+        </p:spPr>
+        <p:style>
+          <a:lnRef idx="2">
+            <a:schemeClr val="accent1">
+              <a:shade val="50000"/>
+            </a:schemeClr>
+          </a:lnRef>
+          <a:fillRef idx="1">
+            <a:schemeClr val="accent1"/>
+          </a:fillRef>
+          <a:effectRef idx="0">
+            <a:schemeClr val="accent1"/>
+          </a:effectRef>
+          <a:fontRef idx="minor">
+            <a:schemeClr val="lt1"/>
+          </a:fontRef>
+        </p:style>
+        <p:txBody>
+          <a:bodyPr rtlCol="0" anchor="ctr"/>
+          <a:lstStyle/>
+          <a:p>
+            <a:pPr algn="ctr"/>
+            <a:r>
+              <a:rPr lang="en-US" sz="2400" b="1" dirty="0"/>
+              <a:t>Training Set</a:t>
+            </a:r>
+          </a:p>
+        </p:txBody>
+      </p:sp>
+      <p:sp>
+        <p:nvSpPr>
+          <p:cNvPr id="11" name="Rectangle 10">
+            <a:extLst>
+              <a:ext uri="{FF2B5EF4-FFF2-40B4-BE49-F238E27FC236}">
+                <a16:creationId xmlns:a16="http://schemas.microsoft.com/office/drawing/2014/main" id="{299CED0C-CFD6-4C0A-A597-3119782DD8C0}"/>
+              </a:ext>
+            </a:extLst>
+          </p:cNvPr>
+          <p:cNvSpPr/>
+          <p:nvPr/>
+        </p:nvSpPr>
+        <p:spPr>
+          <a:xfrm>
+            <a:off x="2159876" y="3720662"/>
+            <a:ext cx="2096814" cy="804041"/>
+          </a:xfrm>
+          <a:prstGeom prst="rect">
+            <a:avLst/>
+          </a:prstGeom>
+          <a:ln w="38100">
+            <a:solidFill>
+              <a:schemeClr val="accent1">
+                <a:lumMod val="50000"/>
+              </a:schemeClr>
+            </a:solidFill>
+          </a:ln>
+        </p:spPr>
+        <p:style>
+          <a:lnRef idx="2">
+            <a:schemeClr val="accent1">
+              <a:shade val="50000"/>
+            </a:schemeClr>
+          </a:lnRef>
+          <a:fillRef idx="1">
+            <a:schemeClr val="accent1"/>
+          </a:fillRef>
+          <a:effectRef idx="0">
+            <a:schemeClr val="accent1"/>
+          </a:effectRef>
+          <a:fontRef idx="minor">
+            <a:schemeClr val="lt1"/>
+          </a:fontRef>
+        </p:style>
+        <p:txBody>
+          <a:bodyPr rtlCol="0" anchor="ctr"/>
+          <a:lstStyle/>
+          <a:p>
+            <a:pPr algn="ctr"/>
+            <a:r>
+              <a:rPr lang="en-US" sz="2400" b="1" dirty="0"/>
+              <a:t>Training Set</a:t>
+            </a:r>
+          </a:p>
+        </p:txBody>
+      </p:sp>
+      <p:sp>
+        <p:nvSpPr>
+          <p:cNvPr id="7" name="TextBox 6">
+            <a:extLst>
+              <a:ext uri="{FF2B5EF4-FFF2-40B4-BE49-F238E27FC236}">
+                <a16:creationId xmlns:a16="http://schemas.microsoft.com/office/drawing/2014/main" id="{8A7D4A9F-ACE2-46D2-BAA2-90F86D7C9A72}"/>
+              </a:ext>
+            </a:extLst>
+          </p:cNvPr>
+          <p:cNvSpPr txBox="1"/>
+          <p:nvPr/>
+        </p:nvSpPr>
+        <p:spPr>
+          <a:xfrm>
+            <a:off x="5407572" y="2052935"/>
+            <a:ext cx="3200400" cy="461665"/>
+          </a:xfrm>
+          <a:prstGeom prst="rect">
+            <a:avLst/>
+          </a:prstGeom>
+          <a:noFill/>
+        </p:spPr>
+        <p:txBody>
+          <a:bodyPr wrap="square" rtlCol="0">
+            <a:spAutoFit/>
+          </a:bodyPr>
+          <a:lstStyle/>
+          <a:p>
+            <a:r>
+              <a:rPr lang="en-US" sz="2400" dirty="0"/>
+              <a:t>4-fold cross-validation</a:t>
+            </a:r>
+          </a:p>
+        </p:txBody>
+      </p:sp>
+      <p:sp>
+        <p:nvSpPr>
+          <p:cNvPr id="8" name="TextBox 7">
+            <a:extLst>
+              <a:ext uri="{FF2B5EF4-FFF2-40B4-BE49-F238E27FC236}">
+                <a16:creationId xmlns:a16="http://schemas.microsoft.com/office/drawing/2014/main" id="{B99D12F3-4319-45DA-8EA6-61B02F0F9032}"/>
+              </a:ext>
+            </a:extLst>
+          </p:cNvPr>
+          <p:cNvSpPr txBox="1"/>
+          <p:nvPr/>
+        </p:nvSpPr>
+        <p:spPr>
+          <a:xfrm>
+            <a:off x="2159876" y="1481959"/>
+            <a:ext cx="2096814" cy="461665"/>
+          </a:xfrm>
+          <a:prstGeom prst="rect">
+            <a:avLst/>
+          </a:prstGeom>
+          <a:noFill/>
+        </p:spPr>
+        <p:txBody>
+          <a:bodyPr wrap="square" rtlCol="0">
+            <a:spAutoFit/>
+          </a:bodyPr>
+          <a:lstStyle/>
+          <a:p>
+            <a:pPr algn="ctr"/>
+            <a:r>
+              <a:rPr lang="en-US" sz="2400" dirty="0"/>
+              <a:t>Dataset</a:t>
+            </a:r>
+          </a:p>
+        </p:txBody>
+      </p:sp>
       <p:sp>
         <p:nvSpPr>
           <p:cNvPr id="12" name="Rectangle 11">
@@ -4968,7 +6351,7 @@
 </p:sld>
 </file>
 
-<file path=ppt/slides/slide12.xml><?xml version="1.0" encoding="utf-8"?>
+<file path=ppt/slides/slide15.xml><?xml version="1.0" encoding="utf-8"?>
 <p:sld xmlns:a="http://schemas.openxmlformats.org/drawingml/2006/main" xmlns:r="http://schemas.openxmlformats.org/officeDocument/2006/relationships" xmlns:p="http://schemas.openxmlformats.org/presentationml/2006/main">
   <p:cSld>
     <p:spTree>
@@ -5366,6 +6749,1621 @@
           <p:cNvPr id="2" name="Title 1">
             <a:extLst>
               <a:ext uri="{FF2B5EF4-FFF2-40B4-BE49-F238E27FC236}">
+                <a16:creationId xmlns:a16="http://schemas.microsoft.com/office/drawing/2014/main" id="{EF1F7D81-A719-41F8-8928-D64D64D3E12F}"/>
+              </a:ext>
+            </a:extLst>
+          </p:cNvPr>
+          <p:cNvSpPr>
+            <a:spLocks noGrp="1"/>
+          </p:cNvSpPr>
+          <p:nvPr>
+            <p:ph type="title"/>
+          </p:nvPr>
+        </p:nvSpPr>
+        <p:spPr/>
+        <p:txBody>
+          <a:bodyPr/>
+          <a:lstStyle/>
+          <a:p>
+            <a:r>
+              <a:rPr lang="en-US" dirty="0"/>
+              <a:t>Get and Read data</a:t>
+            </a:r>
+          </a:p>
+        </p:txBody>
+      </p:sp>
+      <p:pic>
+        <p:nvPicPr>
+          <p:cNvPr id="1026" name="Picture 2" descr="Database Free Icon of Cheat Sheet icons">
+            <a:extLst>
+              <a:ext uri="{FF2B5EF4-FFF2-40B4-BE49-F238E27FC236}">
+                <a16:creationId xmlns:a16="http://schemas.microsoft.com/office/drawing/2014/main" id="{1606E73E-35CC-4DA7-855E-A262A2160C46}"/>
+              </a:ext>
+            </a:extLst>
+          </p:cNvPr>
+          <p:cNvPicPr>
+            <a:picLocks noChangeAspect="1" noChangeArrowheads="1"/>
+          </p:cNvPicPr>
+          <p:nvPr/>
+        </p:nvPicPr>
+        <p:blipFill>
+          <a:blip r:embed="rId2">
+            <a:extLst>
+              <a:ext uri="{28A0092B-C50C-407E-A947-70E740481C1C}">
+                <a14:useLocalDpi xmlns:a14="http://schemas.microsoft.com/office/drawing/2010/main" val="0"/>
+              </a:ext>
+            </a:extLst>
+          </a:blip>
+          <a:srcRect/>
+          <a:stretch>
+            <a:fillRect/>
+          </a:stretch>
+        </p:blipFill>
+        <p:spPr bwMode="auto">
+          <a:xfrm>
+            <a:off x="1869363" y="1909268"/>
+            <a:ext cx="1394756" cy="1394756"/>
+          </a:xfrm>
+          <a:prstGeom prst="rect">
+            <a:avLst/>
+          </a:prstGeom>
+          <a:noFill/>
+          <a:extLst>
+            <a:ext uri="{909E8E84-426E-40DD-AFC4-6F175D3DCCD1}">
+              <a14:hiddenFill xmlns:a14="http://schemas.microsoft.com/office/drawing/2010/main">
+                <a:solidFill>
+                  <a:srgbClr val="FFFFFF"/>
+                </a:solidFill>
+              </a14:hiddenFill>
+            </a:ext>
+          </a:extLst>
+        </p:spPr>
+      </p:pic>
+      <p:pic>
+        <p:nvPicPr>
+          <p:cNvPr id="1028" name="Picture 4" descr="Excel - Free logo icons">
+            <a:extLst>
+              <a:ext uri="{FF2B5EF4-FFF2-40B4-BE49-F238E27FC236}">
+                <a16:creationId xmlns:a16="http://schemas.microsoft.com/office/drawing/2014/main" id="{FA4CA013-3665-4639-AD68-4712E5DCAC5F}"/>
+              </a:ext>
+            </a:extLst>
+          </p:cNvPr>
+          <p:cNvPicPr>
+            <a:picLocks noChangeAspect="1" noChangeArrowheads="1"/>
+          </p:cNvPicPr>
+          <p:nvPr/>
+        </p:nvPicPr>
+        <p:blipFill>
+          <a:blip r:embed="rId3">
+            <a:extLst>
+              <a:ext uri="{28A0092B-C50C-407E-A947-70E740481C1C}">
+                <a14:useLocalDpi xmlns:a14="http://schemas.microsoft.com/office/drawing/2010/main" val="0"/>
+              </a:ext>
+            </a:extLst>
+          </a:blip>
+          <a:srcRect/>
+          <a:stretch>
+            <a:fillRect/>
+          </a:stretch>
+        </p:blipFill>
+        <p:spPr bwMode="auto">
+          <a:xfrm>
+            <a:off x="4701244" y="2891659"/>
+            <a:ext cx="1394756" cy="1394756"/>
+          </a:xfrm>
+          <a:prstGeom prst="rect">
+            <a:avLst/>
+          </a:prstGeom>
+          <a:noFill/>
+          <a:extLst>
+            <a:ext uri="{909E8E84-426E-40DD-AFC4-6F175D3DCCD1}">
+              <a14:hiddenFill xmlns:a14="http://schemas.microsoft.com/office/drawing/2010/main">
+                <a:solidFill>
+                  <a:srgbClr val="FFFFFF"/>
+                </a:solidFill>
+              </a14:hiddenFill>
+            </a:ext>
+          </a:extLst>
+        </p:spPr>
+      </p:pic>
+      <p:pic>
+        <p:nvPicPr>
+          <p:cNvPr id="1032" name="Picture 8" descr="Txt file | Free Icon">
+            <a:extLst>
+              <a:ext uri="{FF2B5EF4-FFF2-40B4-BE49-F238E27FC236}">
+                <a16:creationId xmlns:a16="http://schemas.microsoft.com/office/drawing/2014/main" id="{5061D404-4EEC-4699-B99B-F86A18C409FF}"/>
+              </a:ext>
+            </a:extLst>
+          </p:cNvPr>
+          <p:cNvPicPr>
+            <a:picLocks noChangeAspect="1" noChangeArrowheads="1"/>
+          </p:cNvPicPr>
+          <p:nvPr/>
+        </p:nvPicPr>
+        <p:blipFill>
+          <a:blip r:embed="rId4">
+            <a:extLst>
+              <a:ext uri="{28A0092B-C50C-407E-A947-70E740481C1C}">
+                <a14:useLocalDpi xmlns:a14="http://schemas.microsoft.com/office/drawing/2010/main" val="0"/>
+              </a:ext>
+            </a:extLst>
+          </a:blip>
+          <a:srcRect/>
+          <a:stretch>
+            <a:fillRect/>
+          </a:stretch>
+        </p:blipFill>
+        <p:spPr bwMode="auto">
+          <a:xfrm>
+            <a:off x="2079569" y="4493173"/>
+            <a:ext cx="1184550" cy="1184550"/>
+          </a:xfrm>
+          <a:prstGeom prst="rect">
+            <a:avLst/>
+          </a:prstGeom>
+          <a:noFill/>
+          <a:extLst>
+            <a:ext uri="{909E8E84-426E-40DD-AFC4-6F175D3DCCD1}">
+              <a14:hiddenFill xmlns:a14="http://schemas.microsoft.com/office/drawing/2010/main">
+                <a:solidFill>
+                  <a:srgbClr val="FFFFFF"/>
+                </a:solidFill>
+              </a14:hiddenFill>
+            </a:ext>
+          </a:extLst>
+        </p:spPr>
+      </p:pic>
+      <p:sp>
+        <p:nvSpPr>
+          <p:cNvPr id="5" name="TextBox 4">
+            <a:extLst>
+              <a:ext uri="{FF2B5EF4-FFF2-40B4-BE49-F238E27FC236}">
+                <a16:creationId xmlns:a16="http://schemas.microsoft.com/office/drawing/2014/main" id="{17476F1C-0212-49D2-B8FF-6DED3C27741A}"/>
+              </a:ext>
+            </a:extLst>
+          </p:cNvPr>
+          <p:cNvSpPr txBox="1"/>
+          <p:nvPr/>
+        </p:nvSpPr>
+        <p:spPr>
+          <a:xfrm>
+            <a:off x="1466193" y="5896303"/>
+            <a:ext cx="2096814" cy="646331"/>
+          </a:xfrm>
+          <a:prstGeom prst="rect">
+            <a:avLst/>
+          </a:prstGeom>
+          <a:noFill/>
+        </p:spPr>
+        <p:txBody>
+          <a:bodyPr wrap="square" rtlCol="0">
+            <a:spAutoFit/>
+          </a:bodyPr>
+          <a:lstStyle/>
+          <a:p>
+            <a:r>
+              <a:rPr lang="en-US" dirty="0"/>
+              <a:t>.LAS, .FAB, .</a:t>
+            </a:r>
+            <a:r>
+              <a:rPr lang="en-US" dirty="0" err="1"/>
+              <a:t>Ecl</a:t>
+            </a:r>
+            <a:r>
+              <a:rPr lang="en-US" dirty="0"/>
+              <a:t>, .xml, .html</a:t>
+            </a:r>
+          </a:p>
+        </p:txBody>
+      </p:sp>
+      <p:pic>
+        <p:nvPicPr>
+          <p:cNvPr id="1034" name="Picture 10" descr="HTML Document - Free computer icons">
+            <a:extLst>
+              <a:ext uri="{FF2B5EF4-FFF2-40B4-BE49-F238E27FC236}">
+                <a16:creationId xmlns:a16="http://schemas.microsoft.com/office/drawing/2014/main" id="{0A00B68E-DFFF-421B-9BEF-401B94E0960D}"/>
+              </a:ext>
+            </a:extLst>
+          </p:cNvPr>
+          <p:cNvPicPr>
+            <a:picLocks noChangeAspect="1" noChangeArrowheads="1"/>
+          </p:cNvPicPr>
+          <p:nvPr/>
+        </p:nvPicPr>
+        <p:blipFill>
+          <a:blip r:embed="rId5">
+            <a:extLst>
+              <a:ext uri="{28A0092B-C50C-407E-A947-70E740481C1C}">
+                <a14:useLocalDpi xmlns:a14="http://schemas.microsoft.com/office/drawing/2010/main" val="0"/>
+              </a:ext>
+            </a:extLst>
+          </a:blip>
+          <a:srcRect/>
+          <a:stretch>
+            <a:fillRect/>
+          </a:stretch>
+        </p:blipFill>
+        <p:spPr bwMode="auto">
+          <a:xfrm>
+            <a:off x="3959772" y="5782221"/>
+            <a:ext cx="874494" cy="874494"/>
+          </a:xfrm>
+          <a:prstGeom prst="rect">
+            <a:avLst/>
+          </a:prstGeom>
+          <a:noFill/>
+          <a:extLst>
+            <a:ext uri="{909E8E84-426E-40DD-AFC4-6F175D3DCCD1}">
+              <a14:hiddenFill xmlns:a14="http://schemas.microsoft.com/office/drawing/2010/main">
+                <a:solidFill>
+                  <a:srgbClr val="FFFFFF"/>
+                </a:solidFill>
+              </a14:hiddenFill>
+            </a:ext>
+          </a:extLst>
+        </p:spPr>
+      </p:pic>
+      <p:pic>
+        <p:nvPicPr>
+          <p:cNvPr id="1036" name="Picture 12" descr="Xml - Free interface icons">
+            <a:extLst>
+              <a:ext uri="{FF2B5EF4-FFF2-40B4-BE49-F238E27FC236}">
+                <a16:creationId xmlns:a16="http://schemas.microsoft.com/office/drawing/2014/main" id="{23FC17A9-007F-46E0-9DB8-28882C25F58D}"/>
+              </a:ext>
+            </a:extLst>
+          </p:cNvPr>
+          <p:cNvPicPr>
+            <a:picLocks noChangeAspect="1" noChangeArrowheads="1"/>
+          </p:cNvPicPr>
+          <p:nvPr/>
+        </p:nvPicPr>
+        <p:blipFill>
+          <a:blip r:embed="rId6">
+            <a:extLst>
+              <a:ext uri="{28A0092B-C50C-407E-A947-70E740481C1C}">
+                <a14:useLocalDpi xmlns:a14="http://schemas.microsoft.com/office/drawing/2010/main" val="0"/>
+              </a:ext>
+            </a:extLst>
+          </a:blip>
+          <a:srcRect/>
+          <a:stretch>
+            <a:fillRect/>
+          </a:stretch>
+        </p:blipFill>
+        <p:spPr bwMode="auto">
+          <a:xfrm>
+            <a:off x="4992904" y="5813750"/>
+            <a:ext cx="874495" cy="874495"/>
+          </a:xfrm>
+          <a:prstGeom prst="rect">
+            <a:avLst/>
+          </a:prstGeom>
+          <a:noFill/>
+          <a:extLst>
+            <a:ext uri="{909E8E84-426E-40DD-AFC4-6F175D3DCCD1}">
+              <a14:hiddenFill xmlns:a14="http://schemas.microsoft.com/office/drawing/2010/main">
+                <a:solidFill>
+                  <a:srgbClr val="FFFFFF"/>
+                </a:solidFill>
+              </a14:hiddenFill>
+            </a:ext>
+          </a:extLst>
+        </p:spPr>
+      </p:pic>
+      <p:sp>
+        <p:nvSpPr>
+          <p:cNvPr id="6" name="TextBox 5">
+            <a:extLst>
+              <a:ext uri="{FF2B5EF4-FFF2-40B4-BE49-F238E27FC236}">
+                <a16:creationId xmlns:a16="http://schemas.microsoft.com/office/drawing/2014/main" id="{6594DB6C-1286-49CF-B2CD-853691907FB5}"/>
+              </a:ext>
+            </a:extLst>
+          </p:cNvPr>
+          <p:cNvSpPr txBox="1"/>
+          <p:nvPr/>
+        </p:nvSpPr>
+        <p:spPr>
+          <a:xfrm>
+            <a:off x="6873765" y="1909270"/>
+            <a:ext cx="4067504" cy="369332"/>
+          </a:xfrm>
+          <a:prstGeom prst="rect">
+            <a:avLst/>
+          </a:prstGeom>
+          <a:noFill/>
+        </p:spPr>
+        <p:txBody>
+          <a:bodyPr wrap="square" rtlCol="0">
+            <a:spAutoFit/>
+          </a:bodyPr>
+          <a:lstStyle/>
+          <a:p>
+            <a:r>
+              <a:rPr lang="en-US" dirty="0" err="1"/>
+              <a:t>Im</a:t>
+            </a:r>
+            <a:r>
+              <a:rPr lang="es-419" dirty="0" err="1"/>
+              <a:t>ages</a:t>
+            </a:r>
+            <a:r>
+              <a:rPr lang="es-419" dirty="0"/>
+              <a:t> (</a:t>
+            </a:r>
+            <a:r>
+              <a:rPr lang="es-419" dirty="0" err="1"/>
+              <a:t>lab</a:t>
+            </a:r>
+            <a:r>
+              <a:rPr lang="es-419" dirty="0"/>
+              <a:t> </a:t>
+            </a:r>
+            <a:r>
+              <a:rPr lang="es-419" dirty="0" err="1"/>
+              <a:t>thin</a:t>
+            </a:r>
+            <a:r>
+              <a:rPr lang="es-419" dirty="0"/>
+              <a:t> films, radar, </a:t>
+            </a:r>
+            <a:r>
+              <a:rPr lang="es-419" dirty="0" err="1"/>
+              <a:t>seismic</a:t>
+            </a:r>
+            <a:r>
+              <a:rPr lang="es-419" dirty="0"/>
+              <a:t>,…)</a:t>
+            </a:r>
+            <a:endParaRPr lang="en-US" dirty="0"/>
+          </a:p>
+        </p:txBody>
+      </p:sp>
+    </p:spTree>
+    <p:extLst>
+      <p:ext uri="{BB962C8B-B14F-4D97-AF65-F5344CB8AC3E}">
+        <p14:creationId xmlns:p14="http://schemas.microsoft.com/office/powerpoint/2010/main" val="2352888519"/>
+      </p:ext>
+    </p:extLst>
+  </p:cSld>
+  <p:clrMapOvr>
+    <a:masterClrMapping/>
+  </p:clrMapOvr>
+</p:sld>
+</file>
+
+<file path=ppt/slides/slide3.xml><?xml version="1.0" encoding="utf-8"?>
+<p:sld xmlns:a="http://schemas.openxmlformats.org/drawingml/2006/main" xmlns:r="http://schemas.openxmlformats.org/officeDocument/2006/relationships" xmlns:p="http://schemas.openxmlformats.org/presentationml/2006/main">
+  <p:cSld>
+    <p:spTree>
+      <p:nvGrpSpPr>
+        <p:cNvPr id="1" name=""/>
+        <p:cNvGrpSpPr/>
+        <p:nvPr/>
+      </p:nvGrpSpPr>
+      <p:grpSpPr>
+        <a:xfrm>
+          <a:off x="0" y="0"/>
+          <a:ext cx="0" cy="0"/>
+          <a:chOff x="0" y="0"/>
+          <a:chExt cx="0" cy="0"/>
+        </a:xfrm>
+      </p:grpSpPr>
+      <p:sp>
+        <p:nvSpPr>
+          <p:cNvPr id="2" name="Title 1">
+            <a:extLst>
+              <a:ext uri="{FF2B5EF4-FFF2-40B4-BE49-F238E27FC236}">
+                <a16:creationId xmlns:a16="http://schemas.microsoft.com/office/drawing/2014/main" id="{E2DFB7E7-3862-4FE9-8A1A-9EB5B5F677DF}"/>
+              </a:ext>
+            </a:extLst>
+          </p:cNvPr>
+          <p:cNvSpPr>
+            <a:spLocks noGrp="1"/>
+          </p:cNvSpPr>
+          <p:nvPr>
+            <p:ph type="title"/>
+          </p:nvPr>
+        </p:nvSpPr>
+        <p:spPr>
+          <a:xfrm>
+            <a:off x="838200" y="270532"/>
+            <a:ext cx="10515600" cy="1325563"/>
+          </a:xfrm>
+        </p:spPr>
+        <p:txBody>
+          <a:bodyPr/>
+          <a:lstStyle/>
+          <a:p>
+            <a:r>
+              <a:rPr lang="es-419" dirty="0"/>
+              <a:t>Train-Test </a:t>
+            </a:r>
+            <a:r>
+              <a:rPr lang="es-419" dirty="0" err="1"/>
+              <a:t>split</a:t>
+            </a:r>
+            <a:endParaRPr lang="en-US" dirty="0"/>
+          </a:p>
+        </p:txBody>
+      </p:sp>
+      <p:pic>
+        <p:nvPicPr>
+          <p:cNvPr id="4" name="Picture 2">
+            <a:extLst>
+              <a:ext uri="{FF2B5EF4-FFF2-40B4-BE49-F238E27FC236}">
+                <a16:creationId xmlns:a16="http://schemas.microsoft.com/office/drawing/2014/main" id="{97F89DF2-E621-450C-B2F9-8759EE13031A}"/>
+              </a:ext>
+            </a:extLst>
+          </p:cNvPr>
+          <p:cNvPicPr>
+            <a:picLocks noChangeAspect="1" noChangeArrowheads="1"/>
+          </p:cNvPicPr>
+          <p:nvPr/>
+        </p:nvPicPr>
+        <p:blipFill rotWithShape="1">
+          <a:blip r:embed="rId2">
+            <a:extLst>
+              <a:ext uri="{28A0092B-C50C-407E-A947-70E740481C1C}">
+                <a14:useLocalDpi xmlns:a14="http://schemas.microsoft.com/office/drawing/2010/main" val="0"/>
+              </a:ext>
+            </a:extLst>
+          </a:blip>
+          <a:srcRect r="60977"/>
+          <a:stretch/>
+        </p:blipFill>
+        <p:spPr bwMode="auto">
+          <a:xfrm>
+            <a:off x="1739462" y="2301790"/>
+            <a:ext cx="3400097" cy="3399008"/>
+          </a:xfrm>
+          <a:prstGeom prst="rect">
+            <a:avLst/>
+          </a:prstGeom>
+          <a:noFill/>
+          <a:extLst>
+            <a:ext uri="{909E8E84-426E-40DD-AFC4-6F175D3DCCD1}">
+              <a14:hiddenFill xmlns:a14="http://schemas.microsoft.com/office/drawing/2010/main">
+                <a:solidFill>
+                  <a:srgbClr val="FFFFFF"/>
+                </a:solidFill>
+              </a14:hiddenFill>
+            </a:ext>
+          </a:extLst>
+        </p:spPr>
+      </p:pic>
+      <p:grpSp>
+        <p:nvGrpSpPr>
+          <p:cNvPr id="13" name="Group 12">
+            <a:extLst>
+              <a:ext uri="{FF2B5EF4-FFF2-40B4-BE49-F238E27FC236}">
+                <a16:creationId xmlns:a16="http://schemas.microsoft.com/office/drawing/2014/main" id="{83CB596E-4C2D-45B2-B9DB-A2C44EC5CD34}"/>
+              </a:ext>
+            </a:extLst>
+          </p:cNvPr>
+          <p:cNvGrpSpPr/>
+          <p:nvPr/>
+        </p:nvGrpSpPr>
+        <p:grpSpPr>
+          <a:xfrm>
+            <a:off x="5491655" y="223001"/>
+            <a:ext cx="6096000" cy="1973295"/>
+            <a:chOff x="5491655" y="223001"/>
+            <a:chExt cx="6096000" cy="1973295"/>
+          </a:xfrm>
+        </p:grpSpPr>
+        <p:sp>
+          <p:nvSpPr>
+            <p:cNvPr id="6" name="Rectangle 5">
+              <a:extLst>
+                <a:ext uri="{FF2B5EF4-FFF2-40B4-BE49-F238E27FC236}">
+                  <a16:creationId xmlns:a16="http://schemas.microsoft.com/office/drawing/2014/main" id="{C5F47D46-AF85-4487-AAC7-A882799E2595}"/>
+                </a:ext>
+              </a:extLst>
+            </p:cNvPr>
+            <p:cNvSpPr/>
+            <p:nvPr/>
+          </p:nvSpPr>
+          <p:spPr>
+            <a:xfrm>
+              <a:off x="5491655" y="872857"/>
+              <a:ext cx="6096000" cy="1323439"/>
+            </a:xfrm>
+            <a:prstGeom prst="rect">
+              <a:avLst/>
+            </a:prstGeom>
+            <a:solidFill>
+              <a:srgbClr val="1E1E1E"/>
+            </a:solidFill>
+          </p:spPr>
+          <p:txBody>
+            <a:bodyPr>
+              <a:spAutoFit/>
+            </a:bodyPr>
+            <a:lstStyle/>
+            <a:p>
+              <a:r>
+                <a:rPr lang="en-US" sz="2000" dirty="0">
+                  <a:solidFill>
+                    <a:srgbClr val="569CD6"/>
+                  </a:solidFill>
+                  <a:latin typeface="Consolas" panose="020B0609020204030204" pitchFamily="49" charset="0"/>
+                </a:rPr>
+                <a:t>import</a:t>
+              </a:r>
+              <a:r>
+                <a:rPr lang="en-US" sz="2000" dirty="0">
+                  <a:solidFill>
+                    <a:srgbClr val="D4D4D4"/>
+                  </a:solidFill>
+                  <a:latin typeface="Consolas" panose="020B0609020204030204" pitchFamily="49" charset="0"/>
+                </a:rPr>
+                <a:t> seaborn </a:t>
+              </a:r>
+              <a:r>
+                <a:rPr lang="en-US" sz="2000" dirty="0">
+                  <a:solidFill>
+                    <a:srgbClr val="569CD6"/>
+                  </a:solidFill>
+                  <a:latin typeface="Consolas" panose="020B0609020204030204" pitchFamily="49" charset="0"/>
+                </a:rPr>
+                <a:t>as</a:t>
+              </a:r>
+              <a:r>
+                <a:rPr lang="en-US" sz="2000" dirty="0">
+                  <a:solidFill>
+                    <a:srgbClr val="D4D4D4"/>
+                  </a:solidFill>
+                  <a:latin typeface="Consolas" panose="020B0609020204030204" pitchFamily="49" charset="0"/>
+                </a:rPr>
+                <a:t> </a:t>
+              </a:r>
+              <a:r>
+                <a:rPr lang="en-US" sz="2000" dirty="0" err="1">
+                  <a:solidFill>
+                    <a:srgbClr val="D4D4D4"/>
+                  </a:solidFill>
+                  <a:latin typeface="Consolas" panose="020B0609020204030204" pitchFamily="49" charset="0"/>
+                </a:rPr>
+                <a:t>sns</a:t>
+              </a:r>
+              <a:endParaRPr lang="en-US" sz="2000" dirty="0">
+                <a:solidFill>
+                  <a:srgbClr val="D4D4D4"/>
+                </a:solidFill>
+                <a:latin typeface="Consolas" panose="020B0609020204030204" pitchFamily="49" charset="0"/>
+              </a:endParaRPr>
+            </a:p>
+            <a:p>
+              <a:r>
+                <a:rPr lang="en-US" sz="2000" dirty="0">
+                  <a:solidFill>
+                    <a:srgbClr val="D4D4D4"/>
+                  </a:solidFill>
+                  <a:latin typeface="Consolas" panose="020B0609020204030204" pitchFamily="49" charset="0"/>
+                </a:rPr>
+                <a:t>iris=</a:t>
+              </a:r>
+              <a:r>
+                <a:rPr lang="en-US" sz="2000" dirty="0" err="1">
+                  <a:solidFill>
+                    <a:srgbClr val="D4D4D4"/>
+                  </a:solidFill>
+                  <a:latin typeface="Consolas" panose="020B0609020204030204" pitchFamily="49" charset="0"/>
+                </a:rPr>
+                <a:t>sns.load_dataset</a:t>
+              </a:r>
+              <a:r>
+                <a:rPr lang="en-US" sz="2000" dirty="0">
+                  <a:solidFill>
+                    <a:srgbClr val="D4D4D4"/>
+                  </a:solidFill>
+                  <a:latin typeface="Consolas" panose="020B0609020204030204" pitchFamily="49" charset="0"/>
+                </a:rPr>
+                <a:t>(</a:t>
+              </a:r>
+              <a:r>
+                <a:rPr lang="en-US" sz="2000" dirty="0">
+                  <a:solidFill>
+                    <a:srgbClr val="CE9178"/>
+                  </a:solidFill>
+                  <a:latin typeface="Consolas" panose="020B0609020204030204" pitchFamily="49" charset="0"/>
+                </a:rPr>
+                <a:t>'iris'</a:t>
+              </a:r>
+              <a:r>
+                <a:rPr lang="en-US" sz="2000" dirty="0">
+                  <a:solidFill>
+                    <a:srgbClr val="D4D4D4"/>
+                  </a:solidFill>
+                  <a:latin typeface="Consolas" panose="020B0609020204030204" pitchFamily="49" charset="0"/>
+                </a:rPr>
+                <a:t>)</a:t>
+              </a:r>
+            </a:p>
+            <a:p>
+              <a:r>
+                <a:rPr lang="en-US" sz="2000" dirty="0" err="1">
+                  <a:solidFill>
+                    <a:srgbClr val="D4D4D4"/>
+                  </a:solidFill>
+                  <a:latin typeface="Consolas" panose="020B0609020204030204" pitchFamily="49" charset="0"/>
+                </a:rPr>
+                <a:t>iris.sample</a:t>
+              </a:r>
+              <a:r>
+                <a:rPr lang="en-US" sz="2000" dirty="0">
+                  <a:solidFill>
+                    <a:srgbClr val="D4D4D4"/>
+                  </a:solidFill>
+                  <a:latin typeface="Consolas" panose="020B0609020204030204" pitchFamily="49" charset="0"/>
+                </a:rPr>
+                <a:t>(</a:t>
+              </a:r>
+              <a:r>
+                <a:rPr lang="en-US" sz="2000" dirty="0">
+                  <a:solidFill>
+                    <a:srgbClr val="B5CEA8"/>
+                  </a:solidFill>
+                  <a:latin typeface="Consolas" panose="020B0609020204030204" pitchFamily="49" charset="0"/>
+                </a:rPr>
+                <a:t>3</a:t>
+              </a:r>
+              <a:r>
+                <a:rPr lang="en-US" sz="2000" dirty="0">
+                  <a:solidFill>
+                    <a:srgbClr val="D4D4D4"/>
+                  </a:solidFill>
+                  <a:latin typeface="Consolas" panose="020B0609020204030204" pitchFamily="49" charset="0"/>
+                </a:rPr>
+                <a:t>)</a:t>
+              </a:r>
+            </a:p>
+            <a:p>
+              <a:r>
+                <a:rPr lang="en-US" sz="2000" dirty="0" err="1">
+                  <a:solidFill>
+                    <a:srgbClr val="D4D4D4"/>
+                  </a:solidFill>
+                  <a:latin typeface="Consolas" panose="020B0609020204030204" pitchFamily="49" charset="0"/>
+                </a:rPr>
+                <a:t>iris.sample</a:t>
+              </a:r>
+              <a:r>
+                <a:rPr lang="en-US" sz="2000" dirty="0">
+                  <a:solidFill>
+                    <a:srgbClr val="D4D4D4"/>
+                  </a:solidFill>
+                  <a:latin typeface="Consolas" panose="020B0609020204030204" pitchFamily="49" charset="0"/>
+                </a:rPr>
+                <a:t>(</a:t>
+              </a:r>
+              <a:r>
+                <a:rPr lang="en-US" sz="2000" dirty="0">
+                  <a:solidFill>
+                    <a:srgbClr val="B5CEA8"/>
+                  </a:solidFill>
+                  <a:latin typeface="Consolas" panose="020B0609020204030204" pitchFamily="49" charset="0"/>
+                </a:rPr>
+                <a:t>3</a:t>
+              </a:r>
+              <a:r>
+                <a:rPr lang="en-US" sz="2000" dirty="0">
+                  <a:solidFill>
+                    <a:srgbClr val="D4D4D4"/>
+                  </a:solidFill>
+                  <a:latin typeface="Consolas" panose="020B0609020204030204" pitchFamily="49" charset="0"/>
+                </a:rPr>
+                <a:t>,random_state=</a:t>
+              </a:r>
+              <a:r>
+                <a:rPr lang="en-US" sz="2000" dirty="0">
+                  <a:solidFill>
+                    <a:srgbClr val="B5CEA8"/>
+                  </a:solidFill>
+                  <a:latin typeface="Consolas" panose="020B0609020204030204" pitchFamily="49" charset="0"/>
+                </a:rPr>
+                <a:t>42</a:t>
+              </a:r>
+              <a:r>
+                <a:rPr lang="en-US" sz="2000" dirty="0">
+                  <a:solidFill>
+                    <a:srgbClr val="D4D4D4"/>
+                  </a:solidFill>
+                  <a:latin typeface="Consolas" panose="020B0609020204030204" pitchFamily="49" charset="0"/>
+                </a:rPr>
+                <a:t>)</a:t>
+              </a:r>
+              <a:endParaRPr lang="en-US" sz="2000" b="0" dirty="0">
+                <a:solidFill>
+                  <a:srgbClr val="D4D4D4"/>
+                </a:solidFill>
+                <a:effectLst/>
+                <a:latin typeface="Consolas" panose="020B0609020204030204" pitchFamily="49" charset="0"/>
+              </a:endParaRPr>
+            </a:p>
+          </p:txBody>
+        </p:sp>
+        <p:sp>
+          <p:nvSpPr>
+            <p:cNvPr id="7" name="TextBox 6">
+              <a:extLst>
+                <a:ext uri="{FF2B5EF4-FFF2-40B4-BE49-F238E27FC236}">
+                  <a16:creationId xmlns:a16="http://schemas.microsoft.com/office/drawing/2014/main" id="{41995AEA-70CD-4A08-B45C-FBD17F70C548}"/>
+                </a:ext>
+              </a:extLst>
+            </p:cNvPr>
+            <p:cNvSpPr txBox="1"/>
+            <p:nvPr/>
+          </p:nvSpPr>
+          <p:spPr>
+            <a:xfrm>
+              <a:off x="5491655" y="223001"/>
+              <a:ext cx="1713186" cy="461665"/>
+            </a:xfrm>
+            <a:prstGeom prst="rect">
+              <a:avLst/>
+            </a:prstGeom>
+            <a:noFill/>
+          </p:spPr>
+          <p:txBody>
+            <a:bodyPr wrap="square" rtlCol="0">
+              <a:spAutoFit/>
+            </a:bodyPr>
+            <a:lstStyle/>
+            <a:p>
+              <a:r>
+                <a:rPr lang="es-419" sz="2400" dirty="0" err="1"/>
+                <a:t>Sampling</a:t>
+              </a:r>
+              <a:endParaRPr lang="en-US" sz="2400" dirty="0"/>
+            </a:p>
+          </p:txBody>
+        </p:sp>
+      </p:grpSp>
+      <p:sp>
+        <p:nvSpPr>
+          <p:cNvPr id="9" name="Rectangle 8">
+            <a:extLst>
+              <a:ext uri="{FF2B5EF4-FFF2-40B4-BE49-F238E27FC236}">
+                <a16:creationId xmlns:a16="http://schemas.microsoft.com/office/drawing/2014/main" id="{D972071E-A782-4FB5-96BD-E23443D1FAAC}"/>
+              </a:ext>
+            </a:extLst>
+          </p:cNvPr>
+          <p:cNvSpPr/>
+          <p:nvPr/>
+        </p:nvSpPr>
+        <p:spPr>
+          <a:xfrm>
+            <a:off x="5491655" y="2706674"/>
+            <a:ext cx="6064469" cy="400110"/>
+          </a:xfrm>
+          <a:prstGeom prst="rect">
+            <a:avLst/>
+          </a:prstGeom>
+          <a:solidFill>
+            <a:srgbClr val="1E1E1E"/>
+          </a:solidFill>
+        </p:spPr>
+        <p:txBody>
+          <a:bodyPr wrap="square">
+            <a:spAutoFit/>
+          </a:bodyPr>
+          <a:lstStyle/>
+          <a:p>
+            <a:r>
+              <a:rPr lang="en-US" sz="2000" dirty="0" err="1">
+                <a:solidFill>
+                  <a:srgbClr val="D4D4D4"/>
+                </a:solidFill>
+                <a:latin typeface="Consolas" panose="020B0609020204030204" pitchFamily="49" charset="0"/>
+              </a:rPr>
+              <a:t>iris.sample</a:t>
+            </a:r>
+            <a:r>
+              <a:rPr lang="en-US" sz="2000" dirty="0">
+                <a:solidFill>
+                  <a:srgbClr val="D4D4D4"/>
+                </a:solidFill>
+                <a:latin typeface="Consolas" panose="020B0609020204030204" pitchFamily="49" charset="0"/>
+              </a:rPr>
+              <a:t>(frac=0.2,random_state=</a:t>
+            </a:r>
+            <a:r>
+              <a:rPr lang="en-US" sz="2000" dirty="0">
+                <a:solidFill>
+                  <a:srgbClr val="B5CEA8"/>
+                </a:solidFill>
+                <a:latin typeface="Consolas" panose="020B0609020204030204" pitchFamily="49" charset="0"/>
+              </a:rPr>
+              <a:t>42</a:t>
+            </a:r>
+            <a:r>
+              <a:rPr lang="en-US" sz="2000" dirty="0">
+                <a:solidFill>
+                  <a:srgbClr val="D4D4D4"/>
+                </a:solidFill>
+                <a:latin typeface="Consolas" panose="020B0609020204030204" pitchFamily="49" charset="0"/>
+              </a:rPr>
+              <a:t>)</a:t>
+            </a:r>
+            <a:endParaRPr lang="en-US" sz="2000" b="0" dirty="0">
+              <a:solidFill>
+                <a:srgbClr val="D4D4D4"/>
+              </a:solidFill>
+              <a:effectLst/>
+              <a:latin typeface="Consolas" panose="020B0609020204030204" pitchFamily="49" charset="0"/>
+            </a:endParaRPr>
+          </a:p>
+        </p:txBody>
+      </p:sp>
+      <p:grpSp>
+        <p:nvGrpSpPr>
+          <p:cNvPr id="14" name="Group 13">
+            <a:extLst>
+              <a:ext uri="{FF2B5EF4-FFF2-40B4-BE49-F238E27FC236}">
+                <a16:creationId xmlns:a16="http://schemas.microsoft.com/office/drawing/2014/main" id="{FCAF0F3A-6B7F-451E-B065-3442086B4284}"/>
+              </a:ext>
+            </a:extLst>
+          </p:cNvPr>
+          <p:cNvGrpSpPr/>
+          <p:nvPr/>
+        </p:nvGrpSpPr>
+        <p:grpSpPr>
+          <a:xfrm>
+            <a:off x="325821" y="5304994"/>
+            <a:ext cx="11027979" cy="1235412"/>
+            <a:chOff x="325821" y="5304994"/>
+            <a:chExt cx="11027979" cy="1235412"/>
+          </a:xfrm>
+        </p:grpSpPr>
+        <p:sp>
+          <p:nvSpPr>
+            <p:cNvPr id="11" name="Rectangle 10">
+              <a:extLst>
+                <a:ext uri="{FF2B5EF4-FFF2-40B4-BE49-F238E27FC236}">
+                  <a16:creationId xmlns:a16="http://schemas.microsoft.com/office/drawing/2014/main" id="{0BB2BF88-8613-4102-B851-D8425C3BDA03}"/>
+                </a:ext>
+              </a:extLst>
+            </p:cNvPr>
+            <p:cNvSpPr/>
+            <p:nvPr/>
+          </p:nvSpPr>
+          <p:spPr>
+            <a:xfrm>
+              <a:off x="325821" y="5832520"/>
+              <a:ext cx="11027979" cy="707886"/>
+            </a:xfrm>
+            <a:prstGeom prst="rect">
+              <a:avLst/>
+            </a:prstGeom>
+            <a:solidFill>
+              <a:srgbClr val="1E1E1E"/>
+            </a:solidFill>
+          </p:spPr>
+          <p:txBody>
+            <a:bodyPr wrap="square">
+              <a:spAutoFit/>
+            </a:bodyPr>
+            <a:lstStyle/>
+            <a:p>
+              <a:r>
+                <a:rPr lang="en-US" sz="2000" dirty="0">
+                  <a:solidFill>
+                    <a:srgbClr val="569CD6"/>
+                  </a:solidFill>
+                  <a:latin typeface="Consolas" panose="020B0609020204030204" pitchFamily="49" charset="0"/>
+                </a:rPr>
+                <a:t>from</a:t>
+              </a:r>
+              <a:r>
+                <a:rPr lang="en-US" sz="2000" dirty="0">
+                  <a:solidFill>
+                    <a:srgbClr val="D4D4D4"/>
+                  </a:solidFill>
+                  <a:latin typeface="Consolas" panose="020B0609020204030204" pitchFamily="49" charset="0"/>
+                </a:rPr>
+                <a:t> </a:t>
+              </a:r>
+              <a:r>
+                <a:rPr lang="en-US" sz="2000" dirty="0" err="1">
+                  <a:solidFill>
+                    <a:srgbClr val="D4D4D4"/>
+                  </a:solidFill>
+                  <a:latin typeface="Consolas" panose="020B0609020204030204" pitchFamily="49" charset="0"/>
+                </a:rPr>
+                <a:t>sklearn.model_selection</a:t>
+              </a:r>
+              <a:r>
+                <a:rPr lang="en-US" sz="2000" dirty="0">
+                  <a:solidFill>
+                    <a:srgbClr val="D4D4D4"/>
+                  </a:solidFill>
+                  <a:latin typeface="Consolas" panose="020B0609020204030204" pitchFamily="49" charset="0"/>
+                </a:rPr>
+                <a:t> </a:t>
+              </a:r>
+              <a:r>
+                <a:rPr lang="en-US" sz="2000" dirty="0">
+                  <a:solidFill>
+                    <a:srgbClr val="569CD6"/>
+                  </a:solidFill>
+                  <a:latin typeface="Consolas" panose="020B0609020204030204" pitchFamily="49" charset="0"/>
+                </a:rPr>
+                <a:t>import</a:t>
+              </a:r>
+              <a:r>
+                <a:rPr lang="en-US" sz="2000" dirty="0">
+                  <a:solidFill>
+                    <a:srgbClr val="D4D4D4"/>
+                  </a:solidFill>
+                  <a:latin typeface="Consolas" panose="020B0609020204030204" pitchFamily="49" charset="0"/>
+                </a:rPr>
+                <a:t> </a:t>
+              </a:r>
+              <a:r>
+                <a:rPr lang="en-US" sz="2000" dirty="0" err="1">
+                  <a:solidFill>
+                    <a:srgbClr val="D4D4D4"/>
+                  </a:solidFill>
+                  <a:latin typeface="Consolas" panose="020B0609020204030204" pitchFamily="49" charset="0"/>
+                </a:rPr>
+                <a:t>train_test_split</a:t>
+              </a:r>
+              <a:endParaRPr lang="en-US" sz="2000" dirty="0">
+                <a:solidFill>
+                  <a:srgbClr val="D4D4D4"/>
+                </a:solidFill>
+                <a:latin typeface="Consolas" panose="020B0609020204030204" pitchFamily="49" charset="0"/>
+              </a:endParaRPr>
+            </a:p>
+            <a:p>
+              <a:r>
+                <a:rPr lang="en-US" sz="2000" dirty="0" err="1">
+                  <a:solidFill>
+                    <a:srgbClr val="D4D4D4"/>
+                  </a:solidFill>
+                  <a:latin typeface="Consolas" panose="020B0609020204030204" pitchFamily="49" charset="0"/>
+                </a:rPr>
+                <a:t>train_set</a:t>
+              </a:r>
+              <a:r>
+                <a:rPr lang="en-US" sz="2000" dirty="0">
+                  <a:solidFill>
+                    <a:srgbClr val="D4D4D4"/>
+                  </a:solidFill>
+                  <a:latin typeface="Consolas" panose="020B0609020204030204" pitchFamily="49" charset="0"/>
+                </a:rPr>
+                <a:t>, </a:t>
+              </a:r>
+              <a:r>
+                <a:rPr lang="en-US" sz="2000" dirty="0" err="1">
+                  <a:solidFill>
+                    <a:srgbClr val="D4D4D4"/>
+                  </a:solidFill>
+                  <a:latin typeface="Consolas" panose="020B0609020204030204" pitchFamily="49" charset="0"/>
+                </a:rPr>
+                <a:t>test_set</a:t>
+              </a:r>
+              <a:r>
+                <a:rPr lang="en-US" sz="2000" dirty="0">
+                  <a:solidFill>
+                    <a:srgbClr val="D4D4D4"/>
+                  </a:solidFill>
+                  <a:latin typeface="Consolas" panose="020B0609020204030204" pitchFamily="49" charset="0"/>
+                </a:rPr>
+                <a:t> = </a:t>
+              </a:r>
+              <a:r>
+                <a:rPr lang="en-US" sz="2000" dirty="0" err="1">
+                  <a:solidFill>
+                    <a:srgbClr val="D4D4D4"/>
+                  </a:solidFill>
+                  <a:latin typeface="Consolas" panose="020B0609020204030204" pitchFamily="49" charset="0"/>
+                </a:rPr>
+                <a:t>train_test_split</a:t>
+              </a:r>
+              <a:r>
+                <a:rPr lang="en-US" sz="2000" dirty="0">
+                  <a:solidFill>
+                    <a:srgbClr val="D4D4D4"/>
+                  </a:solidFill>
+                  <a:latin typeface="Consolas" panose="020B0609020204030204" pitchFamily="49" charset="0"/>
+                </a:rPr>
+                <a:t>(iris, </a:t>
+              </a:r>
+              <a:r>
+                <a:rPr lang="en-US" sz="2000" dirty="0" err="1">
+                  <a:solidFill>
+                    <a:srgbClr val="D4D4D4"/>
+                  </a:solidFill>
+                  <a:latin typeface="Consolas" panose="020B0609020204030204" pitchFamily="49" charset="0"/>
+                </a:rPr>
+                <a:t>test_size</a:t>
+              </a:r>
+              <a:r>
+                <a:rPr lang="en-US" sz="2000" dirty="0">
+                  <a:solidFill>
+                    <a:srgbClr val="D4D4D4"/>
+                  </a:solidFill>
+                  <a:latin typeface="Consolas" panose="020B0609020204030204" pitchFamily="49" charset="0"/>
+                </a:rPr>
+                <a:t>=</a:t>
+              </a:r>
+              <a:r>
+                <a:rPr lang="en-US" sz="2000" dirty="0">
+                  <a:solidFill>
+                    <a:srgbClr val="B5CEA8"/>
+                  </a:solidFill>
+                  <a:latin typeface="Consolas" panose="020B0609020204030204" pitchFamily="49" charset="0"/>
+                </a:rPr>
+                <a:t>0.2</a:t>
+              </a:r>
+              <a:r>
+                <a:rPr lang="en-US" sz="2000" dirty="0">
+                  <a:solidFill>
+                    <a:srgbClr val="D4D4D4"/>
+                  </a:solidFill>
+                  <a:latin typeface="Consolas" panose="020B0609020204030204" pitchFamily="49" charset="0"/>
+                </a:rPr>
+                <a:t>, </a:t>
+              </a:r>
+              <a:r>
+                <a:rPr lang="en-US" sz="2000" dirty="0" err="1">
+                  <a:solidFill>
+                    <a:srgbClr val="D4D4D4"/>
+                  </a:solidFill>
+                  <a:latin typeface="Consolas" panose="020B0609020204030204" pitchFamily="49" charset="0"/>
+                </a:rPr>
+                <a:t>random_state</a:t>
+              </a:r>
+              <a:r>
+                <a:rPr lang="en-US" sz="2000" dirty="0">
+                  <a:solidFill>
+                    <a:srgbClr val="D4D4D4"/>
+                  </a:solidFill>
+                  <a:latin typeface="Consolas" panose="020B0609020204030204" pitchFamily="49" charset="0"/>
+                </a:rPr>
+                <a:t>=</a:t>
+              </a:r>
+              <a:r>
+                <a:rPr lang="en-US" sz="2000" dirty="0">
+                  <a:solidFill>
+                    <a:srgbClr val="B5CEA8"/>
+                  </a:solidFill>
+                  <a:latin typeface="Consolas" panose="020B0609020204030204" pitchFamily="49" charset="0"/>
+                </a:rPr>
+                <a:t>42</a:t>
+              </a:r>
+              <a:r>
+                <a:rPr lang="en-US" sz="2000" dirty="0">
+                  <a:solidFill>
+                    <a:srgbClr val="D4D4D4"/>
+                  </a:solidFill>
+                  <a:latin typeface="Consolas" panose="020B0609020204030204" pitchFamily="49" charset="0"/>
+                </a:rPr>
+                <a:t>)</a:t>
+              </a:r>
+            </a:p>
+          </p:txBody>
+        </p:sp>
+        <p:sp>
+          <p:nvSpPr>
+            <p:cNvPr id="12" name="TextBox 11">
+              <a:extLst>
+                <a:ext uri="{FF2B5EF4-FFF2-40B4-BE49-F238E27FC236}">
+                  <a16:creationId xmlns:a16="http://schemas.microsoft.com/office/drawing/2014/main" id="{3B67CCA6-18F9-4336-912A-1D3D3352B71D}"/>
+                </a:ext>
+              </a:extLst>
+            </p:cNvPr>
+            <p:cNvSpPr txBox="1"/>
+            <p:nvPr/>
+          </p:nvSpPr>
+          <p:spPr>
+            <a:xfrm>
+              <a:off x="9640614" y="5304994"/>
+              <a:ext cx="1713186" cy="461665"/>
+            </a:xfrm>
+            <a:prstGeom prst="rect">
+              <a:avLst/>
+            </a:prstGeom>
+            <a:noFill/>
+          </p:spPr>
+          <p:txBody>
+            <a:bodyPr wrap="square" rtlCol="0">
+              <a:spAutoFit/>
+            </a:bodyPr>
+            <a:lstStyle/>
+            <a:p>
+              <a:pPr algn="r"/>
+              <a:r>
+                <a:rPr lang="es-419" sz="2400" dirty="0"/>
+                <a:t>Split</a:t>
+              </a:r>
+              <a:endParaRPr lang="en-US" sz="2400" dirty="0"/>
+            </a:p>
+          </p:txBody>
+        </p:sp>
+      </p:grpSp>
+      <p:pic>
+        <p:nvPicPr>
+          <p:cNvPr id="2050" name="Picture 2" descr="Sampling Methods | Types and Techniques Explained">
+            <a:extLst>
+              <a:ext uri="{FF2B5EF4-FFF2-40B4-BE49-F238E27FC236}">
+                <a16:creationId xmlns:a16="http://schemas.microsoft.com/office/drawing/2014/main" id="{F98449D1-1647-459A-9341-066C577E0BBC}"/>
+              </a:ext>
+            </a:extLst>
+          </p:cNvPr>
+          <p:cNvPicPr>
+            <a:picLocks noChangeAspect="1" noChangeArrowheads="1"/>
+          </p:cNvPicPr>
+          <p:nvPr/>
+        </p:nvPicPr>
+        <p:blipFill rotWithShape="1">
+          <a:blip r:embed="rId3">
+            <a:extLst>
+              <a:ext uri="{28A0092B-C50C-407E-A947-70E740481C1C}">
+                <a14:useLocalDpi xmlns:a14="http://schemas.microsoft.com/office/drawing/2010/main" val="0"/>
+              </a:ext>
+            </a:extLst>
+          </a:blip>
+          <a:srcRect t="4598" b="13502"/>
+          <a:stretch/>
+        </p:blipFill>
+        <p:spPr bwMode="auto">
+          <a:xfrm>
+            <a:off x="6574220" y="3106784"/>
+            <a:ext cx="3400097" cy="2458444"/>
+          </a:xfrm>
+          <a:prstGeom prst="hexagon">
+            <a:avLst>
+              <a:gd name="adj" fmla="val 42857"/>
+              <a:gd name="vf" fmla="val 115470"/>
+            </a:avLst>
+          </a:prstGeom>
+          <a:noFill/>
+          <a:extLst>
+            <a:ext uri="{909E8E84-426E-40DD-AFC4-6F175D3DCCD1}">
+              <a14:hiddenFill xmlns:a14="http://schemas.microsoft.com/office/drawing/2010/main">
+                <a:solidFill>
+                  <a:srgbClr val="FFFFFF"/>
+                </a:solidFill>
+              </a14:hiddenFill>
+            </a:ext>
+          </a:extLst>
+        </p:spPr>
+      </p:pic>
+    </p:spTree>
+    <p:extLst>
+      <p:ext uri="{BB962C8B-B14F-4D97-AF65-F5344CB8AC3E}">
+        <p14:creationId xmlns:p14="http://schemas.microsoft.com/office/powerpoint/2010/main" val="3113772481"/>
+      </p:ext>
+    </p:extLst>
+  </p:cSld>
+  <p:clrMapOvr>
+    <a:masterClrMapping/>
+  </p:clrMapOvr>
+  <p:timing>
+    <p:tnLst>
+      <p:par>
+        <p:cTn id="1" dur="indefinite" restart="never" nodeType="tmRoot">
+          <p:childTnLst>
+            <p:seq concurrent="1" nextAc="seek">
+              <p:cTn id="2" dur="indefinite" nodeType="mainSeq">
+                <p:childTnLst>
+                  <p:par>
+                    <p:cTn id="3" fill="hold">
+                      <p:stCondLst>
+                        <p:cond delay="indefinite"/>
+                      </p:stCondLst>
+                      <p:childTnLst>
+                        <p:par>
+                          <p:cTn id="4" fill="hold">
+                            <p:stCondLst>
+                              <p:cond delay="0"/>
+                            </p:stCondLst>
+                            <p:childTnLst>
+                              <p:par>
+                                <p:cTn id="5" presetID="2" presetClass="entr" presetSubtype="4" fill="hold" nodeType="clickEffect">
+                                  <p:stCondLst>
+                                    <p:cond delay="0"/>
+                                  </p:stCondLst>
+                                  <p:childTnLst>
+                                    <p:set>
+                                      <p:cBhvr>
+                                        <p:cTn id="6" dur="1" fill="hold">
+                                          <p:stCondLst>
+                                            <p:cond delay="0"/>
+                                          </p:stCondLst>
+                                        </p:cTn>
+                                        <p:tgtEl>
+                                          <p:spTgt spid="13"/>
+                                        </p:tgtEl>
+                                        <p:attrNameLst>
+                                          <p:attrName>style.visibility</p:attrName>
+                                        </p:attrNameLst>
+                                      </p:cBhvr>
+                                      <p:to>
+                                        <p:strVal val="visible"/>
+                                      </p:to>
+                                    </p:set>
+                                    <p:anim calcmode="lin" valueType="num">
+                                      <p:cBhvr additive="base">
+                                        <p:cTn id="7" dur="500" fill="hold"/>
+                                        <p:tgtEl>
+                                          <p:spTgt spid="13"/>
+                                        </p:tgtEl>
+                                        <p:attrNameLst>
+                                          <p:attrName>ppt_x</p:attrName>
+                                        </p:attrNameLst>
+                                      </p:cBhvr>
+                                      <p:tavLst>
+                                        <p:tav tm="0">
+                                          <p:val>
+                                            <p:strVal val="#ppt_x"/>
+                                          </p:val>
+                                        </p:tav>
+                                        <p:tav tm="100000">
+                                          <p:val>
+                                            <p:strVal val="#ppt_x"/>
+                                          </p:val>
+                                        </p:tav>
+                                      </p:tavLst>
+                                    </p:anim>
+                                    <p:anim calcmode="lin" valueType="num">
+                                      <p:cBhvr additive="base">
+                                        <p:cTn id="8" dur="500" fill="hold"/>
+                                        <p:tgtEl>
+                                          <p:spTgt spid="13"/>
+                                        </p:tgtEl>
+                                        <p:attrNameLst>
+                                          <p:attrName>ppt_y</p:attrName>
+                                        </p:attrNameLst>
+                                      </p:cBhvr>
+                                      <p:tavLst>
+                                        <p:tav tm="0">
+                                          <p:val>
+                                            <p:strVal val="1+#ppt_h/2"/>
+                                          </p:val>
+                                        </p:tav>
+                                        <p:tav tm="100000">
+                                          <p:val>
+                                            <p:strVal val="#ppt_y"/>
+                                          </p:val>
+                                        </p:tav>
+                                      </p:tavLst>
+                                    </p:anim>
+                                  </p:childTnLst>
+                                </p:cTn>
+                              </p:par>
+                            </p:childTnLst>
+                          </p:cTn>
+                        </p:par>
+                      </p:childTnLst>
+                    </p:cTn>
+                  </p:par>
+                  <p:par>
+                    <p:cTn id="9" fill="hold">
+                      <p:stCondLst>
+                        <p:cond delay="indefinite"/>
+                      </p:stCondLst>
+                      <p:childTnLst>
+                        <p:par>
+                          <p:cTn id="10" fill="hold">
+                            <p:stCondLst>
+                              <p:cond delay="0"/>
+                            </p:stCondLst>
+                            <p:childTnLst>
+                              <p:par>
+                                <p:cTn id="11" presetID="2" presetClass="entr" presetSubtype="4" fill="hold" grpId="0" nodeType="clickEffect">
+                                  <p:stCondLst>
+                                    <p:cond delay="0"/>
+                                  </p:stCondLst>
+                                  <p:childTnLst>
+                                    <p:set>
+                                      <p:cBhvr>
+                                        <p:cTn id="12" dur="1" fill="hold">
+                                          <p:stCondLst>
+                                            <p:cond delay="0"/>
+                                          </p:stCondLst>
+                                        </p:cTn>
+                                        <p:tgtEl>
+                                          <p:spTgt spid="9"/>
+                                        </p:tgtEl>
+                                        <p:attrNameLst>
+                                          <p:attrName>style.visibility</p:attrName>
+                                        </p:attrNameLst>
+                                      </p:cBhvr>
+                                      <p:to>
+                                        <p:strVal val="visible"/>
+                                      </p:to>
+                                    </p:set>
+                                    <p:anim calcmode="lin" valueType="num">
+                                      <p:cBhvr additive="base">
+                                        <p:cTn id="13" dur="500" fill="hold"/>
+                                        <p:tgtEl>
+                                          <p:spTgt spid="9"/>
+                                        </p:tgtEl>
+                                        <p:attrNameLst>
+                                          <p:attrName>ppt_x</p:attrName>
+                                        </p:attrNameLst>
+                                      </p:cBhvr>
+                                      <p:tavLst>
+                                        <p:tav tm="0">
+                                          <p:val>
+                                            <p:strVal val="#ppt_x"/>
+                                          </p:val>
+                                        </p:tav>
+                                        <p:tav tm="100000">
+                                          <p:val>
+                                            <p:strVal val="#ppt_x"/>
+                                          </p:val>
+                                        </p:tav>
+                                      </p:tavLst>
+                                    </p:anim>
+                                    <p:anim calcmode="lin" valueType="num">
+                                      <p:cBhvr additive="base">
+                                        <p:cTn id="14" dur="500" fill="hold"/>
+                                        <p:tgtEl>
+                                          <p:spTgt spid="9"/>
+                                        </p:tgtEl>
+                                        <p:attrNameLst>
+                                          <p:attrName>ppt_y</p:attrName>
+                                        </p:attrNameLst>
+                                      </p:cBhvr>
+                                      <p:tavLst>
+                                        <p:tav tm="0">
+                                          <p:val>
+                                            <p:strVal val="1+#ppt_h/2"/>
+                                          </p:val>
+                                        </p:tav>
+                                        <p:tav tm="100000">
+                                          <p:val>
+                                            <p:strVal val="#ppt_y"/>
+                                          </p:val>
+                                        </p:tav>
+                                      </p:tavLst>
+                                    </p:anim>
+                                  </p:childTnLst>
+                                </p:cTn>
+                              </p:par>
+                            </p:childTnLst>
+                          </p:cTn>
+                        </p:par>
+                      </p:childTnLst>
+                    </p:cTn>
+                  </p:par>
+                  <p:par>
+                    <p:cTn id="15" fill="hold">
+                      <p:stCondLst>
+                        <p:cond delay="indefinite"/>
+                      </p:stCondLst>
+                      <p:childTnLst>
+                        <p:par>
+                          <p:cTn id="16" fill="hold">
+                            <p:stCondLst>
+                              <p:cond delay="0"/>
+                            </p:stCondLst>
+                            <p:childTnLst>
+                              <p:par>
+                                <p:cTn id="17" presetID="2" presetClass="entr" presetSubtype="4" fill="hold" nodeType="clickEffect">
+                                  <p:stCondLst>
+                                    <p:cond delay="0"/>
+                                  </p:stCondLst>
+                                  <p:childTnLst>
+                                    <p:set>
+                                      <p:cBhvr>
+                                        <p:cTn id="18" dur="1" fill="hold">
+                                          <p:stCondLst>
+                                            <p:cond delay="0"/>
+                                          </p:stCondLst>
+                                        </p:cTn>
+                                        <p:tgtEl>
+                                          <p:spTgt spid="2050"/>
+                                        </p:tgtEl>
+                                        <p:attrNameLst>
+                                          <p:attrName>style.visibility</p:attrName>
+                                        </p:attrNameLst>
+                                      </p:cBhvr>
+                                      <p:to>
+                                        <p:strVal val="visible"/>
+                                      </p:to>
+                                    </p:set>
+                                    <p:anim calcmode="lin" valueType="num">
+                                      <p:cBhvr additive="base">
+                                        <p:cTn id="19" dur="500" fill="hold"/>
+                                        <p:tgtEl>
+                                          <p:spTgt spid="2050"/>
+                                        </p:tgtEl>
+                                        <p:attrNameLst>
+                                          <p:attrName>ppt_x</p:attrName>
+                                        </p:attrNameLst>
+                                      </p:cBhvr>
+                                      <p:tavLst>
+                                        <p:tav tm="0">
+                                          <p:val>
+                                            <p:strVal val="#ppt_x"/>
+                                          </p:val>
+                                        </p:tav>
+                                        <p:tav tm="100000">
+                                          <p:val>
+                                            <p:strVal val="#ppt_x"/>
+                                          </p:val>
+                                        </p:tav>
+                                      </p:tavLst>
+                                    </p:anim>
+                                    <p:anim calcmode="lin" valueType="num">
+                                      <p:cBhvr additive="base">
+                                        <p:cTn id="20" dur="500" fill="hold"/>
+                                        <p:tgtEl>
+                                          <p:spTgt spid="2050"/>
+                                        </p:tgtEl>
+                                        <p:attrNameLst>
+                                          <p:attrName>ppt_y</p:attrName>
+                                        </p:attrNameLst>
+                                      </p:cBhvr>
+                                      <p:tavLst>
+                                        <p:tav tm="0">
+                                          <p:val>
+                                            <p:strVal val="1+#ppt_h/2"/>
+                                          </p:val>
+                                        </p:tav>
+                                        <p:tav tm="100000">
+                                          <p:val>
+                                            <p:strVal val="#ppt_y"/>
+                                          </p:val>
+                                        </p:tav>
+                                      </p:tavLst>
+                                    </p:anim>
+                                  </p:childTnLst>
+                                </p:cTn>
+                              </p:par>
+                            </p:childTnLst>
+                          </p:cTn>
+                        </p:par>
+                      </p:childTnLst>
+                    </p:cTn>
+                  </p:par>
+                  <p:par>
+                    <p:cTn id="21" fill="hold">
+                      <p:stCondLst>
+                        <p:cond delay="indefinite"/>
+                      </p:stCondLst>
+                      <p:childTnLst>
+                        <p:par>
+                          <p:cTn id="22" fill="hold">
+                            <p:stCondLst>
+                              <p:cond delay="0"/>
+                            </p:stCondLst>
+                            <p:childTnLst>
+                              <p:par>
+                                <p:cTn id="23" presetID="2" presetClass="entr" presetSubtype="8" fill="hold" nodeType="clickEffect">
+                                  <p:stCondLst>
+                                    <p:cond delay="0"/>
+                                  </p:stCondLst>
+                                  <p:childTnLst>
+                                    <p:set>
+                                      <p:cBhvr>
+                                        <p:cTn id="24" dur="1" fill="hold">
+                                          <p:stCondLst>
+                                            <p:cond delay="0"/>
+                                          </p:stCondLst>
+                                        </p:cTn>
+                                        <p:tgtEl>
+                                          <p:spTgt spid="14"/>
+                                        </p:tgtEl>
+                                        <p:attrNameLst>
+                                          <p:attrName>style.visibility</p:attrName>
+                                        </p:attrNameLst>
+                                      </p:cBhvr>
+                                      <p:to>
+                                        <p:strVal val="visible"/>
+                                      </p:to>
+                                    </p:set>
+                                    <p:anim calcmode="lin" valueType="num">
+                                      <p:cBhvr additive="base">
+                                        <p:cTn id="25" dur="500" fill="hold"/>
+                                        <p:tgtEl>
+                                          <p:spTgt spid="14"/>
+                                        </p:tgtEl>
+                                        <p:attrNameLst>
+                                          <p:attrName>ppt_x</p:attrName>
+                                        </p:attrNameLst>
+                                      </p:cBhvr>
+                                      <p:tavLst>
+                                        <p:tav tm="0">
+                                          <p:val>
+                                            <p:strVal val="0-#ppt_w/2"/>
+                                          </p:val>
+                                        </p:tav>
+                                        <p:tav tm="100000">
+                                          <p:val>
+                                            <p:strVal val="#ppt_x"/>
+                                          </p:val>
+                                        </p:tav>
+                                      </p:tavLst>
+                                    </p:anim>
+                                    <p:anim calcmode="lin" valueType="num">
+                                      <p:cBhvr additive="base">
+                                        <p:cTn id="26" dur="500" fill="hold"/>
+                                        <p:tgtEl>
+                                          <p:spTgt spid="14"/>
+                                        </p:tgtEl>
+                                        <p:attrNameLst>
+                                          <p:attrName>ppt_y</p:attrName>
+                                        </p:attrNameLst>
+                                      </p:cBhvr>
+                                      <p:tavLst>
+                                        <p:tav tm="0">
+                                          <p:val>
+                                            <p:strVal val="#ppt_y"/>
+                                          </p:val>
+                                        </p:tav>
+                                        <p:tav tm="100000">
+                                          <p:val>
+                                            <p:strVal val="#ppt_y"/>
+                                          </p:val>
+                                        </p:tav>
+                                      </p:tavLst>
+                                    </p:anim>
+                                  </p:childTnLst>
+                                </p:cTn>
+                              </p:par>
+                            </p:childTnLst>
+                          </p:cTn>
+                        </p:par>
+                      </p:childTnLst>
+                    </p:cTn>
+                  </p:par>
+                </p:childTnLst>
+              </p:cTn>
+              <p:prevCondLst>
+                <p:cond evt="onPrev" delay="0">
+                  <p:tgtEl>
+                    <p:sldTgt/>
+                  </p:tgtEl>
+                </p:cond>
+              </p:prevCondLst>
+              <p:nextCondLst>
+                <p:cond evt="onNext" delay="0">
+                  <p:tgtEl>
+                    <p:sldTgt/>
+                  </p:tgtEl>
+                </p:cond>
+              </p:nextCondLst>
+            </p:seq>
+          </p:childTnLst>
+        </p:cTn>
+      </p:par>
+    </p:tnLst>
+    <p:bldLst>
+      <p:bldP spid="9" grpId="0" animBg="1"/>
+    </p:bldLst>
+  </p:timing>
+</p:sld>
+</file>
+
+<file path=ppt/slides/slide4.xml><?xml version="1.0" encoding="utf-8"?>
+<p:sld xmlns:a="http://schemas.openxmlformats.org/drawingml/2006/main" xmlns:r="http://schemas.openxmlformats.org/officeDocument/2006/relationships" xmlns:p="http://schemas.openxmlformats.org/presentationml/2006/main">
+  <p:cSld>
+    <p:spTree>
+      <p:nvGrpSpPr>
+        <p:cNvPr id="1" name=""/>
+        <p:cNvGrpSpPr/>
+        <p:nvPr/>
+      </p:nvGrpSpPr>
+      <p:grpSpPr>
+        <a:xfrm>
+          <a:off x="0" y="0"/>
+          <a:ext cx="0" cy="0"/>
+          <a:chOff x="0" y="0"/>
+          <a:chExt cx="0" cy="0"/>
+        </a:xfrm>
+      </p:grpSpPr>
+      <p:sp>
+        <p:nvSpPr>
+          <p:cNvPr id="2" name="Title 1">
+            <a:extLst>
+              <a:ext uri="{FF2B5EF4-FFF2-40B4-BE49-F238E27FC236}">
                 <a16:creationId xmlns:a16="http://schemas.microsoft.com/office/drawing/2014/main" id="{C839823A-07F6-4300-9179-BD65FA3B370A}"/>
               </a:ext>
             </a:extLst>
@@ -5503,7 +8501,7 @@
 </p:sld>
 </file>
 
-<file path=ppt/slides/slide3.xml><?xml version="1.0" encoding="utf-8"?>
+<file path=ppt/slides/slide5.xml><?xml version="1.0" encoding="utf-8"?>
 <p:sld xmlns:a="http://schemas.openxmlformats.org/drawingml/2006/main" xmlns:r="http://schemas.openxmlformats.org/officeDocument/2006/relationships" xmlns:p="http://schemas.openxmlformats.org/presentationml/2006/main">
   <p:cSld>
     <p:spTree>
@@ -5586,7 +8584,7 @@
 </p:sld>
 </file>
 
-<file path=ppt/slides/slide4.xml><?xml version="1.0" encoding="utf-8"?>
+<file path=ppt/slides/slide6.xml><?xml version="1.0" encoding="utf-8"?>
 <p:sld xmlns:a="http://schemas.openxmlformats.org/drawingml/2006/main" xmlns:r="http://schemas.openxmlformats.org/officeDocument/2006/relationships" xmlns:p="http://schemas.openxmlformats.org/presentationml/2006/main">
   <p:cSld>
     <p:spTree>
@@ -7260,7 +10258,7 @@
 </p:sld>
 </file>
 
-<file path=ppt/slides/slide5.xml><?xml version="1.0" encoding="utf-8"?>
+<file path=ppt/slides/slide7.xml><?xml version="1.0" encoding="utf-8"?>
 <p:sld xmlns:a="http://schemas.openxmlformats.org/drawingml/2006/main" xmlns:r="http://schemas.openxmlformats.org/officeDocument/2006/relationships" xmlns:p="http://schemas.openxmlformats.org/presentationml/2006/main">
   <p:cSld>
     <p:spTree>
@@ -7277,12 +10275,256 @@
           <a:chExt cx="0" cy="0"/>
         </a:xfrm>
       </p:grpSpPr>
+      <p:graphicFrame>
+        <p:nvGraphicFramePr>
+          <p:cNvPr id="20" name="Table 20">
+            <a:extLst>
+              <a:ext uri="{FF2B5EF4-FFF2-40B4-BE49-F238E27FC236}">
+                <a16:creationId xmlns:a16="http://schemas.microsoft.com/office/drawing/2014/main" id="{E4FEC6B0-1570-42C1-8C75-21FAA924A602}"/>
+              </a:ext>
+            </a:extLst>
+          </p:cNvPr>
+          <p:cNvGraphicFramePr>
+            <a:graphicFrameLocks noGrp="1"/>
+          </p:cNvGraphicFramePr>
+          <p:nvPr>
+            <p:extLst>
+              <p:ext uri="{D42A27DB-BD31-4B8C-83A1-F6EECF244321}">
+                <p14:modId xmlns:p14="http://schemas.microsoft.com/office/powerpoint/2010/main" val="1140088017"/>
+              </p:ext>
+            </p:extLst>
+          </p:nvPr>
+        </p:nvGraphicFramePr>
+        <p:xfrm>
+          <a:off x="708446" y="2415545"/>
+          <a:ext cx="2709334" cy="2897826"/>
+        </p:xfrm>
+        <a:graphic>
+          <a:graphicData uri="http://schemas.openxmlformats.org/drawingml/2006/table">
+            <a:tbl>
+              <a:tblPr firstRow="1" bandRow="1">
+                <a:tableStyleId>{5940675A-B579-460E-94D1-54222C63F5DA}</a:tableStyleId>
+              </a:tblPr>
+              <a:tblGrid>
+                <a:gridCol w="1354667">
+                  <a:extLst>
+                    <a:ext uri="{9D8B030D-6E8A-4147-A177-3AD203B41FA5}">
+                      <a16:colId xmlns:a16="http://schemas.microsoft.com/office/drawing/2014/main" val="3215350034"/>
+                    </a:ext>
+                  </a:extLst>
+                </a:gridCol>
+                <a:gridCol w="1354667">
+                  <a:extLst>
+                    <a:ext uri="{9D8B030D-6E8A-4147-A177-3AD203B41FA5}">
+                      <a16:colId xmlns:a16="http://schemas.microsoft.com/office/drawing/2014/main" val="2874038972"/>
+                    </a:ext>
+                  </a:extLst>
+                </a:gridCol>
+              </a:tblGrid>
+              <a:tr h="482971">
+                <a:tc>
+                  <a:txBody>
+                    <a:bodyPr/>
+                    <a:lstStyle/>
+                    <a:p>
+                      <a:endParaRPr lang="en-US" dirty="0"/>
+                    </a:p>
+                  </a:txBody>
+                  <a:tcPr>
+                    <a:solidFill>
+                      <a:schemeClr val="bg1">
+                        <a:lumMod val="75000"/>
+                      </a:schemeClr>
+                    </a:solidFill>
+                  </a:tcPr>
+                </a:tc>
+                <a:tc>
+                  <a:txBody>
+                    <a:bodyPr/>
+                    <a:lstStyle/>
+                    <a:p>
+                      <a:pPr algn="ctr"/>
+                      <a:r>
+                        <a:rPr lang="en-US" sz="2400" b="1" dirty="0"/>
+                        <a:t>QUALITY</a:t>
+                      </a:r>
+                      <a:endParaRPr lang="en-US" b="1" dirty="0"/>
+                    </a:p>
+                  </a:txBody>
+                  <a:tcPr>
+                    <a:solidFill>
+                      <a:schemeClr val="bg1">
+                        <a:lumMod val="75000"/>
+                      </a:schemeClr>
+                    </a:solidFill>
+                  </a:tcPr>
+                </a:tc>
+                <a:extLst>
+                  <a:ext uri="{0D108BD9-81ED-4DB2-BD59-A6C34878D82A}">
+                    <a16:rowId xmlns:a16="http://schemas.microsoft.com/office/drawing/2014/main" val="1837687114"/>
+                  </a:ext>
+                </a:extLst>
+              </a:tr>
+              <a:tr h="482971">
+                <a:tc>
+                  <a:txBody>
+                    <a:bodyPr/>
+                    <a:lstStyle/>
+                    <a:p>
+                      <a:endParaRPr lang="en-US"/>
+                    </a:p>
+                  </a:txBody>
+                  <a:tcPr/>
+                </a:tc>
+                <a:tc>
+                  <a:txBody>
+                    <a:bodyPr/>
+                    <a:lstStyle/>
+                    <a:p>
+                      <a:r>
+                        <a:rPr lang="en-US" sz="2400" dirty="0"/>
+                        <a:t>BAD</a:t>
+                      </a:r>
+                    </a:p>
+                  </a:txBody>
+                  <a:tcPr/>
+                </a:tc>
+                <a:extLst>
+                  <a:ext uri="{0D108BD9-81ED-4DB2-BD59-A6C34878D82A}">
+                    <a16:rowId xmlns:a16="http://schemas.microsoft.com/office/drawing/2014/main" val="2447424226"/>
+                  </a:ext>
+                </a:extLst>
+              </a:tr>
+              <a:tr h="482971">
+                <a:tc>
+                  <a:txBody>
+                    <a:bodyPr/>
+                    <a:lstStyle/>
+                    <a:p>
+                      <a:endParaRPr lang="en-US"/>
+                    </a:p>
+                  </a:txBody>
+                  <a:tcPr/>
+                </a:tc>
+                <a:tc>
+                  <a:txBody>
+                    <a:bodyPr/>
+                    <a:lstStyle/>
+                    <a:p>
+                      <a:r>
+                        <a:rPr lang="en-US" sz="2400" dirty="0"/>
+                        <a:t>REGULAR</a:t>
+                      </a:r>
+                    </a:p>
+                  </a:txBody>
+                  <a:tcPr/>
+                </a:tc>
+                <a:extLst>
+                  <a:ext uri="{0D108BD9-81ED-4DB2-BD59-A6C34878D82A}">
+                    <a16:rowId xmlns:a16="http://schemas.microsoft.com/office/drawing/2014/main" val="1400491503"/>
+                  </a:ext>
+                </a:extLst>
+              </a:tr>
+              <a:tr h="482971">
+                <a:tc>
+                  <a:txBody>
+                    <a:bodyPr/>
+                    <a:lstStyle/>
+                    <a:p>
+                      <a:endParaRPr lang="en-US"/>
+                    </a:p>
+                  </a:txBody>
+                  <a:tcPr/>
+                </a:tc>
+                <a:tc>
+                  <a:txBody>
+                    <a:bodyPr/>
+                    <a:lstStyle/>
+                    <a:p>
+                      <a:r>
+                        <a:rPr lang="en-US" sz="2400" dirty="0"/>
+                        <a:t>GOOD</a:t>
+                      </a:r>
+                    </a:p>
+                  </a:txBody>
+                  <a:tcPr/>
+                </a:tc>
+                <a:extLst>
+                  <a:ext uri="{0D108BD9-81ED-4DB2-BD59-A6C34878D82A}">
+                    <a16:rowId xmlns:a16="http://schemas.microsoft.com/office/drawing/2014/main" val="1770486970"/>
+                  </a:ext>
+                </a:extLst>
+              </a:tr>
+              <a:tr h="482971">
+                <a:tc>
+                  <a:txBody>
+                    <a:bodyPr/>
+                    <a:lstStyle/>
+                    <a:p>
+                      <a:endParaRPr lang="en-US"/>
+                    </a:p>
+                  </a:txBody>
+                  <a:tcPr/>
+                </a:tc>
+                <a:tc>
+                  <a:txBody>
+                    <a:bodyPr/>
+                    <a:lstStyle/>
+                    <a:p>
+                      <a:r>
+                        <a:rPr lang="en-US" sz="2400" dirty="0"/>
+                        <a:t>GOOD</a:t>
+                      </a:r>
+                    </a:p>
+                  </a:txBody>
+                  <a:tcPr/>
+                </a:tc>
+                <a:extLst>
+                  <a:ext uri="{0D108BD9-81ED-4DB2-BD59-A6C34878D82A}">
+                    <a16:rowId xmlns:a16="http://schemas.microsoft.com/office/drawing/2014/main" val="3160817433"/>
+                  </a:ext>
+                </a:extLst>
+              </a:tr>
+              <a:tr h="482971">
+                <a:tc>
+                  <a:txBody>
+                    <a:bodyPr/>
+                    <a:lstStyle/>
+                    <a:p>
+                      <a:endParaRPr lang="en-US" dirty="0"/>
+                    </a:p>
+                  </a:txBody>
+                  <a:tcPr/>
+                </a:tc>
+                <a:tc>
+                  <a:txBody>
+                    <a:bodyPr/>
+                    <a:lstStyle/>
+                    <a:p>
+                      <a:r>
+                        <a:rPr lang="en-US" sz="2400" dirty="0"/>
+                        <a:t>REGULAR</a:t>
+                      </a:r>
+                    </a:p>
+                  </a:txBody>
+                  <a:tcPr/>
+                </a:tc>
+                <a:extLst>
+                  <a:ext uri="{0D108BD9-81ED-4DB2-BD59-A6C34878D82A}">
+                    <a16:rowId xmlns:a16="http://schemas.microsoft.com/office/drawing/2014/main" val="2675753036"/>
+                  </a:ext>
+                </a:extLst>
+              </a:tr>
+            </a:tbl>
+          </a:graphicData>
+        </a:graphic>
+      </p:graphicFrame>
       <p:sp>
         <p:nvSpPr>
           <p:cNvPr id="2" name="Title 1">
             <a:extLst>
               <a:ext uri="{FF2B5EF4-FFF2-40B4-BE49-F238E27FC236}">
-                <a16:creationId xmlns:a16="http://schemas.microsoft.com/office/drawing/2014/main" id="{AC4062C9-1073-4934-90E0-3BCB97EB157B}"/>
+                <a16:creationId xmlns:a16="http://schemas.microsoft.com/office/drawing/2014/main" id="{3E717D98-56B2-425A-82A0-C0B91784211B}"/>
               </a:ext>
             </a:extLst>
           </p:cNvPr>
@@ -7300,25 +10542,17 @@
           <a:p>
             <a:r>
               <a:rPr lang="en-US" dirty="0"/>
-              <a:t>ML model fitting (</a:t>
-            </a:r>
-            <a:r>
-              <a:rPr lang="en-US" dirty="0" err="1"/>
-              <a:t>Scikit</a:t>
-            </a:r>
-            <a:r>
-              <a:rPr lang="en-US" dirty="0"/>
-              <a:t>-learn)</a:t>
-            </a:r>
-          </a:p>
-        </p:txBody>
-      </p:sp>
-      <p:sp>
-        <p:nvSpPr>
-          <p:cNvPr id="5" name="Rectangle 4">
+              <a:t>Ordinal Encoding</a:t>
+            </a:r>
+          </a:p>
+        </p:txBody>
+      </p:sp>
+      <p:sp>
+        <p:nvSpPr>
+          <p:cNvPr id="4" name="Rectangle 3">
             <a:extLst>
               <a:ext uri="{FF2B5EF4-FFF2-40B4-BE49-F238E27FC236}">
-                <a16:creationId xmlns:a16="http://schemas.microsoft.com/office/drawing/2014/main" id="{49E1694A-9D58-48B4-86AF-19CF2A93D8C7}"/>
+                <a16:creationId xmlns:a16="http://schemas.microsoft.com/office/drawing/2014/main" id="{7EE7684F-814A-4794-B230-F99F5DA40234}"/>
               </a:ext>
             </a:extLst>
           </p:cNvPr>
@@ -7327,21 +10561,52 @@
         </p:nvSpPr>
         <p:spPr>
           <a:xfrm>
-            <a:off x="78141" y="1411620"/>
-            <a:ext cx="1960923" cy="613117"/>
+            <a:off x="5941583" y="6535390"/>
+            <a:ext cx="6071277" cy="369332"/>
           </a:xfrm>
           <a:prstGeom prst="rect">
             <a:avLst/>
           </a:prstGeom>
-          <a:solidFill>
-            <a:schemeClr val="tx1">
-              <a:lumMod val="75000"/>
-              <a:lumOff val="25000"/>
-            </a:schemeClr>
-          </a:solidFill>
-          <a:ln>
-            <a:noFill/>
-          </a:ln>
+        </p:spPr>
+        <p:txBody>
+          <a:bodyPr wrap="none">
+            <a:spAutoFit/>
+          </a:bodyPr>
+          <a:lstStyle/>
+          <a:p>
+            <a:r>
+              <a:rPr lang="en-US" dirty="0">
+                <a:hlinkClick r:id="rId3"/>
+              </a:rPr>
+              <a:t>http://contrib.scikit-learn.org/categorical-encoding/index.html</a:t>
+            </a:r>
+            <a:endParaRPr lang="en-US" dirty="0"/>
+          </a:p>
+        </p:txBody>
+      </p:sp>
+      <p:sp>
+        <p:nvSpPr>
+          <p:cNvPr id="3" name="Arrow: Right 2">
+            <a:extLst>
+              <a:ext uri="{FF2B5EF4-FFF2-40B4-BE49-F238E27FC236}">
+                <a16:creationId xmlns:a16="http://schemas.microsoft.com/office/drawing/2014/main" id="{2BAE1EFC-1F25-4CE3-87D3-EA1F70257E85}"/>
+              </a:ext>
+            </a:extLst>
+          </p:cNvPr>
+          <p:cNvSpPr/>
+          <p:nvPr/>
+        </p:nvSpPr>
+        <p:spPr>
+          <a:xfrm rot="20506475">
+            <a:off x="3894083" y="1732673"/>
+            <a:ext cx="2138567" cy="774044"/>
+          </a:xfrm>
+          <a:prstGeom prst="rightArrow">
+            <a:avLst>
+              <a:gd name="adj1" fmla="val 27368"/>
+              <a:gd name="adj2" fmla="val 70369"/>
+            </a:avLst>
+          </a:prstGeom>
         </p:spPr>
         <p:style>
           <a:lnRef idx="2">
@@ -7364,534 +10629,504 @@
           <a:lstStyle/>
           <a:p>
             <a:pPr algn="ctr"/>
-            <a:r>
-              <a:rPr lang="en-US" sz="2400" b="1" dirty="0"/>
-              <a:t>&gt;_</a:t>
-            </a:r>
-            <a:r>
-              <a:rPr lang="en-US" sz="2400" dirty="0"/>
-              <a:t> Code</a:t>
-            </a:r>
-          </a:p>
-        </p:txBody>
-      </p:sp>
-      <p:sp>
-        <p:nvSpPr>
-          <p:cNvPr id="6" name="Rectangle 5">
+            <a:endParaRPr lang="en-US"/>
+          </a:p>
+        </p:txBody>
+      </p:sp>
+      <p:graphicFrame>
+        <p:nvGraphicFramePr>
+          <p:cNvPr id="22" name="Table 20">
             <a:extLst>
               <a:ext uri="{FF2B5EF4-FFF2-40B4-BE49-F238E27FC236}">
-                <a16:creationId xmlns:a16="http://schemas.microsoft.com/office/drawing/2014/main" id="{8DAC73C9-65B1-4D20-90A8-C9A40F3B6485}"/>
+                <a16:creationId xmlns:a16="http://schemas.microsoft.com/office/drawing/2014/main" id="{C62787FA-EF68-4A77-9E46-B7AFEB99E26D}"/>
               </a:ext>
             </a:extLst>
           </p:cNvPr>
-          <p:cNvSpPr/>
-          <p:nvPr/>
-        </p:nvSpPr>
-        <p:spPr>
-          <a:xfrm>
-            <a:off x="78141" y="2162973"/>
-            <a:ext cx="12035718" cy="1200329"/>
-          </a:xfrm>
-          <a:prstGeom prst="rect">
-            <a:avLst/>
-          </a:prstGeom>
-          <a:solidFill>
-            <a:srgbClr val="1E1E1E"/>
-          </a:solidFill>
-        </p:spPr>
-        <p:txBody>
-          <a:bodyPr wrap="square">
-            <a:spAutoFit/>
-          </a:bodyPr>
-          <a:lstStyle/>
-          <a:p>
-            <a:r>
-              <a:rPr lang="en-US" sz="2400" dirty="0">
-                <a:solidFill>
-                  <a:srgbClr val="C586C0"/>
-                </a:solidFill>
-                <a:latin typeface="Consolas" panose="020B0609020204030204" pitchFamily="49" charset="0"/>
-              </a:rPr>
-              <a:t>from</a:t>
-            </a:r>
-            <a:r>
-              <a:rPr lang="en-US" sz="2400" dirty="0">
-                <a:solidFill>
-                  <a:srgbClr val="D4D4D4"/>
-                </a:solidFill>
-                <a:latin typeface="Consolas" panose="020B0609020204030204" pitchFamily="49" charset="0"/>
-              </a:rPr>
-              <a:t> </a:t>
-            </a:r>
-            <a:r>
-              <a:rPr lang="en-US" sz="2400" dirty="0" err="1">
-                <a:solidFill>
-                  <a:srgbClr val="D4D4D4"/>
-                </a:solidFill>
-                <a:latin typeface="Consolas" panose="020B0609020204030204" pitchFamily="49" charset="0"/>
-              </a:rPr>
-              <a:t>sklearn.mlmodel</a:t>
-            </a:r>
-            <a:r>
-              <a:rPr lang="en-US" sz="2400" dirty="0">
-                <a:solidFill>
-                  <a:srgbClr val="D4D4D4"/>
-                </a:solidFill>
-                <a:latin typeface="Consolas" panose="020B0609020204030204" pitchFamily="49" charset="0"/>
-              </a:rPr>
-              <a:t> </a:t>
-            </a:r>
-            <a:r>
-              <a:rPr lang="en-US" sz="2400" dirty="0">
-                <a:solidFill>
-                  <a:srgbClr val="C586C0"/>
-                </a:solidFill>
-                <a:latin typeface="Consolas" panose="020B0609020204030204" pitchFamily="49" charset="0"/>
-              </a:rPr>
-              <a:t>import</a:t>
-            </a:r>
-            <a:r>
-              <a:rPr lang="en-US" sz="2400" dirty="0">
-                <a:solidFill>
-                  <a:srgbClr val="D4D4D4"/>
-                </a:solidFill>
-                <a:latin typeface="Consolas" panose="020B0609020204030204" pitchFamily="49" charset="0"/>
-              </a:rPr>
-              <a:t> </a:t>
-            </a:r>
-            <a:r>
-              <a:rPr lang="en-US" sz="2400" dirty="0" err="1">
-                <a:solidFill>
-                  <a:srgbClr val="D4D4D4"/>
-                </a:solidFill>
-                <a:latin typeface="Consolas" panose="020B0609020204030204" pitchFamily="49" charset="0"/>
-              </a:rPr>
-              <a:t>MachineLearningModel</a:t>
-            </a:r>
-            <a:r>
-              <a:rPr lang="en-US" sz="2400" b="1" u="sng" dirty="0" err="1">
-                <a:solidFill>
-                  <a:srgbClr val="D4D4D4"/>
-                </a:solidFill>
-                <a:latin typeface="Consolas" panose="020B0609020204030204" pitchFamily="49" charset="0"/>
-              </a:rPr>
-              <a:t>Regressor</a:t>
-            </a:r>
-            <a:endParaRPr lang="en-US" sz="2400" b="1" u="sng" dirty="0">
-              <a:solidFill>
-                <a:srgbClr val="D4D4D4"/>
-              </a:solidFill>
-              <a:latin typeface="Consolas" panose="020B0609020204030204" pitchFamily="49" charset="0"/>
-            </a:endParaRPr>
-          </a:p>
-          <a:p>
-            <a:r>
-              <a:rPr lang="en-US" sz="2400" dirty="0" err="1">
-                <a:solidFill>
-                  <a:srgbClr val="D4D4D4"/>
-                </a:solidFill>
-                <a:latin typeface="Consolas" panose="020B0609020204030204" pitchFamily="49" charset="0"/>
-              </a:rPr>
-              <a:t>mlmodel_reg</a:t>
-            </a:r>
-            <a:r>
-              <a:rPr lang="en-US" sz="2400" dirty="0">
-                <a:solidFill>
-                  <a:srgbClr val="D4D4D4"/>
-                </a:solidFill>
-                <a:latin typeface="Consolas" panose="020B0609020204030204" pitchFamily="49" charset="0"/>
-              </a:rPr>
-              <a:t> = </a:t>
-            </a:r>
-            <a:r>
-              <a:rPr lang="en-US" sz="2400" dirty="0" err="1">
-                <a:solidFill>
-                  <a:srgbClr val="D4D4D4"/>
-                </a:solidFill>
-                <a:latin typeface="Consolas" panose="020B0609020204030204" pitchFamily="49" charset="0"/>
-              </a:rPr>
-              <a:t>MachineLearningModelRegressor</a:t>
-            </a:r>
-            <a:r>
-              <a:rPr lang="en-US" sz="2400" dirty="0">
-                <a:solidFill>
-                  <a:srgbClr val="D4D4D4"/>
-                </a:solidFill>
-                <a:latin typeface="Consolas" panose="020B0609020204030204" pitchFamily="49" charset="0"/>
-              </a:rPr>
-              <a:t>()</a:t>
-            </a:r>
-          </a:p>
-          <a:p>
-            <a:r>
-              <a:rPr lang="en-US" sz="2400" dirty="0" err="1">
-                <a:solidFill>
-                  <a:srgbClr val="D4D4D4"/>
-                </a:solidFill>
-                <a:latin typeface="Consolas" panose="020B0609020204030204" pitchFamily="49" charset="0"/>
-              </a:rPr>
-              <a:t>mlmodel_reg.fit</a:t>
-            </a:r>
-            <a:r>
-              <a:rPr lang="en-US" sz="2400" dirty="0">
-                <a:solidFill>
-                  <a:srgbClr val="D4D4D4"/>
-                </a:solidFill>
-                <a:latin typeface="Consolas" panose="020B0609020204030204" pitchFamily="49" charset="0"/>
-              </a:rPr>
-              <a:t>(</a:t>
-            </a:r>
-            <a:r>
-              <a:rPr lang="en-US" sz="2400" dirty="0" err="1">
-                <a:solidFill>
-                  <a:srgbClr val="D4D4D4"/>
-                </a:solidFill>
-                <a:latin typeface="Consolas" panose="020B0609020204030204" pitchFamily="49" charset="0"/>
-              </a:rPr>
-              <a:t>data_predictor_variables</a:t>
-            </a:r>
-            <a:r>
-              <a:rPr lang="en-US" sz="2400" dirty="0">
-                <a:solidFill>
-                  <a:srgbClr val="D4D4D4"/>
-                </a:solidFill>
-                <a:latin typeface="Consolas" panose="020B0609020204030204" pitchFamily="49" charset="0"/>
-              </a:rPr>
-              <a:t>, </a:t>
-            </a:r>
-            <a:r>
-              <a:rPr lang="en-US" sz="2400" dirty="0" err="1">
-                <a:solidFill>
-                  <a:srgbClr val="D4D4D4"/>
-                </a:solidFill>
-                <a:latin typeface="Consolas" panose="020B0609020204030204" pitchFamily="49" charset="0"/>
-              </a:rPr>
-              <a:t>data_labels</a:t>
-            </a:r>
-            <a:r>
-              <a:rPr lang="en-US" sz="2400" dirty="0">
-                <a:solidFill>
-                  <a:srgbClr val="D4D4D4"/>
-                </a:solidFill>
-                <a:latin typeface="Consolas" panose="020B0609020204030204" pitchFamily="49" charset="0"/>
-              </a:rPr>
-              <a:t>)</a:t>
-            </a:r>
-          </a:p>
-        </p:txBody>
-      </p:sp>
-      <p:sp>
-        <p:nvSpPr>
-          <p:cNvPr id="7" name="Rectangle 6">
+          <p:cNvGraphicFramePr>
+            <a:graphicFrameLocks noGrp="1"/>
+          </p:cNvGraphicFramePr>
+          <p:nvPr>
+            <p:extLst>
+              <p:ext uri="{D42A27DB-BD31-4B8C-83A1-F6EECF244321}">
+                <p14:modId xmlns:p14="http://schemas.microsoft.com/office/powerpoint/2010/main" val="3749920744"/>
+              </p:ext>
+            </p:extLst>
+          </p:nvPr>
+        </p:nvGraphicFramePr>
+        <p:xfrm>
+          <a:off x="7276881" y="261574"/>
+          <a:ext cx="2709334" cy="2897826"/>
+        </p:xfrm>
+        <a:graphic>
+          <a:graphicData uri="http://schemas.openxmlformats.org/drawingml/2006/table">
+            <a:tbl>
+              <a:tblPr firstRow="1" bandRow="1">
+                <a:tableStyleId>{5940675A-B579-460E-94D1-54222C63F5DA}</a:tableStyleId>
+              </a:tblPr>
+              <a:tblGrid>
+                <a:gridCol w="1354667">
+                  <a:extLst>
+                    <a:ext uri="{9D8B030D-6E8A-4147-A177-3AD203B41FA5}">
+                      <a16:colId xmlns:a16="http://schemas.microsoft.com/office/drawing/2014/main" val="3215350034"/>
+                    </a:ext>
+                  </a:extLst>
+                </a:gridCol>
+                <a:gridCol w="1354667">
+                  <a:extLst>
+                    <a:ext uri="{9D8B030D-6E8A-4147-A177-3AD203B41FA5}">
+                      <a16:colId xmlns:a16="http://schemas.microsoft.com/office/drawing/2014/main" val="2874038972"/>
+                    </a:ext>
+                  </a:extLst>
+                </a:gridCol>
+              </a:tblGrid>
+              <a:tr h="482971">
+                <a:tc>
+                  <a:txBody>
+                    <a:bodyPr/>
+                    <a:lstStyle/>
+                    <a:p>
+                      <a:endParaRPr lang="en-US" dirty="0"/>
+                    </a:p>
+                  </a:txBody>
+                  <a:tcPr>
+                    <a:solidFill>
+                      <a:schemeClr val="bg1">
+                        <a:lumMod val="75000"/>
+                      </a:schemeClr>
+                    </a:solidFill>
+                  </a:tcPr>
+                </a:tc>
+                <a:tc>
+                  <a:txBody>
+                    <a:bodyPr/>
+                    <a:lstStyle/>
+                    <a:p>
+                      <a:pPr algn="ctr"/>
+                      <a:r>
+                        <a:rPr lang="en-US" sz="2400" b="1" dirty="0"/>
+                        <a:t>QUALITY</a:t>
+                      </a:r>
+                      <a:endParaRPr lang="en-US" b="1" dirty="0"/>
+                    </a:p>
+                  </a:txBody>
+                  <a:tcPr>
+                    <a:solidFill>
+                      <a:schemeClr val="bg1">
+                        <a:lumMod val="75000"/>
+                      </a:schemeClr>
+                    </a:solidFill>
+                  </a:tcPr>
+                </a:tc>
+                <a:extLst>
+                  <a:ext uri="{0D108BD9-81ED-4DB2-BD59-A6C34878D82A}">
+                    <a16:rowId xmlns:a16="http://schemas.microsoft.com/office/drawing/2014/main" val="1837687114"/>
+                  </a:ext>
+                </a:extLst>
+              </a:tr>
+              <a:tr h="482971">
+                <a:tc>
+                  <a:txBody>
+                    <a:bodyPr/>
+                    <a:lstStyle/>
+                    <a:p>
+                      <a:endParaRPr lang="en-US"/>
+                    </a:p>
+                  </a:txBody>
+                  <a:tcPr/>
+                </a:tc>
+                <a:tc>
+                  <a:txBody>
+                    <a:bodyPr/>
+                    <a:lstStyle/>
+                    <a:p>
+                      <a:r>
+                        <a:rPr lang="en-US" sz="2400" dirty="0"/>
+                        <a:t>0</a:t>
+                      </a:r>
+                    </a:p>
+                  </a:txBody>
+                  <a:tcPr/>
+                </a:tc>
+                <a:extLst>
+                  <a:ext uri="{0D108BD9-81ED-4DB2-BD59-A6C34878D82A}">
+                    <a16:rowId xmlns:a16="http://schemas.microsoft.com/office/drawing/2014/main" val="2447424226"/>
+                  </a:ext>
+                </a:extLst>
+              </a:tr>
+              <a:tr h="482971">
+                <a:tc>
+                  <a:txBody>
+                    <a:bodyPr/>
+                    <a:lstStyle/>
+                    <a:p>
+                      <a:endParaRPr lang="en-US"/>
+                    </a:p>
+                  </a:txBody>
+                  <a:tcPr/>
+                </a:tc>
+                <a:tc>
+                  <a:txBody>
+                    <a:bodyPr/>
+                    <a:lstStyle/>
+                    <a:p>
+                      <a:r>
+                        <a:rPr lang="en-US" sz="2400" dirty="0"/>
+                        <a:t>1</a:t>
+                      </a:r>
+                    </a:p>
+                  </a:txBody>
+                  <a:tcPr/>
+                </a:tc>
+                <a:extLst>
+                  <a:ext uri="{0D108BD9-81ED-4DB2-BD59-A6C34878D82A}">
+                    <a16:rowId xmlns:a16="http://schemas.microsoft.com/office/drawing/2014/main" val="1400491503"/>
+                  </a:ext>
+                </a:extLst>
+              </a:tr>
+              <a:tr h="482971">
+                <a:tc>
+                  <a:txBody>
+                    <a:bodyPr/>
+                    <a:lstStyle/>
+                    <a:p>
+                      <a:endParaRPr lang="en-US"/>
+                    </a:p>
+                  </a:txBody>
+                  <a:tcPr/>
+                </a:tc>
+                <a:tc>
+                  <a:txBody>
+                    <a:bodyPr/>
+                    <a:lstStyle/>
+                    <a:p>
+                      <a:r>
+                        <a:rPr lang="en-US" sz="2400" dirty="0"/>
+                        <a:t>2</a:t>
+                      </a:r>
+                    </a:p>
+                  </a:txBody>
+                  <a:tcPr/>
+                </a:tc>
+                <a:extLst>
+                  <a:ext uri="{0D108BD9-81ED-4DB2-BD59-A6C34878D82A}">
+                    <a16:rowId xmlns:a16="http://schemas.microsoft.com/office/drawing/2014/main" val="1770486970"/>
+                  </a:ext>
+                </a:extLst>
+              </a:tr>
+              <a:tr h="482971">
+                <a:tc>
+                  <a:txBody>
+                    <a:bodyPr/>
+                    <a:lstStyle/>
+                    <a:p>
+                      <a:endParaRPr lang="en-US"/>
+                    </a:p>
+                  </a:txBody>
+                  <a:tcPr/>
+                </a:tc>
+                <a:tc>
+                  <a:txBody>
+                    <a:bodyPr/>
+                    <a:lstStyle/>
+                    <a:p>
+                      <a:r>
+                        <a:rPr lang="en-US" sz="2400" dirty="0"/>
+                        <a:t>2</a:t>
+                      </a:r>
+                    </a:p>
+                  </a:txBody>
+                  <a:tcPr/>
+                </a:tc>
+                <a:extLst>
+                  <a:ext uri="{0D108BD9-81ED-4DB2-BD59-A6C34878D82A}">
+                    <a16:rowId xmlns:a16="http://schemas.microsoft.com/office/drawing/2014/main" val="3160817433"/>
+                  </a:ext>
+                </a:extLst>
+              </a:tr>
+              <a:tr h="482971">
+                <a:tc>
+                  <a:txBody>
+                    <a:bodyPr/>
+                    <a:lstStyle/>
+                    <a:p>
+                      <a:endParaRPr lang="en-US" dirty="0"/>
+                    </a:p>
+                  </a:txBody>
+                  <a:tcPr/>
+                </a:tc>
+                <a:tc>
+                  <a:txBody>
+                    <a:bodyPr/>
+                    <a:lstStyle/>
+                    <a:p>
+                      <a:r>
+                        <a:rPr lang="en-US" sz="2400" dirty="0"/>
+                        <a:t>1</a:t>
+                      </a:r>
+                    </a:p>
+                  </a:txBody>
+                  <a:tcPr/>
+                </a:tc>
+                <a:extLst>
+                  <a:ext uri="{0D108BD9-81ED-4DB2-BD59-A6C34878D82A}">
+                    <a16:rowId xmlns:a16="http://schemas.microsoft.com/office/drawing/2014/main" val="2675753036"/>
+                  </a:ext>
+                </a:extLst>
+              </a:tr>
+            </a:tbl>
+          </a:graphicData>
+        </a:graphic>
+      </p:graphicFrame>
+      <p:graphicFrame>
+        <p:nvGraphicFramePr>
+          <p:cNvPr id="23" name="Table 20">
             <a:extLst>
               <a:ext uri="{FF2B5EF4-FFF2-40B4-BE49-F238E27FC236}">
-                <a16:creationId xmlns:a16="http://schemas.microsoft.com/office/drawing/2014/main" id="{030EC7F4-C910-47FA-8F2A-5CE6E4A18E3E}"/>
+                <a16:creationId xmlns:a16="http://schemas.microsoft.com/office/drawing/2014/main" id="{E9F9472E-A1CB-4BEE-BFE2-7DCC792B50AA}"/>
               </a:ext>
             </a:extLst>
           </p:cNvPr>
-          <p:cNvSpPr/>
-          <p:nvPr/>
-        </p:nvSpPr>
-        <p:spPr>
-          <a:xfrm>
-            <a:off x="78141" y="5440045"/>
-            <a:ext cx="12035718" cy="1569660"/>
-          </a:xfrm>
-          <a:prstGeom prst="rect">
-            <a:avLst/>
-          </a:prstGeom>
-          <a:solidFill>
-            <a:srgbClr val="1E1E1E"/>
-          </a:solidFill>
-        </p:spPr>
-        <p:txBody>
-          <a:bodyPr wrap="square">
-            <a:spAutoFit/>
-          </a:bodyPr>
-          <a:lstStyle/>
-          <a:p>
-            <a:r>
-              <a:rPr lang="en-US" sz="2400" dirty="0">
-                <a:solidFill>
-                  <a:srgbClr val="C586C0"/>
-                </a:solidFill>
-                <a:latin typeface="Consolas" panose="020B0609020204030204" pitchFamily="49" charset="0"/>
-              </a:rPr>
-              <a:t>from</a:t>
-            </a:r>
-            <a:r>
-              <a:rPr lang="en-US" sz="2400" dirty="0">
-                <a:solidFill>
-                  <a:srgbClr val="D4D4D4"/>
-                </a:solidFill>
-                <a:latin typeface="Consolas" panose="020B0609020204030204" pitchFamily="49" charset="0"/>
-              </a:rPr>
-              <a:t> </a:t>
-            </a:r>
-            <a:r>
-              <a:rPr lang="en-US" sz="2400" dirty="0" err="1">
-                <a:solidFill>
-                  <a:srgbClr val="D4D4D4"/>
-                </a:solidFill>
-                <a:latin typeface="Consolas" panose="020B0609020204030204" pitchFamily="49" charset="0"/>
-              </a:rPr>
-              <a:t>sklearn.metrics</a:t>
-            </a:r>
-            <a:r>
-              <a:rPr lang="en-US" sz="2400" dirty="0">
-                <a:solidFill>
-                  <a:srgbClr val="D4D4D4"/>
-                </a:solidFill>
-                <a:latin typeface="Consolas" panose="020B0609020204030204" pitchFamily="49" charset="0"/>
-              </a:rPr>
-              <a:t> </a:t>
-            </a:r>
-            <a:r>
-              <a:rPr lang="en-US" sz="2400" dirty="0">
-                <a:solidFill>
-                  <a:srgbClr val="C586C0"/>
-                </a:solidFill>
-                <a:latin typeface="Consolas" panose="020B0609020204030204" pitchFamily="49" charset="0"/>
-              </a:rPr>
-              <a:t>import</a:t>
-            </a:r>
-            <a:r>
-              <a:rPr lang="en-US" sz="2400" dirty="0">
-                <a:solidFill>
-                  <a:srgbClr val="D4D4D4"/>
-                </a:solidFill>
-                <a:latin typeface="Consolas" panose="020B0609020204030204" pitchFamily="49" charset="0"/>
-              </a:rPr>
-              <a:t> </a:t>
-            </a:r>
-            <a:r>
-              <a:rPr lang="en-US" sz="2400" dirty="0" err="1">
-                <a:solidFill>
-                  <a:srgbClr val="D4D4D4"/>
-                </a:solidFill>
-                <a:latin typeface="Consolas" panose="020B0609020204030204" pitchFamily="49" charset="0"/>
-              </a:rPr>
-              <a:t>mean_squared_error</a:t>
-            </a:r>
-            <a:endParaRPr lang="en-US" sz="2400" dirty="0">
-              <a:solidFill>
-                <a:srgbClr val="D4D4D4"/>
-              </a:solidFill>
-              <a:latin typeface="Consolas" panose="020B0609020204030204" pitchFamily="49" charset="0"/>
-            </a:endParaRPr>
-          </a:p>
-          <a:p>
-            <a:r>
-              <a:rPr lang="en-US" sz="2400" dirty="0" err="1">
-                <a:solidFill>
-                  <a:srgbClr val="D4D4D4"/>
-                </a:solidFill>
-                <a:latin typeface="Consolas" panose="020B0609020204030204" pitchFamily="49" charset="0"/>
-              </a:rPr>
-              <a:t>test_predictions</a:t>
-            </a:r>
-            <a:r>
-              <a:rPr lang="en-US" sz="2400" dirty="0">
-                <a:solidFill>
-                  <a:srgbClr val="D4D4D4"/>
-                </a:solidFill>
-                <a:latin typeface="Consolas" panose="020B0609020204030204" pitchFamily="49" charset="0"/>
-              </a:rPr>
-              <a:t> = </a:t>
-            </a:r>
-            <a:r>
-              <a:rPr lang="en-US" sz="2400" dirty="0" err="1">
-                <a:solidFill>
-                  <a:srgbClr val="D4D4D4"/>
-                </a:solidFill>
-                <a:latin typeface="Consolas" panose="020B0609020204030204" pitchFamily="49" charset="0"/>
-              </a:rPr>
-              <a:t>mlmodel_reg.predict</a:t>
-            </a:r>
-            <a:r>
-              <a:rPr lang="en-US" sz="2400" dirty="0">
-                <a:solidFill>
-                  <a:srgbClr val="D4D4D4"/>
-                </a:solidFill>
-                <a:latin typeface="Consolas" panose="020B0609020204030204" pitchFamily="49" charset="0"/>
-              </a:rPr>
-              <a:t>(</a:t>
-            </a:r>
-            <a:r>
-              <a:rPr lang="en-US" sz="2400" dirty="0" err="1">
-                <a:solidFill>
-                  <a:srgbClr val="D4D4D4"/>
-                </a:solidFill>
-                <a:latin typeface="Consolas" panose="020B0609020204030204" pitchFamily="49" charset="0"/>
-              </a:rPr>
-              <a:t>test_dataset</a:t>
-            </a:r>
-            <a:r>
-              <a:rPr lang="en-US" sz="2400" dirty="0">
-                <a:solidFill>
-                  <a:srgbClr val="D4D4D4"/>
-                </a:solidFill>
-                <a:latin typeface="Consolas" panose="020B0609020204030204" pitchFamily="49" charset="0"/>
-              </a:rPr>
-              <a:t>)</a:t>
-            </a:r>
-          </a:p>
-          <a:p>
-            <a:r>
-              <a:rPr lang="en-US" sz="2400" dirty="0" err="1">
-                <a:solidFill>
-                  <a:srgbClr val="D4D4D4"/>
-                </a:solidFill>
-                <a:latin typeface="Consolas" panose="020B0609020204030204" pitchFamily="49" charset="0"/>
-              </a:rPr>
-              <a:t>mlmodel</a:t>
-            </a:r>
-            <a:r>
-              <a:rPr lang="en-US" sz="2400" dirty="0">
-                <a:solidFill>
-                  <a:srgbClr val="D4D4D4"/>
-                </a:solidFill>
-                <a:latin typeface="Consolas" panose="020B0609020204030204" pitchFamily="49" charset="0"/>
-              </a:rPr>
-              <a:t>__</a:t>
-            </a:r>
-            <a:r>
-              <a:rPr lang="en-US" sz="2400" dirty="0" err="1">
-                <a:solidFill>
-                  <a:srgbClr val="D4D4D4"/>
-                </a:solidFill>
-                <a:latin typeface="Consolas" panose="020B0609020204030204" pitchFamily="49" charset="0"/>
-              </a:rPr>
-              <a:t>mse</a:t>
-            </a:r>
-            <a:r>
-              <a:rPr lang="en-US" sz="2400" dirty="0">
-                <a:solidFill>
-                  <a:srgbClr val="D4D4D4"/>
-                </a:solidFill>
-                <a:latin typeface="Consolas" panose="020B0609020204030204" pitchFamily="49" charset="0"/>
-              </a:rPr>
-              <a:t> = </a:t>
-            </a:r>
-            <a:r>
-              <a:rPr lang="en-US" sz="2400" dirty="0" err="1">
-                <a:solidFill>
-                  <a:srgbClr val="D4D4D4"/>
-                </a:solidFill>
-                <a:latin typeface="Consolas" panose="020B0609020204030204" pitchFamily="49" charset="0"/>
-              </a:rPr>
-              <a:t>mean_squared_error</a:t>
-            </a:r>
-            <a:r>
-              <a:rPr lang="en-US" sz="2400" dirty="0">
-                <a:solidFill>
-                  <a:srgbClr val="D4D4D4"/>
-                </a:solidFill>
-                <a:latin typeface="Consolas" panose="020B0609020204030204" pitchFamily="49" charset="0"/>
-              </a:rPr>
-              <a:t>(</a:t>
-            </a:r>
-            <a:r>
-              <a:rPr lang="en-US" sz="2400" dirty="0" err="1">
-                <a:solidFill>
-                  <a:srgbClr val="D4D4D4"/>
-                </a:solidFill>
-                <a:latin typeface="Consolas" panose="020B0609020204030204" pitchFamily="49" charset="0"/>
-              </a:rPr>
-              <a:t>test_labels</a:t>
-            </a:r>
-            <a:r>
-              <a:rPr lang="en-US" sz="2400" dirty="0">
-                <a:solidFill>
-                  <a:srgbClr val="D4D4D4"/>
-                </a:solidFill>
-                <a:latin typeface="Consolas" panose="020B0609020204030204" pitchFamily="49" charset="0"/>
-              </a:rPr>
-              <a:t>, </a:t>
-            </a:r>
-            <a:r>
-              <a:rPr lang="en-US" sz="2400" dirty="0" err="1">
-                <a:solidFill>
-                  <a:srgbClr val="D4D4D4"/>
-                </a:solidFill>
-                <a:latin typeface="Consolas" panose="020B0609020204030204" pitchFamily="49" charset="0"/>
-              </a:rPr>
-              <a:t>test_predictions</a:t>
-            </a:r>
-            <a:r>
-              <a:rPr lang="en-US" sz="2400" dirty="0">
-                <a:solidFill>
-                  <a:srgbClr val="D4D4D4"/>
-                </a:solidFill>
-                <a:latin typeface="Consolas" panose="020B0609020204030204" pitchFamily="49" charset="0"/>
-              </a:rPr>
-              <a:t>)</a:t>
-            </a:r>
-          </a:p>
-          <a:p>
-            <a:r>
-              <a:rPr lang="en-US" sz="2400" dirty="0" err="1">
-                <a:solidFill>
-                  <a:srgbClr val="D4D4D4"/>
-                </a:solidFill>
-                <a:latin typeface="Consolas" panose="020B0609020204030204" pitchFamily="49" charset="0"/>
-              </a:rPr>
-              <a:t>mlmodel_rmse</a:t>
-            </a:r>
-            <a:r>
-              <a:rPr lang="en-US" sz="2400" dirty="0">
-                <a:solidFill>
-                  <a:srgbClr val="D4D4D4"/>
-                </a:solidFill>
-                <a:latin typeface="Consolas" panose="020B0609020204030204" pitchFamily="49" charset="0"/>
-              </a:rPr>
-              <a:t> = </a:t>
-            </a:r>
-            <a:r>
-              <a:rPr lang="en-US" sz="2400" dirty="0" err="1">
-                <a:solidFill>
-                  <a:srgbClr val="D4D4D4"/>
-                </a:solidFill>
-                <a:latin typeface="Consolas" panose="020B0609020204030204" pitchFamily="49" charset="0"/>
-              </a:rPr>
-              <a:t>np.sqrt</a:t>
-            </a:r>
-            <a:r>
-              <a:rPr lang="en-US" sz="2400" dirty="0">
-                <a:solidFill>
-                  <a:srgbClr val="D4D4D4"/>
-                </a:solidFill>
-                <a:latin typeface="Consolas" panose="020B0609020204030204" pitchFamily="49" charset="0"/>
-              </a:rPr>
-              <a:t>(</a:t>
-            </a:r>
-            <a:r>
-              <a:rPr lang="en-US" sz="2400" dirty="0" err="1">
-                <a:solidFill>
-                  <a:srgbClr val="D4D4D4"/>
-                </a:solidFill>
-                <a:latin typeface="Consolas" panose="020B0609020204030204" pitchFamily="49" charset="0"/>
-              </a:rPr>
-              <a:t>mlmodel_mse</a:t>
-            </a:r>
-            <a:r>
-              <a:rPr lang="en-US" sz="2400" dirty="0">
-                <a:solidFill>
-                  <a:srgbClr val="D4D4D4"/>
-                </a:solidFill>
-                <a:latin typeface="Consolas" panose="020B0609020204030204" pitchFamily="49" charset="0"/>
-              </a:rPr>
-              <a:t>)</a:t>
-            </a:r>
-          </a:p>
-        </p:txBody>
-      </p:sp>
-      <p:sp>
-        <p:nvSpPr>
-          <p:cNvPr id="8" name="TextBox 7">
+          <p:cNvGraphicFramePr>
+            <a:graphicFrameLocks noGrp="1"/>
+          </p:cNvGraphicFramePr>
+          <p:nvPr>
+            <p:extLst>
+              <p:ext uri="{D42A27DB-BD31-4B8C-83A1-F6EECF244321}">
+                <p14:modId xmlns:p14="http://schemas.microsoft.com/office/powerpoint/2010/main" val="2450698012"/>
+              </p:ext>
+            </p:extLst>
+          </p:nvPr>
+        </p:nvGraphicFramePr>
+        <p:xfrm>
+          <a:off x="7276881" y="3864458"/>
+          <a:ext cx="2709334" cy="2872055"/>
+        </p:xfrm>
+        <a:graphic>
+          <a:graphicData uri="http://schemas.openxmlformats.org/drawingml/2006/table">
+            <a:tbl>
+              <a:tblPr firstRow="1" bandRow="1">
+                <a:tableStyleId>{5940675A-B579-460E-94D1-54222C63F5DA}</a:tableStyleId>
+              </a:tblPr>
+              <a:tblGrid>
+                <a:gridCol w="1354667">
+                  <a:extLst>
+                    <a:ext uri="{9D8B030D-6E8A-4147-A177-3AD203B41FA5}">
+                      <a16:colId xmlns:a16="http://schemas.microsoft.com/office/drawing/2014/main" val="3215350034"/>
+                    </a:ext>
+                  </a:extLst>
+                </a:gridCol>
+                <a:gridCol w="1354667">
+                  <a:extLst>
+                    <a:ext uri="{9D8B030D-6E8A-4147-A177-3AD203B41FA5}">
+                      <a16:colId xmlns:a16="http://schemas.microsoft.com/office/drawing/2014/main" val="2874038972"/>
+                    </a:ext>
+                  </a:extLst>
+                </a:gridCol>
+              </a:tblGrid>
+              <a:tr h="0">
+                <a:tc>
+                  <a:txBody>
+                    <a:bodyPr/>
+                    <a:lstStyle/>
+                    <a:p>
+                      <a:endParaRPr lang="en-US" dirty="0"/>
+                    </a:p>
+                  </a:txBody>
+                  <a:tcPr>
+                    <a:solidFill>
+                      <a:schemeClr val="bg1">
+                        <a:lumMod val="75000"/>
+                      </a:schemeClr>
+                    </a:solidFill>
+                  </a:tcPr>
+                </a:tc>
+                <a:tc>
+                  <a:txBody>
+                    <a:bodyPr/>
+                    <a:lstStyle/>
+                    <a:p>
+                      <a:pPr algn="ctr"/>
+                      <a:r>
+                        <a:rPr lang="en-US" sz="2400" b="1" dirty="0"/>
+                        <a:t>QUALITY</a:t>
+                      </a:r>
+                      <a:endParaRPr lang="en-US" b="1" dirty="0"/>
+                    </a:p>
+                  </a:txBody>
+                  <a:tcPr>
+                    <a:solidFill>
+                      <a:schemeClr val="bg1">
+                        <a:lumMod val="75000"/>
+                      </a:schemeClr>
+                    </a:solidFill>
+                  </a:tcPr>
+                </a:tc>
+                <a:extLst>
+                  <a:ext uri="{0D108BD9-81ED-4DB2-BD59-A6C34878D82A}">
+                    <a16:rowId xmlns:a16="http://schemas.microsoft.com/office/drawing/2014/main" val="1837687114"/>
+                  </a:ext>
+                </a:extLst>
+              </a:tr>
+              <a:tr h="482971">
+                <a:tc>
+                  <a:txBody>
+                    <a:bodyPr/>
+                    <a:lstStyle/>
+                    <a:p>
+                      <a:endParaRPr lang="en-US"/>
+                    </a:p>
+                  </a:txBody>
+                  <a:tcPr/>
+                </a:tc>
+                <a:tc>
+                  <a:txBody>
+                    <a:bodyPr/>
+                    <a:lstStyle/>
+                    <a:p>
+                      <a:r>
+                        <a:rPr lang="en-US" sz="2400" dirty="0"/>
+                        <a:t>-1</a:t>
+                      </a:r>
+                    </a:p>
+                  </a:txBody>
+                  <a:tcPr/>
+                </a:tc>
+                <a:extLst>
+                  <a:ext uri="{0D108BD9-81ED-4DB2-BD59-A6C34878D82A}">
+                    <a16:rowId xmlns:a16="http://schemas.microsoft.com/office/drawing/2014/main" val="2447424226"/>
+                  </a:ext>
+                </a:extLst>
+              </a:tr>
+              <a:tr h="482971">
+                <a:tc>
+                  <a:txBody>
+                    <a:bodyPr/>
+                    <a:lstStyle/>
+                    <a:p>
+                      <a:endParaRPr lang="en-US"/>
+                    </a:p>
+                  </a:txBody>
+                  <a:tcPr/>
+                </a:tc>
+                <a:tc>
+                  <a:txBody>
+                    <a:bodyPr/>
+                    <a:lstStyle/>
+                    <a:p>
+                      <a:r>
+                        <a:rPr lang="en-US" sz="2400" dirty="0"/>
+                        <a:t>0</a:t>
+                      </a:r>
+                    </a:p>
+                  </a:txBody>
+                  <a:tcPr/>
+                </a:tc>
+                <a:extLst>
+                  <a:ext uri="{0D108BD9-81ED-4DB2-BD59-A6C34878D82A}">
+                    <a16:rowId xmlns:a16="http://schemas.microsoft.com/office/drawing/2014/main" val="1400491503"/>
+                  </a:ext>
+                </a:extLst>
+              </a:tr>
+              <a:tr h="482971">
+                <a:tc>
+                  <a:txBody>
+                    <a:bodyPr/>
+                    <a:lstStyle/>
+                    <a:p>
+                      <a:endParaRPr lang="en-US"/>
+                    </a:p>
+                  </a:txBody>
+                  <a:tcPr/>
+                </a:tc>
+                <a:tc>
+                  <a:txBody>
+                    <a:bodyPr/>
+                    <a:lstStyle/>
+                    <a:p>
+                      <a:r>
+                        <a:rPr lang="en-US" sz="2400" dirty="0"/>
+                        <a:t>1</a:t>
+                      </a:r>
+                    </a:p>
+                  </a:txBody>
+                  <a:tcPr/>
+                </a:tc>
+                <a:extLst>
+                  <a:ext uri="{0D108BD9-81ED-4DB2-BD59-A6C34878D82A}">
+                    <a16:rowId xmlns:a16="http://schemas.microsoft.com/office/drawing/2014/main" val="1770486970"/>
+                  </a:ext>
+                </a:extLst>
+              </a:tr>
+              <a:tr h="482971">
+                <a:tc>
+                  <a:txBody>
+                    <a:bodyPr/>
+                    <a:lstStyle/>
+                    <a:p>
+                      <a:endParaRPr lang="en-US"/>
+                    </a:p>
+                  </a:txBody>
+                  <a:tcPr/>
+                </a:tc>
+                <a:tc>
+                  <a:txBody>
+                    <a:bodyPr/>
+                    <a:lstStyle/>
+                    <a:p>
+                      <a:r>
+                        <a:rPr lang="en-US" sz="2400" dirty="0"/>
+                        <a:t>1</a:t>
+                      </a:r>
+                    </a:p>
+                  </a:txBody>
+                  <a:tcPr/>
+                </a:tc>
+                <a:extLst>
+                  <a:ext uri="{0D108BD9-81ED-4DB2-BD59-A6C34878D82A}">
+                    <a16:rowId xmlns:a16="http://schemas.microsoft.com/office/drawing/2014/main" val="3160817433"/>
+                  </a:ext>
+                </a:extLst>
+              </a:tr>
+              <a:tr h="482971">
+                <a:tc>
+                  <a:txBody>
+                    <a:bodyPr/>
+                    <a:lstStyle/>
+                    <a:p>
+                      <a:endParaRPr lang="en-US" dirty="0"/>
+                    </a:p>
+                  </a:txBody>
+                  <a:tcPr/>
+                </a:tc>
+                <a:tc>
+                  <a:txBody>
+                    <a:bodyPr/>
+                    <a:lstStyle/>
+                    <a:p>
+                      <a:r>
+                        <a:rPr lang="en-US" sz="2400" dirty="0"/>
+                        <a:t>0</a:t>
+                      </a:r>
+                    </a:p>
+                  </a:txBody>
+                  <a:tcPr/>
+                </a:tc>
+                <a:extLst>
+                  <a:ext uri="{0D108BD9-81ED-4DB2-BD59-A6C34878D82A}">
+                    <a16:rowId xmlns:a16="http://schemas.microsoft.com/office/drawing/2014/main" val="2675753036"/>
+                  </a:ext>
+                </a:extLst>
+              </a:tr>
+            </a:tbl>
+          </a:graphicData>
+        </a:graphic>
+      </p:graphicFrame>
+      <p:sp>
+        <p:nvSpPr>
+          <p:cNvPr id="6" name="TextBox 5">
             <a:extLst>
               <a:ext uri="{FF2B5EF4-FFF2-40B4-BE49-F238E27FC236}">
-                <a16:creationId xmlns:a16="http://schemas.microsoft.com/office/drawing/2014/main" id="{77E96644-EBD4-4AA2-831B-D91F4C4E93D7}"/>
+                <a16:creationId xmlns:a16="http://schemas.microsoft.com/office/drawing/2014/main" id="{647CE48B-B321-4F0F-BF56-0D8F1C29FE1A}"/>
               </a:ext>
             </a:extLst>
           </p:cNvPr>
@@ -7900,8 +11135,8 @@
         </p:nvSpPr>
         <p:spPr>
           <a:xfrm>
-            <a:off x="189188" y="4695027"/>
-            <a:ext cx="3578772" cy="584775"/>
+            <a:off x="5083125" y="2360062"/>
+            <a:ext cx="2709333" cy="461665"/>
           </a:xfrm>
           <a:prstGeom prst="rect">
             <a:avLst/>
@@ -7915,218 +11150,26 @@
           <a:lstStyle/>
           <a:p>
             <a:r>
-              <a:rPr lang="en-US" sz="3200" dirty="0"/>
-              <a:t>Measuring Error</a:t>
-            </a:r>
-          </a:p>
-        </p:txBody>
-      </p:sp>
-      <p:sp>
-        <p:nvSpPr>
-          <p:cNvPr id="3" name="TextBox 2">
+              <a:rPr lang="en-US" sz="2400" dirty="0" err="1"/>
+              <a:t>Opci</a:t>
+            </a:r>
+            <a:r>
+              <a:rPr lang="es-419" sz="2400" dirty="0" err="1"/>
+              <a:t>ó</a:t>
+            </a:r>
+            <a:r>
+              <a:rPr lang="en-US" sz="2400" dirty="0"/>
+              <a:t>n 1</a:t>
+            </a:r>
+          </a:p>
+        </p:txBody>
+      </p:sp>
+      <p:sp>
+        <p:nvSpPr>
+          <p:cNvPr id="24" name="Arrow: Right 23">
             <a:extLst>
               <a:ext uri="{FF2B5EF4-FFF2-40B4-BE49-F238E27FC236}">
-                <a16:creationId xmlns:a16="http://schemas.microsoft.com/office/drawing/2014/main" id="{80D61A14-20E3-4012-9499-D6209BCEE57F}"/>
-              </a:ext>
-            </a:extLst>
-          </p:cNvPr>
-          <p:cNvSpPr txBox="1"/>
-          <p:nvPr/>
-        </p:nvSpPr>
-        <p:spPr>
-          <a:xfrm>
-            <a:off x="115673" y="3377833"/>
-            <a:ext cx="11493060" cy="646331"/>
-          </a:xfrm>
-          <a:prstGeom prst="rect">
-            <a:avLst/>
-          </a:prstGeom>
-          <a:noFill/>
-        </p:spPr>
-        <p:txBody>
-          <a:bodyPr wrap="square" rtlCol="0">
-            <a:spAutoFit/>
-          </a:bodyPr>
-          <a:lstStyle/>
-          <a:p>
-            <a:r>
-              <a:rPr lang="en-US" dirty="0" err="1"/>
-              <a:t>mlmodel</a:t>
-            </a:r>
-            <a:r>
-              <a:rPr lang="en-US" dirty="0"/>
-              <a:t>           =                                         </a:t>
-            </a:r>
-            <a:r>
-              <a:rPr lang="en-US" dirty="0" err="1"/>
-              <a:t>linear_model</a:t>
-            </a:r>
-            <a:r>
-              <a:rPr lang="en-US" dirty="0"/>
-              <a:t> |              tree                     |              ensemble              | </a:t>
-            </a:r>
-            <a:r>
-              <a:rPr lang="en-US" dirty="0" err="1"/>
-              <a:t>svm</a:t>
-            </a:r>
-            <a:r>
-              <a:rPr lang="en-US" dirty="0"/>
-              <a:t>  | …</a:t>
-            </a:r>
-          </a:p>
-          <a:p>
-            <a:r>
-              <a:rPr lang="en-US" dirty="0" err="1"/>
-              <a:t>MachineLearningModelRegressor</a:t>
-            </a:r>
-            <a:r>
-              <a:rPr lang="en-US" dirty="0"/>
-              <a:t> = </a:t>
-            </a:r>
-            <a:r>
-              <a:rPr lang="en-US" dirty="0" err="1"/>
-              <a:t>LinearRegression</a:t>
-            </a:r>
-            <a:r>
-              <a:rPr lang="en-US" dirty="0"/>
-              <a:t> | </a:t>
-            </a:r>
-            <a:r>
-              <a:rPr lang="en-US" dirty="0" err="1"/>
-              <a:t>DecisionTreeRegressor</a:t>
-            </a:r>
-            <a:r>
-              <a:rPr lang="en-US" dirty="0"/>
-              <a:t> | </a:t>
-            </a:r>
-            <a:r>
-              <a:rPr lang="en-US" dirty="0" err="1"/>
-              <a:t>RandomForestRegressor</a:t>
-            </a:r>
-            <a:r>
-              <a:rPr lang="en-US" dirty="0"/>
-              <a:t> |  SVR |…</a:t>
-            </a:r>
-          </a:p>
-        </p:txBody>
-      </p:sp>
-    </p:spTree>
-    <p:extLst>
-      <p:ext uri="{BB962C8B-B14F-4D97-AF65-F5344CB8AC3E}">
-        <p14:creationId xmlns:p14="http://schemas.microsoft.com/office/powerpoint/2010/main" val="2451758142"/>
-      </p:ext>
-    </p:extLst>
-  </p:cSld>
-  <p:clrMapOvr>
-    <a:masterClrMapping/>
-  </p:clrMapOvr>
-</p:sld>
-</file>
-
-<file path=ppt/slides/slide6.xml><?xml version="1.0" encoding="utf-8"?>
-<p:sld xmlns:a="http://schemas.openxmlformats.org/drawingml/2006/main" xmlns:r="http://schemas.openxmlformats.org/officeDocument/2006/relationships" xmlns:p="http://schemas.openxmlformats.org/presentationml/2006/main">
-  <p:cSld>
-    <p:spTree>
-      <p:nvGrpSpPr>
-        <p:cNvPr id="1" name=""/>
-        <p:cNvGrpSpPr/>
-        <p:nvPr/>
-      </p:nvGrpSpPr>
-      <p:grpSpPr>
-        <a:xfrm>
-          <a:off x="0" y="0"/>
-          <a:ext cx="0" cy="0"/>
-          <a:chOff x="0" y="0"/>
-          <a:chExt cx="0" cy="0"/>
-        </a:xfrm>
-      </p:grpSpPr>
-      <mc:AlternateContent xmlns:mc="http://schemas.openxmlformats.org/markup-compatibility/2006" xmlns:a14="http://schemas.microsoft.com/office/drawing/2010/main">
-        <mc:Choice Requires="a14">
-          <p:sp>
-            <p:nvSpPr>
-              <p:cNvPr id="2" name="Title 1">
-                <a:extLst>
-                  <a:ext uri="{FF2B5EF4-FFF2-40B4-BE49-F238E27FC236}">
-                    <a16:creationId xmlns:a16="http://schemas.microsoft.com/office/drawing/2014/main" id="{990329C2-5249-4701-BDFC-8C73EC78B4FD}"/>
-                  </a:ext>
-                </a:extLst>
-              </p:cNvPr>
-              <p:cNvSpPr>
-                <a:spLocks noGrp="1"/>
-              </p:cNvSpPr>
-              <p:nvPr>
-                <p:ph type="title"/>
-              </p:nvPr>
-            </p:nvSpPr>
-            <p:spPr/>
-            <p:txBody>
-              <a:bodyPr/>
-              <a:lstStyle/>
-              <a:p>
-                <a14:m>
-                  <m:oMath xmlns:m="http://schemas.openxmlformats.org/officeDocument/2006/math">
-                    <m:r>
-                      <a:rPr lang="en-US" b="0" i="1" smtClean="0">
-                        <a:latin typeface="Cambria Math" panose="02040503050406030204" pitchFamily="18" charset="0"/>
-                      </a:rPr>
-                      <m:t>𝐾</m:t>
-                    </m:r>
-                  </m:oMath>
-                </a14:m>
-                <a:r>
-                  <a:rPr lang="en-US" dirty="0"/>
-                  <a:t>-fold cross-validation</a:t>
-                </a:r>
-              </a:p>
-            </p:txBody>
-          </p:sp>
-        </mc:Choice>
-        <mc:Fallback xmlns="">
-          <p:sp>
-            <p:nvSpPr>
-              <p:cNvPr id="2" name="Title 1">
-                <a:extLst>
-                  <a:ext uri="{FF2B5EF4-FFF2-40B4-BE49-F238E27FC236}">
-                    <a16:creationId xmlns:a16="http://schemas.microsoft.com/office/drawing/2014/main" id="{990329C2-5249-4701-BDFC-8C73EC78B4FD}"/>
-                  </a:ext>
-                </a:extLst>
-              </p:cNvPr>
-              <p:cNvSpPr>
-                <a:spLocks noGrp="1" noRot="1" noChangeAspect="1" noMove="1" noResize="1" noEditPoints="1" noAdjustHandles="1" noChangeArrowheads="1" noChangeShapeType="1" noTextEdit="1"/>
-              </p:cNvSpPr>
-              <p:nvPr>
-                <p:ph type="title"/>
-              </p:nvPr>
-            </p:nvSpPr>
-            <p:spPr>
-              <a:blipFill>
-                <a:blip r:embed="rId2"/>
-                <a:stretch>
-                  <a:fillRect/>
-                </a:stretch>
-              </a:blipFill>
-            </p:spPr>
-            <p:txBody>
-              <a:bodyPr/>
-              <a:lstStyle/>
-              <a:p>
-                <a:r>
-                  <a:rPr lang="en-US">
-                    <a:noFill/>
-                  </a:rPr>
-                  <a:t> </a:t>
-                </a:r>
-              </a:p>
-            </p:txBody>
-          </p:sp>
-        </mc:Fallback>
-      </mc:AlternateContent>
-      <p:sp>
-        <p:nvSpPr>
-          <p:cNvPr id="4" name="Rectangle 3">
-            <a:extLst>
-              <a:ext uri="{FF2B5EF4-FFF2-40B4-BE49-F238E27FC236}">
-                <a16:creationId xmlns:a16="http://schemas.microsoft.com/office/drawing/2014/main" id="{0DC906FA-0250-41D5-A8C8-51025A70C2BF}"/>
+                <a16:creationId xmlns:a16="http://schemas.microsoft.com/office/drawing/2014/main" id="{C0248D78-20C3-40F9-A7ED-46F7FA81C552}"/>
               </a:ext>
             </a:extLst>
           </p:cNvPr>
@@ -8134,20 +11177,16 @@
           <p:nvPr/>
         </p:nvSpPr>
         <p:spPr>
-          <a:xfrm>
-            <a:off x="2159876" y="2112580"/>
-            <a:ext cx="2096814" cy="804041"/>
+          <a:xfrm rot="516820">
+            <a:off x="3911529" y="4244543"/>
+            <a:ext cx="2138567" cy="774044"/>
           </a:xfrm>
-          <a:prstGeom prst="rect">
-            <a:avLst/>
+          <a:prstGeom prst="rightArrow">
+            <a:avLst>
+              <a:gd name="adj1" fmla="val 27368"/>
+              <a:gd name="adj2" fmla="val 70369"/>
+            </a:avLst>
           </a:prstGeom>
-          <a:ln w="38100">
-            <a:solidFill>
-              <a:schemeClr val="accent1">
-                <a:lumMod val="50000"/>
-              </a:schemeClr>
-            </a:solidFill>
-          </a:ln>
         </p:spPr>
         <p:style>
           <a:lnRef idx="2">
@@ -8170,175 +11209,16 @@
           <a:lstStyle/>
           <a:p>
             <a:pPr algn="ctr"/>
-            <a:endParaRPr lang="en-US" sz="2400" dirty="0"/>
-          </a:p>
-        </p:txBody>
-      </p:sp>
-      <p:sp>
-        <p:nvSpPr>
-          <p:cNvPr id="9" name="Rectangle 8">
+            <a:endParaRPr lang="en-US"/>
+          </a:p>
+        </p:txBody>
+      </p:sp>
+      <p:sp>
+        <p:nvSpPr>
+          <p:cNvPr id="25" name="TextBox 24">
             <a:extLst>
               <a:ext uri="{FF2B5EF4-FFF2-40B4-BE49-F238E27FC236}">
-                <a16:creationId xmlns:a16="http://schemas.microsoft.com/office/drawing/2014/main" id="{D9E07790-140A-481D-81A4-AFD0ED127989}"/>
-              </a:ext>
-            </a:extLst>
-          </p:cNvPr>
-          <p:cNvSpPr/>
-          <p:nvPr/>
-        </p:nvSpPr>
-        <p:spPr>
-          <a:xfrm>
-            <a:off x="2159876" y="2916621"/>
-            <a:ext cx="2096814" cy="804041"/>
-          </a:xfrm>
-          <a:prstGeom prst="rect">
-            <a:avLst/>
-          </a:prstGeom>
-          <a:ln w="38100">
-            <a:solidFill>
-              <a:schemeClr val="accent1">
-                <a:lumMod val="50000"/>
-              </a:schemeClr>
-            </a:solidFill>
-          </a:ln>
-        </p:spPr>
-        <p:style>
-          <a:lnRef idx="2">
-            <a:schemeClr val="accent1">
-              <a:shade val="50000"/>
-            </a:schemeClr>
-          </a:lnRef>
-          <a:fillRef idx="1">
-            <a:schemeClr val="accent1"/>
-          </a:fillRef>
-          <a:effectRef idx="0">
-            <a:schemeClr val="accent1"/>
-          </a:effectRef>
-          <a:fontRef idx="minor">
-            <a:schemeClr val="lt1"/>
-          </a:fontRef>
-        </p:style>
-        <p:txBody>
-          <a:bodyPr rtlCol="0" anchor="ctr"/>
-          <a:lstStyle/>
-          <a:p>
-            <a:pPr algn="ctr"/>
-            <a:endParaRPr lang="en-US" sz="2400" dirty="0"/>
-          </a:p>
-        </p:txBody>
-      </p:sp>
-      <p:sp>
-        <p:nvSpPr>
-          <p:cNvPr id="10" name="Rectangle 9">
-            <a:extLst>
-              <a:ext uri="{FF2B5EF4-FFF2-40B4-BE49-F238E27FC236}">
-                <a16:creationId xmlns:a16="http://schemas.microsoft.com/office/drawing/2014/main" id="{D4702EF9-7A49-4785-9CA9-49BD241B3DB1}"/>
-              </a:ext>
-            </a:extLst>
-          </p:cNvPr>
-          <p:cNvSpPr/>
-          <p:nvPr/>
-        </p:nvSpPr>
-        <p:spPr>
-          <a:xfrm>
-            <a:off x="2159876" y="3720662"/>
-            <a:ext cx="2096814" cy="804041"/>
-          </a:xfrm>
-          <a:prstGeom prst="rect">
-            <a:avLst/>
-          </a:prstGeom>
-          <a:ln w="38100">
-            <a:solidFill>
-              <a:schemeClr val="accent1">
-                <a:lumMod val="50000"/>
-              </a:schemeClr>
-            </a:solidFill>
-          </a:ln>
-        </p:spPr>
-        <p:style>
-          <a:lnRef idx="2">
-            <a:schemeClr val="accent1">
-              <a:shade val="50000"/>
-            </a:schemeClr>
-          </a:lnRef>
-          <a:fillRef idx="1">
-            <a:schemeClr val="accent1"/>
-          </a:fillRef>
-          <a:effectRef idx="0">
-            <a:schemeClr val="accent1"/>
-          </a:effectRef>
-          <a:fontRef idx="minor">
-            <a:schemeClr val="lt1"/>
-          </a:fontRef>
-        </p:style>
-        <p:txBody>
-          <a:bodyPr rtlCol="0" anchor="ctr"/>
-          <a:lstStyle/>
-          <a:p>
-            <a:pPr algn="ctr"/>
-            <a:endParaRPr lang="en-US" sz="2400" dirty="0"/>
-          </a:p>
-        </p:txBody>
-      </p:sp>
-      <p:sp>
-        <p:nvSpPr>
-          <p:cNvPr id="11" name="Rectangle 10">
-            <a:extLst>
-              <a:ext uri="{FF2B5EF4-FFF2-40B4-BE49-F238E27FC236}">
-                <a16:creationId xmlns:a16="http://schemas.microsoft.com/office/drawing/2014/main" id="{299CED0C-CFD6-4C0A-A597-3119782DD8C0}"/>
-              </a:ext>
-            </a:extLst>
-          </p:cNvPr>
-          <p:cNvSpPr/>
-          <p:nvPr/>
-        </p:nvSpPr>
-        <p:spPr>
-          <a:xfrm>
-            <a:off x="2159876" y="4524703"/>
-            <a:ext cx="2096814" cy="804041"/>
-          </a:xfrm>
-          <a:prstGeom prst="rect">
-            <a:avLst/>
-          </a:prstGeom>
-          <a:ln w="38100">
-            <a:solidFill>
-              <a:schemeClr val="accent1">
-                <a:lumMod val="50000"/>
-              </a:schemeClr>
-            </a:solidFill>
-          </a:ln>
-        </p:spPr>
-        <p:style>
-          <a:lnRef idx="2">
-            <a:schemeClr val="accent1">
-              <a:shade val="50000"/>
-            </a:schemeClr>
-          </a:lnRef>
-          <a:fillRef idx="1">
-            <a:schemeClr val="accent1"/>
-          </a:fillRef>
-          <a:effectRef idx="0">
-            <a:schemeClr val="accent1"/>
-          </a:effectRef>
-          <a:fontRef idx="minor">
-            <a:schemeClr val="lt1"/>
-          </a:fontRef>
-        </p:style>
-        <p:txBody>
-          <a:bodyPr rtlCol="0" anchor="ctr"/>
-          <a:lstStyle/>
-          <a:p>
-            <a:pPr algn="ctr"/>
-            <a:endParaRPr lang="en-US" sz="2400" dirty="0"/>
-          </a:p>
-        </p:txBody>
-      </p:sp>
-      <p:sp>
-        <p:nvSpPr>
-          <p:cNvPr id="7" name="TextBox 6">
-            <a:extLst>
-              <a:ext uri="{FF2B5EF4-FFF2-40B4-BE49-F238E27FC236}">
-                <a16:creationId xmlns:a16="http://schemas.microsoft.com/office/drawing/2014/main" id="{B21F0BD9-89D7-4287-8C37-3A17B65A5509}"/>
+                <a16:creationId xmlns:a16="http://schemas.microsoft.com/office/drawing/2014/main" id="{A90CE17E-DC29-4206-8212-4E17AE2BD892}"/>
               </a:ext>
             </a:extLst>
           </p:cNvPr>
@@ -8347,8 +11227,8 @@
         </p:nvSpPr>
         <p:spPr>
           <a:xfrm>
-            <a:off x="5407572" y="2052935"/>
-            <a:ext cx="3200400" cy="461665"/>
+            <a:off x="4963366" y="5209504"/>
+            <a:ext cx="2709333" cy="461665"/>
           </a:xfrm>
           <a:prstGeom prst="rect">
             <a:avLst/>
@@ -8362,105 +11242,16 @@
           <a:lstStyle/>
           <a:p>
             <a:r>
+              <a:rPr lang="en-US" sz="2400" dirty="0" err="1"/>
+              <a:t>Opci</a:t>
+            </a:r>
+            <a:r>
+              <a:rPr lang="es-419" sz="2400" dirty="0" err="1"/>
+              <a:t>ó</a:t>
+            </a:r>
+            <a:r>
               <a:rPr lang="en-US" sz="2400" dirty="0"/>
-              <a:t>4-fold cross-validation</a:t>
-            </a:r>
-          </a:p>
-        </p:txBody>
-      </p:sp>
-      <p:sp>
-        <p:nvSpPr>
-          <p:cNvPr id="8" name="TextBox 7">
-            <a:extLst>
-              <a:ext uri="{FF2B5EF4-FFF2-40B4-BE49-F238E27FC236}">
-                <a16:creationId xmlns:a16="http://schemas.microsoft.com/office/drawing/2014/main" id="{4146F0E0-5099-41FD-8774-3FB98A90224C}"/>
-              </a:ext>
-            </a:extLst>
-          </p:cNvPr>
-          <p:cNvSpPr txBox="1"/>
-          <p:nvPr/>
-        </p:nvSpPr>
-        <p:spPr>
-          <a:xfrm>
-            <a:off x="2159876" y="1481959"/>
-            <a:ext cx="2096814" cy="461665"/>
-          </a:xfrm>
-          <a:prstGeom prst="rect">
-            <a:avLst/>
-          </a:prstGeom>
-          <a:noFill/>
-        </p:spPr>
-        <p:txBody>
-          <a:bodyPr wrap="square" rtlCol="0">
-            <a:spAutoFit/>
-          </a:bodyPr>
-          <a:lstStyle/>
-          <a:p>
-            <a:pPr algn="ctr"/>
-            <a:r>
-              <a:rPr lang="en-US" sz="2400" dirty="0"/>
-              <a:t>Dataset</a:t>
-            </a:r>
-          </a:p>
-        </p:txBody>
-      </p:sp>
-      <p:sp>
-        <p:nvSpPr>
-          <p:cNvPr id="12" name="Rectangle 11">
-            <a:extLst>
-              <a:ext uri="{FF2B5EF4-FFF2-40B4-BE49-F238E27FC236}">
-                <a16:creationId xmlns:a16="http://schemas.microsoft.com/office/drawing/2014/main" id="{E2924B15-8CC6-4B72-95A5-C9E208894237}"/>
-              </a:ext>
-            </a:extLst>
-          </p:cNvPr>
-          <p:cNvSpPr/>
-          <p:nvPr/>
-        </p:nvSpPr>
-        <p:spPr>
-          <a:xfrm>
-            <a:off x="2159876" y="5328744"/>
-            <a:ext cx="2096814" cy="1355835"/>
-          </a:xfrm>
-          <a:prstGeom prst="rect">
-            <a:avLst/>
-          </a:prstGeom>
-          <a:solidFill>
-            <a:schemeClr val="accent4">
-              <a:lumMod val="75000"/>
-            </a:schemeClr>
-          </a:solidFill>
-          <a:ln w="38100">
-            <a:solidFill>
-              <a:schemeClr val="accent1">
-                <a:lumMod val="50000"/>
-              </a:schemeClr>
-            </a:solidFill>
-          </a:ln>
-        </p:spPr>
-        <p:style>
-          <a:lnRef idx="2">
-            <a:schemeClr val="accent1">
-              <a:shade val="50000"/>
-            </a:schemeClr>
-          </a:lnRef>
-          <a:fillRef idx="1">
-            <a:schemeClr val="accent1"/>
-          </a:fillRef>
-          <a:effectRef idx="0">
-            <a:schemeClr val="accent1"/>
-          </a:effectRef>
-          <a:fontRef idx="minor">
-            <a:schemeClr val="lt1"/>
-          </a:fontRef>
-        </p:style>
-        <p:txBody>
-          <a:bodyPr rtlCol="0" anchor="ctr"/>
-          <a:lstStyle/>
-          <a:p>
-            <a:pPr algn="ctr"/>
-            <a:r>
-              <a:rPr lang="en-US" sz="2400" dirty="0"/>
-              <a:t>Test Set</a:t>
+              <a:t>n 2</a:t>
             </a:r>
           </a:p>
         </p:txBody>
@@ -8468,428 +11259,7 @@
     </p:spTree>
     <p:extLst>
       <p:ext uri="{BB962C8B-B14F-4D97-AF65-F5344CB8AC3E}">
-        <p14:creationId xmlns:p14="http://schemas.microsoft.com/office/powerpoint/2010/main" val="2018273231"/>
-      </p:ext>
-    </p:extLst>
-  </p:cSld>
-  <p:clrMapOvr>
-    <a:masterClrMapping/>
-  </p:clrMapOvr>
-  <mc:AlternateContent xmlns:mc="http://schemas.openxmlformats.org/markup-compatibility/2006" xmlns:p159="http://schemas.microsoft.com/office/powerpoint/2015/09/main">
-    <mc:Choice Requires="p159">
-      <p:transition xmlns:p14="http://schemas.microsoft.com/office/powerpoint/2010/main" spd="slow" p14:dur="2000">
-        <p159:morph option="byObject"/>
-      </p:transition>
-    </mc:Choice>
-    <mc:Fallback xmlns="">
-      <p:transition spd="slow">
-        <p:fade/>
-      </p:transition>
-    </mc:Fallback>
-  </mc:AlternateContent>
-</p:sld>
-</file>
-
-<file path=ppt/slides/slide7.xml><?xml version="1.0" encoding="utf-8"?>
-<p:sld xmlns:a="http://schemas.openxmlformats.org/drawingml/2006/main" xmlns:r="http://schemas.openxmlformats.org/officeDocument/2006/relationships" xmlns:p="http://schemas.openxmlformats.org/presentationml/2006/main">
-  <p:cSld>
-    <p:spTree>
-      <p:nvGrpSpPr>
-        <p:cNvPr id="1" name=""/>
-        <p:cNvGrpSpPr/>
-        <p:nvPr/>
-      </p:nvGrpSpPr>
-      <p:grpSpPr>
-        <a:xfrm>
-          <a:off x="0" y="0"/>
-          <a:ext cx="0" cy="0"/>
-          <a:chOff x="0" y="0"/>
-          <a:chExt cx="0" cy="0"/>
-        </a:xfrm>
-      </p:grpSpPr>
-      <mc:AlternateContent xmlns:mc="http://schemas.openxmlformats.org/markup-compatibility/2006" xmlns:a14="http://schemas.microsoft.com/office/drawing/2010/main">
-        <mc:Choice Requires="a14">
-          <p:sp>
-            <p:nvSpPr>
-              <p:cNvPr id="2" name="Title 1">
-                <a:extLst>
-                  <a:ext uri="{FF2B5EF4-FFF2-40B4-BE49-F238E27FC236}">
-                    <a16:creationId xmlns:a16="http://schemas.microsoft.com/office/drawing/2014/main" id="{990329C2-5249-4701-BDFC-8C73EC78B4FD}"/>
-                  </a:ext>
-                </a:extLst>
-              </p:cNvPr>
-              <p:cNvSpPr>
-                <a:spLocks noGrp="1"/>
-              </p:cNvSpPr>
-              <p:nvPr>
-                <p:ph type="title"/>
-              </p:nvPr>
-            </p:nvSpPr>
-            <p:spPr/>
-            <p:txBody>
-              <a:bodyPr/>
-              <a:lstStyle/>
-              <a:p>
-                <a14:m>
-                  <m:oMath xmlns:m="http://schemas.openxmlformats.org/officeDocument/2006/math">
-                    <m:r>
-                      <a:rPr lang="en-US" b="0" i="1" smtClean="0">
-                        <a:latin typeface="Cambria Math" panose="02040503050406030204" pitchFamily="18" charset="0"/>
-                      </a:rPr>
-                      <m:t>𝐾</m:t>
-                    </m:r>
-                  </m:oMath>
-                </a14:m>
-                <a:r>
-                  <a:rPr lang="en-US" dirty="0"/>
-                  <a:t>-fold cross-validation</a:t>
-                </a:r>
-              </a:p>
-            </p:txBody>
-          </p:sp>
-        </mc:Choice>
-        <mc:Fallback xmlns="">
-          <p:sp>
-            <p:nvSpPr>
-              <p:cNvPr id="2" name="Title 1">
-                <a:extLst>
-                  <a:ext uri="{FF2B5EF4-FFF2-40B4-BE49-F238E27FC236}">
-                    <a16:creationId xmlns:a16="http://schemas.microsoft.com/office/drawing/2014/main" id="{990329C2-5249-4701-BDFC-8C73EC78B4FD}"/>
-                  </a:ext>
-                </a:extLst>
-              </p:cNvPr>
-              <p:cNvSpPr>
-                <a:spLocks noGrp="1" noRot="1" noChangeAspect="1" noMove="1" noResize="1" noEditPoints="1" noAdjustHandles="1" noChangeArrowheads="1" noChangeShapeType="1" noTextEdit="1"/>
-              </p:cNvSpPr>
-              <p:nvPr>
-                <p:ph type="title"/>
-              </p:nvPr>
-            </p:nvSpPr>
-            <p:spPr>
-              <a:blipFill>
-                <a:blip r:embed="rId2"/>
-                <a:stretch>
-                  <a:fillRect/>
-                </a:stretch>
-              </a:blipFill>
-            </p:spPr>
-            <p:txBody>
-              <a:bodyPr/>
-              <a:lstStyle/>
-              <a:p>
-                <a:r>
-                  <a:rPr lang="en-US">
-                    <a:noFill/>
-                  </a:rPr>
-                  <a:t> </a:t>
-                </a:r>
-              </a:p>
-            </p:txBody>
-          </p:sp>
-        </mc:Fallback>
-      </mc:AlternateContent>
-      <p:sp>
-        <p:nvSpPr>
-          <p:cNvPr id="4" name="Rectangle 3">
-            <a:extLst>
-              <a:ext uri="{FF2B5EF4-FFF2-40B4-BE49-F238E27FC236}">
-                <a16:creationId xmlns:a16="http://schemas.microsoft.com/office/drawing/2014/main" id="{0DC906FA-0250-41D5-A8C8-51025A70C2BF}"/>
-              </a:ext>
-            </a:extLst>
-          </p:cNvPr>
-          <p:cNvSpPr/>
-          <p:nvPr/>
-        </p:nvSpPr>
-        <p:spPr>
-          <a:xfrm>
-            <a:off x="2159876" y="2112580"/>
-            <a:ext cx="2096814" cy="804041"/>
-          </a:xfrm>
-          <a:prstGeom prst="rect">
-            <a:avLst/>
-          </a:prstGeom>
-          <a:solidFill>
-            <a:srgbClr val="00B050"/>
-          </a:solidFill>
-          <a:ln w="38100">
-            <a:solidFill>
-              <a:schemeClr val="accent1">
-                <a:lumMod val="50000"/>
-              </a:schemeClr>
-            </a:solidFill>
-          </a:ln>
-        </p:spPr>
-        <p:style>
-          <a:lnRef idx="2">
-            <a:schemeClr val="accent1">
-              <a:shade val="50000"/>
-            </a:schemeClr>
-          </a:lnRef>
-          <a:fillRef idx="1">
-            <a:schemeClr val="accent1"/>
-          </a:fillRef>
-          <a:effectRef idx="0">
-            <a:schemeClr val="accent1"/>
-          </a:effectRef>
-          <a:fontRef idx="minor">
-            <a:schemeClr val="lt1"/>
-          </a:fontRef>
-        </p:style>
-        <p:txBody>
-          <a:bodyPr rtlCol="0" anchor="ctr"/>
-          <a:lstStyle/>
-          <a:p>
-            <a:pPr algn="ctr"/>
-            <a:r>
-              <a:rPr lang="en-US" sz="2400" b="1" dirty="0"/>
-              <a:t>Validation Set</a:t>
-            </a:r>
-          </a:p>
-        </p:txBody>
-      </p:sp>
-      <p:sp>
-        <p:nvSpPr>
-          <p:cNvPr id="9" name="Rectangle 8">
-            <a:extLst>
-              <a:ext uri="{FF2B5EF4-FFF2-40B4-BE49-F238E27FC236}">
-                <a16:creationId xmlns:a16="http://schemas.microsoft.com/office/drawing/2014/main" id="{D9E07790-140A-481D-81A4-AFD0ED127989}"/>
-              </a:ext>
-            </a:extLst>
-          </p:cNvPr>
-          <p:cNvSpPr/>
-          <p:nvPr/>
-        </p:nvSpPr>
-        <p:spPr>
-          <a:xfrm>
-            <a:off x="2159876" y="2916621"/>
-            <a:ext cx="2096814" cy="804041"/>
-          </a:xfrm>
-          <a:prstGeom prst="rect">
-            <a:avLst/>
-          </a:prstGeom>
-          <a:ln w="38100">
-            <a:solidFill>
-              <a:schemeClr val="accent1">
-                <a:lumMod val="50000"/>
-              </a:schemeClr>
-            </a:solidFill>
-          </a:ln>
-        </p:spPr>
-        <p:style>
-          <a:lnRef idx="2">
-            <a:schemeClr val="accent1">
-              <a:shade val="50000"/>
-            </a:schemeClr>
-          </a:lnRef>
-          <a:fillRef idx="1">
-            <a:schemeClr val="accent1"/>
-          </a:fillRef>
-          <a:effectRef idx="0">
-            <a:schemeClr val="accent1"/>
-          </a:effectRef>
-          <a:fontRef idx="minor">
-            <a:schemeClr val="lt1"/>
-          </a:fontRef>
-        </p:style>
-        <p:txBody>
-          <a:bodyPr rtlCol="0" anchor="ctr"/>
-          <a:lstStyle/>
-          <a:p>
-            <a:pPr algn="ctr"/>
-            <a:r>
-              <a:rPr lang="en-US" sz="2400" b="1" dirty="0"/>
-              <a:t>Training Set</a:t>
-            </a:r>
-          </a:p>
-        </p:txBody>
-      </p:sp>
-      <p:sp>
-        <p:nvSpPr>
-          <p:cNvPr id="10" name="Rectangle 9">
-            <a:extLst>
-              <a:ext uri="{FF2B5EF4-FFF2-40B4-BE49-F238E27FC236}">
-                <a16:creationId xmlns:a16="http://schemas.microsoft.com/office/drawing/2014/main" id="{D4702EF9-7A49-4785-9CA9-49BD241B3DB1}"/>
-              </a:ext>
-            </a:extLst>
-          </p:cNvPr>
-          <p:cNvSpPr/>
-          <p:nvPr/>
-        </p:nvSpPr>
-        <p:spPr>
-          <a:xfrm>
-            <a:off x="2159876" y="3720662"/>
-            <a:ext cx="2096814" cy="804041"/>
-          </a:xfrm>
-          <a:prstGeom prst="rect">
-            <a:avLst/>
-          </a:prstGeom>
-          <a:ln w="38100">
-            <a:solidFill>
-              <a:schemeClr val="accent1">
-                <a:lumMod val="50000"/>
-              </a:schemeClr>
-            </a:solidFill>
-          </a:ln>
-        </p:spPr>
-        <p:style>
-          <a:lnRef idx="2">
-            <a:schemeClr val="accent1">
-              <a:shade val="50000"/>
-            </a:schemeClr>
-          </a:lnRef>
-          <a:fillRef idx="1">
-            <a:schemeClr val="accent1"/>
-          </a:fillRef>
-          <a:effectRef idx="0">
-            <a:schemeClr val="accent1"/>
-          </a:effectRef>
-          <a:fontRef idx="minor">
-            <a:schemeClr val="lt1"/>
-          </a:fontRef>
-        </p:style>
-        <p:txBody>
-          <a:bodyPr rtlCol="0" anchor="ctr"/>
-          <a:lstStyle/>
-          <a:p>
-            <a:pPr algn="ctr"/>
-            <a:r>
-              <a:rPr lang="en-US" sz="2400" b="1" dirty="0"/>
-              <a:t>Training Set</a:t>
-            </a:r>
-          </a:p>
-        </p:txBody>
-      </p:sp>
-      <p:sp>
-        <p:nvSpPr>
-          <p:cNvPr id="11" name="Rectangle 10">
-            <a:extLst>
-              <a:ext uri="{FF2B5EF4-FFF2-40B4-BE49-F238E27FC236}">
-                <a16:creationId xmlns:a16="http://schemas.microsoft.com/office/drawing/2014/main" id="{299CED0C-CFD6-4C0A-A597-3119782DD8C0}"/>
-              </a:ext>
-            </a:extLst>
-          </p:cNvPr>
-          <p:cNvSpPr/>
-          <p:nvPr/>
-        </p:nvSpPr>
-        <p:spPr>
-          <a:xfrm>
-            <a:off x="2159876" y="4524703"/>
-            <a:ext cx="2096814" cy="804041"/>
-          </a:xfrm>
-          <a:prstGeom prst="rect">
-            <a:avLst/>
-          </a:prstGeom>
-          <a:ln w="38100">
-            <a:solidFill>
-              <a:schemeClr val="accent1">
-                <a:lumMod val="50000"/>
-              </a:schemeClr>
-            </a:solidFill>
-          </a:ln>
-        </p:spPr>
-        <p:style>
-          <a:lnRef idx="2">
-            <a:schemeClr val="accent1">
-              <a:shade val="50000"/>
-            </a:schemeClr>
-          </a:lnRef>
-          <a:fillRef idx="1">
-            <a:schemeClr val="accent1"/>
-          </a:fillRef>
-          <a:effectRef idx="0">
-            <a:schemeClr val="accent1"/>
-          </a:effectRef>
-          <a:fontRef idx="minor">
-            <a:schemeClr val="lt1"/>
-          </a:fontRef>
-        </p:style>
-        <p:txBody>
-          <a:bodyPr rtlCol="0" anchor="ctr"/>
-          <a:lstStyle/>
-          <a:p>
-            <a:pPr algn="ctr"/>
-            <a:r>
-              <a:rPr lang="en-US" sz="2400" b="1" dirty="0"/>
-              <a:t>Training Set</a:t>
-            </a:r>
-          </a:p>
-        </p:txBody>
-      </p:sp>
-      <p:sp>
-        <p:nvSpPr>
-          <p:cNvPr id="3" name="TextBox 2">
-            <a:extLst>
-              <a:ext uri="{FF2B5EF4-FFF2-40B4-BE49-F238E27FC236}">
-                <a16:creationId xmlns:a16="http://schemas.microsoft.com/office/drawing/2014/main" id="{DB45464E-4E39-459B-89D2-A58428FB5109}"/>
-              </a:ext>
-            </a:extLst>
-          </p:cNvPr>
-          <p:cNvSpPr txBox="1"/>
-          <p:nvPr/>
-        </p:nvSpPr>
-        <p:spPr>
-          <a:xfrm>
-            <a:off x="5407572" y="2052935"/>
-            <a:ext cx="3200400" cy="461665"/>
-          </a:xfrm>
-          <a:prstGeom prst="rect">
-            <a:avLst/>
-          </a:prstGeom>
-          <a:noFill/>
-        </p:spPr>
-        <p:txBody>
-          <a:bodyPr wrap="square" rtlCol="0">
-            <a:spAutoFit/>
-          </a:bodyPr>
-          <a:lstStyle/>
-          <a:p>
-            <a:r>
-              <a:rPr lang="en-US" sz="2400" dirty="0"/>
-              <a:t>4-fold cross-validation</a:t>
-            </a:r>
-          </a:p>
-        </p:txBody>
-      </p:sp>
-      <p:sp>
-        <p:nvSpPr>
-          <p:cNvPr id="8" name="TextBox 7">
-            <a:extLst>
-              <a:ext uri="{FF2B5EF4-FFF2-40B4-BE49-F238E27FC236}">
-                <a16:creationId xmlns:a16="http://schemas.microsoft.com/office/drawing/2014/main" id="{4CD477A3-9250-43BC-B350-B6A9E980806B}"/>
-              </a:ext>
-            </a:extLst>
-          </p:cNvPr>
-          <p:cNvSpPr txBox="1"/>
-          <p:nvPr/>
-        </p:nvSpPr>
-        <p:spPr>
-          <a:xfrm>
-            <a:off x="2159876" y="1481959"/>
-            <a:ext cx="2096814" cy="461665"/>
-          </a:xfrm>
-          <a:prstGeom prst="rect">
-            <a:avLst/>
-          </a:prstGeom>
-          <a:noFill/>
-        </p:spPr>
-        <p:txBody>
-          <a:bodyPr wrap="square" rtlCol="0">
-            <a:spAutoFit/>
-          </a:bodyPr>
-          <a:lstStyle/>
-          <a:p>
-            <a:pPr algn="ctr"/>
-            <a:r>
-              <a:rPr lang="en-US" sz="2400" dirty="0"/>
-              <a:t>Dataset</a:t>
-            </a:r>
-          </a:p>
-        </p:txBody>
-      </p:sp>
-    </p:spTree>
-    <p:extLst>
-      <p:ext uri="{BB962C8B-B14F-4D97-AF65-F5344CB8AC3E}">
-        <p14:creationId xmlns:p14="http://schemas.microsoft.com/office/powerpoint/2010/main" val="3211052421"/>
+        <p14:creationId xmlns:p14="http://schemas.microsoft.com/office/powerpoint/2010/main" val="2081745369"/>
       </p:ext>
     </p:extLst>
   </p:cSld>
@@ -8928,93 +11298,48 @@
           <a:chExt cx="0" cy="0"/>
         </a:xfrm>
       </p:grpSpPr>
-      <mc:AlternateContent xmlns:mc="http://schemas.openxmlformats.org/markup-compatibility/2006" xmlns:a14="http://schemas.microsoft.com/office/drawing/2010/main">
-        <mc:Choice Requires="a14">
-          <p:sp>
-            <p:nvSpPr>
-              <p:cNvPr id="2" name="Title 1">
-                <a:extLst>
-                  <a:ext uri="{FF2B5EF4-FFF2-40B4-BE49-F238E27FC236}">
-                    <a16:creationId xmlns:a16="http://schemas.microsoft.com/office/drawing/2014/main" id="{990329C2-5249-4701-BDFC-8C73EC78B4FD}"/>
-                  </a:ext>
-                </a:extLst>
-              </p:cNvPr>
-              <p:cNvSpPr>
-                <a:spLocks noGrp="1"/>
-              </p:cNvSpPr>
-              <p:nvPr>
-                <p:ph type="title"/>
-              </p:nvPr>
-            </p:nvSpPr>
-            <p:spPr/>
-            <p:txBody>
-              <a:bodyPr/>
-              <a:lstStyle/>
-              <a:p>
-                <a14:m>
-                  <m:oMath xmlns:m="http://schemas.openxmlformats.org/officeDocument/2006/math">
-                    <m:r>
-                      <a:rPr lang="en-US" b="0" i="1" smtClean="0">
-                        <a:latin typeface="Cambria Math" panose="02040503050406030204" pitchFamily="18" charset="0"/>
-                      </a:rPr>
-                      <m:t>𝐾</m:t>
-                    </m:r>
-                  </m:oMath>
-                </a14:m>
-                <a:r>
-                  <a:rPr lang="en-US" dirty="0"/>
-                  <a:t>-fold cross-validation</a:t>
-                </a:r>
-              </a:p>
-            </p:txBody>
-          </p:sp>
-        </mc:Choice>
-        <mc:Fallback xmlns="">
-          <p:sp>
-            <p:nvSpPr>
-              <p:cNvPr id="2" name="Title 1">
-                <a:extLst>
-                  <a:ext uri="{FF2B5EF4-FFF2-40B4-BE49-F238E27FC236}">
-                    <a16:creationId xmlns:a16="http://schemas.microsoft.com/office/drawing/2014/main" id="{990329C2-5249-4701-BDFC-8C73EC78B4FD}"/>
-                  </a:ext>
-                </a:extLst>
-              </p:cNvPr>
-              <p:cNvSpPr>
-                <a:spLocks noGrp="1" noRot="1" noChangeAspect="1" noMove="1" noResize="1" noEditPoints="1" noAdjustHandles="1" noChangeArrowheads="1" noChangeShapeType="1" noTextEdit="1"/>
-              </p:cNvSpPr>
-              <p:nvPr>
-                <p:ph type="title"/>
-              </p:nvPr>
-            </p:nvSpPr>
-            <p:spPr>
-              <a:blipFill>
-                <a:blip r:embed="rId2"/>
-                <a:stretch>
-                  <a:fillRect/>
-                </a:stretch>
-              </a:blipFill>
-            </p:spPr>
-            <p:txBody>
-              <a:bodyPr/>
-              <a:lstStyle/>
-              <a:p>
-                <a:r>
-                  <a:rPr lang="en-US">
-                    <a:noFill/>
-                  </a:rPr>
-                  <a:t> </a:t>
-                </a:r>
-              </a:p>
-            </p:txBody>
-          </p:sp>
-        </mc:Fallback>
-      </mc:AlternateContent>
-      <p:sp>
-        <p:nvSpPr>
-          <p:cNvPr id="4" name="Rectangle 3">
+      <p:sp>
+        <p:nvSpPr>
+          <p:cNvPr id="2" name="Title 1">
             <a:extLst>
               <a:ext uri="{FF2B5EF4-FFF2-40B4-BE49-F238E27FC236}">
-                <a16:creationId xmlns:a16="http://schemas.microsoft.com/office/drawing/2014/main" id="{0DC906FA-0250-41D5-A8C8-51025A70C2BF}"/>
+                <a16:creationId xmlns:a16="http://schemas.microsoft.com/office/drawing/2014/main" id="{AC4062C9-1073-4934-90E0-3BCB97EB157B}"/>
+              </a:ext>
+            </a:extLst>
+          </p:cNvPr>
+          <p:cNvSpPr>
+            <a:spLocks noGrp="1"/>
+          </p:cNvSpPr>
+          <p:nvPr>
+            <p:ph type="title"/>
+          </p:nvPr>
+        </p:nvSpPr>
+        <p:spPr/>
+        <p:txBody>
+          <a:bodyPr/>
+          <a:lstStyle/>
+          <a:p>
+            <a:r>
+              <a:rPr lang="en-US" dirty="0"/>
+              <a:t>ML model fitting (</a:t>
+            </a:r>
+            <a:r>
+              <a:rPr lang="en-US" dirty="0" err="1"/>
+              <a:t>Scikit</a:t>
+            </a:r>
+            <a:r>
+              <a:rPr lang="en-US" dirty="0"/>
+              <a:t>-learn)</a:t>
+            </a:r>
+          </a:p>
+        </p:txBody>
+      </p:sp>
+      <p:sp>
+        <p:nvSpPr>
+          <p:cNvPr id="5" name="Rectangle 4">
+            <a:extLst>
+              <a:ext uri="{FF2B5EF4-FFF2-40B4-BE49-F238E27FC236}">
+                <a16:creationId xmlns:a16="http://schemas.microsoft.com/office/drawing/2014/main" id="{49E1694A-9D58-48B4-86AF-19CF2A93D8C7}"/>
               </a:ext>
             </a:extLst>
           </p:cNvPr>
@@ -9023,21 +11348,20 @@
         </p:nvSpPr>
         <p:spPr>
           <a:xfrm>
-            <a:off x="2159876" y="2916621"/>
-            <a:ext cx="2096814" cy="804041"/>
+            <a:off x="78141" y="1411620"/>
+            <a:ext cx="1960923" cy="613117"/>
           </a:xfrm>
           <a:prstGeom prst="rect">
             <a:avLst/>
           </a:prstGeom>
           <a:solidFill>
-            <a:srgbClr val="00B050"/>
+            <a:schemeClr val="tx1">
+              <a:lumMod val="75000"/>
+              <a:lumOff val="25000"/>
+            </a:schemeClr>
           </a:solidFill>
-          <a:ln w="38100">
-            <a:solidFill>
-              <a:schemeClr val="accent1">
-                <a:lumMod val="50000"/>
-              </a:schemeClr>
-            </a:solidFill>
+          <a:ln>
+            <a:noFill/>
           </a:ln>
         </p:spPr>
         <p:style>
@@ -9063,17 +11387,21 @@
             <a:pPr algn="ctr"/>
             <a:r>
               <a:rPr lang="en-US" sz="2400" b="1" dirty="0"/>
-              <a:t>Validation Set</a:t>
-            </a:r>
-          </a:p>
-        </p:txBody>
-      </p:sp>
-      <p:sp>
-        <p:nvSpPr>
-          <p:cNvPr id="9" name="Rectangle 8">
+              <a:t>&gt;_</a:t>
+            </a:r>
+            <a:r>
+              <a:rPr lang="en-US" sz="2400" dirty="0"/>
+              <a:t> Code</a:t>
+            </a:r>
+          </a:p>
+        </p:txBody>
+      </p:sp>
+      <p:sp>
+        <p:nvSpPr>
+          <p:cNvPr id="6" name="Rectangle 5">
             <a:extLst>
               <a:ext uri="{FF2B5EF4-FFF2-40B4-BE49-F238E27FC236}">
-                <a16:creationId xmlns:a16="http://schemas.microsoft.com/office/drawing/2014/main" id="{D9E07790-140A-481D-81A4-AFD0ED127989}"/>
+                <a16:creationId xmlns:a16="http://schemas.microsoft.com/office/drawing/2014/main" id="{8DAC73C9-65B1-4D20-90A8-C9A40F3B6485}"/>
               </a:ext>
             </a:extLst>
           </p:cNvPr>
@@ -9082,54 +11410,194 @@
         </p:nvSpPr>
         <p:spPr>
           <a:xfrm>
-            <a:off x="2159876" y="2112581"/>
-            <a:ext cx="2096814" cy="804041"/>
+            <a:off x="78141" y="2162973"/>
+            <a:ext cx="12035718" cy="1200329"/>
           </a:xfrm>
           <a:prstGeom prst="rect">
             <a:avLst/>
           </a:prstGeom>
-          <a:ln w="38100">
-            <a:solidFill>
-              <a:schemeClr val="accent1">
-                <a:lumMod val="50000"/>
-              </a:schemeClr>
-            </a:solidFill>
-          </a:ln>
+          <a:solidFill>
+            <a:srgbClr val="1E1E1E"/>
+          </a:solidFill>
         </p:spPr>
-        <p:style>
-          <a:lnRef idx="2">
-            <a:schemeClr val="accent1">
-              <a:shade val="50000"/>
-            </a:schemeClr>
-          </a:lnRef>
-          <a:fillRef idx="1">
-            <a:schemeClr val="accent1"/>
-          </a:fillRef>
-          <a:effectRef idx="0">
-            <a:schemeClr val="accent1"/>
-          </a:effectRef>
-          <a:fontRef idx="minor">
-            <a:schemeClr val="lt1"/>
-          </a:fontRef>
-        </p:style>
-        <p:txBody>
-          <a:bodyPr rtlCol="0" anchor="ctr"/>
-          <a:lstStyle/>
-          <a:p>
-            <a:pPr algn="ctr"/>
-            <a:r>
-              <a:rPr lang="en-US" sz="2400" b="1" dirty="0"/>
-              <a:t>Training Set</a:t>
-            </a:r>
-          </a:p>
-        </p:txBody>
-      </p:sp>
-      <p:sp>
-        <p:nvSpPr>
-          <p:cNvPr id="10" name="Rectangle 9">
+        <p:txBody>
+          <a:bodyPr wrap="square">
+            <a:spAutoFit/>
+          </a:bodyPr>
+          <a:lstStyle/>
+          <a:p>
+            <a:r>
+              <a:rPr lang="en-US" sz="2400" dirty="0">
+                <a:solidFill>
+                  <a:srgbClr val="C586C0"/>
+                </a:solidFill>
+                <a:latin typeface="Consolas" panose="020B0609020204030204" pitchFamily="49" charset="0"/>
+              </a:rPr>
+              <a:t>from</a:t>
+            </a:r>
+            <a:r>
+              <a:rPr lang="en-US" sz="2400" dirty="0">
+                <a:solidFill>
+                  <a:srgbClr val="D4D4D4"/>
+                </a:solidFill>
+                <a:latin typeface="Consolas" panose="020B0609020204030204" pitchFamily="49" charset="0"/>
+              </a:rPr>
+              <a:t> </a:t>
+            </a:r>
+            <a:r>
+              <a:rPr lang="en-US" sz="2400" dirty="0" err="1">
+                <a:solidFill>
+                  <a:srgbClr val="D4D4D4"/>
+                </a:solidFill>
+                <a:latin typeface="Consolas" panose="020B0609020204030204" pitchFamily="49" charset="0"/>
+              </a:rPr>
+              <a:t>sklearn.tree</a:t>
+            </a:r>
+            <a:r>
+              <a:rPr lang="en-US" sz="2400" dirty="0">
+                <a:solidFill>
+                  <a:srgbClr val="D4D4D4"/>
+                </a:solidFill>
+                <a:latin typeface="Consolas" panose="020B0609020204030204" pitchFamily="49" charset="0"/>
+              </a:rPr>
+              <a:t> </a:t>
+            </a:r>
+            <a:r>
+              <a:rPr lang="en-US" sz="2400" dirty="0">
+                <a:solidFill>
+                  <a:srgbClr val="C586C0"/>
+                </a:solidFill>
+                <a:latin typeface="Consolas" panose="020B0609020204030204" pitchFamily="49" charset="0"/>
+              </a:rPr>
+              <a:t>import</a:t>
+            </a:r>
+            <a:r>
+              <a:rPr lang="en-US" sz="2400" dirty="0">
+                <a:solidFill>
+                  <a:srgbClr val="D4D4D4"/>
+                </a:solidFill>
+                <a:latin typeface="Consolas" panose="020B0609020204030204" pitchFamily="49" charset="0"/>
+              </a:rPr>
+              <a:t> </a:t>
+            </a:r>
+            <a:r>
+              <a:rPr lang="en-US" sz="2400" dirty="0" err="1">
+                <a:solidFill>
+                  <a:srgbClr val="D4D4D4"/>
+                </a:solidFill>
+                <a:latin typeface="Consolas" panose="020B0609020204030204" pitchFamily="49" charset="0"/>
+              </a:rPr>
+              <a:t>DecisionTreeRegressor</a:t>
+            </a:r>
+            <a:endParaRPr lang="en-US" sz="2400" b="1" u="sng" dirty="0">
+              <a:solidFill>
+                <a:srgbClr val="D4D4D4"/>
+              </a:solidFill>
+              <a:latin typeface="Consolas" panose="020B0609020204030204" pitchFamily="49" charset="0"/>
+            </a:endParaRPr>
+          </a:p>
+          <a:p>
+            <a:r>
+              <a:rPr lang="en-US" sz="2400" dirty="0" err="1">
+                <a:solidFill>
+                  <a:srgbClr val="D4D4D4"/>
+                </a:solidFill>
+                <a:latin typeface="Consolas" panose="020B0609020204030204" pitchFamily="49" charset="0"/>
+              </a:rPr>
+              <a:t>mlmodel_reg</a:t>
+            </a:r>
+            <a:r>
+              <a:rPr lang="en-US" sz="2400" dirty="0">
+                <a:solidFill>
+                  <a:srgbClr val="D4D4D4"/>
+                </a:solidFill>
+                <a:latin typeface="Consolas" panose="020B0609020204030204" pitchFamily="49" charset="0"/>
+              </a:rPr>
+              <a:t> = </a:t>
+            </a:r>
+            <a:r>
+              <a:rPr lang="en-US" sz="2400" dirty="0" err="1">
+                <a:solidFill>
+                  <a:srgbClr val="D4D4D4"/>
+                </a:solidFill>
+                <a:latin typeface="Consolas" panose="020B0609020204030204" pitchFamily="49" charset="0"/>
+              </a:rPr>
+              <a:t>DecisionTreeRegressor</a:t>
+            </a:r>
+            <a:r>
+              <a:rPr lang="en-US" sz="2400" dirty="0">
+                <a:solidFill>
+                  <a:srgbClr val="D4D4D4"/>
+                </a:solidFill>
+                <a:latin typeface="Consolas" panose="020B0609020204030204" pitchFamily="49" charset="0"/>
+              </a:rPr>
+              <a:t>()</a:t>
+            </a:r>
+          </a:p>
+          <a:p>
+            <a:r>
+              <a:rPr lang="en-US" sz="2400" dirty="0" err="1">
+                <a:solidFill>
+                  <a:srgbClr val="D4D4D4"/>
+                </a:solidFill>
+                <a:latin typeface="Consolas" panose="020B0609020204030204" pitchFamily="49" charset="0"/>
+              </a:rPr>
+              <a:t>mlmodel_reg.fit</a:t>
+            </a:r>
+            <a:r>
+              <a:rPr lang="en-US" sz="2400" dirty="0">
+                <a:solidFill>
+                  <a:srgbClr val="D4D4D4"/>
+                </a:solidFill>
+                <a:latin typeface="Consolas" panose="020B0609020204030204" pitchFamily="49" charset="0"/>
+              </a:rPr>
+              <a:t>(</a:t>
+            </a:r>
+            <a:r>
+              <a:rPr lang="en-US" sz="2400" dirty="0" err="1">
+                <a:solidFill>
+                  <a:srgbClr val="D4D4D4"/>
+                </a:solidFill>
+                <a:latin typeface="Consolas" panose="020B0609020204030204" pitchFamily="49" charset="0"/>
+              </a:rPr>
+              <a:t>data_predictor_variables</a:t>
+            </a:r>
+            <a:r>
+              <a:rPr lang="en-US" sz="2400" dirty="0">
+                <a:solidFill>
+                  <a:srgbClr val="D4D4D4"/>
+                </a:solidFill>
+                <a:latin typeface="Consolas" panose="020B0609020204030204" pitchFamily="49" charset="0"/>
+              </a:rPr>
+              <a:t>, </a:t>
+            </a:r>
+            <a:r>
+              <a:rPr lang="en-US" sz="2400" dirty="0" err="1">
+                <a:solidFill>
+                  <a:srgbClr val="D4D4D4"/>
+                </a:solidFill>
+                <a:latin typeface="Consolas" panose="020B0609020204030204" pitchFamily="49" charset="0"/>
+              </a:rPr>
+              <a:t>data_labels</a:t>
+            </a:r>
+            <a:r>
+              <a:rPr lang="en-US" sz="2400" dirty="0">
+                <a:solidFill>
+                  <a:srgbClr val="D4D4D4"/>
+                </a:solidFill>
+                <a:latin typeface="Consolas" panose="020B0609020204030204" pitchFamily="49" charset="0"/>
+              </a:rPr>
+              <a:t>)</a:t>
+            </a:r>
+          </a:p>
+        </p:txBody>
+      </p:sp>
+      <p:sp>
+        <p:nvSpPr>
+          <p:cNvPr id="7" name="Rectangle 6">
             <a:extLst>
               <a:ext uri="{FF2B5EF4-FFF2-40B4-BE49-F238E27FC236}">
-                <a16:creationId xmlns:a16="http://schemas.microsoft.com/office/drawing/2014/main" id="{D4702EF9-7A49-4785-9CA9-49BD241B3DB1}"/>
+                <a16:creationId xmlns:a16="http://schemas.microsoft.com/office/drawing/2014/main" id="{030EC7F4-C910-47FA-8F2A-5CE6E4A18E3E}"/>
               </a:ext>
             </a:extLst>
           </p:cNvPr>
@@ -9138,110 +11606,304 @@
         </p:nvSpPr>
         <p:spPr>
           <a:xfrm>
-            <a:off x="2159876" y="3720662"/>
-            <a:ext cx="2096814" cy="804041"/>
+            <a:off x="78141" y="5440045"/>
+            <a:ext cx="12035718" cy="1569660"/>
           </a:xfrm>
           <a:prstGeom prst="rect">
             <a:avLst/>
           </a:prstGeom>
-          <a:ln w="38100">
-            <a:solidFill>
-              <a:schemeClr val="accent1">
-                <a:lumMod val="50000"/>
-              </a:schemeClr>
-            </a:solidFill>
-          </a:ln>
+          <a:solidFill>
+            <a:srgbClr val="1E1E1E"/>
+          </a:solidFill>
         </p:spPr>
-        <p:style>
-          <a:lnRef idx="2">
-            <a:schemeClr val="accent1">
-              <a:shade val="50000"/>
-            </a:schemeClr>
-          </a:lnRef>
-          <a:fillRef idx="1">
-            <a:schemeClr val="accent1"/>
-          </a:fillRef>
-          <a:effectRef idx="0">
-            <a:schemeClr val="accent1"/>
-          </a:effectRef>
-          <a:fontRef idx="minor">
-            <a:schemeClr val="lt1"/>
-          </a:fontRef>
-        </p:style>
-        <p:txBody>
-          <a:bodyPr rtlCol="0" anchor="ctr"/>
-          <a:lstStyle/>
-          <a:p>
-            <a:pPr algn="ctr"/>
-            <a:r>
-              <a:rPr lang="en-US" sz="2400" b="1" dirty="0"/>
-              <a:t>Training Set</a:t>
-            </a:r>
-          </a:p>
-        </p:txBody>
-      </p:sp>
-      <p:sp>
-        <p:nvSpPr>
-          <p:cNvPr id="11" name="Rectangle 10">
+        <p:txBody>
+          <a:bodyPr wrap="square">
+            <a:spAutoFit/>
+          </a:bodyPr>
+          <a:lstStyle/>
+          <a:p>
+            <a:r>
+              <a:rPr lang="en-US" sz="2400" dirty="0">
+                <a:solidFill>
+                  <a:srgbClr val="C586C0"/>
+                </a:solidFill>
+                <a:latin typeface="Consolas" panose="020B0609020204030204" pitchFamily="49" charset="0"/>
+              </a:rPr>
+              <a:t>from</a:t>
+            </a:r>
+            <a:r>
+              <a:rPr lang="en-US" sz="2400" dirty="0">
+                <a:solidFill>
+                  <a:srgbClr val="D4D4D4"/>
+                </a:solidFill>
+                <a:latin typeface="Consolas" panose="020B0609020204030204" pitchFamily="49" charset="0"/>
+              </a:rPr>
+              <a:t> </a:t>
+            </a:r>
+            <a:r>
+              <a:rPr lang="en-US" sz="2400" dirty="0" err="1">
+                <a:solidFill>
+                  <a:srgbClr val="D4D4D4"/>
+                </a:solidFill>
+                <a:latin typeface="Consolas" panose="020B0609020204030204" pitchFamily="49" charset="0"/>
+              </a:rPr>
+              <a:t>sklearn.metrics</a:t>
+            </a:r>
+            <a:r>
+              <a:rPr lang="en-US" sz="2400" dirty="0">
+                <a:solidFill>
+                  <a:srgbClr val="D4D4D4"/>
+                </a:solidFill>
+                <a:latin typeface="Consolas" panose="020B0609020204030204" pitchFamily="49" charset="0"/>
+              </a:rPr>
+              <a:t> </a:t>
+            </a:r>
+            <a:r>
+              <a:rPr lang="en-US" sz="2400" dirty="0">
+                <a:solidFill>
+                  <a:srgbClr val="C586C0"/>
+                </a:solidFill>
+                <a:latin typeface="Consolas" panose="020B0609020204030204" pitchFamily="49" charset="0"/>
+              </a:rPr>
+              <a:t>import</a:t>
+            </a:r>
+            <a:r>
+              <a:rPr lang="en-US" sz="2400" dirty="0">
+                <a:solidFill>
+                  <a:srgbClr val="D4D4D4"/>
+                </a:solidFill>
+                <a:latin typeface="Consolas" panose="020B0609020204030204" pitchFamily="49" charset="0"/>
+              </a:rPr>
+              <a:t> </a:t>
+            </a:r>
+            <a:r>
+              <a:rPr lang="en-US" sz="2400" dirty="0" err="1">
+                <a:solidFill>
+                  <a:srgbClr val="D4D4D4"/>
+                </a:solidFill>
+                <a:latin typeface="Consolas" panose="020B0609020204030204" pitchFamily="49" charset="0"/>
+              </a:rPr>
+              <a:t>mean_squared_error</a:t>
+            </a:r>
+            <a:endParaRPr lang="en-US" sz="2400" dirty="0">
+              <a:solidFill>
+                <a:srgbClr val="D4D4D4"/>
+              </a:solidFill>
+              <a:latin typeface="Consolas" panose="020B0609020204030204" pitchFamily="49" charset="0"/>
+            </a:endParaRPr>
+          </a:p>
+          <a:p>
+            <a:r>
+              <a:rPr lang="en-US" sz="2400" dirty="0" err="1">
+                <a:solidFill>
+                  <a:srgbClr val="D4D4D4"/>
+                </a:solidFill>
+                <a:latin typeface="Consolas" panose="020B0609020204030204" pitchFamily="49" charset="0"/>
+              </a:rPr>
+              <a:t>test_predictions</a:t>
+            </a:r>
+            <a:r>
+              <a:rPr lang="en-US" sz="2400" dirty="0">
+                <a:solidFill>
+                  <a:srgbClr val="D4D4D4"/>
+                </a:solidFill>
+                <a:latin typeface="Consolas" panose="020B0609020204030204" pitchFamily="49" charset="0"/>
+              </a:rPr>
+              <a:t> = </a:t>
+            </a:r>
+            <a:r>
+              <a:rPr lang="en-US" sz="2400" dirty="0" err="1">
+                <a:solidFill>
+                  <a:srgbClr val="D4D4D4"/>
+                </a:solidFill>
+                <a:latin typeface="Consolas" panose="020B0609020204030204" pitchFamily="49" charset="0"/>
+              </a:rPr>
+              <a:t>mlmodel_reg.predict</a:t>
+            </a:r>
+            <a:r>
+              <a:rPr lang="en-US" sz="2400" dirty="0">
+                <a:solidFill>
+                  <a:srgbClr val="D4D4D4"/>
+                </a:solidFill>
+                <a:latin typeface="Consolas" panose="020B0609020204030204" pitchFamily="49" charset="0"/>
+              </a:rPr>
+              <a:t>(</a:t>
+            </a:r>
+            <a:r>
+              <a:rPr lang="en-US" sz="2400" dirty="0" err="1">
+                <a:solidFill>
+                  <a:srgbClr val="D4D4D4"/>
+                </a:solidFill>
+                <a:latin typeface="Consolas" panose="020B0609020204030204" pitchFamily="49" charset="0"/>
+              </a:rPr>
+              <a:t>test_dataset</a:t>
+            </a:r>
+            <a:r>
+              <a:rPr lang="en-US" sz="2400" dirty="0">
+                <a:solidFill>
+                  <a:srgbClr val="D4D4D4"/>
+                </a:solidFill>
+                <a:latin typeface="Consolas" panose="020B0609020204030204" pitchFamily="49" charset="0"/>
+              </a:rPr>
+              <a:t>)</a:t>
+            </a:r>
+          </a:p>
+          <a:p>
+            <a:r>
+              <a:rPr lang="en-US" sz="2400" dirty="0" err="1">
+                <a:solidFill>
+                  <a:srgbClr val="D4D4D4"/>
+                </a:solidFill>
+                <a:latin typeface="Consolas" panose="020B0609020204030204" pitchFamily="49" charset="0"/>
+              </a:rPr>
+              <a:t>mlmodel</a:t>
+            </a:r>
+            <a:r>
+              <a:rPr lang="en-US" sz="2400" dirty="0">
+                <a:solidFill>
+                  <a:srgbClr val="D4D4D4"/>
+                </a:solidFill>
+                <a:latin typeface="Consolas" panose="020B0609020204030204" pitchFamily="49" charset="0"/>
+              </a:rPr>
+              <a:t>__</a:t>
+            </a:r>
+            <a:r>
+              <a:rPr lang="en-US" sz="2400" dirty="0" err="1">
+                <a:solidFill>
+                  <a:srgbClr val="D4D4D4"/>
+                </a:solidFill>
+                <a:latin typeface="Consolas" panose="020B0609020204030204" pitchFamily="49" charset="0"/>
+              </a:rPr>
+              <a:t>mse</a:t>
+            </a:r>
+            <a:r>
+              <a:rPr lang="en-US" sz="2400" dirty="0">
+                <a:solidFill>
+                  <a:srgbClr val="D4D4D4"/>
+                </a:solidFill>
+                <a:latin typeface="Consolas" panose="020B0609020204030204" pitchFamily="49" charset="0"/>
+              </a:rPr>
+              <a:t> = </a:t>
+            </a:r>
+            <a:r>
+              <a:rPr lang="en-US" sz="2400" dirty="0" err="1">
+                <a:solidFill>
+                  <a:srgbClr val="D4D4D4"/>
+                </a:solidFill>
+                <a:latin typeface="Consolas" panose="020B0609020204030204" pitchFamily="49" charset="0"/>
+              </a:rPr>
+              <a:t>mean_squared_error</a:t>
+            </a:r>
+            <a:r>
+              <a:rPr lang="en-US" sz="2400" dirty="0">
+                <a:solidFill>
+                  <a:srgbClr val="D4D4D4"/>
+                </a:solidFill>
+                <a:latin typeface="Consolas" panose="020B0609020204030204" pitchFamily="49" charset="0"/>
+              </a:rPr>
+              <a:t>(</a:t>
+            </a:r>
+            <a:r>
+              <a:rPr lang="en-US" sz="2400" dirty="0" err="1">
+                <a:solidFill>
+                  <a:srgbClr val="D4D4D4"/>
+                </a:solidFill>
+                <a:latin typeface="Consolas" panose="020B0609020204030204" pitchFamily="49" charset="0"/>
+              </a:rPr>
+              <a:t>test_labels</a:t>
+            </a:r>
+            <a:r>
+              <a:rPr lang="en-US" sz="2400" dirty="0">
+                <a:solidFill>
+                  <a:srgbClr val="D4D4D4"/>
+                </a:solidFill>
+                <a:latin typeface="Consolas" panose="020B0609020204030204" pitchFamily="49" charset="0"/>
+              </a:rPr>
+              <a:t>, </a:t>
+            </a:r>
+            <a:r>
+              <a:rPr lang="en-US" sz="2400" dirty="0" err="1">
+                <a:solidFill>
+                  <a:srgbClr val="D4D4D4"/>
+                </a:solidFill>
+                <a:latin typeface="Consolas" panose="020B0609020204030204" pitchFamily="49" charset="0"/>
+              </a:rPr>
+              <a:t>test_predictions</a:t>
+            </a:r>
+            <a:r>
+              <a:rPr lang="en-US" sz="2400" dirty="0">
+                <a:solidFill>
+                  <a:srgbClr val="D4D4D4"/>
+                </a:solidFill>
+                <a:latin typeface="Consolas" panose="020B0609020204030204" pitchFamily="49" charset="0"/>
+              </a:rPr>
+              <a:t>)</a:t>
+            </a:r>
+          </a:p>
+          <a:p>
+            <a:r>
+              <a:rPr lang="en-US" sz="2400" dirty="0" err="1">
+                <a:solidFill>
+                  <a:srgbClr val="D4D4D4"/>
+                </a:solidFill>
+                <a:latin typeface="Consolas" panose="020B0609020204030204" pitchFamily="49" charset="0"/>
+              </a:rPr>
+              <a:t>mlmodel_rmse</a:t>
+            </a:r>
+            <a:r>
+              <a:rPr lang="en-US" sz="2400" dirty="0">
+                <a:solidFill>
+                  <a:srgbClr val="D4D4D4"/>
+                </a:solidFill>
+                <a:latin typeface="Consolas" panose="020B0609020204030204" pitchFamily="49" charset="0"/>
+              </a:rPr>
+              <a:t> = </a:t>
+            </a:r>
+            <a:r>
+              <a:rPr lang="en-US" sz="2400" dirty="0" err="1">
+                <a:solidFill>
+                  <a:srgbClr val="D4D4D4"/>
+                </a:solidFill>
+                <a:latin typeface="Consolas" panose="020B0609020204030204" pitchFamily="49" charset="0"/>
+              </a:rPr>
+              <a:t>np.sqrt</a:t>
+            </a:r>
+            <a:r>
+              <a:rPr lang="en-US" sz="2400" dirty="0">
+                <a:solidFill>
+                  <a:srgbClr val="D4D4D4"/>
+                </a:solidFill>
+                <a:latin typeface="Consolas" panose="020B0609020204030204" pitchFamily="49" charset="0"/>
+              </a:rPr>
+              <a:t>(</a:t>
+            </a:r>
+            <a:r>
+              <a:rPr lang="en-US" sz="2400" dirty="0" err="1">
+                <a:solidFill>
+                  <a:srgbClr val="D4D4D4"/>
+                </a:solidFill>
+                <a:latin typeface="Consolas" panose="020B0609020204030204" pitchFamily="49" charset="0"/>
+              </a:rPr>
+              <a:t>mlmodel_mse</a:t>
+            </a:r>
+            <a:r>
+              <a:rPr lang="en-US" sz="2400" dirty="0">
+                <a:solidFill>
+                  <a:srgbClr val="D4D4D4"/>
+                </a:solidFill>
+                <a:latin typeface="Consolas" panose="020B0609020204030204" pitchFamily="49" charset="0"/>
+              </a:rPr>
+              <a:t>)</a:t>
+            </a:r>
+          </a:p>
+        </p:txBody>
+      </p:sp>
+      <p:sp>
+        <p:nvSpPr>
+          <p:cNvPr id="8" name="TextBox 7">
             <a:extLst>
               <a:ext uri="{FF2B5EF4-FFF2-40B4-BE49-F238E27FC236}">
-                <a16:creationId xmlns:a16="http://schemas.microsoft.com/office/drawing/2014/main" id="{299CED0C-CFD6-4C0A-A597-3119782DD8C0}"/>
-              </a:ext>
-            </a:extLst>
-          </p:cNvPr>
-          <p:cNvSpPr/>
-          <p:nvPr/>
-        </p:nvSpPr>
-        <p:spPr>
-          <a:xfrm>
-            <a:off x="2159876" y="4524703"/>
-            <a:ext cx="2096814" cy="804041"/>
-          </a:xfrm>
-          <a:prstGeom prst="rect">
-            <a:avLst/>
-          </a:prstGeom>
-          <a:ln w="38100">
-            <a:solidFill>
-              <a:schemeClr val="accent1">
-                <a:lumMod val="50000"/>
-              </a:schemeClr>
-            </a:solidFill>
-          </a:ln>
-        </p:spPr>
-        <p:style>
-          <a:lnRef idx="2">
-            <a:schemeClr val="accent1">
-              <a:shade val="50000"/>
-            </a:schemeClr>
-          </a:lnRef>
-          <a:fillRef idx="1">
-            <a:schemeClr val="accent1"/>
-          </a:fillRef>
-          <a:effectRef idx="0">
-            <a:schemeClr val="accent1"/>
-          </a:effectRef>
-          <a:fontRef idx="minor">
-            <a:schemeClr val="lt1"/>
-          </a:fontRef>
-        </p:style>
-        <p:txBody>
-          <a:bodyPr rtlCol="0" anchor="ctr"/>
-          <a:lstStyle/>
-          <a:p>
-            <a:pPr algn="ctr"/>
-            <a:r>
-              <a:rPr lang="en-US" sz="2400" b="1" dirty="0"/>
-              <a:t>Training Set</a:t>
-            </a:r>
-          </a:p>
-        </p:txBody>
-      </p:sp>
-      <p:sp>
-        <p:nvSpPr>
-          <p:cNvPr id="7" name="TextBox 6">
-            <a:extLst>
-              <a:ext uri="{FF2B5EF4-FFF2-40B4-BE49-F238E27FC236}">
-                <a16:creationId xmlns:a16="http://schemas.microsoft.com/office/drawing/2014/main" id="{06D67243-6B2B-435B-8AD6-7F6FFD3C7D35}"/>
+                <a16:creationId xmlns:a16="http://schemas.microsoft.com/office/drawing/2014/main" id="{77E96644-EBD4-4AA2-831B-D91F4C4E93D7}"/>
               </a:ext>
             </a:extLst>
           </p:cNvPr>
@@ -9250,8 +11912,8 @@
         </p:nvSpPr>
         <p:spPr>
           <a:xfrm>
-            <a:off x="5407572" y="2052935"/>
-            <a:ext cx="3200400" cy="461665"/>
+            <a:off x="189188" y="4695027"/>
+            <a:ext cx="3578772" cy="584775"/>
           </a:xfrm>
           <a:prstGeom prst="rect">
             <a:avLst/>
@@ -9265,18 +11927,18 @@
           <a:lstStyle/>
           <a:p>
             <a:r>
-              <a:rPr lang="en-US" sz="2400" dirty="0"/>
-              <a:t>4-fold cross-validation</a:t>
-            </a:r>
-          </a:p>
-        </p:txBody>
-      </p:sp>
-      <p:sp>
-        <p:nvSpPr>
-          <p:cNvPr id="8" name="TextBox 7">
+              <a:rPr lang="en-US" sz="3200" dirty="0"/>
+              <a:t>Measuring Error</a:t>
+            </a:r>
+          </a:p>
+        </p:txBody>
+      </p:sp>
+      <p:sp>
+        <p:nvSpPr>
+          <p:cNvPr id="3" name="TextBox 2">
             <a:extLst>
               <a:ext uri="{FF2B5EF4-FFF2-40B4-BE49-F238E27FC236}">
-                <a16:creationId xmlns:a16="http://schemas.microsoft.com/office/drawing/2014/main" id="{970822F7-0177-4E74-A810-E5888E7EAE82}"/>
+                <a16:creationId xmlns:a16="http://schemas.microsoft.com/office/drawing/2014/main" id="{80D61A14-20E3-4012-9499-D6209BCEE57F}"/>
               </a:ext>
             </a:extLst>
           </p:cNvPr>
@@ -9285,8 +11947,8 @@
         </p:nvSpPr>
         <p:spPr>
           <a:xfrm>
-            <a:off x="2159876" y="1481959"/>
-            <a:ext cx="2096814" cy="461665"/>
+            <a:off x="115673" y="3377833"/>
+            <a:ext cx="11493060" cy="646331"/>
           </a:xfrm>
           <a:prstGeom prst="rect">
             <a:avLst/>
@@ -9299,10 +11961,139 @@
           </a:bodyPr>
           <a:lstStyle/>
           <a:p>
-            <a:pPr algn="ctr"/>
-            <a:r>
-              <a:rPr lang="en-US" sz="2400" dirty="0"/>
-              <a:t>Dataset</a:t>
+            <a:r>
+              <a:rPr lang="en-US" dirty="0" err="1"/>
+              <a:t>mlmodel</a:t>
+            </a:r>
+            <a:r>
+              <a:rPr lang="en-US" dirty="0"/>
+              <a:t>           =                                         </a:t>
+            </a:r>
+            <a:r>
+              <a:rPr lang="en-US" dirty="0" err="1">
+                <a:solidFill>
+                  <a:schemeClr val="bg1">
+                    <a:lumMod val="65000"/>
+                  </a:schemeClr>
+                </a:solidFill>
+              </a:rPr>
+              <a:t>linear_model</a:t>
+            </a:r>
+            <a:r>
+              <a:rPr lang="en-US" dirty="0">
+                <a:solidFill>
+                  <a:schemeClr val="bg1">
+                    <a:lumMod val="65000"/>
+                  </a:schemeClr>
+                </a:solidFill>
+              </a:rPr>
+              <a:t> |</a:t>
+            </a:r>
+            <a:r>
+              <a:rPr lang="en-US" dirty="0"/>
+              <a:t>              tree                     </a:t>
+            </a:r>
+            <a:r>
+              <a:rPr lang="en-US" dirty="0">
+                <a:solidFill>
+                  <a:schemeClr val="bg1">
+                    <a:lumMod val="65000"/>
+                  </a:schemeClr>
+                </a:solidFill>
+              </a:rPr>
+              <a:t>|              ensemble              | </a:t>
+            </a:r>
+            <a:r>
+              <a:rPr lang="en-US" dirty="0" err="1">
+                <a:solidFill>
+                  <a:schemeClr val="bg1">
+                    <a:lumMod val="65000"/>
+                  </a:schemeClr>
+                </a:solidFill>
+              </a:rPr>
+              <a:t>svm</a:t>
+            </a:r>
+            <a:r>
+              <a:rPr lang="en-US" dirty="0">
+                <a:solidFill>
+                  <a:schemeClr val="bg1">
+                    <a:lumMod val="65000"/>
+                  </a:schemeClr>
+                </a:solidFill>
+              </a:rPr>
+              <a:t>  | …</a:t>
+            </a:r>
+          </a:p>
+          <a:p>
+            <a:r>
+              <a:rPr lang="en-US" dirty="0" err="1"/>
+              <a:t>MachineLearningModelRegressor</a:t>
+            </a:r>
+            <a:r>
+              <a:rPr lang="en-US" dirty="0"/>
+              <a:t> = </a:t>
+            </a:r>
+            <a:r>
+              <a:rPr lang="en-US" dirty="0" err="1">
+                <a:solidFill>
+                  <a:schemeClr val="bg1">
+                    <a:lumMod val="65000"/>
+                  </a:schemeClr>
+                </a:solidFill>
+              </a:rPr>
+              <a:t>LinearRegression</a:t>
+            </a:r>
+            <a:r>
+              <a:rPr lang="en-US" dirty="0">
+                <a:solidFill>
+                  <a:schemeClr val="bg1">
+                    <a:lumMod val="65000"/>
+                  </a:schemeClr>
+                </a:solidFill>
+              </a:rPr>
+              <a:t> |</a:t>
+            </a:r>
+            <a:r>
+              <a:rPr lang="en-US" dirty="0"/>
+              <a:t> </a:t>
+            </a:r>
+            <a:r>
+              <a:rPr lang="en-US" dirty="0" err="1"/>
+              <a:t>DecisionTreeRegressor</a:t>
+            </a:r>
+            <a:r>
+              <a:rPr lang="en-US" dirty="0"/>
+              <a:t> </a:t>
+            </a:r>
+            <a:r>
+              <a:rPr lang="en-US" dirty="0">
+                <a:solidFill>
+                  <a:schemeClr val="bg1">
+                    <a:lumMod val="65000"/>
+                  </a:schemeClr>
+                </a:solidFill>
+              </a:rPr>
+              <a:t>| </a:t>
+            </a:r>
+            <a:r>
+              <a:rPr lang="en-US" dirty="0" err="1">
+                <a:solidFill>
+                  <a:schemeClr val="bg1">
+                    <a:lumMod val="65000"/>
+                  </a:schemeClr>
+                </a:solidFill>
+              </a:rPr>
+              <a:t>RandomForestRegressor</a:t>
+            </a:r>
+            <a:r>
+              <a:rPr lang="en-US" dirty="0">
+                <a:solidFill>
+                  <a:schemeClr val="bg1">
+                    <a:lumMod val="65000"/>
+                  </a:schemeClr>
+                </a:solidFill>
+              </a:rPr>
+              <a:t> |  SVR |…</a:t>
             </a:r>
           </a:p>
         </p:txBody>
@@ -9310,25 +12101,13 @@
     </p:spTree>
     <p:extLst>
       <p:ext uri="{BB962C8B-B14F-4D97-AF65-F5344CB8AC3E}">
-        <p14:creationId xmlns:p14="http://schemas.microsoft.com/office/powerpoint/2010/main" val="2959716217"/>
+        <p14:creationId xmlns:p14="http://schemas.microsoft.com/office/powerpoint/2010/main" val="2451758142"/>
       </p:ext>
     </p:extLst>
   </p:cSld>
   <p:clrMapOvr>
     <a:masterClrMapping/>
   </p:clrMapOvr>
-  <mc:AlternateContent xmlns:mc="http://schemas.openxmlformats.org/markup-compatibility/2006" xmlns:p159="http://schemas.microsoft.com/office/powerpoint/2015/09/main">
-    <mc:Choice Requires="p159">
-      <p:transition xmlns:p14="http://schemas.microsoft.com/office/powerpoint/2010/main" spd="slow" p14:dur="2000">
-        <p159:morph option="byObject"/>
-      </p:transition>
-    </mc:Choice>
-    <mc:Fallback xmlns="">
-      <p:transition spd="slow">
-        <p:fade/>
-      </p:transition>
-    </mc:Fallback>
-  </mc:AlternateContent>
 </p:sld>
 </file>
 
@@ -9444,66 +12223,7 @@
         </p:nvSpPr>
         <p:spPr>
           <a:xfrm>
-            <a:off x="2159876" y="3720662"/>
-            <a:ext cx="2096814" cy="804041"/>
-          </a:xfrm>
-          <a:prstGeom prst="rect">
-            <a:avLst/>
-          </a:prstGeom>
-          <a:solidFill>
-            <a:srgbClr val="00B050"/>
-          </a:solidFill>
-          <a:ln w="38100">
-            <a:solidFill>
-              <a:schemeClr val="accent1">
-                <a:lumMod val="50000"/>
-              </a:schemeClr>
-            </a:solidFill>
-          </a:ln>
-        </p:spPr>
-        <p:style>
-          <a:lnRef idx="2">
-            <a:schemeClr val="accent1">
-              <a:shade val="50000"/>
-            </a:schemeClr>
-          </a:lnRef>
-          <a:fillRef idx="1">
-            <a:schemeClr val="accent1"/>
-          </a:fillRef>
-          <a:effectRef idx="0">
-            <a:schemeClr val="accent1"/>
-          </a:effectRef>
-          <a:fontRef idx="minor">
-            <a:schemeClr val="lt1"/>
-          </a:fontRef>
-        </p:style>
-        <p:txBody>
-          <a:bodyPr rtlCol="0" anchor="ctr"/>
-          <a:lstStyle/>
-          <a:p>
-            <a:pPr algn="ctr"/>
-            <a:r>
-              <a:rPr lang="en-US" sz="2400" b="1" dirty="0"/>
-              <a:t>Validation Set</a:t>
-            </a:r>
-          </a:p>
-        </p:txBody>
-      </p:sp>
-      <p:sp>
-        <p:nvSpPr>
-          <p:cNvPr id="9" name="Rectangle 8">
-            <a:extLst>
-              <a:ext uri="{FF2B5EF4-FFF2-40B4-BE49-F238E27FC236}">
-                <a16:creationId xmlns:a16="http://schemas.microsoft.com/office/drawing/2014/main" id="{D9E07790-140A-481D-81A4-AFD0ED127989}"/>
-              </a:ext>
-            </a:extLst>
-          </p:cNvPr>
-          <p:cNvSpPr/>
-          <p:nvPr/>
-        </p:nvSpPr>
-        <p:spPr>
-          <a:xfrm>
-            <a:off x="2159876" y="2112581"/>
+            <a:off x="2159876" y="2112580"/>
             <a:ext cx="2096814" cy="804041"/>
           </a:xfrm>
           <a:prstGeom prst="rect">
@@ -9538,19 +12258,16 @@
           <a:lstStyle/>
           <a:p>
             <a:pPr algn="ctr"/>
-            <a:r>
-              <a:rPr lang="en-US" sz="2400" b="1" dirty="0"/>
-              <a:t>Training Set</a:t>
-            </a:r>
-          </a:p>
-        </p:txBody>
-      </p:sp>
-      <p:sp>
-        <p:nvSpPr>
-          <p:cNvPr id="10" name="Rectangle 9">
+            <a:endParaRPr lang="en-US" sz="2400" dirty="0"/>
+          </a:p>
+        </p:txBody>
+      </p:sp>
+      <p:sp>
+        <p:nvSpPr>
+          <p:cNvPr id="9" name="Rectangle 8">
             <a:extLst>
               <a:ext uri="{FF2B5EF4-FFF2-40B4-BE49-F238E27FC236}">
-                <a16:creationId xmlns:a16="http://schemas.microsoft.com/office/drawing/2014/main" id="{D4702EF9-7A49-4785-9CA9-49BD241B3DB1}"/>
+                <a16:creationId xmlns:a16="http://schemas.microsoft.com/office/drawing/2014/main" id="{D9E07790-140A-481D-81A4-AFD0ED127989}"/>
               </a:ext>
             </a:extLst>
           </p:cNvPr>
@@ -9594,10 +12311,60 @@
           <a:lstStyle/>
           <a:p>
             <a:pPr algn="ctr"/>
-            <a:r>
-              <a:rPr lang="en-US" sz="2400" b="1" dirty="0"/>
-              <a:t>Training Set</a:t>
-            </a:r>
+            <a:endParaRPr lang="en-US" sz="2400" dirty="0"/>
+          </a:p>
+        </p:txBody>
+      </p:sp>
+      <p:sp>
+        <p:nvSpPr>
+          <p:cNvPr id="10" name="Rectangle 9">
+            <a:extLst>
+              <a:ext uri="{FF2B5EF4-FFF2-40B4-BE49-F238E27FC236}">
+                <a16:creationId xmlns:a16="http://schemas.microsoft.com/office/drawing/2014/main" id="{D4702EF9-7A49-4785-9CA9-49BD241B3DB1}"/>
+              </a:ext>
+            </a:extLst>
+          </p:cNvPr>
+          <p:cNvSpPr/>
+          <p:nvPr/>
+        </p:nvSpPr>
+        <p:spPr>
+          <a:xfrm>
+            <a:off x="2159876" y="3720662"/>
+            <a:ext cx="2096814" cy="804041"/>
+          </a:xfrm>
+          <a:prstGeom prst="rect">
+            <a:avLst/>
+          </a:prstGeom>
+          <a:ln w="38100">
+            <a:solidFill>
+              <a:schemeClr val="accent1">
+                <a:lumMod val="50000"/>
+              </a:schemeClr>
+            </a:solidFill>
+          </a:ln>
+        </p:spPr>
+        <p:style>
+          <a:lnRef idx="2">
+            <a:schemeClr val="accent1">
+              <a:shade val="50000"/>
+            </a:schemeClr>
+          </a:lnRef>
+          <a:fillRef idx="1">
+            <a:schemeClr val="accent1"/>
+          </a:fillRef>
+          <a:effectRef idx="0">
+            <a:schemeClr val="accent1"/>
+          </a:effectRef>
+          <a:fontRef idx="minor">
+            <a:schemeClr val="lt1"/>
+          </a:fontRef>
+        </p:style>
+        <p:txBody>
+          <a:bodyPr rtlCol="0" anchor="ctr"/>
+          <a:lstStyle/>
+          <a:p>
+            <a:pPr algn="ctr"/>
+            <a:endParaRPr lang="en-US" sz="2400" dirty="0"/>
           </a:p>
         </p:txBody>
       </p:sp>
@@ -9650,10 +12417,7 @@
           <a:lstStyle/>
           <a:p>
             <a:pPr algn="ctr"/>
-            <a:r>
-              <a:rPr lang="en-US" sz="2400" b="1" dirty="0"/>
-              <a:t>Training Set</a:t>
-            </a:r>
+            <a:endParaRPr lang="en-US" sz="2400" dirty="0"/>
           </a:p>
         </p:txBody>
       </p:sp>
@@ -9662,7 +12426,7 @@
           <p:cNvPr id="7" name="TextBox 6">
             <a:extLst>
               <a:ext uri="{FF2B5EF4-FFF2-40B4-BE49-F238E27FC236}">
-                <a16:creationId xmlns:a16="http://schemas.microsoft.com/office/drawing/2014/main" id="{2E1AA687-6C08-46FD-8C57-DD64DE92F74C}"/>
+                <a16:creationId xmlns:a16="http://schemas.microsoft.com/office/drawing/2014/main" id="{B21F0BD9-89D7-4287-8C37-3A17B65A5509}"/>
               </a:ext>
             </a:extLst>
           </p:cNvPr>
@@ -9697,7 +12461,7 @@
           <p:cNvPr id="8" name="TextBox 7">
             <a:extLst>
               <a:ext uri="{FF2B5EF4-FFF2-40B4-BE49-F238E27FC236}">
-                <a16:creationId xmlns:a16="http://schemas.microsoft.com/office/drawing/2014/main" id="{5F201219-9371-4294-A2E4-9CAEA829A07C}"/>
+                <a16:creationId xmlns:a16="http://schemas.microsoft.com/office/drawing/2014/main" id="{4146F0E0-5099-41FD-8774-3FB98A90224C}"/>
               </a:ext>
             </a:extLst>
           </p:cNvPr>
@@ -9728,10 +12492,71 @@
           </a:p>
         </p:txBody>
       </p:sp>
+      <p:sp>
+        <p:nvSpPr>
+          <p:cNvPr id="12" name="Rectangle 11">
+            <a:extLst>
+              <a:ext uri="{FF2B5EF4-FFF2-40B4-BE49-F238E27FC236}">
+                <a16:creationId xmlns:a16="http://schemas.microsoft.com/office/drawing/2014/main" id="{E2924B15-8CC6-4B72-95A5-C9E208894237}"/>
+              </a:ext>
+            </a:extLst>
+          </p:cNvPr>
+          <p:cNvSpPr/>
+          <p:nvPr/>
+        </p:nvSpPr>
+        <p:spPr>
+          <a:xfrm>
+            <a:off x="2159876" y="5328744"/>
+            <a:ext cx="2096814" cy="1355835"/>
+          </a:xfrm>
+          <a:prstGeom prst="rect">
+            <a:avLst/>
+          </a:prstGeom>
+          <a:solidFill>
+            <a:schemeClr val="accent4">
+              <a:lumMod val="75000"/>
+            </a:schemeClr>
+          </a:solidFill>
+          <a:ln w="38100">
+            <a:solidFill>
+              <a:schemeClr val="accent1">
+                <a:lumMod val="50000"/>
+              </a:schemeClr>
+            </a:solidFill>
+          </a:ln>
+        </p:spPr>
+        <p:style>
+          <a:lnRef idx="2">
+            <a:schemeClr val="accent1">
+              <a:shade val="50000"/>
+            </a:schemeClr>
+          </a:lnRef>
+          <a:fillRef idx="1">
+            <a:schemeClr val="accent1"/>
+          </a:fillRef>
+          <a:effectRef idx="0">
+            <a:schemeClr val="accent1"/>
+          </a:effectRef>
+          <a:fontRef idx="minor">
+            <a:schemeClr val="lt1"/>
+          </a:fontRef>
+        </p:style>
+        <p:txBody>
+          <a:bodyPr rtlCol="0" anchor="ctr"/>
+          <a:lstStyle/>
+          <a:p>
+            <a:pPr algn="ctr"/>
+            <a:r>
+              <a:rPr lang="en-US" sz="2400" dirty="0"/>
+              <a:t>Test Set</a:t>
+            </a:r>
+          </a:p>
+        </p:txBody>
+      </p:sp>
     </p:spTree>
     <p:extLst>
       <p:ext uri="{BB962C8B-B14F-4D97-AF65-F5344CB8AC3E}">
-        <p14:creationId xmlns:p14="http://schemas.microsoft.com/office/powerpoint/2010/main" val="3575046600"/>
+        <p14:creationId xmlns:p14="http://schemas.microsoft.com/office/powerpoint/2010/main" val="2018273231"/>
       </p:ext>
     </p:extLst>
   </p:cSld>

--- a/slides/03_ML_MLprojectExample.pptx
+++ b/slides/03_ML_MLprojectExample.pptx
@@ -226,7 +226,7 @@
           <a:p>
             <a:fld id="{83A43D8E-262F-43F1-B0CF-97ED6AAA9912}" type="datetimeFigureOut">
               <a:rPr lang="en-US" smtClean="0"/>
-              <a:t>4/12/2020</a:t>
+              <a:t>4/20/2020</a:t>
             </a:fld>
             <a:endParaRPr lang="en-US"/>
           </a:p>
@@ -403,7 +403,7 @@
           <a:p>
             <a:fld id="{03B42920-386F-4187-8314-27C56E157030}" type="datetimeFigureOut">
               <a:rPr lang="en-US" smtClean="0"/>
-              <a:t>4/12/2020</a:t>
+              <a:t>4/19/2020</a:t>
             </a:fld>
             <a:endParaRPr lang="en-US"/>
           </a:p>
@@ -716,39 +716,250 @@
           <a:p>
             <a:r>
               <a:rPr lang="en-US" dirty="0"/>
-              <a:t>Task 1: </a:t>
+              <a:t>from </a:t>
             </a:r>
             <a:r>
               <a:rPr lang="en-US" dirty="0" err="1"/>
-              <a:t>Implemente</a:t>
+              <a:t>sklearn.model_selection</a:t>
             </a:r>
             <a:r>
               <a:rPr lang="en-US" dirty="0"/>
-              <a:t> </a:t>
+              <a:t> import </a:t>
             </a:r>
             <a:r>
               <a:rPr lang="en-US" dirty="0" err="1"/>
-              <a:t>Scikit</a:t>
+              <a:t>train_test_split</a:t>
             </a:r>
             <a:r>
               <a:rPr lang="en-US" dirty="0"/>
-              <a:t>-learn </a:t>
+              <a:t>, </a:t>
             </a:r>
             <a:r>
               <a:rPr lang="en-US" dirty="0" err="1"/>
-              <a:t>OrdinalEncoder</a:t>
-            </a:r>
+              <a:t>StratifiedShuffleSplit</a:t>
+            </a:r>
+            <a:endParaRPr lang="en-US" dirty="0"/>
+          </a:p>
+          <a:p>
             <a:r>
               <a:rPr lang="en-US" dirty="0"/>
-              <a:t>() using </a:t>
+              <a:t>iris['</a:t>
             </a:r>
             <a:r>
               <a:rPr lang="en-US" dirty="0" err="1"/>
-              <a:t>Pandas.Series</a:t>
+              <a:t>new_cat</a:t>
             </a:r>
             <a:r>
               <a:rPr lang="en-US" dirty="0"/>
-              <a:t>()</a:t>
+              <a:t>']= </a:t>
+            </a:r>
+            <a:r>
+              <a:rPr lang="en-US" dirty="0" err="1"/>
+              <a:t>np.random.choice</a:t>
+            </a:r>
+            <a:r>
+              <a:rPr lang="en-US" dirty="0"/>
+              <a:t>(['a', 'b'], </a:t>
+            </a:r>
+            <a:r>
+              <a:rPr lang="en-US" dirty="0" err="1"/>
+              <a:t>len</a:t>
+            </a:r>
+            <a:r>
+              <a:rPr lang="en-US" dirty="0"/>
+              <a:t>(iris), p = [0.4, 0.6])</a:t>
+            </a:r>
+          </a:p>
+          <a:p>
+            <a:r>
+              <a:rPr lang="en-US" dirty="0"/>
+              <a:t>split = </a:t>
+            </a:r>
+            <a:r>
+              <a:rPr lang="en-US" dirty="0" err="1"/>
+              <a:t>StratifiedShuffleSplit</a:t>
+            </a:r>
+            <a:r>
+              <a:rPr lang="en-US" dirty="0"/>
+              <a:t>(</a:t>
+            </a:r>
+            <a:r>
+              <a:rPr lang="en-US" dirty="0" err="1"/>
+              <a:t>n_splits</a:t>
+            </a:r>
+            <a:r>
+              <a:rPr lang="en-US" dirty="0"/>
+              <a:t>=1, </a:t>
+            </a:r>
+            <a:r>
+              <a:rPr lang="en-US" dirty="0" err="1"/>
+              <a:t>test_size</a:t>
+            </a:r>
+            <a:r>
+              <a:rPr lang="en-US" dirty="0"/>
+              <a:t>=0.2, </a:t>
+            </a:r>
+            <a:r>
+              <a:rPr lang="en-US" dirty="0" err="1"/>
+              <a:t>random_state</a:t>
+            </a:r>
+            <a:r>
+              <a:rPr lang="en-US" dirty="0"/>
+              <a:t>=42)</a:t>
+            </a:r>
+          </a:p>
+          <a:p>
+            <a:r>
+              <a:rPr lang="en-US" dirty="0"/>
+              <a:t>for </a:t>
+            </a:r>
+            <a:r>
+              <a:rPr lang="en-US" dirty="0" err="1"/>
+              <a:t>train_index</a:t>
+            </a:r>
+            <a:r>
+              <a:rPr lang="en-US" dirty="0"/>
+              <a:t>, </a:t>
+            </a:r>
+            <a:r>
+              <a:rPr lang="en-US" dirty="0" err="1"/>
+              <a:t>test_index</a:t>
+            </a:r>
+            <a:r>
+              <a:rPr lang="en-US" dirty="0"/>
+              <a:t> in </a:t>
+            </a:r>
+            <a:r>
+              <a:rPr lang="en-US" dirty="0" err="1"/>
+              <a:t>split.split</a:t>
+            </a:r>
+            <a:r>
+              <a:rPr lang="en-US" dirty="0"/>
+              <a:t>(iris, iris[['species', '</a:t>
+            </a:r>
+            <a:r>
+              <a:rPr lang="en-US" dirty="0" err="1"/>
+              <a:t>nc</a:t>
+            </a:r>
+            <a:r>
+              <a:rPr lang="en-US" dirty="0"/>
+              <a:t>']]):</a:t>
+            </a:r>
+          </a:p>
+          <a:p>
+            <a:r>
+              <a:rPr lang="en-US" dirty="0"/>
+              <a:t>    </a:t>
+            </a:r>
+            <a:r>
+              <a:rPr lang="en-US" dirty="0" err="1"/>
+              <a:t>train_set</a:t>
+            </a:r>
+            <a:r>
+              <a:rPr lang="en-US" dirty="0"/>
+              <a:t> = </a:t>
+            </a:r>
+            <a:r>
+              <a:rPr lang="en-US" dirty="0" err="1"/>
+              <a:t>iris.loc</a:t>
+            </a:r>
+            <a:r>
+              <a:rPr lang="en-US" dirty="0"/>
+              <a:t>[</a:t>
+            </a:r>
+            <a:r>
+              <a:rPr lang="en-US" dirty="0" err="1"/>
+              <a:t>train_index</a:t>
+            </a:r>
+            <a:r>
+              <a:rPr lang="en-US" dirty="0"/>
+              <a:t>]</a:t>
+            </a:r>
+          </a:p>
+          <a:p>
+            <a:r>
+              <a:rPr lang="en-US" dirty="0"/>
+              <a:t>    </a:t>
+            </a:r>
+            <a:r>
+              <a:rPr lang="en-US" dirty="0" err="1"/>
+              <a:t>test__set</a:t>
+            </a:r>
+            <a:r>
+              <a:rPr lang="en-US" dirty="0"/>
+              <a:t> = </a:t>
+            </a:r>
+            <a:r>
+              <a:rPr lang="en-US" dirty="0" err="1"/>
+              <a:t>iris.loc</a:t>
+            </a:r>
+            <a:r>
+              <a:rPr lang="en-US" dirty="0"/>
+              <a:t>[</a:t>
+            </a:r>
+            <a:r>
+              <a:rPr lang="en-US" dirty="0" err="1"/>
+              <a:t>test_index</a:t>
+            </a:r>
+            <a:r>
+              <a:rPr lang="en-US" dirty="0"/>
+              <a:t>]</a:t>
+            </a:r>
+          </a:p>
+          <a:p>
+            <a:r>
+              <a:rPr lang="en-US" dirty="0" err="1"/>
+              <a:t>train_set.new_cat.value_counts</a:t>
+            </a:r>
+            <a:r>
+              <a:rPr lang="en-US" dirty="0"/>
+              <a:t>()/</a:t>
+            </a:r>
+            <a:r>
+              <a:rPr lang="en-US" dirty="0" err="1"/>
+              <a:t>len</a:t>
+            </a:r>
+            <a:r>
+              <a:rPr lang="en-US" dirty="0"/>
+              <a:t>(</a:t>
+            </a:r>
+            <a:r>
+              <a:rPr lang="en-US" dirty="0" err="1"/>
+              <a:t>train_set</a:t>
+            </a:r>
+            <a:r>
+              <a:rPr lang="en-US" dirty="0"/>
+              <a:t>)</a:t>
+            </a:r>
+          </a:p>
+          <a:p>
+            <a:r>
+              <a:rPr lang="en-US" dirty="0"/>
+              <a:t>test__</a:t>
+            </a:r>
+            <a:r>
+              <a:rPr lang="en-US" dirty="0" err="1"/>
+              <a:t>set.new_cat.value_counts</a:t>
+            </a:r>
+            <a:r>
+              <a:rPr lang="en-US" dirty="0"/>
+              <a:t>()/</a:t>
+            </a:r>
+            <a:r>
+              <a:rPr lang="en-US" dirty="0" err="1"/>
+              <a:t>len</a:t>
+            </a:r>
+            <a:r>
+              <a:rPr lang="en-US" dirty="0"/>
+              <a:t>(</a:t>
+            </a:r>
+            <a:r>
+              <a:rPr lang="en-US" dirty="0" err="1"/>
+              <a:t>test__set</a:t>
+            </a:r>
+            <a:r>
+              <a:rPr lang="en-US" dirty="0"/>
+              <a:t>)</a:t>
             </a:r>
           </a:p>
         </p:txBody>
@@ -770,7 +981,7 @@
           <a:p>
             <a:fld id="{4C9AD59C-94C8-4AAB-AEDF-FDE77349626C}" type="slidenum">
               <a:rPr lang="en-US" smtClean="0"/>
-              <a:t>5</a:t>
+              <a:t>3</a:t>
             </a:fld>
             <a:endParaRPr lang="en-US"/>
           </a:p>
@@ -779,7 +990,7 @@
     </p:spTree>
     <p:extLst>
       <p:ext uri="{BB962C8B-B14F-4D97-AF65-F5344CB8AC3E}">
-        <p14:creationId xmlns:p14="http://schemas.microsoft.com/office/powerpoint/2010/main" val="955058820"/>
+        <p14:creationId xmlns:p14="http://schemas.microsoft.com/office/powerpoint/2010/main" val="1063883412"/>
       </p:ext>
     </p:extLst>
   </p:cSld>
@@ -833,40 +1044,7 @@
           <a:bodyPr/>
           <a:lstStyle/>
           <a:p>
-            <a:r>
-              <a:rPr lang="en-US" dirty="0"/>
-              <a:t>Task 1: Implement One-hot encoding using </a:t>
-            </a:r>
-            <a:r>
-              <a:rPr lang="en-US" dirty="0" err="1"/>
-              <a:t>pandas.DataFrame</a:t>
-            </a:r>
-            <a:r>
-              <a:rPr lang="en-US" dirty="0"/>
-              <a:t>()</a:t>
-            </a:r>
-          </a:p>
-          <a:p>
-            <a:r>
-              <a:rPr lang="en-US" dirty="0"/>
-              <a:t>Task 2: What happens with NA’s? Run </a:t>
-            </a:r>
-            <a:r>
-              <a:rPr lang="en-US" dirty="0" err="1"/>
-              <a:t>Scikit</a:t>
-            </a:r>
-            <a:r>
-              <a:rPr lang="en-US" dirty="0"/>
-              <a:t>-learn </a:t>
-            </a:r>
-            <a:r>
-              <a:rPr lang="en-US" dirty="0" err="1"/>
-              <a:t>OneHotEncoder</a:t>
-            </a:r>
-            <a:r>
-              <a:rPr lang="en-US" dirty="0"/>
-              <a:t>()</a:t>
-            </a:r>
+            <a:endParaRPr lang="en-US" dirty="0"/>
           </a:p>
         </p:txBody>
       </p:sp>
@@ -887,7 +1065,7 @@
           <a:p>
             <a:fld id="{4C9AD59C-94C8-4AAB-AEDF-FDE77349626C}" type="slidenum">
               <a:rPr lang="en-US" smtClean="0"/>
-              <a:t>6</a:t>
+              <a:t>4</a:t>
             </a:fld>
             <a:endParaRPr lang="en-US"/>
           </a:p>
@@ -896,7 +1074,7 @@
     </p:spTree>
     <p:extLst>
       <p:ext uri="{BB962C8B-B14F-4D97-AF65-F5344CB8AC3E}">
-        <p14:creationId xmlns:p14="http://schemas.microsoft.com/office/powerpoint/2010/main" val="1730882943"/>
+        <p14:creationId xmlns:p14="http://schemas.microsoft.com/office/powerpoint/2010/main" val="2949222812"/>
       </p:ext>
     </p:extLst>
   </p:cSld>
@@ -952,21 +1130,15 @@
           <a:p>
             <a:r>
               <a:rPr lang="en-US" dirty="0"/>
-              <a:t>Task 1: Implement One-hot encoding using </a:t>
+              <a:t>Task 1: </a:t>
             </a:r>
             <a:r>
               <a:rPr lang="en-US" dirty="0" err="1"/>
-              <a:t>pandas.DataFrame</a:t>
+              <a:t>Implemente</a:t>
             </a:r>
             <a:r>
               <a:rPr lang="en-US" dirty="0"/>
-              <a:t>()</a:t>
-            </a:r>
-          </a:p>
-          <a:p>
-            <a:r>
-              <a:rPr lang="en-US" dirty="0"/>
-              <a:t>Task 2: What happens with NA’s? Run </a:t>
+              <a:t> </a:t>
             </a:r>
             <a:r>
               <a:rPr lang="en-US" dirty="0" err="1"/>
@@ -978,7 +1150,15 @@
             </a:r>
             <a:r>
               <a:rPr lang="en-US" dirty="0" err="1"/>
-              <a:t>OneHotEncoder</a:t>
+              <a:t>OrdinalEncoder</a:t>
+            </a:r>
+            <a:r>
+              <a:rPr lang="en-US" dirty="0"/>
+              <a:t>() using </a:t>
+            </a:r>
+            <a:r>
+              <a:rPr lang="en-US" dirty="0" err="1"/>
+              <a:t>Pandas.Series</a:t>
             </a:r>
             <a:r>
               <a:rPr lang="en-US" dirty="0"/>
@@ -1004,7 +1184,7 @@
           <a:p>
             <a:fld id="{4C9AD59C-94C8-4AAB-AEDF-FDE77349626C}" type="slidenum">
               <a:rPr lang="en-US" smtClean="0"/>
-              <a:t>7</a:t>
+              <a:t>5</a:t>
             </a:fld>
             <a:endParaRPr lang="en-US"/>
           </a:p>
@@ -1013,7 +1193,7 @@
     </p:spTree>
     <p:extLst>
       <p:ext uri="{BB962C8B-B14F-4D97-AF65-F5344CB8AC3E}">
-        <p14:creationId xmlns:p14="http://schemas.microsoft.com/office/powerpoint/2010/main" val="1311089170"/>
+        <p14:creationId xmlns:p14="http://schemas.microsoft.com/office/powerpoint/2010/main" val="955058820"/>
       </p:ext>
     </p:extLst>
   </p:cSld>
@@ -1069,21 +1249,38 @@
           <a:p>
             <a:r>
               <a:rPr lang="en-US" dirty="0"/>
-              <a:t>Fit </a:t>
+              <a:t>Task 1: Implement One-hot encoding using </a:t>
             </a:r>
             <a:r>
               <a:rPr lang="en-US" dirty="0" err="1"/>
-              <a:t>LinearRegressor</a:t>
+              <a:t>pandas.DataFrame</a:t>
             </a:r>
             <a:r>
               <a:rPr lang="en-US" dirty="0"/>
-              <a:t>() for the dataset </a:t>
-            </a:r>
-            <a:r>
-              <a:rPr lang="en-US"/>
-              <a:t>in presentation 02_ML_Linear_modelsA.pptx</a:t>
-            </a:r>
-            <a:endParaRPr lang="en-US" dirty="0"/>
+              <a:t>()</a:t>
+            </a:r>
+          </a:p>
+          <a:p>
+            <a:r>
+              <a:rPr lang="en-US" dirty="0"/>
+              <a:t>Task 2: What happens with NA’s? Run </a:t>
+            </a:r>
+            <a:r>
+              <a:rPr lang="en-US" dirty="0" err="1"/>
+              <a:t>Scikit</a:t>
+            </a:r>
+            <a:r>
+              <a:rPr lang="en-US" dirty="0"/>
+              <a:t>-learn </a:t>
+            </a:r>
+            <a:r>
+              <a:rPr lang="en-US" dirty="0" err="1"/>
+              <a:t>OneHotEncoder</a:t>
+            </a:r>
+            <a:r>
+              <a:rPr lang="en-US" dirty="0"/>
+              <a:t>()</a:t>
+            </a:r>
           </a:p>
         </p:txBody>
       </p:sp>
@@ -1104,7 +1301,7 @@
           <a:p>
             <a:fld id="{4C9AD59C-94C8-4AAB-AEDF-FDE77349626C}" type="slidenum">
               <a:rPr lang="en-US" smtClean="0"/>
-              <a:t>8</a:t>
+              <a:t>6</a:t>
             </a:fld>
             <a:endParaRPr lang="en-US"/>
           </a:p>
@@ -1113,7 +1310,7 @@
     </p:spTree>
     <p:extLst>
       <p:ext uri="{BB962C8B-B14F-4D97-AF65-F5344CB8AC3E}">
-        <p14:creationId xmlns:p14="http://schemas.microsoft.com/office/powerpoint/2010/main" val="2645525576"/>
+        <p14:creationId xmlns:p14="http://schemas.microsoft.com/office/powerpoint/2010/main" val="1730882943"/>
       </p:ext>
     </p:extLst>
   </p:cSld>
@@ -1168,6 +1365,223 @@
           <a:lstStyle/>
           <a:p>
             <a:r>
+              <a:rPr lang="en-US" dirty="0"/>
+              <a:t>Task 1: Implement One-hot encoding using </a:t>
+            </a:r>
+            <a:r>
+              <a:rPr lang="en-US" dirty="0" err="1"/>
+              <a:t>pandas.DataFrame</a:t>
+            </a:r>
+            <a:r>
+              <a:rPr lang="en-US" dirty="0"/>
+              <a:t>()</a:t>
+            </a:r>
+          </a:p>
+          <a:p>
+            <a:r>
+              <a:rPr lang="en-US" dirty="0"/>
+              <a:t>Task 2: What happens with NA’s? Run </a:t>
+            </a:r>
+            <a:r>
+              <a:rPr lang="en-US" dirty="0" err="1"/>
+              <a:t>Scikit</a:t>
+            </a:r>
+            <a:r>
+              <a:rPr lang="en-US" dirty="0"/>
+              <a:t>-learn </a:t>
+            </a:r>
+            <a:r>
+              <a:rPr lang="en-US" dirty="0" err="1"/>
+              <a:t>OneHotEncoder</a:t>
+            </a:r>
+            <a:r>
+              <a:rPr lang="en-US" dirty="0"/>
+              <a:t>()</a:t>
+            </a:r>
+          </a:p>
+        </p:txBody>
+      </p:sp>
+      <p:sp>
+        <p:nvSpPr>
+          <p:cNvPr id="4" name="Slide Number Placeholder 3"/>
+          <p:cNvSpPr>
+            <a:spLocks noGrp="1"/>
+          </p:cNvSpPr>
+          <p:nvPr>
+            <p:ph type="sldNum" sz="quarter" idx="5"/>
+          </p:nvPr>
+        </p:nvSpPr>
+        <p:spPr/>
+        <p:txBody>
+          <a:bodyPr/>
+          <a:lstStyle/>
+          <a:p>
+            <a:fld id="{4C9AD59C-94C8-4AAB-AEDF-FDE77349626C}" type="slidenum">
+              <a:rPr lang="en-US" smtClean="0"/>
+              <a:t>7</a:t>
+            </a:fld>
+            <a:endParaRPr lang="en-US"/>
+          </a:p>
+        </p:txBody>
+      </p:sp>
+    </p:spTree>
+    <p:extLst>
+      <p:ext uri="{BB962C8B-B14F-4D97-AF65-F5344CB8AC3E}">
+        <p14:creationId xmlns:p14="http://schemas.microsoft.com/office/powerpoint/2010/main" val="1311089170"/>
+      </p:ext>
+    </p:extLst>
+  </p:cSld>
+  <p:clrMapOvr>
+    <a:masterClrMapping/>
+  </p:clrMapOvr>
+</p:notes>
+</file>
+
+<file path=ppt/notesSlides/notesSlide6.xml><?xml version="1.0" encoding="utf-8"?>
+<p:notes xmlns:a="http://schemas.openxmlformats.org/drawingml/2006/main" xmlns:r="http://schemas.openxmlformats.org/officeDocument/2006/relationships" xmlns:p="http://schemas.openxmlformats.org/presentationml/2006/main">
+  <p:cSld>
+    <p:spTree>
+      <p:nvGrpSpPr>
+        <p:cNvPr id="1" name=""/>
+        <p:cNvGrpSpPr/>
+        <p:nvPr/>
+      </p:nvGrpSpPr>
+      <p:grpSpPr>
+        <a:xfrm>
+          <a:off x="0" y="0"/>
+          <a:ext cx="0" cy="0"/>
+          <a:chOff x="0" y="0"/>
+          <a:chExt cx="0" cy="0"/>
+        </a:xfrm>
+      </p:grpSpPr>
+      <p:sp>
+        <p:nvSpPr>
+          <p:cNvPr id="2" name="Slide Image Placeholder 1"/>
+          <p:cNvSpPr>
+            <a:spLocks noGrp="1" noRot="1" noChangeAspect="1"/>
+          </p:cNvSpPr>
+          <p:nvPr>
+            <p:ph type="sldImg"/>
+          </p:nvPr>
+        </p:nvSpPr>
+        <p:spPr/>
+      </p:sp>
+      <p:sp>
+        <p:nvSpPr>
+          <p:cNvPr id="3" name="Notes Placeholder 2"/>
+          <p:cNvSpPr>
+            <a:spLocks noGrp="1"/>
+          </p:cNvSpPr>
+          <p:nvPr>
+            <p:ph type="body" idx="1"/>
+          </p:nvPr>
+        </p:nvSpPr>
+        <p:spPr/>
+        <p:txBody>
+          <a:bodyPr/>
+          <a:lstStyle/>
+          <a:p>
+            <a:r>
+              <a:rPr lang="en-US" dirty="0"/>
+              <a:t>Fit </a:t>
+            </a:r>
+            <a:r>
+              <a:rPr lang="en-US" dirty="0" err="1"/>
+              <a:t>LinearRegressor</a:t>
+            </a:r>
+            <a:r>
+              <a:rPr lang="en-US" dirty="0"/>
+              <a:t>() for the dataset </a:t>
+            </a:r>
+            <a:r>
+              <a:rPr lang="en-US"/>
+              <a:t>in presentation 02_ML_Linear_modelsA.pptx</a:t>
+            </a:r>
+            <a:endParaRPr lang="en-US" dirty="0"/>
+          </a:p>
+        </p:txBody>
+      </p:sp>
+      <p:sp>
+        <p:nvSpPr>
+          <p:cNvPr id="4" name="Slide Number Placeholder 3"/>
+          <p:cNvSpPr>
+            <a:spLocks noGrp="1"/>
+          </p:cNvSpPr>
+          <p:nvPr>
+            <p:ph type="sldNum" sz="quarter" idx="5"/>
+          </p:nvPr>
+        </p:nvSpPr>
+        <p:spPr/>
+        <p:txBody>
+          <a:bodyPr/>
+          <a:lstStyle/>
+          <a:p>
+            <a:fld id="{4C9AD59C-94C8-4AAB-AEDF-FDE77349626C}" type="slidenum">
+              <a:rPr lang="en-US" smtClean="0"/>
+              <a:t>8</a:t>
+            </a:fld>
+            <a:endParaRPr lang="en-US"/>
+          </a:p>
+        </p:txBody>
+      </p:sp>
+    </p:spTree>
+    <p:extLst>
+      <p:ext uri="{BB962C8B-B14F-4D97-AF65-F5344CB8AC3E}">
+        <p14:creationId xmlns:p14="http://schemas.microsoft.com/office/powerpoint/2010/main" val="2645525576"/>
+      </p:ext>
+    </p:extLst>
+  </p:cSld>
+  <p:clrMapOvr>
+    <a:masterClrMapping/>
+  </p:clrMapOvr>
+</p:notes>
+</file>
+
+<file path=ppt/notesSlides/notesSlide7.xml><?xml version="1.0" encoding="utf-8"?>
+<p:notes xmlns:a="http://schemas.openxmlformats.org/drawingml/2006/main" xmlns:r="http://schemas.openxmlformats.org/officeDocument/2006/relationships" xmlns:p="http://schemas.openxmlformats.org/presentationml/2006/main">
+  <p:cSld>
+    <p:spTree>
+      <p:nvGrpSpPr>
+        <p:cNvPr id="1" name=""/>
+        <p:cNvGrpSpPr/>
+        <p:nvPr/>
+      </p:nvGrpSpPr>
+      <p:grpSpPr>
+        <a:xfrm>
+          <a:off x="0" y="0"/>
+          <a:ext cx="0" cy="0"/>
+          <a:chOff x="0" y="0"/>
+          <a:chExt cx="0" cy="0"/>
+        </a:xfrm>
+      </p:grpSpPr>
+      <p:sp>
+        <p:nvSpPr>
+          <p:cNvPr id="2" name="Slide Image Placeholder 1"/>
+          <p:cNvSpPr>
+            <a:spLocks noGrp="1" noRot="1" noChangeAspect="1"/>
+          </p:cNvSpPr>
+          <p:nvPr>
+            <p:ph type="sldImg"/>
+          </p:nvPr>
+        </p:nvSpPr>
+        <p:spPr/>
+      </p:sp>
+      <p:sp>
+        <p:nvSpPr>
+          <p:cNvPr id="3" name="Notes Placeholder 2"/>
+          <p:cNvSpPr>
+            <a:spLocks noGrp="1"/>
+          </p:cNvSpPr>
+          <p:nvPr>
+            <p:ph type="body" idx="1"/>
+          </p:nvPr>
+        </p:nvSpPr>
+        <p:spPr/>
+        <p:txBody>
+          <a:bodyPr/>
+          <a:lstStyle/>
+          <a:p>
+            <a:r>
               <a:rPr lang="en-US" dirty="0">
                 <a:hlinkClick r:id="rId3"/>
               </a:rPr>
@@ -1187,13 +1601,7 @@
               <a:rPr lang="en-US" dirty="0">
                 <a:hlinkClick r:id="rId4"/>
               </a:rPr>
-              <a:t>https://ray.readthedocs.io/en/latest/tune</a:t>
-            </a:r>
-            <a:r>
-              <a:rPr lang="en-US">
-                <a:hlinkClick r:id="rId4"/>
-              </a:rPr>
-              <a:t>.html</a:t>
+              <a:t>https://ray.readthedocs.io/en/latest/tune.html</a:t>
             </a:r>
             <a:endParaRPr lang="en-US" dirty="0"/>
           </a:p>
@@ -1366,7 +1774,7 @@
           <a:p>
             <a:fld id="{FE070745-F5EF-4AE3-92EF-0934EDED1862}" type="datetimeFigureOut">
               <a:rPr lang="en-US" smtClean="0"/>
-              <a:t>4/12/2020</a:t>
+              <a:t>4/19/2020</a:t>
             </a:fld>
             <a:endParaRPr lang="en-US"/>
           </a:p>
@@ -1536,7 +1944,7 @@
           <a:p>
             <a:fld id="{FE070745-F5EF-4AE3-92EF-0934EDED1862}" type="datetimeFigureOut">
               <a:rPr lang="en-US" smtClean="0"/>
-              <a:t>4/12/2020</a:t>
+              <a:t>4/19/2020</a:t>
             </a:fld>
             <a:endParaRPr lang="en-US"/>
           </a:p>
@@ -1716,7 +2124,7 @@
           <a:p>
             <a:fld id="{FE070745-F5EF-4AE3-92EF-0934EDED1862}" type="datetimeFigureOut">
               <a:rPr lang="en-US" smtClean="0"/>
-              <a:t>4/12/2020</a:t>
+              <a:t>4/19/2020</a:t>
             </a:fld>
             <a:endParaRPr lang="en-US"/>
           </a:p>
@@ -1886,7 +2294,7 @@
           <a:p>
             <a:fld id="{FE070745-F5EF-4AE3-92EF-0934EDED1862}" type="datetimeFigureOut">
               <a:rPr lang="en-US" smtClean="0"/>
-              <a:t>4/12/2020</a:t>
+              <a:t>4/19/2020</a:t>
             </a:fld>
             <a:endParaRPr lang="en-US"/>
           </a:p>
@@ -2132,7 +2540,7 @@
           <a:p>
             <a:fld id="{FE070745-F5EF-4AE3-92EF-0934EDED1862}" type="datetimeFigureOut">
               <a:rPr lang="en-US" smtClean="0"/>
-              <a:t>4/12/2020</a:t>
+              <a:t>4/19/2020</a:t>
             </a:fld>
             <a:endParaRPr lang="en-US"/>
           </a:p>
@@ -2364,7 +2772,7 @@
           <a:p>
             <a:fld id="{FE070745-F5EF-4AE3-92EF-0934EDED1862}" type="datetimeFigureOut">
               <a:rPr lang="en-US" smtClean="0"/>
-              <a:t>4/12/2020</a:t>
+              <a:t>4/19/2020</a:t>
             </a:fld>
             <a:endParaRPr lang="en-US"/>
           </a:p>
@@ -2731,7 +3139,7 @@
           <a:p>
             <a:fld id="{FE070745-F5EF-4AE3-92EF-0934EDED1862}" type="datetimeFigureOut">
               <a:rPr lang="en-US" smtClean="0"/>
-              <a:t>4/12/2020</a:t>
+              <a:t>4/19/2020</a:t>
             </a:fld>
             <a:endParaRPr lang="en-US"/>
           </a:p>
@@ -2849,7 +3257,7 @@
           <a:p>
             <a:fld id="{FE070745-F5EF-4AE3-92EF-0934EDED1862}" type="datetimeFigureOut">
               <a:rPr lang="en-US" smtClean="0"/>
-              <a:t>4/12/2020</a:t>
+              <a:t>4/19/2020</a:t>
             </a:fld>
             <a:endParaRPr lang="en-US"/>
           </a:p>
@@ -2944,7 +3352,7 @@
           <a:p>
             <a:fld id="{FE070745-F5EF-4AE3-92EF-0934EDED1862}" type="datetimeFigureOut">
               <a:rPr lang="en-US" smtClean="0"/>
-              <a:t>4/12/2020</a:t>
+              <a:t>4/19/2020</a:t>
             </a:fld>
             <a:endParaRPr lang="en-US"/>
           </a:p>
@@ -3221,7 +3629,7 @@
           <a:p>
             <a:fld id="{FE070745-F5EF-4AE3-92EF-0934EDED1862}" type="datetimeFigureOut">
               <a:rPr lang="en-US" smtClean="0"/>
-              <a:t>4/12/2020</a:t>
+              <a:t>4/19/2020</a:t>
             </a:fld>
             <a:endParaRPr lang="en-US"/>
           </a:p>
@@ -3478,7 +3886,7 @@
           <a:p>
             <a:fld id="{FE070745-F5EF-4AE3-92EF-0934EDED1862}" type="datetimeFigureOut">
               <a:rPr lang="en-US" smtClean="0"/>
-              <a:t>4/12/2020</a:t>
+              <a:t>4/19/2020</a:t>
             </a:fld>
             <a:endParaRPr lang="en-US"/>
           </a:p>
@@ -3691,7 +4099,7 @@
           <a:p>
             <a:fld id="{FE070745-F5EF-4AE3-92EF-0934EDED1862}" type="datetimeFigureOut">
               <a:rPr lang="en-US" smtClean="0"/>
-              <a:t>4/12/2020</a:t>
+              <a:t>4/19/2020</a:t>
             </a:fld>
             <a:endParaRPr lang="en-US"/>
           </a:p>
@@ -7201,7 +7609,7 @@
           <p:nvPr/>
         </p:nvPicPr>
         <p:blipFill rotWithShape="1">
-          <a:blip r:embed="rId2">
+          <a:blip r:embed="rId3">
             <a:extLst>
               <a:ext uri="{28A0092B-C50C-407E-A947-70E740481C1C}">
                 <a14:useLocalDpi xmlns:a14="http://schemas.microsoft.com/office/drawing/2010/main" val="0"/>
@@ -7742,7 +8150,7 @@
                   </a:solidFill>
                   <a:latin typeface="Consolas" panose="020B0609020204030204" pitchFamily="49" charset="0"/>
                 </a:rPr>
-                <a:t>test_set</a:t>
+                <a:t>test__set</a:t>
               </a:r>
               <a:r>
                 <a:rPr lang="en-US" sz="2000" dirty="0">
@@ -7899,7 +8307,7 @@
           <p:nvPr/>
         </p:nvPicPr>
         <p:blipFill rotWithShape="1">
-          <a:blip r:embed="rId3">
+          <a:blip r:embed="rId4">
             <a:extLst>
               <a:ext uri="{28A0092B-C50C-407E-A947-70E740481C1C}">
                 <a14:useLocalDpi xmlns:a14="http://schemas.microsoft.com/office/drawing/2010/main" val="0"/>
@@ -8402,7 +8810,7 @@
           <p:nvPr/>
         </p:nvPicPr>
         <p:blipFill>
-          <a:blip r:embed="rId2">
+          <a:blip r:embed="rId3">
             <a:extLst>
               <a:ext uri="{28A0092B-C50C-407E-A947-70E740481C1C}">
                 <a14:useLocalDpi xmlns:a14="http://schemas.microsoft.com/office/drawing/2010/main" val="0"/>
@@ -8468,7 +8876,7 @@
                     <a:lumMod val="75000"/>
                   </a:schemeClr>
                 </a:solidFill>
-                <a:hlinkClick r:id="rId3">
+                <a:hlinkClick r:id="rId4">
                   <a:extLst>
                     <a:ext uri="{A12FA001-AC4F-418D-AE19-62706E023703}">
                       <ahyp:hlinkClr xmlns:ahyp="http://schemas.microsoft.com/office/drawing/2018/hyperlinkcolor" val="tx"/>

--- a/slides/03_ML_MLprojectExample.pptx
+++ b/slides/03_ML_MLprojectExample.pptx
@@ -226,7 +226,7 @@
           <a:p>
             <a:fld id="{83A43D8E-262F-43F1-B0CF-97ED6AAA9912}" type="datetimeFigureOut">
               <a:rPr lang="en-US" smtClean="0"/>
-              <a:t>4/20/2020</a:t>
+              <a:t>10/2/2020</a:t>
             </a:fld>
             <a:endParaRPr lang="en-US"/>
           </a:p>
@@ -403,7 +403,7 @@
           <a:p>
             <a:fld id="{03B42920-386F-4187-8314-27C56E157030}" type="datetimeFigureOut">
               <a:rPr lang="en-US" smtClean="0"/>
-              <a:t>4/19/2020</a:t>
+              <a:t>10/2/2020</a:t>
             </a:fld>
             <a:endParaRPr lang="en-US"/>
           </a:p>
@@ -1774,7 +1774,7 @@
           <a:p>
             <a:fld id="{FE070745-F5EF-4AE3-92EF-0934EDED1862}" type="datetimeFigureOut">
               <a:rPr lang="en-US" smtClean="0"/>
-              <a:t>4/19/2020</a:t>
+              <a:t>10/2/2020</a:t>
             </a:fld>
             <a:endParaRPr lang="en-US"/>
           </a:p>
@@ -1944,7 +1944,7 @@
           <a:p>
             <a:fld id="{FE070745-F5EF-4AE3-92EF-0934EDED1862}" type="datetimeFigureOut">
               <a:rPr lang="en-US" smtClean="0"/>
-              <a:t>4/19/2020</a:t>
+              <a:t>10/2/2020</a:t>
             </a:fld>
             <a:endParaRPr lang="en-US"/>
           </a:p>
@@ -2124,7 +2124,7 @@
           <a:p>
             <a:fld id="{FE070745-F5EF-4AE3-92EF-0934EDED1862}" type="datetimeFigureOut">
               <a:rPr lang="en-US" smtClean="0"/>
-              <a:t>4/19/2020</a:t>
+              <a:t>10/2/2020</a:t>
             </a:fld>
             <a:endParaRPr lang="en-US"/>
           </a:p>
@@ -2294,7 +2294,7 @@
           <a:p>
             <a:fld id="{FE070745-F5EF-4AE3-92EF-0934EDED1862}" type="datetimeFigureOut">
               <a:rPr lang="en-US" smtClean="0"/>
-              <a:t>4/19/2020</a:t>
+              <a:t>10/2/2020</a:t>
             </a:fld>
             <a:endParaRPr lang="en-US"/>
           </a:p>
@@ -2540,7 +2540,7 @@
           <a:p>
             <a:fld id="{FE070745-F5EF-4AE3-92EF-0934EDED1862}" type="datetimeFigureOut">
               <a:rPr lang="en-US" smtClean="0"/>
-              <a:t>4/19/2020</a:t>
+              <a:t>10/2/2020</a:t>
             </a:fld>
             <a:endParaRPr lang="en-US"/>
           </a:p>
@@ -2772,7 +2772,7 @@
           <a:p>
             <a:fld id="{FE070745-F5EF-4AE3-92EF-0934EDED1862}" type="datetimeFigureOut">
               <a:rPr lang="en-US" smtClean="0"/>
-              <a:t>4/19/2020</a:t>
+              <a:t>10/2/2020</a:t>
             </a:fld>
             <a:endParaRPr lang="en-US"/>
           </a:p>
@@ -3139,7 +3139,7 @@
           <a:p>
             <a:fld id="{FE070745-F5EF-4AE3-92EF-0934EDED1862}" type="datetimeFigureOut">
               <a:rPr lang="en-US" smtClean="0"/>
-              <a:t>4/19/2020</a:t>
+              <a:t>10/2/2020</a:t>
             </a:fld>
             <a:endParaRPr lang="en-US"/>
           </a:p>
@@ -3257,7 +3257,7 @@
           <a:p>
             <a:fld id="{FE070745-F5EF-4AE3-92EF-0934EDED1862}" type="datetimeFigureOut">
               <a:rPr lang="en-US" smtClean="0"/>
-              <a:t>4/19/2020</a:t>
+              <a:t>10/2/2020</a:t>
             </a:fld>
             <a:endParaRPr lang="en-US"/>
           </a:p>
@@ -3352,7 +3352,7 @@
           <a:p>
             <a:fld id="{FE070745-F5EF-4AE3-92EF-0934EDED1862}" type="datetimeFigureOut">
               <a:rPr lang="en-US" smtClean="0"/>
-              <a:t>4/19/2020</a:t>
+              <a:t>10/2/2020</a:t>
             </a:fld>
             <a:endParaRPr lang="en-US"/>
           </a:p>
@@ -3629,7 +3629,7 @@
           <a:p>
             <a:fld id="{FE070745-F5EF-4AE3-92EF-0934EDED1862}" type="datetimeFigureOut">
               <a:rPr lang="en-US" smtClean="0"/>
-              <a:t>4/19/2020</a:t>
+              <a:t>10/2/2020</a:t>
             </a:fld>
             <a:endParaRPr lang="en-US"/>
           </a:p>
@@ -3886,7 +3886,7 @@
           <a:p>
             <a:fld id="{FE070745-F5EF-4AE3-92EF-0934EDED1862}" type="datetimeFigureOut">
               <a:rPr lang="en-US" smtClean="0"/>
-              <a:t>4/19/2020</a:t>
+              <a:t>10/2/2020</a:t>
             </a:fld>
             <a:endParaRPr lang="en-US"/>
           </a:p>
@@ -4099,7 +4099,7 @@
           <a:p>
             <a:fld id="{FE070745-F5EF-4AE3-92EF-0934EDED1862}" type="datetimeFigureOut">
               <a:rPr lang="en-US" smtClean="0"/>
-              <a:t>4/19/2020</a:t>
+              <a:t>10/2/2020</a:t>
             </a:fld>
             <a:endParaRPr lang="en-US"/>
           </a:p>
@@ -12381,7 +12381,7 @@
               <a:rPr lang="en-US" dirty="0" err="1">
                 <a:solidFill>
                   <a:schemeClr val="bg1">
-                    <a:lumMod val="65000"/>
+                    <a:lumMod val="50000"/>
                   </a:schemeClr>
                 </a:solidFill>
               </a:rPr>
@@ -12391,31 +12391,17 @@
               <a:rPr lang="en-US" dirty="0">
                 <a:solidFill>
                   <a:schemeClr val="bg1">
-                    <a:lumMod val="65000"/>
+                    <a:lumMod val="50000"/>
                   </a:schemeClr>
                 </a:solidFill>
               </a:rPr>
-              <a:t> |</a:t>
-            </a:r>
-            <a:r>
-              <a:rPr lang="en-US" dirty="0"/>
-              <a:t>              tree                     </a:t>
-            </a:r>
-            <a:r>
-              <a:rPr lang="en-US" dirty="0">
-                <a:solidFill>
-                  <a:schemeClr val="bg1">
-                    <a:lumMod val="65000"/>
-                  </a:schemeClr>
-                </a:solidFill>
-              </a:rPr>
-              <a:t>|              ensemble              | </a:t>
+              <a:t> |              tree                     |              ensemble              | </a:t>
             </a:r>
             <a:r>
               <a:rPr lang="en-US" dirty="0" err="1">
                 <a:solidFill>
                   <a:schemeClr val="bg1">
-                    <a:lumMod val="65000"/>
+                    <a:lumMod val="50000"/>
                   </a:schemeClr>
                 </a:solidFill>
               </a:rPr>
@@ -12425,7 +12411,7 @@
               <a:rPr lang="en-US" dirty="0">
                 <a:solidFill>
                   <a:schemeClr val="bg1">
-                    <a:lumMod val="65000"/>
+                    <a:lumMod val="50000"/>
                   </a:schemeClr>
                 </a:solidFill>
               </a:rPr>
@@ -12445,7 +12431,7 @@
               <a:rPr lang="en-US" dirty="0" err="1">
                 <a:solidFill>
                   <a:schemeClr val="bg1">
-                    <a:lumMod val="65000"/>
+                    <a:lumMod val="50000"/>
                   </a:schemeClr>
                 </a:solidFill>
               </a:rPr>
@@ -12455,39 +12441,37 @@
               <a:rPr lang="en-US" dirty="0">
                 <a:solidFill>
                   <a:schemeClr val="bg1">
-                    <a:lumMod val="65000"/>
+                    <a:lumMod val="50000"/>
                   </a:schemeClr>
                 </a:solidFill>
               </a:rPr>
-              <a:t> |</a:t>
-            </a:r>
-            <a:r>
-              <a:rPr lang="en-US" dirty="0"/>
-              <a:t> </a:t>
-            </a:r>
-            <a:r>
-              <a:rPr lang="en-US" dirty="0" err="1"/>
+              <a:t> | </a:t>
+            </a:r>
+            <a:r>
+              <a:rPr lang="en-US" dirty="0" err="1">
+                <a:solidFill>
+                  <a:schemeClr val="bg1">
+                    <a:lumMod val="50000"/>
+                  </a:schemeClr>
+                </a:solidFill>
+              </a:rPr>
               <a:t>DecisionTreeRegressor</a:t>
-            </a:r>
-            <a:r>
-              <a:rPr lang="en-US" dirty="0"/>
-              <a:t> </a:t>
             </a:r>
             <a:r>
               <a:rPr lang="en-US" dirty="0">
                 <a:solidFill>
                   <a:schemeClr val="bg1">
-                    <a:lumMod val="65000"/>
+                    <a:lumMod val="50000"/>
                   </a:schemeClr>
                 </a:solidFill>
               </a:rPr>
-              <a:t>| </a:t>
+              <a:t> | </a:t>
             </a:r>
             <a:r>
               <a:rPr lang="en-US" dirty="0" err="1">
                 <a:solidFill>
                   <a:schemeClr val="bg1">
-                    <a:lumMod val="65000"/>
+                    <a:lumMod val="50000"/>
                   </a:schemeClr>
                 </a:solidFill>
               </a:rPr>
@@ -12497,7 +12481,7 @@
               <a:rPr lang="en-US" dirty="0">
                 <a:solidFill>
                   <a:schemeClr val="bg1">
-                    <a:lumMod val="65000"/>
+                    <a:lumMod val="50000"/>
                   </a:schemeClr>
                 </a:solidFill>
               </a:rPr>
